--- a/Clases/01 - Selection & Insertion sort/01. Selection & Insertion sort.pptx
+++ b/Clases/01 - Selection & Insertion sort/01. Selection & Insertion sort.pptx
@@ -5,7 +5,7 @@
     <p:sldMasterId id="2147484134" r:id="rId1"/>
   </p:sldMasterIdLst>
   <p:notesMasterIdLst>
-    <p:notesMasterId r:id="rId24"/>
+    <p:notesMasterId r:id="rId40"/>
   </p:notesMasterIdLst>
   <p:sldIdLst>
     <p:sldId id="256" r:id="rId2"/>
@@ -28,8 +28,24 @@
     <p:sldId id="276" r:id="rId19"/>
     <p:sldId id="270" r:id="rId20"/>
     <p:sldId id="277" r:id="rId21"/>
-    <p:sldId id="278" r:id="rId22"/>
-    <p:sldId id="279" r:id="rId23"/>
+    <p:sldId id="284" r:id="rId22"/>
+    <p:sldId id="278" r:id="rId23"/>
+    <p:sldId id="279" r:id="rId24"/>
+    <p:sldId id="285" r:id="rId25"/>
+    <p:sldId id="274" r:id="rId26"/>
+    <p:sldId id="275" r:id="rId27"/>
+    <p:sldId id="286" r:id="rId28"/>
+    <p:sldId id="287" r:id="rId29"/>
+    <p:sldId id="300" r:id="rId30"/>
+    <p:sldId id="301" r:id="rId31"/>
+    <p:sldId id="305" r:id="rId32"/>
+    <p:sldId id="299" r:id="rId33"/>
+    <p:sldId id="302" r:id="rId34"/>
+    <p:sldId id="303" r:id="rId35"/>
+    <p:sldId id="304" r:id="rId36"/>
+    <p:sldId id="306" r:id="rId37"/>
+    <p:sldId id="307" r:id="rId38"/>
+    <p:sldId id="310" r:id="rId39"/>
   </p:sldIdLst>
   <p:sldSz cx="9144000" cy="6858000" type="screen4x3"/>
   <p:notesSz cx="6858000" cy="9144000"/>
@@ -628,7 +644,18 @@
           <a:bodyPr/>
           <a:lstStyle/>
           <a:p>
-            <a:endParaRPr lang="es-CL" b="1" dirty="0"/>
+            <a:r>
+              <a:rPr lang="es-CL" dirty="0"/>
+              <a:t>Sencillo: simplemente </a:t>
+            </a:r>
+            <a:r>
+              <a:rPr lang="es-CL" b="1" dirty="0"/>
+              <a:t>inserta</a:t>
+            </a:r>
+            <a:r>
+              <a:rPr lang="es-CL" dirty="0"/>
+              <a:t> los elementos donde les corresponde ir.</a:t>
+            </a:r>
           </a:p>
         </p:txBody>
       </p:sp>
@@ -649,7 +676,7 @@
           <a:p>
             <a:fld id="{9AC18598-3AE0-4714-BC26-A1084708E211}" type="slidenum">
               <a:rPr lang="es-CL" smtClean="0"/>
-              <a:t>17</a:t>
+              <a:t>15</a:t>
             </a:fld>
             <a:endParaRPr lang="es-CL"/>
           </a:p>
@@ -658,7 +685,7 @@
     </p:spTree>
     <p:extLst>
       <p:ext uri="{BB962C8B-B14F-4D97-AF65-F5344CB8AC3E}">
-        <p14:creationId xmlns:p14="http://schemas.microsoft.com/office/powerpoint/2010/main" val="1597253527"/>
+        <p14:creationId xmlns:p14="http://schemas.microsoft.com/office/powerpoint/2010/main" val="3618674046"/>
       </p:ext>
     </p:extLst>
   </p:cSld>
@@ -712,7 +739,7 @@
           <a:bodyPr/>
           <a:lstStyle/>
           <a:p>
-            <a:endParaRPr lang="es-CL" dirty="0"/>
+            <a:endParaRPr lang="es-CL" b="1" dirty="0"/>
           </a:p>
         </p:txBody>
       </p:sp>
@@ -731,9 +758,9 @@
           <a:bodyPr/>
           <a:lstStyle/>
           <a:p>
-            <a:fld id="{DF52B28F-3846-4A65-A7CF-CEB88539B6AF}" type="slidenum">
+            <a:fld id="{9AC18598-3AE0-4714-BC26-A1084708E211}" type="slidenum">
               <a:rPr lang="es-CL" smtClean="0"/>
-              <a:t>18</a:t>
+              <a:t>17</a:t>
             </a:fld>
             <a:endParaRPr lang="es-CL"/>
           </a:p>
@@ -742,7 +769,7 @@
     </p:spTree>
     <p:extLst>
       <p:ext uri="{BB962C8B-B14F-4D97-AF65-F5344CB8AC3E}">
-        <p14:creationId xmlns:p14="http://schemas.microsoft.com/office/powerpoint/2010/main" val="399601501"/>
+        <p14:creationId xmlns:p14="http://schemas.microsoft.com/office/powerpoint/2010/main" val="1597253527"/>
       </p:ext>
     </p:extLst>
   </p:cSld>
@@ -796,7 +823,7 @@
           <a:bodyPr/>
           <a:lstStyle/>
           <a:p>
-            <a:endParaRPr lang="es-CL" b="0" dirty="0"/>
+            <a:endParaRPr lang="es-CL" dirty="0"/>
           </a:p>
         </p:txBody>
       </p:sp>
@@ -815,6 +842,90 @@
           <a:bodyPr/>
           <a:lstStyle/>
           <a:p>
+            <a:fld id="{DF52B28F-3846-4A65-A7CF-CEB88539B6AF}" type="slidenum">
+              <a:rPr lang="es-CL" smtClean="0"/>
+              <a:t>18</a:t>
+            </a:fld>
+            <a:endParaRPr lang="es-CL"/>
+          </a:p>
+        </p:txBody>
+      </p:sp>
+    </p:spTree>
+    <p:extLst>
+      <p:ext uri="{BB962C8B-B14F-4D97-AF65-F5344CB8AC3E}">
+        <p14:creationId xmlns:p14="http://schemas.microsoft.com/office/powerpoint/2010/main" val="399601501"/>
+      </p:ext>
+    </p:extLst>
+  </p:cSld>
+  <p:clrMapOvr>
+    <a:masterClrMapping/>
+  </p:clrMapOvr>
+</p:notes>
+</file>
+
+<file path=ppt/notesSlides/notesSlide13.xml><?xml version="1.0" encoding="utf-8"?>
+<p:notes xmlns:a="http://schemas.openxmlformats.org/drawingml/2006/main" xmlns:r="http://schemas.openxmlformats.org/officeDocument/2006/relationships" xmlns:p="http://schemas.openxmlformats.org/presentationml/2006/main">
+  <p:cSld>
+    <p:spTree>
+      <p:nvGrpSpPr>
+        <p:cNvPr id="1" name=""/>
+        <p:cNvGrpSpPr/>
+        <p:nvPr/>
+      </p:nvGrpSpPr>
+      <p:grpSpPr>
+        <a:xfrm>
+          <a:off x="0" y="0"/>
+          <a:ext cx="0" cy="0"/>
+          <a:chOff x="0" y="0"/>
+          <a:chExt cx="0" cy="0"/>
+        </a:xfrm>
+      </p:grpSpPr>
+      <p:sp>
+        <p:nvSpPr>
+          <p:cNvPr id="2" name="Slide Image Placeholder 1"/>
+          <p:cNvSpPr>
+            <a:spLocks noGrp="1" noRot="1" noChangeAspect="1"/>
+          </p:cNvSpPr>
+          <p:nvPr>
+            <p:ph type="sldImg"/>
+          </p:nvPr>
+        </p:nvSpPr>
+        <p:spPr/>
+      </p:sp>
+      <p:sp>
+        <p:nvSpPr>
+          <p:cNvPr id="3" name="Notes Placeholder 2"/>
+          <p:cNvSpPr>
+            <a:spLocks noGrp="1"/>
+          </p:cNvSpPr>
+          <p:nvPr>
+            <p:ph type="body" idx="1"/>
+          </p:nvPr>
+        </p:nvSpPr>
+        <p:spPr/>
+        <p:txBody>
+          <a:bodyPr/>
+          <a:lstStyle/>
+          <a:p>
+            <a:endParaRPr lang="es-CL" b="0" dirty="0"/>
+          </a:p>
+        </p:txBody>
+      </p:sp>
+      <p:sp>
+        <p:nvSpPr>
+          <p:cNvPr id="4" name="Slide Number Placeholder 3"/>
+          <p:cNvSpPr>
+            <a:spLocks noGrp="1"/>
+          </p:cNvSpPr>
+          <p:nvPr>
+            <p:ph type="sldNum" sz="quarter" idx="10"/>
+          </p:nvPr>
+        </p:nvSpPr>
+        <p:spPr/>
+        <p:txBody>
+          <a:bodyPr/>
+          <a:lstStyle/>
+          <a:p>
             <a:fld id="{9AC18598-3AE0-4714-BC26-A1084708E211}" type="slidenum">
               <a:rPr lang="es-CL" smtClean="0"/>
               <a:t>19</a:t>
@@ -827,6 +938,604 @@
     <p:extLst>
       <p:ext uri="{BB962C8B-B14F-4D97-AF65-F5344CB8AC3E}">
         <p14:creationId xmlns:p14="http://schemas.microsoft.com/office/powerpoint/2010/main" val="2170957937"/>
+      </p:ext>
+    </p:extLst>
+  </p:cSld>
+  <p:clrMapOvr>
+    <a:masterClrMapping/>
+  </p:clrMapOvr>
+</p:notes>
+</file>
+
+<file path=ppt/notesSlides/notesSlide14.xml><?xml version="1.0" encoding="utf-8"?>
+<p:notes xmlns:a="http://schemas.openxmlformats.org/drawingml/2006/main" xmlns:r="http://schemas.openxmlformats.org/officeDocument/2006/relationships" xmlns:p="http://schemas.openxmlformats.org/presentationml/2006/main">
+  <p:cSld>
+    <p:spTree>
+      <p:nvGrpSpPr>
+        <p:cNvPr id="1" name=""/>
+        <p:cNvGrpSpPr/>
+        <p:nvPr/>
+      </p:nvGrpSpPr>
+      <p:grpSpPr>
+        <a:xfrm>
+          <a:off x="0" y="0"/>
+          <a:ext cx="0" cy="0"/>
+          <a:chOff x="0" y="0"/>
+          <a:chExt cx="0" cy="0"/>
+        </a:xfrm>
+      </p:grpSpPr>
+      <p:sp>
+        <p:nvSpPr>
+          <p:cNvPr id="2" name="Slide Image Placeholder 1"/>
+          <p:cNvSpPr>
+            <a:spLocks noGrp="1" noRot="1" noChangeAspect="1"/>
+          </p:cNvSpPr>
+          <p:nvPr>
+            <p:ph type="sldImg"/>
+          </p:nvPr>
+        </p:nvSpPr>
+        <p:spPr/>
+      </p:sp>
+      <p:sp>
+        <p:nvSpPr>
+          <p:cNvPr id="3" name="Notes Placeholder 2"/>
+          <p:cNvSpPr>
+            <a:spLocks noGrp="1"/>
+          </p:cNvSpPr>
+          <p:nvPr>
+            <p:ph type="body" idx="1"/>
+          </p:nvPr>
+        </p:nvSpPr>
+        <p:spPr/>
+        <p:txBody>
+          <a:bodyPr/>
+          <a:lstStyle/>
+          <a:p>
+            <a:endParaRPr lang="es-CL" b="1" dirty="0"/>
+          </a:p>
+        </p:txBody>
+      </p:sp>
+      <p:sp>
+        <p:nvSpPr>
+          <p:cNvPr id="4" name="Slide Number Placeholder 3"/>
+          <p:cNvSpPr>
+            <a:spLocks noGrp="1"/>
+          </p:cNvSpPr>
+          <p:nvPr>
+            <p:ph type="sldNum" sz="quarter" idx="10"/>
+          </p:nvPr>
+        </p:nvSpPr>
+        <p:spPr/>
+        <p:txBody>
+          <a:bodyPr/>
+          <a:lstStyle/>
+          <a:p>
+            <a:fld id="{9AC18598-3AE0-4714-BC26-A1084708E211}" type="slidenum">
+              <a:rPr lang="es-CL" smtClean="0"/>
+              <a:t>24</a:t>
+            </a:fld>
+            <a:endParaRPr lang="es-CL"/>
+          </a:p>
+        </p:txBody>
+      </p:sp>
+    </p:spTree>
+    <p:extLst>
+      <p:ext uri="{BB962C8B-B14F-4D97-AF65-F5344CB8AC3E}">
+        <p14:creationId xmlns:p14="http://schemas.microsoft.com/office/powerpoint/2010/main" val="2668562469"/>
+      </p:ext>
+    </p:extLst>
+  </p:cSld>
+  <p:clrMapOvr>
+    <a:masterClrMapping/>
+  </p:clrMapOvr>
+</p:notes>
+</file>
+
+<file path=ppt/notesSlides/notesSlide15.xml><?xml version="1.0" encoding="utf-8"?>
+<p:notes xmlns:a="http://schemas.openxmlformats.org/drawingml/2006/main" xmlns:r="http://schemas.openxmlformats.org/officeDocument/2006/relationships" xmlns:p="http://schemas.openxmlformats.org/presentationml/2006/main">
+  <p:cSld>
+    <p:spTree>
+      <p:nvGrpSpPr>
+        <p:cNvPr id="1" name=""/>
+        <p:cNvGrpSpPr/>
+        <p:nvPr/>
+      </p:nvGrpSpPr>
+      <p:grpSpPr>
+        <a:xfrm>
+          <a:off x="0" y="0"/>
+          <a:ext cx="0" cy="0"/>
+          <a:chOff x="0" y="0"/>
+          <a:chExt cx="0" cy="0"/>
+        </a:xfrm>
+      </p:grpSpPr>
+      <p:sp>
+        <p:nvSpPr>
+          <p:cNvPr id="2" name="Slide Image Placeholder 1"/>
+          <p:cNvSpPr>
+            <a:spLocks noGrp="1" noRot="1" noChangeAspect="1"/>
+          </p:cNvSpPr>
+          <p:nvPr>
+            <p:ph type="sldImg"/>
+          </p:nvPr>
+        </p:nvSpPr>
+        <p:spPr/>
+      </p:sp>
+      <p:sp>
+        <p:nvSpPr>
+          <p:cNvPr id="3" name="Notes Placeholder 2"/>
+          <p:cNvSpPr>
+            <a:spLocks noGrp="1"/>
+          </p:cNvSpPr>
+          <p:nvPr>
+            <p:ph type="body" idx="1"/>
+          </p:nvPr>
+        </p:nvSpPr>
+        <p:spPr/>
+        <p:txBody>
+          <a:bodyPr/>
+          <a:lstStyle/>
+          <a:p>
+            <a:r>
+              <a:rPr lang="es-CL" dirty="0"/>
+              <a:t>El problema de esto es como definimos la inserción</a:t>
+            </a:r>
+          </a:p>
+        </p:txBody>
+      </p:sp>
+      <p:sp>
+        <p:nvSpPr>
+          <p:cNvPr id="4" name="Slide Number Placeholder 3"/>
+          <p:cNvSpPr>
+            <a:spLocks noGrp="1"/>
+          </p:cNvSpPr>
+          <p:nvPr>
+            <p:ph type="sldNum" sz="quarter" idx="10"/>
+          </p:nvPr>
+        </p:nvSpPr>
+        <p:spPr/>
+        <p:txBody>
+          <a:bodyPr/>
+          <a:lstStyle/>
+          <a:p>
+            <a:fld id="{DF52B28F-3846-4A65-A7CF-CEB88539B6AF}" type="slidenum">
+              <a:rPr lang="es-CL" smtClean="0"/>
+              <a:t>26</a:t>
+            </a:fld>
+            <a:endParaRPr lang="es-CL"/>
+          </a:p>
+        </p:txBody>
+      </p:sp>
+    </p:spTree>
+    <p:extLst>
+      <p:ext uri="{BB962C8B-B14F-4D97-AF65-F5344CB8AC3E}">
+        <p14:creationId xmlns:p14="http://schemas.microsoft.com/office/powerpoint/2010/main" val="3389097873"/>
+      </p:ext>
+    </p:extLst>
+  </p:cSld>
+  <p:clrMapOvr>
+    <a:masterClrMapping/>
+  </p:clrMapOvr>
+</p:notes>
+</file>
+
+<file path=ppt/notesSlides/notesSlide16.xml><?xml version="1.0" encoding="utf-8"?>
+<p:notes xmlns:a="http://schemas.openxmlformats.org/drawingml/2006/main" xmlns:r="http://schemas.openxmlformats.org/officeDocument/2006/relationships" xmlns:p="http://schemas.openxmlformats.org/presentationml/2006/main">
+  <p:cSld>
+    <p:spTree>
+      <p:nvGrpSpPr>
+        <p:cNvPr id="1" name=""/>
+        <p:cNvGrpSpPr/>
+        <p:nvPr/>
+      </p:nvGrpSpPr>
+      <p:grpSpPr>
+        <a:xfrm>
+          <a:off x="0" y="0"/>
+          <a:ext cx="0" cy="0"/>
+          <a:chOff x="0" y="0"/>
+          <a:chExt cx="0" cy="0"/>
+        </a:xfrm>
+      </p:grpSpPr>
+      <p:sp>
+        <p:nvSpPr>
+          <p:cNvPr id="2" name="Slide Image Placeholder 1"/>
+          <p:cNvSpPr>
+            <a:spLocks noGrp="1" noRot="1" noChangeAspect="1"/>
+          </p:cNvSpPr>
+          <p:nvPr>
+            <p:ph type="sldImg"/>
+          </p:nvPr>
+        </p:nvSpPr>
+        <p:spPr/>
+      </p:sp>
+      <p:sp>
+        <p:nvSpPr>
+          <p:cNvPr id="3" name="Notes Placeholder 2"/>
+          <p:cNvSpPr>
+            <a:spLocks noGrp="1"/>
+          </p:cNvSpPr>
+          <p:nvPr>
+            <p:ph type="body" idx="1"/>
+          </p:nvPr>
+        </p:nvSpPr>
+        <p:spPr/>
+        <p:txBody>
+          <a:bodyPr/>
+          <a:lstStyle/>
+          <a:p>
+            <a:r>
+              <a:rPr lang="en-US" dirty="0"/>
+              <a:t>Insertion Sort in place, </a:t>
+            </a:r>
+            <a:r>
+              <a:rPr lang="en-US" dirty="0" err="1"/>
+              <a:t>ya</a:t>
+            </a:r>
+            <a:r>
+              <a:rPr lang="en-US" dirty="0"/>
+              <a:t> que </a:t>
+            </a:r>
+            <a:r>
+              <a:rPr lang="en-US" dirty="0" err="1"/>
+              <a:t>en</a:t>
+            </a:r>
+            <a:r>
+              <a:rPr lang="en-US" dirty="0"/>
+              <a:t> la </a:t>
+            </a:r>
+            <a:r>
+              <a:rPr lang="en-US" dirty="0" err="1"/>
+              <a:t>practica</a:t>
+            </a:r>
+            <a:r>
+              <a:rPr lang="en-US" dirty="0"/>
+              <a:t> se </a:t>
+            </a:r>
+            <a:r>
+              <a:rPr lang="en-US" dirty="0" err="1"/>
+              <a:t>usan</a:t>
+            </a:r>
+            <a:r>
+              <a:rPr lang="en-US" dirty="0"/>
+              <a:t> </a:t>
+            </a:r>
+            <a:r>
+              <a:rPr lang="en-US" dirty="0" err="1"/>
+              <a:t>arreglos</a:t>
+            </a:r>
+            <a:r>
+              <a:rPr lang="en-US" dirty="0"/>
+              <a:t>.</a:t>
+            </a:r>
+            <a:endParaRPr lang="es-CL" dirty="0"/>
+          </a:p>
+        </p:txBody>
+      </p:sp>
+      <p:sp>
+        <p:nvSpPr>
+          <p:cNvPr id="4" name="Slide Number Placeholder 3"/>
+          <p:cNvSpPr>
+            <a:spLocks noGrp="1"/>
+          </p:cNvSpPr>
+          <p:nvPr>
+            <p:ph type="sldNum" sz="quarter" idx="5"/>
+          </p:nvPr>
+        </p:nvSpPr>
+        <p:spPr/>
+        <p:txBody>
+          <a:bodyPr/>
+          <a:lstStyle/>
+          <a:p>
+            <a:fld id="{A1A14498-B057-4736-9541-68C19ECA2110}" type="slidenum">
+              <a:rPr lang="es-CL" smtClean="0"/>
+              <a:t>28</a:t>
+            </a:fld>
+            <a:endParaRPr lang="es-CL"/>
+          </a:p>
+        </p:txBody>
+      </p:sp>
+    </p:spTree>
+    <p:extLst>
+      <p:ext uri="{BB962C8B-B14F-4D97-AF65-F5344CB8AC3E}">
+        <p14:creationId xmlns:p14="http://schemas.microsoft.com/office/powerpoint/2010/main" val="3412261311"/>
+      </p:ext>
+    </p:extLst>
+  </p:cSld>
+  <p:clrMapOvr>
+    <a:masterClrMapping/>
+  </p:clrMapOvr>
+</p:notes>
+</file>
+
+<file path=ppt/notesSlides/notesSlide17.xml><?xml version="1.0" encoding="utf-8"?>
+<p:notes xmlns:a="http://schemas.openxmlformats.org/drawingml/2006/main" xmlns:r="http://schemas.openxmlformats.org/officeDocument/2006/relationships" xmlns:p="http://schemas.openxmlformats.org/presentationml/2006/main">
+  <p:cSld>
+    <p:spTree>
+      <p:nvGrpSpPr>
+        <p:cNvPr id="1" name=""/>
+        <p:cNvGrpSpPr/>
+        <p:nvPr/>
+      </p:nvGrpSpPr>
+      <p:grpSpPr>
+        <a:xfrm>
+          <a:off x="0" y="0"/>
+          <a:ext cx="0" cy="0"/>
+          <a:chOff x="0" y="0"/>
+          <a:chExt cx="0" cy="0"/>
+        </a:xfrm>
+      </p:grpSpPr>
+      <p:sp>
+        <p:nvSpPr>
+          <p:cNvPr id="2" name="Slide Image Placeholder 1"/>
+          <p:cNvSpPr>
+            <a:spLocks noGrp="1" noRot="1" noChangeAspect="1"/>
+          </p:cNvSpPr>
+          <p:nvPr>
+            <p:ph type="sldImg"/>
+          </p:nvPr>
+        </p:nvSpPr>
+        <p:spPr/>
+      </p:sp>
+      <p:sp>
+        <p:nvSpPr>
+          <p:cNvPr id="3" name="Notes Placeholder 2"/>
+          <p:cNvSpPr>
+            <a:spLocks noGrp="1"/>
+          </p:cNvSpPr>
+          <p:nvPr>
+            <p:ph type="body" idx="1"/>
+          </p:nvPr>
+        </p:nvSpPr>
+        <p:spPr/>
+        <p:txBody>
+          <a:bodyPr/>
+          <a:lstStyle/>
+          <a:p>
+            <a:r>
+              <a:rPr lang="es-CL" dirty="0"/>
+              <a:t>¿Sirve esto para cuando hay elementos repetidos o los números no van del 1 al n?</a:t>
+            </a:r>
+          </a:p>
+        </p:txBody>
+      </p:sp>
+      <p:sp>
+        <p:nvSpPr>
+          <p:cNvPr id="4" name="Slide Number Placeholder 3"/>
+          <p:cNvSpPr>
+            <a:spLocks noGrp="1"/>
+          </p:cNvSpPr>
+          <p:nvPr>
+            <p:ph type="sldNum" sz="quarter" idx="5"/>
+          </p:nvPr>
+        </p:nvSpPr>
+        <p:spPr/>
+        <p:txBody>
+          <a:bodyPr/>
+          <a:lstStyle/>
+          <a:p>
+            <a:fld id="{A1A14498-B057-4736-9541-68C19ECA2110}" type="slidenum">
+              <a:rPr lang="es-CL" smtClean="0"/>
+              <a:t>30</a:t>
+            </a:fld>
+            <a:endParaRPr lang="es-CL"/>
+          </a:p>
+        </p:txBody>
+      </p:sp>
+    </p:spTree>
+    <p:extLst>
+      <p:ext uri="{BB962C8B-B14F-4D97-AF65-F5344CB8AC3E}">
+        <p14:creationId xmlns:p14="http://schemas.microsoft.com/office/powerpoint/2010/main" val="2459082833"/>
+      </p:ext>
+    </p:extLst>
+  </p:cSld>
+  <p:clrMapOvr>
+    <a:masterClrMapping/>
+  </p:clrMapOvr>
+</p:notes>
+</file>
+
+<file path=ppt/notesSlides/notesSlide18.xml><?xml version="1.0" encoding="utf-8"?>
+<p:notes xmlns:a="http://schemas.openxmlformats.org/drawingml/2006/main" xmlns:r="http://schemas.openxmlformats.org/officeDocument/2006/relationships" xmlns:p="http://schemas.openxmlformats.org/presentationml/2006/main">
+  <p:cSld>
+    <p:spTree>
+      <p:nvGrpSpPr>
+        <p:cNvPr id="1" name=""/>
+        <p:cNvGrpSpPr/>
+        <p:nvPr/>
+      </p:nvGrpSpPr>
+      <p:grpSpPr>
+        <a:xfrm>
+          <a:off x="0" y="0"/>
+          <a:ext cx="0" cy="0"/>
+          <a:chOff x="0" y="0"/>
+          <a:chExt cx="0" cy="0"/>
+        </a:xfrm>
+      </p:grpSpPr>
+      <p:sp>
+        <p:nvSpPr>
+          <p:cNvPr id="2" name="Slide Image Placeholder 1"/>
+          <p:cNvSpPr>
+            <a:spLocks noGrp="1" noRot="1" noChangeAspect="1"/>
+          </p:cNvSpPr>
+          <p:nvPr>
+            <p:ph type="sldImg"/>
+          </p:nvPr>
+        </p:nvSpPr>
+        <p:spPr/>
+      </p:sp>
+      <p:sp>
+        <p:nvSpPr>
+          <p:cNvPr id="3" name="Notes Placeholder 2"/>
+          <p:cNvSpPr>
+            <a:spLocks noGrp="1"/>
+          </p:cNvSpPr>
+          <p:nvPr>
+            <p:ph type="body" idx="1"/>
+          </p:nvPr>
+        </p:nvSpPr>
+        <p:spPr/>
+        <p:txBody>
+          <a:bodyPr/>
+          <a:lstStyle/>
+          <a:p>
+            <a:endParaRPr lang="es-CL" dirty="0"/>
+          </a:p>
+        </p:txBody>
+      </p:sp>
+      <p:sp>
+        <p:nvSpPr>
+          <p:cNvPr id="4" name="Slide Number Placeholder 3"/>
+          <p:cNvSpPr>
+            <a:spLocks noGrp="1"/>
+          </p:cNvSpPr>
+          <p:nvPr>
+            <p:ph type="sldNum" sz="quarter" idx="5"/>
+          </p:nvPr>
+        </p:nvSpPr>
+        <p:spPr/>
+        <p:txBody>
+          <a:bodyPr/>
+          <a:lstStyle/>
+          <a:p>
+            <a:fld id="{A1A14498-B057-4736-9541-68C19ECA2110}" type="slidenum">
+              <a:rPr lang="es-CL" smtClean="0"/>
+              <a:t>32</a:t>
+            </a:fld>
+            <a:endParaRPr lang="es-CL"/>
+          </a:p>
+        </p:txBody>
+      </p:sp>
+    </p:spTree>
+    <p:extLst>
+      <p:ext uri="{BB962C8B-B14F-4D97-AF65-F5344CB8AC3E}">
+        <p14:creationId xmlns:p14="http://schemas.microsoft.com/office/powerpoint/2010/main" val="1496263861"/>
+      </p:ext>
+    </p:extLst>
+  </p:cSld>
+  <p:clrMapOvr>
+    <a:masterClrMapping/>
+  </p:clrMapOvr>
+</p:notes>
+</file>
+
+<file path=ppt/notesSlides/notesSlide19.xml><?xml version="1.0" encoding="utf-8"?>
+<p:notes xmlns:a="http://schemas.openxmlformats.org/drawingml/2006/main" xmlns:r="http://schemas.openxmlformats.org/officeDocument/2006/relationships" xmlns:p="http://schemas.openxmlformats.org/presentationml/2006/main">
+  <p:cSld>
+    <p:spTree>
+      <p:nvGrpSpPr>
+        <p:cNvPr id="1" name=""/>
+        <p:cNvGrpSpPr/>
+        <p:nvPr/>
+      </p:nvGrpSpPr>
+      <p:grpSpPr>
+        <a:xfrm>
+          <a:off x="0" y="0"/>
+          <a:ext cx="0" cy="0"/>
+          <a:chOff x="0" y="0"/>
+          <a:chExt cx="0" cy="0"/>
+        </a:xfrm>
+      </p:grpSpPr>
+      <p:sp>
+        <p:nvSpPr>
+          <p:cNvPr id="2" name="Slide Image Placeholder 1"/>
+          <p:cNvSpPr>
+            <a:spLocks noGrp="1" noRot="1" noChangeAspect="1"/>
+          </p:cNvSpPr>
+          <p:nvPr>
+            <p:ph type="sldImg"/>
+          </p:nvPr>
+        </p:nvSpPr>
+        <p:spPr/>
+      </p:sp>
+      <p:sp>
+        <p:nvSpPr>
+          <p:cNvPr id="3" name="Notes Placeholder 2"/>
+          <p:cNvSpPr>
+            <a:spLocks noGrp="1"/>
+          </p:cNvSpPr>
+          <p:nvPr>
+            <p:ph type="body" idx="1"/>
+          </p:nvPr>
+        </p:nvSpPr>
+        <p:spPr/>
+        <p:txBody>
+          <a:bodyPr/>
+          <a:lstStyle/>
+          <a:p>
+            <a:r>
+              <a:rPr lang="en-US" dirty="0"/>
+              <a:t>Insertion Sort in place, </a:t>
+            </a:r>
+            <a:r>
+              <a:rPr lang="en-US" dirty="0" err="1"/>
+              <a:t>ya</a:t>
+            </a:r>
+            <a:r>
+              <a:rPr lang="en-US" dirty="0"/>
+              <a:t> que </a:t>
+            </a:r>
+            <a:r>
+              <a:rPr lang="en-US" dirty="0" err="1"/>
+              <a:t>en</a:t>
+            </a:r>
+            <a:r>
+              <a:rPr lang="en-US" dirty="0"/>
+              <a:t> la </a:t>
+            </a:r>
+            <a:r>
+              <a:rPr lang="en-US" dirty="0" err="1"/>
+              <a:t>práctica</a:t>
+            </a:r>
+            <a:r>
+              <a:rPr lang="en-US" dirty="0"/>
+              <a:t> se </a:t>
+            </a:r>
+            <a:r>
+              <a:rPr lang="en-US" dirty="0" err="1"/>
+              <a:t>usan</a:t>
+            </a:r>
+            <a:r>
+              <a:rPr lang="en-US" dirty="0"/>
+              <a:t> </a:t>
+            </a:r>
+            <a:r>
+              <a:rPr lang="en-US" dirty="0" err="1"/>
+              <a:t>arreglos</a:t>
+            </a:r>
+            <a:r>
+              <a:rPr lang="en-US" dirty="0"/>
+              <a:t>.</a:t>
+            </a:r>
+            <a:endParaRPr lang="es-CL" dirty="0"/>
+          </a:p>
+        </p:txBody>
+      </p:sp>
+      <p:sp>
+        <p:nvSpPr>
+          <p:cNvPr id="4" name="Slide Number Placeholder 3"/>
+          <p:cNvSpPr>
+            <a:spLocks noGrp="1"/>
+          </p:cNvSpPr>
+          <p:nvPr>
+            <p:ph type="sldNum" sz="quarter" idx="5"/>
+          </p:nvPr>
+        </p:nvSpPr>
+        <p:spPr/>
+        <p:txBody>
+          <a:bodyPr/>
+          <a:lstStyle/>
+          <a:p>
+            <a:fld id="{A1A14498-B057-4736-9541-68C19ECA2110}" type="slidenum">
+              <a:rPr lang="es-CL" smtClean="0"/>
+              <a:t>33</a:t>
+            </a:fld>
+            <a:endParaRPr lang="es-CL"/>
+          </a:p>
+        </p:txBody>
+      </p:sp>
+    </p:spTree>
+    <p:extLst>
+      <p:ext uri="{BB962C8B-B14F-4D97-AF65-F5344CB8AC3E}">
+        <p14:creationId xmlns:p14="http://schemas.microsoft.com/office/powerpoint/2010/main" val="2488522851"/>
       </p:ext>
     </p:extLst>
   </p:cSld>
@@ -1548,18 +2257,7 @@
           <a:bodyPr/>
           <a:lstStyle/>
           <a:p>
-            <a:r>
-              <a:rPr lang="es-CL" dirty="0"/>
-              <a:t>Sencillo: simplemente </a:t>
-            </a:r>
-            <a:r>
-              <a:rPr lang="es-CL" b="1" dirty="0"/>
-              <a:t>inserta</a:t>
-            </a:r>
-            <a:r>
-              <a:rPr lang="es-CL" dirty="0"/>
-              <a:t> los elementos donde les corresponde ir.</a:t>
-            </a:r>
+            <a:endParaRPr lang="en-US"/>
           </a:p>
         </p:txBody>
       </p:sp>
@@ -1570,7 +2268,7 @@
             <a:spLocks noGrp="1"/>
           </p:cNvSpPr>
           <p:nvPr>
-            <p:ph type="sldNum" sz="quarter" idx="10"/>
+            <p:ph type="sldNum" sz="quarter" idx="5"/>
           </p:nvPr>
         </p:nvSpPr>
         <p:spPr/>
@@ -1578,9 +2276,9 @@
           <a:bodyPr/>
           <a:lstStyle/>
           <a:p>
-            <a:fld id="{9AC18598-3AE0-4714-BC26-A1084708E211}" type="slidenum">
+            <a:fld id="{DF52B28F-3846-4A65-A7CF-CEB88539B6AF}" type="slidenum">
               <a:rPr lang="es-CL" smtClean="0"/>
-              <a:t>15</a:t>
+              <a:t>12</a:t>
             </a:fld>
             <a:endParaRPr lang="es-CL"/>
           </a:p>
@@ -1589,7 +2287,7 @@
     </p:spTree>
     <p:extLst>
       <p:ext uri="{BB962C8B-B14F-4D97-AF65-F5344CB8AC3E}">
-        <p14:creationId xmlns:p14="http://schemas.microsoft.com/office/powerpoint/2010/main" val="3618674046"/>
+        <p14:creationId xmlns:p14="http://schemas.microsoft.com/office/powerpoint/2010/main" val="1961838926"/>
       </p:ext>
     </p:extLst>
   </p:cSld>
@@ -4021,7 +4719,14 @@
           <a:p>
             <a:r>
               <a:rPr lang="es-CL" sz="4000" dirty="0"/>
-              <a:t>Raciocinio para determinar la complejidad de </a:t>
+              <a:t>Raciocinio para determinar</a:t>
+            </a:r>
+            <a:br>
+              <a:rPr lang="es-CL" sz="4000" dirty="0"/>
+            </a:br>
+            <a:r>
+              <a:rPr lang="es-CL" sz="4000" dirty="0"/>
+              <a:t>la complejidad de </a:t>
             </a:r>
             <a:r>
               <a:rPr lang="es-CL" sz="4000" i="1" dirty="0"/>
@@ -4289,7 +4994,7 @@
             </p:nvSpPr>
             <p:spPr>
               <a:blipFill>
-                <a:blip r:embed="rId2"/>
+                <a:blip r:embed="rId3"/>
                 <a:stretch>
                   <a:fillRect l="-1468"/>
                 </a:stretch>
@@ -4365,7 +5070,14 @@
           <a:p>
             <a:r>
               <a:rPr lang="es-CL" sz="4000" dirty="0"/>
-              <a:t>Otra forma de calcular la complejidad de </a:t>
+              <a:t>Otra forma de calcular</a:t>
+            </a:r>
+            <a:br>
+              <a:rPr lang="es-CL" sz="4000" dirty="0"/>
+            </a:br>
+            <a:r>
+              <a:rPr lang="es-CL" sz="4000" dirty="0"/>
+              <a:t>la complejidad de </a:t>
             </a:r>
             <a:r>
               <a:rPr lang="es-CL" sz="4000" i="1" dirty="0"/>
@@ -4374,8 +5086,8 @@
           </a:p>
         </p:txBody>
       </p:sp>
-      <mc:AlternateContent xmlns:mc="http://schemas.openxmlformats.org/markup-compatibility/2006">
-        <mc:Choice xmlns:a14="http://schemas.microsoft.com/office/drawing/2010/main" Requires="a14">
+      <mc:AlternateContent xmlns:mc="http://schemas.openxmlformats.org/markup-compatibility/2006" xmlns:a14="http://schemas.microsoft.com/office/drawing/2010/main">
+        <mc:Choice Requires="a14">
           <p:sp>
             <p:nvSpPr>
               <p:cNvPr id="3" name="Content Placeholder 2">
@@ -4706,7 +5418,7 @@
             </p:txBody>
           </p:sp>
         </mc:Choice>
-        <mc:Fallback>
+        <mc:Fallback xmlns="">
           <p:sp>
             <p:nvSpPr>
               <p:cNvPr id="3" name="Content Placeholder 2">
@@ -4810,8 +5522,8 @@
           </a:p>
         </p:txBody>
       </p:sp>
-      <mc:AlternateContent xmlns:mc="http://schemas.openxmlformats.org/markup-compatibility/2006">
-        <mc:Choice xmlns:a14="http://schemas.microsoft.com/office/drawing/2010/main" Requires="a14">
+      <mc:AlternateContent xmlns:mc="http://schemas.openxmlformats.org/markup-compatibility/2006" xmlns:a14="http://schemas.microsoft.com/office/drawing/2010/main">
+        <mc:Choice Requires="a14">
           <p:sp>
             <p:nvSpPr>
               <p:cNvPr id="3" name="Content Placeholder 2">
@@ -4982,7 +5694,7 @@
             </p:txBody>
           </p:sp>
         </mc:Choice>
-        <mc:Fallback>
+        <mc:Fallback xmlns="">
           <p:sp>
             <p:nvSpPr>
               <p:cNvPr id="3" name="Content Placeholder 2">
@@ -5338,7 +6050,7 @@
             </a:r>
             <a:r>
               <a:rPr lang="es-CL" i="1" dirty="0"/>
-              <a:t>insertionSort</a:t>
+              <a:t>insertion sort</a:t>
             </a:r>
           </a:p>
         </p:txBody>
@@ -6174,8 +6886,8 @@
           </a:p>
         </p:txBody>
       </p:sp>
-      <mc:AlternateContent xmlns:mc="http://schemas.openxmlformats.org/markup-compatibility/2006" xmlns:a14="http://schemas.microsoft.com/office/drawing/2010/main">
-        <mc:Choice Requires="a14">
+      <mc:AlternateContent xmlns:mc="http://schemas.openxmlformats.org/markup-compatibility/2006">
+        <mc:Choice xmlns:a14="http://schemas.microsoft.com/office/drawing/2010/main" Requires="a14">
           <p:sp>
             <p:nvSpPr>
               <p:cNvPr id="3" name="Content Placeholder 2">
@@ -6340,292 +7052,16 @@
                   <a:t>arreglos</a:t>
                 </a:r>
                 <a:r>
+                  <a:rPr lang="es-CL" dirty="0">
+                    <a:solidFill>
+                      <a:schemeClr val="tx1"/>
+                    </a:solidFill>
+                  </a:rPr>
+                  <a:t>,</a:t>
+                </a:r>
+                <a:r>
                   <a:rPr lang="es-CL" dirty="0"/>
                   <a:t> </a:t>
-                </a:r>
-                <a:r>
-                  <a:rPr lang="es-CL" b="1" dirty="0">
-                    <a:solidFill>
-                      <a:schemeClr val="accent4"/>
-                    </a:solidFill>
-                  </a:rPr>
-                  <a:t>insertar</a:t>
-                </a:r>
-                <a:r>
-                  <a:rPr lang="es-CL" dirty="0"/>
-                  <a:t> es </a:t>
-                </a:r>
-                <a14:m>
-                  <m:oMath xmlns:m="http://schemas.openxmlformats.org/officeDocument/2006/math">
-                    <m:r>
-                      <a:rPr lang="es-CL" b="0" i="1" smtClean="0">
-                        <a:latin typeface="Cambria Math" panose="02040503050406030204" pitchFamily="18" charset="0"/>
-                      </a:rPr>
-                      <m:t>𝑂</m:t>
-                    </m:r>
-                    <m:d>
-                      <m:dPr>
-                        <m:ctrlPr>
-                          <a:rPr lang="es-CL" b="0" i="1" smtClean="0">
-                            <a:latin typeface="Cambria Math" panose="02040503050406030204" pitchFamily="18" charset="0"/>
-                          </a:rPr>
-                        </m:ctrlPr>
-                      </m:dPr>
-                      <m:e>
-                        <m:r>
-                          <a:rPr lang="es-CL" b="0" i="1" smtClean="0">
-                            <a:latin typeface="Cambria Math" panose="02040503050406030204" pitchFamily="18" charset="0"/>
-                          </a:rPr>
-                          <m:t>𝑛</m:t>
-                        </m:r>
-                      </m:e>
-                    </m:d>
-                  </m:oMath>
-                </a14:m>
-                <a:endParaRPr lang="es-CL" dirty="0"/>
-              </a:p>
-            </p:txBody>
-          </p:sp>
-        </mc:Choice>
-        <mc:Fallback xmlns="">
-          <p:sp>
-            <p:nvSpPr>
-              <p:cNvPr id="3" name="Content Placeholder 2">
-                <a:extLst>
-                  <a:ext uri="{FF2B5EF4-FFF2-40B4-BE49-F238E27FC236}">
-                    <a16:creationId xmlns:a16="http://schemas.microsoft.com/office/drawing/2014/main" id="{52C9B8CE-2D6B-4709-AE87-8A92A7545348}"/>
-                  </a:ext>
-                </a:extLst>
-              </p:cNvPr>
-              <p:cNvSpPr>
-                <a:spLocks noGrp="1" noRot="1" noChangeAspect="1" noMove="1" noResize="1" noEditPoints="1" noAdjustHandles="1" noChangeArrowheads="1" noChangeShapeType="1" noTextEdit="1"/>
-              </p:cNvSpPr>
-              <p:nvPr>
-                <p:ph idx="1"/>
-              </p:nvPr>
-            </p:nvSpPr>
-            <p:spPr>
-              <a:blipFill>
-                <a:blip r:embed="rId2"/>
-                <a:stretch>
-                  <a:fillRect l="-1468"/>
-                </a:stretch>
-              </a:blipFill>
-            </p:spPr>
-            <p:txBody>
-              <a:bodyPr/>
-              <a:lstStyle/>
-              <a:p>
-                <a:r>
-                  <a:rPr lang="en-US">
-                    <a:noFill/>
-                  </a:rPr>
-                  <a:t> </a:t>
-                </a:r>
-              </a:p>
-            </p:txBody>
-          </p:sp>
-        </mc:Fallback>
-      </mc:AlternateContent>
-    </p:spTree>
-    <p:extLst>
-      <p:ext uri="{BB962C8B-B14F-4D97-AF65-F5344CB8AC3E}">
-        <p14:creationId xmlns:p14="http://schemas.microsoft.com/office/powerpoint/2010/main" val="3256191268"/>
-      </p:ext>
-    </p:extLst>
-  </p:cSld>
-  <p:clrMapOvr>
-    <a:masterClrMapping/>
-  </p:clrMapOvr>
-</p:sld>
-</file>
-
-<file path=ppt/slides/slide21.xml><?xml version="1.0" encoding="utf-8"?>
-<p:sld xmlns:a="http://schemas.openxmlformats.org/drawingml/2006/main" xmlns:r="http://schemas.openxmlformats.org/officeDocument/2006/relationships" xmlns:p="http://schemas.openxmlformats.org/presentationml/2006/main">
-  <p:cSld>
-    <p:spTree>
-      <p:nvGrpSpPr>
-        <p:cNvPr id="1" name=""/>
-        <p:cNvGrpSpPr/>
-        <p:nvPr/>
-      </p:nvGrpSpPr>
-      <p:grpSpPr>
-        <a:xfrm>
-          <a:off x="0" y="0"/>
-          <a:ext cx="0" cy="0"/>
-          <a:chOff x="0" y="0"/>
-          <a:chExt cx="0" cy="0"/>
-        </a:xfrm>
-      </p:grpSpPr>
-      <p:sp>
-        <p:nvSpPr>
-          <p:cNvPr id="2" name="Title 1">
-            <a:extLst>
-              <a:ext uri="{FF2B5EF4-FFF2-40B4-BE49-F238E27FC236}">
-                <a16:creationId xmlns:a16="http://schemas.microsoft.com/office/drawing/2014/main" id="{3B88502C-8C97-4950-BCC5-ACA34D3501DE}"/>
-              </a:ext>
-            </a:extLst>
-          </p:cNvPr>
-          <p:cNvSpPr>
-            <a:spLocks noGrp="1"/>
-          </p:cNvSpPr>
-          <p:nvPr>
-            <p:ph type="title"/>
-          </p:nvPr>
-        </p:nvSpPr>
-        <p:spPr/>
-        <p:txBody>
-          <a:bodyPr>
-            <a:noAutofit/>
-          </a:bodyPr>
-          <a:lstStyle/>
-          <a:p>
-            <a:r>
-              <a:rPr lang="es-CL" sz="4000" dirty="0"/>
-              <a:t>Insertar en una lista (doblemente) ligada</a:t>
-            </a:r>
-          </a:p>
-        </p:txBody>
-      </p:sp>
-      <mc:AlternateContent xmlns:mc="http://schemas.openxmlformats.org/markup-compatibility/2006">
-        <mc:Choice xmlns:a14="http://schemas.microsoft.com/office/drawing/2010/main" Requires="a14">
-          <p:sp>
-            <p:nvSpPr>
-              <p:cNvPr id="3" name="Content Placeholder 2">
-                <a:extLst>
-                  <a:ext uri="{FF2B5EF4-FFF2-40B4-BE49-F238E27FC236}">
-                    <a16:creationId xmlns:a16="http://schemas.microsoft.com/office/drawing/2014/main" id="{52C9B8CE-2D6B-4709-AE87-8A92A7545348}"/>
-                  </a:ext>
-                </a:extLst>
-              </p:cNvPr>
-              <p:cNvSpPr>
-                <a:spLocks noGrp="1"/>
-              </p:cNvSpPr>
-              <p:nvPr>
-                <p:ph idx="1"/>
-              </p:nvPr>
-            </p:nvSpPr>
-            <p:spPr/>
-            <p:txBody>
-              <a:bodyPr anchor="ctr">
-                <a:normAutofit/>
-              </a:bodyPr>
-              <a:lstStyle/>
-              <a:p>
-                <a:pPr marL="0" indent="0">
-                  <a:lnSpc>
-                    <a:spcPct val="100000"/>
-                  </a:lnSpc>
-                  <a:buNone/>
-                </a:pPr>
-                <a:r>
-                  <a:rPr lang="es-CL" dirty="0"/>
-                  <a:t>Para el primer paso es necesario revisar toda la lista: </a:t>
-                </a:r>
-                <a14:m>
-                  <m:oMath xmlns:m="http://schemas.openxmlformats.org/officeDocument/2006/math">
-                    <m:r>
-                      <a:rPr lang="es-CL" b="0" i="1" smtClean="0">
-                        <a:latin typeface="Cambria Math" panose="02040503050406030204" pitchFamily="18" charset="0"/>
-                      </a:rPr>
-                      <m:t>𝑂</m:t>
-                    </m:r>
-                    <m:d>
-                      <m:dPr>
-                        <m:ctrlPr>
-                          <a:rPr lang="es-CL" b="0" i="1" smtClean="0">
-                            <a:latin typeface="Cambria Math" panose="02040503050406030204" pitchFamily="18" charset="0"/>
-                          </a:rPr>
-                        </m:ctrlPr>
-                      </m:dPr>
-                      <m:e>
-                        <m:r>
-                          <a:rPr lang="es-CL" b="0" i="1" smtClean="0">
-                            <a:latin typeface="Cambria Math" panose="02040503050406030204" pitchFamily="18" charset="0"/>
-                          </a:rPr>
-                          <m:t>𝑛</m:t>
-                        </m:r>
-                      </m:e>
-                    </m:d>
-                  </m:oMath>
-                </a14:m>
-                <a:endParaRPr lang="es-CL" dirty="0"/>
-              </a:p>
-              <a:p>
-                <a:pPr marL="0" indent="0">
-                  <a:lnSpc>
-                    <a:spcPct val="100000"/>
-                  </a:lnSpc>
-                  <a:buNone/>
-                </a:pPr>
-                <a:endParaRPr lang="es-CL" dirty="0"/>
-              </a:p>
-              <a:p>
-                <a:pPr marL="0" indent="0">
-                  <a:lnSpc>
-                    <a:spcPct val="100000"/>
-                  </a:lnSpc>
-                  <a:buNone/>
-                </a:pPr>
-                <a:r>
-                  <a:rPr lang="es-CL" dirty="0"/>
-                  <a:t>Teniendo el nodo donde corresponde insertar, hacerlo es </a:t>
-                </a:r>
-                <a14:m>
-                  <m:oMath xmlns:m="http://schemas.openxmlformats.org/officeDocument/2006/math">
-                    <m:r>
-                      <a:rPr lang="es-CL" b="0" i="1" smtClean="0">
-                        <a:latin typeface="Cambria Math" panose="02040503050406030204" pitchFamily="18" charset="0"/>
-                      </a:rPr>
-                      <m:t>𝑂</m:t>
-                    </m:r>
-                    <m:d>
-                      <m:dPr>
-                        <m:ctrlPr>
-                          <a:rPr lang="es-CL" b="0" i="1" smtClean="0">
-                            <a:latin typeface="Cambria Math" panose="02040503050406030204" pitchFamily="18" charset="0"/>
-                          </a:rPr>
-                        </m:ctrlPr>
-                      </m:dPr>
-                      <m:e>
-                        <m:r>
-                          <a:rPr lang="es-CL" b="0" i="1" smtClean="0">
-                            <a:latin typeface="Cambria Math" panose="02040503050406030204" pitchFamily="18" charset="0"/>
-                          </a:rPr>
-                          <m:t>1</m:t>
-                        </m:r>
-                      </m:e>
-                    </m:d>
-                  </m:oMath>
-                </a14:m>
-                <a:endParaRPr lang="es-CL" dirty="0"/>
-              </a:p>
-              <a:p>
-                <a:pPr>
-                  <a:lnSpc>
-                    <a:spcPct val="100000"/>
-                  </a:lnSpc>
-                </a:pPr>
-                <a:endParaRPr lang="es-CL" dirty="0"/>
-              </a:p>
-              <a:p>
-                <a:pPr marL="0" indent="0">
-                  <a:lnSpc>
-                    <a:spcPct val="100000"/>
-                  </a:lnSpc>
-                  <a:buNone/>
-                </a:pPr>
-                <a:r>
-                  <a:rPr lang="es-CL" dirty="0"/>
-                  <a:t>Por lo tanto, en </a:t>
-                </a:r>
-                <a:r>
-                  <a:rPr lang="es-CL" b="1" dirty="0">
-                    <a:solidFill>
-                      <a:schemeClr val="accent2"/>
-                    </a:solidFill>
-                  </a:rPr>
-                  <a:t>listas ligadas </a:t>
                 </a:r>
                 <a:r>
                   <a:rPr lang="es-CL" b="1" dirty="0">
@@ -6714,6 +7150,1810 @@
     </p:spTree>
     <p:extLst>
       <p:ext uri="{BB962C8B-B14F-4D97-AF65-F5344CB8AC3E}">
+        <p14:creationId xmlns:p14="http://schemas.microsoft.com/office/powerpoint/2010/main" val="3256191268"/>
+      </p:ext>
+    </p:extLst>
+  </p:cSld>
+  <p:clrMapOvr>
+    <a:masterClrMapping/>
+  </p:clrMapOvr>
+</p:sld>
+</file>
+
+<file path=ppt/slides/slide21.xml><?xml version="1.0" encoding="utf-8"?>
+<p:sld xmlns:a="http://schemas.openxmlformats.org/drawingml/2006/main" xmlns:r="http://schemas.openxmlformats.org/officeDocument/2006/relationships" xmlns:p="http://schemas.openxmlformats.org/presentationml/2006/main">
+  <p:cSld>
+    <p:spTree>
+      <p:nvGrpSpPr>
+        <p:cNvPr id="1" name=""/>
+        <p:cNvGrpSpPr/>
+        <p:nvPr/>
+      </p:nvGrpSpPr>
+      <p:grpSpPr>
+        <a:xfrm>
+          <a:off x="0" y="0"/>
+          <a:ext cx="0" cy="0"/>
+          <a:chOff x="0" y="0"/>
+          <a:chExt cx="0" cy="0"/>
+        </a:xfrm>
+      </p:grpSpPr>
+      <p:sp>
+        <p:nvSpPr>
+          <p:cNvPr id="5" name="Rectangle 4">
+            <a:extLst>
+              <a:ext uri="{FF2B5EF4-FFF2-40B4-BE49-F238E27FC236}">
+                <a16:creationId xmlns:a16="http://schemas.microsoft.com/office/drawing/2014/main" id="{45E027FD-1774-0A4A-8043-B991DD757FE6}"/>
+              </a:ext>
+            </a:extLst>
+          </p:cNvPr>
+          <p:cNvSpPr/>
+          <p:nvPr/>
+        </p:nvSpPr>
+        <p:spPr>
+          <a:xfrm>
+            <a:off x="1452103" y="480642"/>
+            <a:ext cx="6604624" cy="5709254"/>
+          </a:xfrm>
+          <a:prstGeom prst="rect">
+            <a:avLst/>
+          </a:prstGeom>
+        </p:spPr>
+        <p:txBody>
+          <a:bodyPr wrap="square">
+            <a:spAutoFit/>
+          </a:bodyPr>
+          <a:lstStyle/>
+          <a:p>
+            <a:pPr algn="ctr">
+              <a:spcBef>
+                <a:spcPts val="300"/>
+              </a:spcBef>
+            </a:pPr>
+            <a:r>
+              <a:rPr lang="en-US" sz="2200" b="1">
+                <a:solidFill>
+                  <a:srgbClr val="00B050"/>
+                </a:solidFill>
+                <a:latin typeface="Trebuchet MS" charset="0"/>
+                <a:ea typeface="ＭＳ Ｐゴシック" charset="0"/>
+                <a:cs typeface="ＭＳ Ｐゴシック" charset="0"/>
+              </a:rPr>
+              <a:t>S</a:t>
+            </a:r>
+            <a:r>
+              <a:rPr lang="en-US" sz="2200">
+                <a:solidFill>
+                  <a:srgbClr val="242852"/>
+                </a:solidFill>
+                <a:latin typeface="Trebuchet MS" charset="0"/>
+                <a:ea typeface="ＭＳ Ｐゴシック" charset="0"/>
+                <a:cs typeface="ＭＳ Ｐゴシック" charset="0"/>
+              </a:rPr>
+              <a:t>  </a:t>
+            </a:r>
+            <a:r>
+              <a:rPr lang="en-US" sz="2200">
+                <a:solidFill>
+                  <a:srgbClr val="00B0F0"/>
+                </a:solidFill>
+                <a:latin typeface="Trebuchet MS" charset="0"/>
+                <a:ea typeface="ＭＳ Ｐゴシック" charset="0"/>
+                <a:cs typeface="ＭＳ Ｐゴシック" charset="0"/>
+              </a:rPr>
+              <a:t>O</a:t>
+            </a:r>
+            <a:r>
+              <a:rPr lang="en-US" sz="2200">
+                <a:solidFill>
+                  <a:srgbClr val="242852"/>
+                </a:solidFill>
+                <a:latin typeface="Trebuchet MS" charset="0"/>
+                <a:ea typeface="ＭＳ Ｐゴシック" charset="0"/>
+                <a:cs typeface="ＭＳ Ｐゴシック" charset="0"/>
+              </a:rPr>
+              <a:t>  R  T  I  N  G  E  X  A  M  P  L  E</a:t>
+            </a:r>
+          </a:p>
+          <a:p>
+            <a:pPr algn="ctr">
+              <a:spcBef>
+                <a:spcPts val="300"/>
+              </a:spcBef>
+            </a:pPr>
+            <a:r>
+              <a:rPr lang="en-US" sz="2200" b="1">
+                <a:solidFill>
+                  <a:srgbClr val="FF0000"/>
+                </a:solidFill>
+                <a:latin typeface="Trebuchet MS" charset="0"/>
+                <a:ea typeface="ＭＳ Ｐゴシック" charset="0"/>
+                <a:cs typeface="ＭＳ Ｐゴシック" charset="0"/>
+              </a:rPr>
+              <a:t>O</a:t>
+            </a:r>
+            <a:r>
+              <a:rPr lang="en-US" sz="2200">
+                <a:solidFill>
+                  <a:srgbClr val="242852"/>
+                </a:solidFill>
+                <a:latin typeface="Trebuchet MS" charset="0"/>
+                <a:ea typeface="ＭＳ Ｐゴシック" charset="0"/>
+                <a:cs typeface="ＭＳ Ｐゴシック" charset="0"/>
+              </a:rPr>
+              <a:t>  </a:t>
+            </a:r>
+            <a:r>
+              <a:rPr lang="en-US" sz="2200" u="sng">
+                <a:solidFill>
+                  <a:srgbClr val="00B050"/>
+                </a:solidFill>
+                <a:latin typeface="Trebuchet MS" charset="0"/>
+                <a:ea typeface="ＭＳ Ｐゴシック" charset="0"/>
+                <a:cs typeface="ＭＳ Ｐゴシック" charset="0"/>
+              </a:rPr>
+              <a:t>S</a:t>
+            </a:r>
+            <a:r>
+              <a:rPr lang="en-US" sz="2200">
+                <a:solidFill>
+                  <a:srgbClr val="242852"/>
+                </a:solidFill>
+                <a:latin typeface="Trebuchet MS" charset="0"/>
+                <a:ea typeface="ＭＳ Ｐゴシック" charset="0"/>
+                <a:cs typeface="ＭＳ Ｐゴシック" charset="0"/>
+              </a:rPr>
+              <a:t>  </a:t>
+            </a:r>
+            <a:r>
+              <a:rPr lang="en-US" sz="2200">
+                <a:solidFill>
+                  <a:srgbClr val="00B0F0"/>
+                </a:solidFill>
+                <a:latin typeface="Trebuchet MS" charset="0"/>
+                <a:ea typeface="ＭＳ Ｐゴシック" charset="0"/>
+                <a:cs typeface="ＭＳ Ｐゴシック" charset="0"/>
+              </a:rPr>
+              <a:t>R</a:t>
+            </a:r>
+            <a:r>
+              <a:rPr lang="en-US" sz="2200">
+                <a:solidFill>
+                  <a:srgbClr val="242852"/>
+                </a:solidFill>
+                <a:latin typeface="Trebuchet MS" charset="0"/>
+                <a:ea typeface="ＭＳ Ｐゴシック" charset="0"/>
+                <a:cs typeface="ＭＳ Ｐゴシック" charset="0"/>
+              </a:rPr>
+              <a:t>  T  I  N  G  E  X  A  M  P  L  E</a:t>
+            </a:r>
+          </a:p>
+          <a:p>
+            <a:pPr algn="ctr">
+              <a:spcBef>
+                <a:spcPts val="300"/>
+              </a:spcBef>
+            </a:pPr>
+            <a:r>
+              <a:rPr lang="en-US" sz="2200">
+                <a:solidFill>
+                  <a:srgbClr val="00B050"/>
+                </a:solidFill>
+                <a:latin typeface="Trebuchet MS" charset="0"/>
+                <a:ea typeface="ＭＳ Ｐゴシック" charset="0"/>
+                <a:cs typeface="ＭＳ Ｐゴシック" charset="0"/>
+              </a:rPr>
+              <a:t>O</a:t>
+            </a:r>
+            <a:r>
+              <a:rPr lang="en-US" sz="2200">
+                <a:solidFill>
+                  <a:srgbClr val="242852"/>
+                </a:solidFill>
+                <a:latin typeface="Trebuchet MS" charset="0"/>
+                <a:ea typeface="ＭＳ Ｐゴシック" charset="0"/>
+                <a:cs typeface="ＭＳ Ｐゴシック" charset="0"/>
+              </a:rPr>
+              <a:t>  </a:t>
+            </a:r>
+            <a:r>
+              <a:rPr lang="en-US" sz="2200" b="1">
+                <a:solidFill>
+                  <a:srgbClr val="FF0000"/>
+                </a:solidFill>
+                <a:latin typeface="Trebuchet MS" charset="0"/>
+                <a:ea typeface="ＭＳ Ｐゴシック" charset="0"/>
+                <a:cs typeface="ＭＳ Ｐゴシック" charset="0"/>
+              </a:rPr>
+              <a:t>R</a:t>
+            </a:r>
+            <a:r>
+              <a:rPr lang="en-US" sz="2200">
+                <a:solidFill>
+                  <a:srgbClr val="242852"/>
+                </a:solidFill>
+                <a:latin typeface="Trebuchet MS" charset="0"/>
+                <a:ea typeface="ＭＳ Ｐゴシック" charset="0"/>
+                <a:cs typeface="ＭＳ Ｐゴシック" charset="0"/>
+              </a:rPr>
+              <a:t>  </a:t>
+            </a:r>
+            <a:r>
+              <a:rPr lang="en-US" sz="2200" u="sng">
+                <a:solidFill>
+                  <a:srgbClr val="00B050"/>
+                </a:solidFill>
+                <a:latin typeface="Trebuchet MS" charset="0"/>
+                <a:ea typeface="ＭＳ Ｐゴシック" charset="0"/>
+                <a:cs typeface="ＭＳ Ｐゴシック" charset="0"/>
+              </a:rPr>
+              <a:t>S</a:t>
+            </a:r>
+            <a:r>
+              <a:rPr lang="en-US" sz="2200">
+                <a:solidFill>
+                  <a:srgbClr val="242852"/>
+                </a:solidFill>
+                <a:latin typeface="Trebuchet MS" charset="0"/>
+                <a:ea typeface="ＭＳ Ｐゴシック" charset="0"/>
+                <a:cs typeface="ＭＳ Ｐゴシック" charset="0"/>
+              </a:rPr>
+              <a:t>  </a:t>
+            </a:r>
+            <a:r>
+              <a:rPr lang="en-US" sz="2200">
+                <a:solidFill>
+                  <a:srgbClr val="00B0F0"/>
+                </a:solidFill>
+                <a:latin typeface="Trebuchet MS" charset="0"/>
+                <a:ea typeface="ＭＳ Ｐゴシック" charset="0"/>
+                <a:cs typeface="ＭＳ Ｐゴシック" charset="0"/>
+              </a:rPr>
+              <a:t>T</a:t>
+            </a:r>
+            <a:r>
+              <a:rPr lang="en-US" sz="2200">
+                <a:solidFill>
+                  <a:srgbClr val="242852"/>
+                </a:solidFill>
+                <a:latin typeface="Trebuchet MS" charset="0"/>
+                <a:ea typeface="ＭＳ Ｐゴシック" charset="0"/>
+                <a:cs typeface="ＭＳ Ｐゴシック" charset="0"/>
+              </a:rPr>
+              <a:t>  I  N  G  E  X  A  M  P  L  E</a:t>
+            </a:r>
+          </a:p>
+          <a:p>
+            <a:pPr algn="ctr">
+              <a:spcBef>
+                <a:spcPts val="300"/>
+              </a:spcBef>
+            </a:pPr>
+            <a:r>
+              <a:rPr lang="en-US" sz="2200">
+                <a:solidFill>
+                  <a:srgbClr val="00B050"/>
+                </a:solidFill>
+                <a:latin typeface="Trebuchet MS" charset="0"/>
+                <a:ea typeface="ＭＳ Ｐゴシック" charset="0"/>
+                <a:cs typeface="ＭＳ Ｐゴシック" charset="0"/>
+              </a:rPr>
+              <a:t>O  R  S</a:t>
+            </a:r>
+            <a:r>
+              <a:rPr lang="en-US" sz="2200">
+                <a:solidFill>
+                  <a:srgbClr val="242852"/>
+                </a:solidFill>
+                <a:latin typeface="Trebuchet MS" charset="0"/>
+                <a:ea typeface="ＭＳ Ｐゴシック" charset="0"/>
+                <a:cs typeface="ＭＳ Ｐゴシック" charset="0"/>
+              </a:rPr>
+              <a:t>  </a:t>
+            </a:r>
+            <a:r>
+              <a:rPr lang="en-US" sz="2200" b="1">
+                <a:solidFill>
+                  <a:srgbClr val="FF0000"/>
+                </a:solidFill>
+                <a:latin typeface="Trebuchet MS" charset="0"/>
+                <a:ea typeface="ＭＳ Ｐゴシック" charset="0"/>
+                <a:cs typeface="ＭＳ Ｐゴシック" charset="0"/>
+              </a:rPr>
+              <a:t>T</a:t>
+            </a:r>
+            <a:r>
+              <a:rPr lang="en-US" sz="2200">
+                <a:solidFill>
+                  <a:srgbClr val="242852"/>
+                </a:solidFill>
+                <a:latin typeface="Trebuchet MS" charset="0"/>
+                <a:ea typeface="ＭＳ Ｐゴシック" charset="0"/>
+                <a:cs typeface="ＭＳ Ｐゴシック" charset="0"/>
+              </a:rPr>
+              <a:t>  </a:t>
+            </a:r>
+            <a:r>
+              <a:rPr lang="en-US" sz="2200">
+                <a:solidFill>
+                  <a:srgbClr val="00B0F0"/>
+                </a:solidFill>
+                <a:latin typeface="Trebuchet MS" charset="0"/>
+                <a:ea typeface="ＭＳ Ｐゴシック" charset="0"/>
+                <a:cs typeface="ＭＳ Ｐゴシック" charset="0"/>
+              </a:rPr>
+              <a:t>I</a:t>
+            </a:r>
+            <a:r>
+              <a:rPr lang="en-US" sz="2200">
+                <a:solidFill>
+                  <a:srgbClr val="242852"/>
+                </a:solidFill>
+                <a:latin typeface="Trebuchet MS" charset="0"/>
+                <a:ea typeface="ＭＳ Ｐゴシック" charset="0"/>
+                <a:cs typeface="ＭＳ Ｐゴシック" charset="0"/>
+              </a:rPr>
+              <a:t>  N  G  E  X  A  M  P  L  E</a:t>
+            </a:r>
+          </a:p>
+          <a:p>
+            <a:pPr algn="ctr">
+              <a:spcBef>
+                <a:spcPts val="300"/>
+              </a:spcBef>
+            </a:pPr>
+            <a:r>
+              <a:rPr lang="en-US" sz="2200" b="1">
+                <a:solidFill>
+                  <a:srgbClr val="FF0000"/>
+                </a:solidFill>
+                <a:latin typeface="Trebuchet MS" charset="0"/>
+                <a:ea typeface="ＭＳ Ｐゴシック" charset="0"/>
+                <a:cs typeface="ＭＳ Ｐゴシック" charset="0"/>
+              </a:rPr>
+              <a:t>I</a:t>
+            </a:r>
+            <a:r>
+              <a:rPr lang="en-US" sz="2200">
+                <a:solidFill>
+                  <a:srgbClr val="242852"/>
+                </a:solidFill>
+                <a:latin typeface="Trebuchet MS" charset="0"/>
+                <a:ea typeface="ＭＳ Ｐゴシック" charset="0"/>
+                <a:cs typeface="ＭＳ Ｐゴシック" charset="0"/>
+              </a:rPr>
+              <a:t>  </a:t>
+            </a:r>
+            <a:r>
+              <a:rPr lang="en-US" sz="2200" u="sng">
+                <a:solidFill>
+                  <a:srgbClr val="00B050"/>
+                </a:solidFill>
+                <a:latin typeface="Trebuchet MS" charset="0"/>
+                <a:ea typeface="ＭＳ Ｐゴシック" charset="0"/>
+                <a:cs typeface="ＭＳ Ｐゴシック" charset="0"/>
+              </a:rPr>
+              <a:t>O  R  S  T</a:t>
+            </a:r>
+            <a:r>
+              <a:rPr lang="en-US" sz="2200">
+                <a:solidFill>
+                  <a:srgbClr val="242852"/>
+                </a:solidFill>
+                <a:latin typeface="Trebuchet MS" charset="0"/>
+                <a:ea typeface="ＭＳ Ｐゴシック" charset="0"/>
+                <a:cs typeface="ＭＳ Ｐゴシック" charset="0"/>
+              </a:rPr>
+              <a:t>  </a:t>
+            </a:r>
+            <a:r>
+              <a:rPr lang="en-US" sz="2200">
+                <a:solidFill>
+                  <a:srgbClr val="00B0F0"/>
+                </a:solidFill>
+                <a:latin typeface="Trebuchet MS" charset="0"/>
+                <a:ea typeface="ＭＳ Ｐゴシック" charset="0"/>
+                <a:cs typeface="ＭＳ Ｐゴシック" charset="0"/>
+              </a:rPr>
+              <a:t>N</a:t>
+            </a:r>
+            <a:r>
+              <a:rPr lang="en-US" sz="2200">
+                <a:solidFill>
+                  <a:srgbClr val="242852"/>
+                </a:solidFill>
+                <a:latin typeface="Trebuchet MS" charset="0"/>
+                <a:ea typeface="ＭＳ Ｐゴシック" charset="0"/>
+                <a:cs typeface="ＭＳ Ｐゴシック" charset="0"/>
+              </a:rPr>
+              <a:t>  G  E  X  A  M  P  L  E</a:t>
+            </a:r>
+          </a:p>
+          <a:p>
+            <a:pPr algn="ctr">
+              <a:spcBef>
+                <a:spcPts val="300"/>
+              </a:spcBef>
+            </a:pPr>
+            <a:r>
+              <a:rPr lang="en-US" sz="2200">
+                <a:solidFill>
+                  <a:srgbClr val="00B050"/>
+                </a:solidFill>
+                <a:latin typeface="Trebuchet MS" charset="0"/>
+                <a:ea typeface="ＭＳ Ｐゴシック" charset="0"/>
+                <a:cs typeface="ＭＳ Ｐゴシック" charset="0"/>
+              </a:rPr>
+              <a:t>I</a:t>
+            </a:r>
+            <a:r>
+              <a:rPr lang="en-US" sz="2200">
+                <a:solidFill>
+                  <a:srgbClr val="242852"/>
+                </a:solidFill>
+                <a:latin typeface="Trebuchet MS" charset="0"/>
+                <a:ea typeface="ＭＳ Ｐゴシック" charset="0"/>
+                <a:cs typeface="ＭＳ Ｐゴシック" charset="0"/>
+              </a:rPr>
+              <a:t>  </a:t>
+            </a:r>
+            <a:r>
+              <a:rPr lang="en-US" sz="2200" b="1">
+                <a:solidFill>
+                  <a:srgbClr val="FF0000"/>
+                </a:solidFill>
+                <a:latin typeface="Trebuchet MS" charset="0"/>
+                <a:ea typeface="ＭＳ Ｐゴシック" charset="0"/>
+                <a:cs typeface="ＭＳ Ｐゴシック" charset="0"/>
+              </a:rPr>
+              <a:t>N</a:t>
+            </a:r>
+            <a:r>
+              <a:rPr lang="en-US" sz="2200">
+                <a:solidFill>
+                  <a:srgbClr val="242852"/>
+                </a:solidFill>
+                <a:latin typeface="Trebuchet MS" charset="0"/>
+                <a:ea typeface="ＭＳ Ｐゴシック" charset="0"/>
+                <a:cs typeface="ＭＳ Ｐゴシック" charset="0"/>
+              </a:rPr>
+              <a:t>  </a:t>
+            </a:r>
+            <a:r>
+              <a:rPr lang="en-US" sz="2200" u="sng">
+                <a:solidFill>
+                  <a:srgbClr val="00B050"/>
+                </a:solidFill>
+                <a:latin typeface="Trebuchet MS" charset="0"/>
+                <a:ea typeface="ＭＳ Ｐゴシック" charset="0"/>
+                <a:cs typeface="ＭＳ Ｐゴシック" charset="0"/>
+              </a:rPr>
+              <a:t>O  R  S  T</a:t>
+            </a:r>
+            <a:r>
+              <a:rPr lang="en-US" sz="2200">
+                <a:solidFill>
+                  <a:srgbClr val="242852"/>
+                </a:solidFill>
+                <a:latin typeface="Trebuchet MS" charset="0"/>
+                <a:ea typeface="ＭＳ Ｐゴシック" charset="0"/>
+                <a:cs typeface="ＭＳ Ｐゴシック" charset="0"/>
+              </a:rPr>
+              <a:t>  </a:t>
+            </a:r>
+            <a:r>
+              <a:rPr lang="en-US" sz="2200">
+                <a:solidFill>
+                  <a:srgbClr val="00B0F0"/>
+                </a:solidFill>
+                <a:latin typeface="Trebuchet MS" charset="0"/>
+                <a:ea typeface="ＭＳ Ｐゴシック" charset="0"/>
+                <a:cs typeface="ＭＳ Ｐゴシック" charset="0"/>
+              </a:rPr>
+              <a:t>G</a:t>
+            </a:r>
+            <a:r>
+              <a:rPr lang="en-US" sz="2200">
+                <a:solidFill>
+                  <a:srgbClr val="242852"/>
+                </a:solidFill>
+                <a:latin typeface="Trebuchet MS" charset="0"/>
+                <a:ea typeface="ＭＳ Ｐゴシック" charset="0"/>
+                <a:cs typeface="ＭＳ Ｐゴシック" charset="0"/>
+              </a:rPr>
+              <a:t>  E  X  A  M  P  L  E</a:t>
+            </a:r>
+          </a:p>
+          <a:p>
+            <a:pPr algn="ctr">
+              <a:spcBef>
+                <a:spcPts val="300"/>
+              </a:spcBef>
+            </a:pPr>
+            <a:r>
+              <a:rPr lang="en-US" sz="2200" b="1">
+                <a:solidFill>
+                  <a:srgbClr val="FF0000"/>
+                </a:solidFill>
+                <a:latin typeface="Trebuchet MS" charset="0"/>
+                <a:ea typeface="ＭＳ Ｐゴシック" charset="0"/>
+                <a:cs typeface="ＭＳ Ｐゴシック" charset="0"/>
+              </a:rPr>
+              <a:t>G</a:t>
+            </a:r>
+            <a:r>
+              <a:rPr lang="en-US" sz="2200">
+                <a:solidFill>
+                  <a:srgbClr val="242852"/>
+                </a:solidFill>
+                <a:latin typeface="Trebuchet MS" charset="0"/>
+                <a:ea typeface="ＭＳ Ｐゴシック" charset="0"/>
+                <a:cs typeface="ＭＳ Ｐゴシック" charset="0"/>
+              </a:rPr>
+              <a:t>  </a:t>
+            </a:r>
+            <a:r>
+              <a:rPr lang="en-US" sz="2200" u="sng">
+                <a:solidFill>
+                  <a:srgbClr val="00B050"/>
+                </a:solidFill>
+                <a:latin typeface="Trebuchet MS" charset="0"/>
+                <a:ea typeface="ＭＳ Ｐゴシック" charset="0"/>
+                <a:cs typeface="ＭＳ Ｐゴシック" charset="0"/>
+              </a:rPr>
+              <a:t>I  N  O  R  S  T</a:t>
+            </a:r>
+            <a:r>
+              <a:rPr lang="en-US" sz="2200">
+                <a:solidFill>
+                  <a:srgbClr val="242852"/>
+                </a:solidFill>
+                <a:latin typeface="Trebuchet MS" charset="0"/>
+                <a:ea typeface="ＭＳ Ｐゴシック" charset="0"/>
+                <a:cs typeface="ＭＳ Ｐゴシック" charset="0"/>
+              </a:rPr>
+              <a:t>  </a:t>
+            </a:r>
+            <a:r>
+              <a:rPr lang="en-US" sz="2200">
+                <a:solidFill>
+                  <a:srgbClr val="00B0F0"/>
+                </a:solidFill>
+                <a:latin typeface="Trebuchet MS" charset="0"/>
+                <a:ea typeface="ＭＳ Ｐゴシック" charset="0"/>
+                <a:cs typeface="ＭＳ Ｐゴシック" charset="0"/>
+              </a:rPr>
+              <a:t>E</a:t>
+            </a:r>
+            <a:r>
+              <a:rPr lang="en-US" sz="2200">
+                <a:solidFill>
+                  <a:srgbClr val="242852"/>
+                </a:solidFill>
+                <a:latin typeface="Trebuchet MS" charset="0"/>
+                <a:ea typeface="ＭＳ Ｐゴシック" charset="0"/>
+                <a:cs typeface="ＭＳ Ｐゴシック" charset="0"/>
+              </a:rPr>
+              <a:t>  X  A  M  P  L  E</a:t>
+            </a:r>
+          </a:p>
+          <a:p>
+            <a:pPr algn="ctr">
+              <a:spcBef>
+                <a:spcPts val="300"/>
+              </a:spcBef>
+            </a:pPr>
+            <a:r>
+              <a:rPr lang="en-US" sz="2200" b="1">
+                <a:solidFill>
+                  <a:srgbClr val="FF0000"/>
+                </a:solidFill>
+                <a:latin typeface="Trebuchet MS" charset="0"/>
+                <a:ea typeface="ＭＳ Ｐゴシック" charset="0"/>
+                <a:cs typeface="ＭＳ Ｐゴシック" charset="0"/>
+              </a:rPr>
+              <a:t>E</a:t>
+            </a:r>
+            <a:r>
+              <a:rPr lang="en-US" sz="2200">
+                <a:solidFill>
+                  <a:srgbClr val="242852"/>
+                </a:solidFill>
+                <a:latin typeface="Trebuchet MS" charset="0"/>
+                <a:ea typeface="ＭＳ Ｐゴシック" charset="0"/>
+                <a:cs typeface="ＭＳ Ｐゴシック" charset="0"/>
+              </a:rPr>
+              <a:t>  </a:t>
+            </a:r>
+            <a:r>
+              <a:rPr lang="en-US" sz="2200" u="sng">
+                <a:solidFill>
+                  <a:srgbClr val="00B050"/>
+                </a:solidFill>
+                <a:latin typeface="Trebuchet MS" charset="0"/>
+                <a:ea typeface="ＭＳ Ｐゴシック" charset="0"/>
+                <a:cs typeface="ＭＳ Ｐゴシック" charset="0"/>
+              </a:rPr>
+              <a:t>G  I  N  O  R  S  T</a:t>
+            </a:r>
+            <a:r>
+              <a:rPr lang="en-US" sz="2200">
+                <a:solidFill>
+                  <a:srgbClr val="242852"/>
+                </a:solidFill>
+                <a:latin typeface="Trebuchet MS" charset="0"/>
+                <a:ea typeface="ＭＳ Ｐゴシック" charset="0"/>
+                <a:cs typeface="ＭＳ Ｐゴシック" charset="0"/>
+              </a:rPr>
+              <a:t>  </a:t>
+            </a:r>
+            <a:r>
+              <a:rPr lang="en-US" sz="2200">
+                <a:solidFill>
+                  <a:srgbClr val="00B0F0"/>
+                </a:solidFill>
+                <a:latin typeface="Trebuchet MS" charset="0"/>
+                <a:ea typeface="ＭＳ Ｐゴシック" charset="0"/>
+                <a:cs typeface="ＭＳ Ｐゴシック" charset="0"/>
+              </a:rPr>
+              <a:t>X</a:t>
+            </a:r>
+            <a:r>
+              <a:rPr lang="en-US" sz="2200">
+                <a:solidFill>
+                  <a:srgbClr val="242852"/>
+                </a:solidFill>
+                <a:latin typeface="Trebuchet MS" charset="0"/>
+                <a:ea typeface="ＭＳ Ｐゴシック" charset="0"/>
+                <a:cs typeface="ＭＳ Ｐゴシック" charset="0"/>
+              </a:rPr>
+              <a:t>  A  M  P  L  E</a:t>
+            </a:r>
+          </a:p>
+          <a:p>
+            <a:pPr algn="ctr">
+              <a:spcBef>
+                <a:spcPts val="300"/>
+              </a:spcBef>
+            </a:pPr>
+            <a:r>
+              <a:rPr lang="en-US" sz="2200">
+                <a:solidFill>
+                  <a:srgbClr val="00B050"/>
+                </a:solidFill>
+                <a:latin typeface="Trebuchet MS" charset="0"/>
+                <a:ea typeface="ＭＳ Ｐゴシック" charset="0"/>
+                <a:cs typeface="ＭＳ Ｐゴシック" charset="0"/>
+              </a:rPr>
+              <a:t>E  G  I  N  O  R  S  T</a:t>
+            </a:r>
+            <a:r>
+              <a:rPr lang="en-US" sz="2200">
+                <a:solidFill>
+                  <a:srgbClr val="242852"/>
+                </a:solidFill>
+                <a:latin typeface="Trebuchet MS" charset="0"/>
+                <a:ea typeface="ＭＳ Ｐゴシック" charset="0"/>
+                <a:cs typeface="ＭＳ Ｐゴシック" charset="0"/>
+              </a:rPr>
+              <a:t>  </a:t>
+            </a:r>
+            <a:r>
+              <a:rPr lang="en-US" sz="2200" b="1">
+                <a:solidFill>
+                  <a:srgbClr val="FF0000"/>
+                </a:solidFill>
+                <a:latin typeface="Trebuchet MS" charset="0"/>
+                <a:ea typeface="ＭＳ Ｐゴシック" charset="0"/>
+                <a:cs typeface="ＭＳ Ｐゴシック" charset="0"/>
+              </a:rPr>
+              <a:t>X</a:t>
+            </a:r>
+            <a:r>
+              <a:rPr lang="en-US" sz="2200">
+                <a:solidFill>
+                  <a:srgbClr val="242852"/>
+                </a:solidFill>
+                <a:latin typeface="Trebuchet MS" charset="0"/>
+                <a:ea typeface="ＭＳ Ｐゴシック" charset="0"/>
+                <a:cs typeface="ＭＳ Ｐゴシック" charset="0"/>
+              </a:rPr>
+              <a:t>  </a:t>
+            </a:r>
+            <a:r>
+              <a:rPr lang="en-US" sz="2200">
+                <a:solidFill>
+                  <a:srgbClr val="00B0F0"/>
+                </a:solidFill>
+                <a:latin typeface="Trebuchet MS" charset="0"/>
+                <a:ea typeface="ＭＳ Ｐゴシック" charset="0"/>
+                <a:cs typeface="ＭＳ Ｐゴシック" charset="0"/>
+              </a:rPr>
+              <a:t>A</a:t>
+            </a:r>
+            <a:r>
+              <a:rPr lang="en-US" sz="2200">
+                <a:solidFill>
+                  <a:srgbClr val="242852"/>
+                </a:solidFill>
+                <a:latin typeface="Trebuchet MS" charset="0"/>
+                <a:ea typeface="ＭＳ Ｐゴシック" charset="0"/>
+                <a:cs typeface="ＭＳ Ｐゴシック" charset="0"/>
+              </a:rPr>
+              <a:t>  M  P  L  E</a:t>
+            </a:r>
+          </a:p>
+          <a:p>
+            <a:pPr algn="ctr">
+              <a:spcBef>
+                <a:spcPts val="300"/>
+              </a:spcBef>
+            </a:pPr>
+            <a:r>
+              <a:rPr lang="en-US" sz="2200" b="1">
+                <a:solidFill>
+                  <a:srgbClr val="FF0000"/>
+                </a:solidFill>
+                <a:latin typeface="Trebuchet MS" charset="0"/>
+                <a:ea typeface="ＭＳ Ｐゴシック" charset="0"/>
+                <a:cs typeface="ＭＳ Ｐゴシック" charset="0"/>
+              </a:rPr>
+              <a:t>A</a:t>
+            </a:r>
+            <a:r>
+              <a:rPr lang="en-US" sz="2200">
+                <a:solidFill>
+                  <a:srgbClr val="242852"/>
+                </a:solidFill>
+                <a:latin typeface="Trebuchet MS" charset="0"/>
+                <a:ea typeface="ＭＳ Ｐゴシック" charset="0"/>
+                <a:cs typeface="ＭＳ Ｐゴシック" charset="0"/>
+              </a:rPr>
+              <a:t>  </a:t>
+            </a:r>
+            <a:r>
+              <a:rPr lang="en-US" sz="2200" u="sng">
+                <a:solidFill>
+                  <a:srgbClr val="00B050"/>
+                </a:solidFill>
+                <a:latin typeface="Trebuchet MS" charset="0"/>
+                <a:ea typeface="ＭＳ Ｐゴシック" charset="0"/>
+                <a:cs typeface="ＭＳ Ｐゴシック" charset="0"/>
+              </a:rPr>
+              <a:t>E  G  I  N  O  R  S  T  X</a:t>
+            </a:r>
+            <a:r>
+              <a:rPr lang="en-US" sz="2200">
+                <a:solidFill>
+                  <a:srgbClr val="242852"/>
+                </a:solidFill>
+                <a:latin typeface="Trebuchet MS" charset="0"/>
+                <a:ea typeface="ＭＳ Ｐゴシック" charset="0"/>
+                <a:cs typeface="ＭＳ Ｐゴシック" charset="0"/>
+              </a:rPr>
+              <a:t>  </a:t>
+            </a:r>
+            <a:r>
+              <a:rPr lang="en-US" sz="2200">
+                <a:solidFill>
+                  <a:srgbClr val="00B0F0"/>
+                </a:solidFill>
+                <a:latin typeface="Trebuchet MS" charset="0"/>
+                <a:ea typeface="ＭＳ Ｐゴシック" charset="0"/>
+                <a:cs typeface="ＭＳ Ｐゴシック" charset="0"/>
+              </a:rPr>
+              <a:t>M</a:t>
+            </a:r>
+            <a:r>
+              <a:rPr lang="en-US" sz="2200">
+                <a:solidFill>
+                  <a:srgbClr val="242852"/>
+                </a:solidFill>
+                <a:latin typeface="Trebuchet MS" charset="0"/>
+                <a:ea typeface="ＭＳ Ｐゴシック" charset="0"/>
+                <a:cs typeface="ＭＳ Ｐゴシック" charset="0"/>
+              </a:rPr>
+              <a:t>  P  L  E</a:t>
+            </a:r>
+          </a:p>
+          <a:p>
+            <a:pPr algn="ctr">
+              <a:spcBef>
+                <a:spcPts val="300"/>
+              </a:spcBef>
+            </a:pPr>
+            <a:r>
+              <a:rPr lang="en-US" sz="2200">
+                <a:solidFill>
+                  <a:srgbClr val="00B050"/>
+                </a:solidFill>
+                <a:latin typeface="Trebuchet MS" charset="0"/>
+                <a:ea typeface="ＭＳ Ｐゴシック" charset="0"/>
+                <a:cs typeface="ＭＳ Ｐゴシック" charset="0"/>
+              </a:rPr>
+              <a:t>A  E  G  I</a:t>
+            </a:r>
+            <a:r>
+              <a:rPr lang="en-US" sz="2200">
+                <a:solidFill>
+                  <a:srgbClr val="242852"/>
+                </a:solidFill>
+                <a:latin typeface="Trebuchet MS" charset="0"/>
+                <a:ea typeface="ＭＳ Ｐゴシック" charset="0"/>
+                <a:cs typeface="ＭＳ Ｐゴシック" charset="0"/>
+              </a:rPr>
+              <a:t>  </a:t>
+            </a:r>
+            <a:r>
+              <a:rPr lang="en-US" sz="2200" b="1">
+                <a:solidFill>
+                  <a:srgbClr val="FF0000"/>
+                </a:solidFill>
+                <a:latin typeface="Trebuchet MS" charset="0"/>
+                <a:ea typeface="ＭＳ Ｐゴシック" charset="0"/>
+                <a:cs typeface="ＭＳ Ｐゴシック" charset="0"/>
+              </a:rPr>
+              <a:t>M</a:t>
+            </a:r>
+            <a:r>
+              <a:rPr lang="en-US" sz="2200">
+                <a:solidFill>
+                  <a:srgbClr val="242852"/>
+                </a:solidFill>
+                <a:latin typeface="Trebuchet MS" charset="0"/>
+                <a:ea typeface="ＭＳ Ｐゴシック" charset="0"/>
+                <a:cs typeface="ＭＳ Ｐゴシック" charset="0"/>
+              </a:rPr>
+              <a:t>  </a:t>
+            </a:r>
+            <a:r>
+              <a:rPr lang="en-US" sz="2200" u="sng">
+                <a:solidFill>
+                  <a:srgbClr val="00B050"/>
+                </a:solidFill>
+                <a:latin typeface="Trebuchet MS" charset="0"/>
+                <a:ea typeface="ＭＳ Ｐゴシック" charset="0"/>
+                <a:cs typeface="ＭＳ Ｐゴシック" charset="0"/>
+              </a:rPr>
+              <a:t>N  O  R  S  T  X</a:t>
+            </a:r>
+            <a:r>
+              <a:rPr lang="en-US" sz="2200">
+                <a:solidFill>
+                  <a:srgbClr val="242852"/>
+                </a:solidFill>
+                <a:latin typeface="Trebuchet MS" charset="0"/>
+                <a:ea typeface="ＭＳ Ｐゴシック" charset="0"/>
+                <a:cs typeface="ＭＳ Ｐゴシック" charset="0"/>
+              </a:rPr>
+              <a:t>  </a:t>
+            </a:r>
+            <a:r>
+              <a:rPr lang="en-US" sz="2200">
+                <a:solidFill>
+                  <a:srgbClr val="00B0F0"/>
+                </a:solidFill>
+                <a:latin typeface="Trebuchet MS" charset="0"/>
+                <a:ea typeface="ＭＳ Ｐゴシック" charset="0"/>
+                <a:cs typeface="ＭＳ Ｐゴシック" charset="0"/>
+              </a:rPr>
+              <a:t>P</a:t>
+            </a:r>
+            <a:r>
+              <a:rPr lang="en-US" sz="2200">
+                <a:solidFill>
+                  <a:srgbClr val="242852"/>
+                </a:solidFill>
+                <a:latin typeface="Trebuchet MS" charset="0"/>
+                <a:ea typeface="ＭＳ Ｐゴシック" charset="0"/>
+                <a:cs typeface="ＭＳ Ｐゴシック" charset="0"/>
+              </a:rPr>
+              <a:t>  L  E</a:t>
+            </a:r>
+          </a:p>
+          <a:p>
+            <a:pPr algn="ctr">
+              <a:spcBef>
+                <a:spcPts val="300"/>
+              </a:spcBef>
+            </a:pPr>
+            <a:r>
+              <a:rPr lang="en-US" sz="2200">
+                <a:solidFill>
+                  <a:srgbClr val="00B050"/>
+                </a:solidFill>
+                <a:latin typeface="Trebuchet MS" charset="0"/>
+                <a:ea typeface="ＭＳ Ｐゴシック" charset="0"/>
+                <a:cs typeface="ＭＳ Ｐゴシック" charset="0"/>
+              </a:rPr>
+              <a:t>A  E  G  I  M  N  O</a:t>
+            </a:r>
+            <a:r>
+              <a:rPr lang="en-US" sz="2200">
+                <a:solidFill>
+                  <a:srgbClr val="242852"/>
+                </a:solidFill>
+                <a:latin typeface="Trebuchet MS" charset="0"/>
+                <a:ea typeface="ＭＳ Ｐゴシック" charset="0"/>
+                <a:cs typeface="ＭＳ Ｐゴシック" charset="0"/>
+              </a:rPr>
+              <a:t>  </a:t>
+            </a:r>
+            <a:r>
+              <a:rPr lang="en-US" sz="2200" b="1">
+                <a:solidFill>
+                  <a:srgbClr val="FF0000"/>
+                </a:solidFill>
+                <a:latin typeface="Trebuchet MS" charset="0"/>
+                <a:ea typeface="ＭＳ Ｐゴシック" charset="0"/>
+                <a:cs typeface="ＭＳ Ｐゴシック" charset="0"/>
+              </a:rPr>
+              <a:t>P</a:t>
+            </a:r>
+            <a:r>
+              <a:rPr lang="en-US" sz="2200">
+                <a:solidFill>
+                  <a:srgbClr val="242852"/>
+                </a:solidFill>
+                <a:latin typeface="Trebuchet MS" charset="0"/>
+                <a:ea typeface="ＭＳ Ｐゴシック" charset="0"/>
+                <a:cs typeface="ＭＳ Ｐゴシック" charset="0"/>
+              </a:rPr>
+              <a:t>  </a:t>
+            </a:r>
+            <a:r>
+              <a:rPr lang="en-US" sz="2200" u="sng">
+                <a:solidFill>
+                  <a:srgbClr val="00B050"/>
+                </a:solidFill>
+                <a:latin typeface="Trebuchet MS" charset="0"/>
+                <a:ea typeface="ＭＳ Ｐゴシック" charset="0"/>
+                <a:cs typeface="ＭＳ Ｐゴシック" charset="0"/>
+              </a:rPr>
+              <a:t>R  S  T  X</a:t>
+            </a:r>
+            <a:r>
+              <a:rPr lang="en-US" sz="2200">
+                <a:solidFill>
+                  <a:srgbClr val="242852"/>
+                </a:solidFill>
+                <a:latin typeface="Trebuchet MS" charset="0"/>
+                <a:ea typeface="ＭＳ Ｐゴシック" charset="0"/>
+                <a:cs typeface="ＭＳ Ｐゴシック" charset="0"/>
+              </a:rPr>
+              <a:t>  </a:t>
+            </a:r>
+            <a:r>
+              <a:rPr lang="en-US" sz="2200">
+                <a:solidFill>
+                  <a:srgbClr val="00B0F0"/>
+                </a:solidFill>
+                <a:latin typeface="Trebuchet MS" charset="0"/>
+                <a:ea typeface="ＭＳ Ｐゴシック" charset="0"/>
+                <a:cs typeface="ＭＳ Ｐゴシック" charset="0"/>
+              </a:rPr>
+              <a:t>L</a:t>
+            </a:r>
+            <a:r>
+              <a:rPr lang="en-US" sz="2200">
+                <a:solidFill>
+                  <a:srgbClr val="242852"/>
+                </a:solidFill>
+                <a:latin typeface="Trebuchet MS" charset="0"/>
+                <a:ea typeface="ＭＳ Ｐゴシック" charset="0"/>
+                <a:cs typeface="ＭＳ Ｐゴシック" charset="0"/>
+              </a:rPr>
+              <a:t>  E</a:t>
+            </a:r>
+          </a:p>
+          <a:p>
+            <a:pPr algn="ctr">
+              <a:spcBef>
+                <a:spcPts val="300"/>
+              </a:spcBef>
+            </a:pPr>
+            <a:r>
+              <a:rPr lang="en-US" sz="2200">
+                <a:solidFill>
+                  <a:srgbClr val="00B050"/>
+                </a:solidFill>
+                <a:latin typeface="Trebuchet MS" charset="0"/>
+                <a:ea typeface="ＭＳ Ｐゴシック" charset="0"/>
+                <a:cs typeface="ＭＳ Ｐゴシック" charset="0"/>
+              </a:rPr>
+              <a:t>A  E  G  I</a:t>
+            </a:r>
+            <a:r>
+              <a:rPr lang="en-US" sz="2200">
+                <a:solidFill>
+                  <a:srgbClr val="242852"/>
+                </a:solidFill>
+                <a:latin typeface="Trebuchet MS" charset="0"/>
+                <a:ea typeface="ＭＳ Ｐゴシック" charset="0"/>
+                <a:cs typeface="ＭＳ Ｐゴシック" charset="0"/>
+              </a:rPr>
+              <a:t>  </a:t>
+            </a:r>
+            <a:r>
+              <a:rPr lang="en-US" sz="2200" b="1">
+                <a:solidFill>
+                  <a:srgbClr val="FF0000"/>
+                </a:solidFill>
+                <a:latin typeface="Trebuchet MS" charset="0"/>
+                <a:ea typeface="ＭＳ Ｐゴシック" charset="0"/>
+                <a:cs typeface="ＭＳ Ｐゴシック" charset="0"/>
+              </a:rPr>
+              <a:t>L</a:t>
+            </a:r>
+            <a:r>
+              <a:rPr lang="en-US" sz="2200">
+                <a:solidFill>
+                  <a:srgbClr val="242852"/>
+                </a:solidFill>
+                <a:latin typeface="Trebuchet MS" charset="0"/>
+                <a:ea typeface="ＭＳ Ｐゴシック" charset="0"/>
+                <a:cs typeface="ＭＳ Ｐゴシック" charset="0"/>
+              </a:rPr>
+              <a:t>  </a:t>
+            </a:r>
+            <a:r>
+              <a:rPr lang="en-US" sz="2200" u="sng">
+                <a:solidFill>
+                  <a:srgbClr val="00B050"/>
+                </a:solidFill>
+                <a:latin typeface="Trebuchet MS" charset="0"/>
+                <a:ea typeface="ＭＳ Ｐゴシック" charset="0"/>
+                <a:cs typeface="ＭＳ Ｐゴシック" charset="0"/>
+              </a:rPr>
+              <a:t>M  N  O  P  R  S  T  X</a:t>
+            </a:r>
+            <a:r>
+              <a:rPr lang="en-US" sz="2200">
+                <a:solidFill>
+                  <a:srgbClr val="242852"/>
+                </a:solidFill>
+                <a:latin typeface="Trebuchet MS" charset="0"/>
+                <a:ea typeface="ＭＳ Ｐゴシック" charset="0"/>
+                <a:cs typeface="ＭＳ Ｐゴシック" charset="0"/>
+              </a:rPr>
+              <a:t>  </a:t>
+            </a:r>
+            <a:r>
+              <a:rPr lang="en-US" sz="2200">
+                <a:solidFill>
+                  <a:srgbClr val="00B0F0"/>
+                </a:solidFill>
+                <a:latin typeface="Trebuchet MS" charset="0"/>
+                <a:ea typeface="ＭＳ Ｐゴシック" charset="0"/>
+                <a:cs typeface="ＭＳ Ｐゴシック" charset="0"/>
+              </a:rPr>
+              <a:t>E</a:t>
+            </a:r>
+          </a:p>
+          <a:p>
+            <a:pPr algn="ctr">
+              <a:spcBef>
+                <a:spcPts val="300"/>
+              </a:spcBef>
+            </a:pPr>
+            <a:r>
+              <a:rPr lang="en-US" sz="2200">
+                <a:solidFill>
+                  <a:srgbClr val="00B050"/>
+                </a:solidFill>
+                <a:latin typeface="Trebuchet MS" charset="0"/>
+                <a:ea typeface="ＭＳ Ｐゴシック" charset="0"/>
+                <a:cs typeface="ＭＳ Ｐゴシック" charset="0"/>
+              </a:rPr>
+              <a:t>A  E</a:t>
+            </a:r>
+            <a:r>
+              <a:rPr lang="en-US" sz="2200">
+                <a:solidFill>
+                  <a:srgbClr val="242852"/>
+                </a:solidFill>
+                <a:latin typeface="Trebuchet MS" charset="0"/>
+                <a:ea typeface="ＭＳ Ｐゴシック" charset="0"/>
+                <a:cs typeface="ＭＳ Ｐゴシック" charset="0"/>
+              </a:rPr>
+              <a:t>  </a:t>
+            </a:r>
+            <a:r>
+              <a:rPr lang="en-US" sz="2200" b="1">
+                <a:solidFill>
+                  <a:srgbClr val="FF0000"/>
+                </a:solidFill>
+                <a:latin typeface="Trebuchet MS" charset="0"/>
+                <a:ea typeface="ＭＳ Ｐゴシック" charset="0"/>
+                <a:cs typeface="ＭＳ Ｐゴシック" charset="0"/>
+              </a:rPr>
+              <a:t>E</a:t>
+            </a:r>
+            <a:r>
+              <a:rPr lang="en-US" sz="2200">
+                <a:solidFill>
+                  <a:srgbClr val="242852"/>
+                </a:solidFill>
+                <a:latin typeface="Trebuchet MS" charset="0"/>
+                <a:ea typeface="ＭＳ Ｐゴシック" charset="0"/>
+                <a:cs typeface="ＭＳ Ｐゴシック" charset="0"/>
+              </a:rPr>
+              <a:t>  </a:t>
+            </a:r>
+            <a:r>
+              <a:rPr lang="en-US" sz="2200" u="sng">
+                <a:solidFill>
+                  <a:srgbClr val="00B050"/>
+                </a:solidFill>
+                <a:latin typeface="Trebuchet MS" charset="0"/>
+                <a:ea typeface="ＭＳ Ｐゴシック" charset="0"/>
+                <a:cs typeface="ＭＳ Ｐゴシック" charset="0"/>
+              </a:rPr>
+              <a:t>G  I  L  M  N  O  P  R  S  T  X</a:t>
+            </a:r>
+            <a:endParaRPr lang="en-US" sz="2200">
+              <a:solidFill>
+                <a:srgbClr val="00B050"/>
+              </a:solidFill>
+              <a:latin typeface="Trebuchet MS" charset="0"/>
+              <a:ea typeface="ＭＳ Ｐゴシック" charset="0"/>
+              <a:cs typeface="ＭＳ Ｐゴシック" charset="0"/>
+            </a:endParaRPr>
+          </a:p>
+          <a:p>
+            <a:pPr algn="ctr">
+              <a:spcBef>
+                <a:spcPts val="300"/>
+              </a:spcBef>
+            </a:pPr>
+            <a:r>
+              <a:rPr lang="en-US" sz="2200">
+                <a:solidFill>
+                  <a:srgbClr val="00B050"/>
+                </a:solidFill>
+                <a:latin typeface="Trebuchet MS" charset="0"/>
+                <a:ea typeface="ＭＳ Ｐゴシック" charset="0"/>
+                <a:cs typeface="ＭＳ Ｐゴシック" charset="0"/>
+              </a:rPr>
+              <a:t>A  E  E  G  I  L  M  N  O  P  R  S  T  X</a:t>
+            </a:r>
+          </a:p>
+        </p:txBody>
+      </p:sp>
+      <p:sp>
+        <p:nvSpPr>
+          <p:cNvPr id="6" name="Oval 5">
+            <a:extLst>
+              <a:ext uri="{FF2B5EF4-FFF2-40B4-BE49-F238E27FC236}">
+                <a16:creationId xmlns:a16="http://schemas.microsoft.com/office/drawing/2014/main" id="{840367E2-DBED-8A48-81C5-855E1A7C19A5}"/>
+              </a:ext>
+            </a:extLst>
+          </p:cNvPr>
+          <p:cNvSpPr/>
+          <p:nvPr/>
+        </p:nvSpPr>
+        <p:spPr>
+          <a:xfrm>
+            <a:off x="2297430" y="2297430"/>
+            <a:ext cx="2148840" cy="468630"/>
+          </a:xfrm>
+          <a:prstGeom prst="ellipse">
+            <a:avLst/>
+          </a:prstGeom>
+          <a:noFill/>
+          <a:ln>
+            <a:solidFill>
+              <a:srgbClr val="7030A0"/>
+            </a:solidFill>
+            <a:prstDash val="lgDash"/>
+          </a:ln>
+        </p:spPr>
+        <p:style>
+          <a:lnRef idx="2">
+            <a:schemeClr val="accent1">
+              <a:shade val="50000"/>
+            </a:schemeClr>
+          </a:lnRef>
+          <a:fillRef idx="1">
+            <a:schemeClr val="accent1"/>
+          </a:fillRef>
+          <a:effectRef idx="0">
+            <a:schemeClr val="accent1"/>
+          </a:effectRef>
+          <a:fontRef idx="minor">
+            <a:schemeClr val="lt1"/>
+          </a:fontRef>
+        </p:style>
+        <p:txBody>
+          <a:bodyPr rtlCol="0" anchor="ctr"/>
+          <a:lstStyle/>
+          <a:p>
+            <a:pPr algn="ctr"/>
+            <a:endParaRPr lang="en-US"/>
+          </a:p>
+        </p:txBody>
+      </p:sp>
+      <p:sp>
+        <p:nvSpPr>
+          <p:cNvPr id="7" name="TextBox 6">
+            <a:extLst>
+              <a:ext uri="{FF2B5EF4-FFF2-40B4-BE49-F238E27FC236}">
+                <a16:creationId xmlns:a16="http://schemas.microsoft.com/office/drawing/2014/main" id="{179108C8-3BA9-D74E-8E24-16CD613EB757}"/>
+              </a:ext>
+            </a:extLst>
+          </p:cNvPr>
+          <p:cNvSpPr txBox="1"/>
+          <p:nvPr/>
+        </p:nvSpPr>
+        <p:spPr>
+          <a:xfrm>
+            <a:off x="777240" y="868680"/>
+            <a:ext cx="1249125" cy="923330"/>
+          </a:xfrm>
+          <a:prstGeom prst="rect">
+            <a:avLst/>
+          </a:prstGeom>
+          <a:noFill/>
+        </p:spPr>
+        <p:txBody>
+          <a:bodyPr wrap="none" rtlCol="0">
+            <a:spAutoFit/>
+          </a:bodyPr>
+          <a:lstStyle/>
+          <a:p>
+            <a:r>
+              <a:rPr lang="en-US"/>
+              <a:t>datos</a:t>
+            </a:r>
+          </a:p>
+          <a:p>
+            <a:r>
+              <a:rPr lang="en-US"/>
+              <a:t>ordenados:</a:t>
+            </a:r>
+          </a:p>
+          <a:p>
+            <a:r>
+              <a:rPr lang="en-US"/>
+              <a:t>I N O R S T</a:t>
+            </a:r>
+          </a:p>
+        </p:txBody>
+      </p:sp>
+      <p:cxnSp>
+        <p:nvCxnSpPr>
+          <p:cNvPr id="9" name="Straight Arrow Connector 8">
+            <a:extLst>
+              <a:ext uri="{FF2B5EF4-FFF2-40B4-BE49-F238E27FC236}">
+                <a16:creationId xmlns:a16="http://schemas.microsoft.com/office/drawing/2014/main" id="{DA04815D-A998-5143-A3F3-225303DF8EDF}"/>
+              </a:ext>
+            </a:extLst>
+          </p:cNvPr>
+          <p:cNvCxnSpPr>
+            <a:cxnSpLocks/>
+            <a:stCxn id="7" idx="2"/>
+          </p:cNvCxnSpPr>
+          <p:nvPr/>
+        </p:nvCxnSpPr>
+        <p:spPr>
+          <a:xfrm>
+            <a:off x="1401803" y="1792010"/>
+            <a:ext cx="975637" cy="505420"/>
+          </a:xfrm>
+          <a:prstGeom prst="straightConnector1">
+            <a:avLst/>
+          </a:prstGeom>
+          <a:ln>
+            <a:solidFill>
+              <a:srgbClr val="7030A0"/>
+            </a:solidFill>
+            <a:headEnd type="none" w="med" len="med"/>
+            <a:tailEnd type="arrow" w="med" len="med"/>
+          </a:ln>
+        </p:spPr>
+        <p:style>
+          <a:lnRef idx="1">
+            <a:schemeClr val="accent1"/>
+          </a:lnRef>
+          <a:fillRef idx="0">
+            <a:schemeClr val="accent1"/>
+          </a:fillRef>
+          <a:effectRef idx="0">
+            <a:schemeClr val="accent1"/>
+          </a:effectRef>
+          <a:fontRef idx="minor">
+            <a:schemeClr val="tx1"/>
+          </a:fontRef>
+        </p:style>
+      </p:cxnSp>
+      <p:sp>
+        <p:nvSpPr>
+          <p:cNvPr id="12" name="TextBox 11">
+            <a:extLst>
+              <a:ext uri="{FF2B5EF4-FFF2-40B4-BE49-F238E27FC236}">
+                <a16:creationId xmlns:a16="http://schemas.microsoft.com/office/drawing/2014/main" id="{06503B6E-D363-7B45-BF17-F1463038ACA4}"/>
+              </a:ext>
+            </a:extLst>
+          </p:cNvPr>
+          <p:cNvSpPr txBox="1"/>
+          <p:nvPr/>
+        </p:nvSpPr>
+        <p:spPr>
+          <a:xfrm>
+            <a:off x="268896" y="3200400"/>
+            <a:ext cx="1959447" cy="923330"/>
+          </a:xfrm>
+          <a:prstGeom prst="rect">
+            <a:avLst/>
+          </a:prstGeom>
+          <a:noFill/>
+        </p:spPr>
+        <p:txBody>
+          <a:bodyPr wrap="none" rtlCol="0">
+            <a:spAutoFit/>
+          </a:bodyPr>
+          <a:lstStyle/>
+          <a:p>
+            <a:r>
+              <a:rPr lang="en-US"/>
+              <a:t>último dato</a:t>
+            </a:r>
+          </a:p>
+          <a:p>
+            <a:r>
+              <a:rPr lang="en-US"/>
+              <a:t>insertado</a:t>
+            </a:r>
+          </a:p>
+          <a:p>
+            <a:r>
+              <a:rPr lang="en-US"/>
+              <a:t>ordenadamente: N</a:t>
+            </a:r>
+          </a:p>
+        </p:txBody>
+      </p:sp>
+      <p:cxnSp>
+        <p:nvCxnSpPr>
+          <p:cNvPr id="13" name="Straight Arrow Connector 12">
+            <a:extLst>
+              <a:ext uri="{FF2B5EF4-FFF2-40B4-BE49-F238E27FC236}">
+                <a16:creationId xmlns:a16="http://schemas.microsoft.com/office/drawing/2014/main" id="{DB516971-0EB7-AE47-BC17-DCCCF2A83DC4}"/>
+              </a:ext>
+            </a:extLst>
+          </p:cNvPr>
+          <p:cNvCxnSpPr>
+            <a:cxnSpLocks/>
+            <a:stCxn id="12" idx="0"/>
+          </p:cNvCxnSpPr>
+          <p:nvPr/>
+        </p:nvCxnSpPr>
+        <p:spPr>
+          <a:xfrm flipV="1">
+            <a:off x="1248620" y="2549380"/>
+            <a:ext cx="1560554" cy="651020"/>
+          </a:xfrm>
+          <a:prstGeom prst="straightConnector1">
+            <a:avLst/>
+          </a:prstGeom>
+          <a:ln>
+            <a:solidFill>
+              <a:srgbClr val="7030A0"/>
+            </a:solidFill>
+            <a:headEnd type="none" w="med" len="med"/>
+            <a:tailEnd type="arrow" w="med" len="med"/>
+          </a:ln>
+        </p:spPr>
+        <p:style>
+          <a:lnRef idx="1">
+            <a:schemeClr val="accent1"/>
+          </a:lnRef>
+          <a:fillRef idx="0">
+            <a:schemeClr val="accent1"/>
+          </a:fillRef>
+          <a:effectRef idx="0">
+            <a:schemeClr val="accent1"/>
+          </a:effectRef>
+          <a:fontRef idx="minor">
+            <a:schemeClr val="tx1"/>
+          </a:fontRef>
+        </p:style>
+      </p:cxnSp>
+      <p:sp>
+        <p:nvSpPr>
+          <p:cNvPr id="16" name="TextBox 15">
+            <a:extLst>
+              <a:ext uri="{FF2B5EF4-FFF2-40B4-BE49-F238E27FC236}">
+                <a16:creationId xmlns:a16="http://schemas.microsoft.com/office/drawing/2014/main" id="{9A8C960D-1139-9044-8BD6-54A4CC87828E}"/>
+              </a:ext>
+            </a:extLst>
+          </p:cNvPr>
+          <p:cNvSpPr txBox="1"/>
+          <p:nvPr/>
+        </p:nvSpPr>
+        <p:spPr>
+          <a:xfrm>
+            <a:off x="7168798" y="1444555"/>
+            <a:ext cx="1956241" cy="923330"/>
+          </a:xfrm>
+          <a:prstGeom prst="rect">
+            <a:avLst/>
+          </a:prstGeom>
+          <a:noFill/>
+        </p:spPr>
+        <p:txBody>
+          <a:bodyPr wrap="none" rtlCol="0">
+            <a:spAutoFit/>
+          </a:bodyPr>
+          <a:lstStyle/>
+          <a:p>
+            <a:r>
+              <a:rPr lang="en-US"/>
+              <a:t>próximo dato</a:t>
+            </a:r>
+          </a:p>
+          <a:p>
+            <a:r>
+              <a:rPr lang="en-US"/>
+              <a:t>a ser insertado</a:t>
+            </a:r>
+          </a:p>
+          <a:p>
+            <a:r>
+              <a:rPr lang="en-US"/>
+              <a:t>ordenadamente: G</a:t>
+            </a:r>
+          </a:p>
+        </p:txBody>
+      </p:sp>
+      <p:cxnSp>
+        <p:nvCxnSpPr>
+          <p:cNvPr id="17" name="Straight Arrow Connector 16">
+            <a:extLst>
+              <a:ext uri="{FF2B5EF4-FFF2-40B4-BE49-F238E27FC236}">
+                <a16:creationId xmlns:a16="http://schemas.microsoft.com/office/drawing/2014/main" id="{7A6AFABA-0405-584F-8FCD-4BD90FEA924A}"/>
+              </a:ext>
+            </a:extLst>
+          </p:cNvPr>
+          <p:cNvCxnSpPr>
+            <a:cxnSpLocks/>
+            <a:stCxn id="16" idx="1"/>
+          </p:cNvCxnSpPr>
+          <p:nvPr/>
+        </p:nvCxnSpPr>
+        <p:spPr>
+          <a:xfrm flipH="1">
+            <a:off x="4663440" y="1906220"/>
+            <a:ext cx="2505358" cy="625525"/>
+          </a:xfrm>
+          <a:prstGeom prst="straightConnector1">
+            <a:avLst/>
+          </a:prstGeom>
+          <a:ln>
+            <a:solidFill>
+              <a:srgbClr val="7030A0"/>
+            </a:solidFill>
+            <a:headEnd type="none" w="med" len="med"/>
+            <a:tailEnd type="arrow" w="med" len="med"/>
+          </a:ln>
+        </p:spPr>
+        <p:style>
+          <a:lnRef idx="1">
+            <a:schemeClr val="accent1"/>
+          </a:lnRef>
+          <a:fillRef idx="0">
+            <a:schemeClr val="accent1"/>
+          </a:fillRef>
+          <a:effectRef idx="0">
+            <a:schemeClr val="accent1"/>
+          </a:effectRef>
+          <a:fontRef idx="minor">
+            <a:schemeClr val="tx1"/>
+          </a:fontRef>
+        </p:style>
+      </p:cxnSp>
+    </p:spTree>
+    <p:extLst>
+      <p:ext uri="{BB962C8B-B14F-4D97-AF65-F5344CB8AC3E}">
+        <p14:creationId xmlns:p14="http://schemas.microsoft.com/office/powerpoint/2010/main" val="1320039986"/>
+      </p:ext>
+    </p:extLst>
+  </p:cSld>
+  <p:clrMapOvr>
+    <a:masterClrMapping/>
+  </p:clrMapOvr>
+</p:sld>
+</file>
+
+<file path=ppt/slides/slide22.xml><?xml version="1.0" encoding="utf-8"?>
+<p:sld xmlns:a="http://schemas.openxmlformats.org/drawingml/2006/main" xmlns:r="http://schemas.openxmlformats.org/officeDocument/2006/relationships" xmlns:p="http://schemas.openxmlformats.org/presentationml/2006/main">
+  <p:cSld>
+    <p:spTree>
+      <p:nvGrpSpPr>
+        <p:cNvPr id="1" name=""/>
+        <p:cNvGrpSpPr/>
+        <p:nvPr/>
+      </p:nvGrpSpPr>
+      <p:grpSpPr>
+        <a:xfrm>
+          <a:off x="0" y="0"/>
+          <a:ext cx="0" cy="0"/>
+          <a:chOff x="0" y="0"/>
+          <a:chExt cx="0" cy="0"/>
+        </a:xfrm>
+      </p:grpSpPr>
+      <p:sp>
+        <p:nvSpPr>
+          <p:cNvPr id="2" name="Title 1">
+            <a:extLst>
+              <a:ext uri="{FF2B5EF4-FFF2-40B4-BE49-F238E27FC236}">
+                <a16:creationId xmlns:a16="http://schemas.microsoft.com/office/drawing/2014/main" id="{3B88502C-8C97-4950-BCC5-ACA34D3501DE}"/>
+              </a:ext>
+            </a:extLst>
+          </p:cNvPr>
+          <p:cNvSpPr>
+            <a:spLocks noGrp="1"/>
+          </p:cNvSpPr>
+          <p:nvPr>
+            <p:ph type="title"/>
+          </p:nvPr>
+        </p:nvSpPr>
+        <p:spPr/>
+        <p:txBody>
+          <a:bodyPr>
+            <a:noAutofit/>
+          </a:bodyPr>
+          <a:lstStyle/>
+          <a:p>
+            <a:r>
+              <a:rPr lang="es-CL" sz="4000" dirty="0"/>
+              <a:t>Insertar en una lista (doblemente) ligada</a:t>
+            </a:r>
+          </a:p>
+        </p:txBody>
+      </p:sp>
+      <mc:AlternateContent xmlns:mc="http://schemas.openxmlformats.org/markup-compatibility/2006">
+        <mc:Choice xmlns:a14="http://schemas.microsoft.com/office/drawing/2010/main" Requires="a14">
+          <p:sp>
+            <p:nvSpPr>
+              <p:cNvPr id="3" name="Content Placeholder 2">
+                <a:extLst>
+                  <a:ext uri="{FF2B5EF4-FFF2-40B4-BE49-F238E27FC236}">
+                    <a16:creationId xmlns:a16="http://schemas.microsoft.com/office/drawing/2014/main" id="{52C9B8CE-2D6B-4709-AE87-8A92A7545348}"/>
+                  </a:ext>
+                </a:extLst>
+              </p:cNvPr>
+              <p:cNvSpPr>
+                <a:spLocks noGrp="1"/>
+              </p:cNvSpPr>
+              <p:nvPr>
+                <p:ph idx="1"/>
+              </p:nvPr>
+            </p:nvSpPr>
+            <p:spPr/>
+            <p:txBody>
+              <a:bodyPr anchor="ctr">
+                <a:normAutofit/>
+              </a:bodyPr>
+              <a:lstStyle/>
+              <a:p>
+                <a:pPr marL="0" indent="0">
+                  <a:lnSpc>
+                    <a:spcPct val="100000"/>
+                  </a:lnSpc>
+                  <a:buNone/>
+                </a:pPr>
+                <a:r>
+                  <a:rPr lang="es-CL" dirty="0"/>
+                  <a:t>Para el primer paso es necesario revisar toda la lista: </a:t>
+                </a:r>
+                <a14:m>
+                  <m:oMath xmlns:m="http://schemas.openxmlformats.org/officeDocument/2006/math">
+                    <m:r>
+                      <a:rPr lang="es-CL" b="0" i="1" smtClean="0">
+                        <a:latin typeface="Cambria Math" panose="02040503050406030204" pitchFamily="18" charset="0"/>
+                      </a:rPr>
+                      <m:t>𝑂</m:t>
+                    </m:r>
+                    <m:d>
+                      <m:dPr>
+                        <m:ctrlPr>
+                          <a:rPr lang="es-CL" b="0" i="1" smtClean="0">
+                            <a:latin typeface="Cambria Math" panose="02040503050406030204" pitchFamily="18" charset="0"/>
+                          </a:rPr>
+                        </m:ctrlPr>
+                      </m:dPr>
+                      <m:e>
+                        <m:r>
+                          <a:rPr lang="es-CL" b="0" i="1" smtClean="0">
+                            <a:latin typeface="Cambria Math" panose="02040503050406030204" pitchFamily="18" charset="0"/>
+                          </a:rPr>
+                          <m:t>𝑛</m:t>
+                        </m:r>
+                      </m:e>
+                    </m:d>
+                  </m:oMath>
+                </a14:m>
+                <a:endParaRPr lang="es-CL" dirty="0"/>
+              </a:p>
+              <a:p>
+                <a:pPr marL="0" indent="0">
+                  <a:lnSpc>
+                    <a:spcPct val="100000"/>
+                  </a:lnSpc>
+                  <a:buNone/>
+                </a:pPr>
+                <a:endParaRPr lang="es-CL" dirty="0"/>
+              </a:p>
+              <a:p>
+                <a:pPr marL="0" indent="0">
+                  <a:lnSpc>
+                    <a:spcPct val="100000"/>
+                  </a:lnSpc>
+                  <a:buNone/>
+                </a:pPr>
+                <a:r>
+                  <a:rPr lang="es-CL" dirty="0"/>
+                  <a:t>Teniendo el nodo donde corresponde insertar, hacerlo es </a:t>
+                </a:r>
+                <a14:m>
+                  <m:oMath xmlns:m="http://schemas.openxmlformats.org/officeDocument/2006/math">
+                    <m:r>
+                      <a:rPr lang="es-CL" b="0" i="1" smtClean="0">
+                        <a:latin typeface="Cambria Math" panose="02040503050406030204" pitchFamily="18" charset="0"/>
+                      </a:rPr>
+                      <m:t>𝑂</m:t>
+                    </m:r>
+                    <m:d>
+                      <m:dPr>
+                        <m:ctrlPr>
+                          <a:rPr lang="es-CL" b="0" i="1" smtClean="0">
+                            <a:latin typeface="Cambria Math" panose="02040503050406030204" pitchFamily="18" charset="0"/>
+                          </a:rPr>
+                        </m:ctrlPr>
+                      </m:dPr>
+                      <m:e>
+                        <m:r>
+                          <a:rPr lang="es-CL" b="0" i="1" smtClean="0">
+                            <a:latin typeface="Cambria Math" panose="02040503050406030204" pitchFamily="18" charset="0"/>
+                          </a:rPr>
+                          <m:t>1</m:t>
+                        </m:r>
+                      </m:e>
+                    </m:d>
+                  </m:oMath>
+                </a14:m>
+                <a:endParaRPr lang="es-CL" dirty="0"/>
+              </a:p>
+              <a:p>
+                <a:pPr>
+                  <a:lnSpc>
+                    <a:spcPct val="100000"/>
+                  </a:lnSpc>
+                </a:pPr>
+                <a:endParaRPr lang="es-CL" dirty="0"/>
+              </a:p>
+              <a:p>
+                <a:pPr marL="0" indent="0">
+                  <a:lnSpc>
+                    <a:spcPct val="100000"/>
+                  </a:lnSpc>
+                  <a:buNone/>
+                </a:pPr>
+                <a:r>
+                  <a:rPr lang="es-CL" dirty="0"/>
+                  <a:t>Por lo tanto, en </a:t>
+                </a:r>
+                <a:r>
+                  <a:rPr lang="es-CL" b="1" dirty="0">
+                    <a:solidFill>
+                      <a:schemeClr val="accent2"/>
+                    </a:solidFill>
+                  </a:rPr>
+                  <a:t>listas ligadas</a:t>
+                </a:r>
+                <a:r>
+                  <a:rPr lang="es-CL" dirty="0">
+                    <a:solidFill>
+                      <a:schemeClr val="tx1"/>
+                    </a:solidFill>
+                  </a:rPr>
+                  <a:t>,</a:t>
+                </a:r>
+                <a:r>
+                  <a:rPr lang="es-CL" b="1" dirty="0">
+                    <a:solidFill>
+                      <a:schemeClr val="accent2"/>
+                    </a:solidFill>
+                  </a:rPr>
+                  <a:t> </a:t>
+                </a:r>
+                <a:r>
+                  <a:rPr lang="es-CL" b="1" dirty="0">
+                    <a:solidFill>
+                      <a:schemeClr val="accent4"/>
+                    </a:solidFill>
+                  </a:rPr>
+                  <a:t>insertar</a:t>
+                </a:r>
+                <a:r>
+                  <a:rPr lang="es-CL" dirty="0"/>
+                  <a:t> es </a:t>
+                </a:r>
+                <a14:m>
+                  <m:oMath xmlns:m="http://schemas.openxmlformats.org/officeDocument/2006/math">
+                    <m:r>
+                      <a:rPr lang="es-CL" b="0" i="1" smtClean="0">
+                        <a:latin typeface="Cambria Math" panose="02040503050406030204" pitchFamily="18" charset="0"/>
+                      </a:rPr>
+                      <m:t>𝑂</m:t>
+                    </m:r>
+                    <m:d>
+                      <m:dPr>
+                        <m:ctrlPr>
+                          <a:rPr lang="es-CL" b="0" i="1" smtClean="0">
+                            <a:latin typeface="Cambria Math" panose="02040503050406030204" pitchFamily="18" charset="0"/>
+                          </a:rPr>
+                        </m:ctrlPr>
+                      </m:dPr>
+                      <m:e>
+                        <m:r>
+                          <a:rPr lang="es-CL" b="0" i="1" smtClean="0">
+                            <a:latin typeface="Cambria Math" panose="02040503050406030204" pitchFamily="18" charset="0"/>
+                          </a:rPr>
+                          <m:t>𝑛</m:t>
+                        </m:r>
+                      </m:e>
+                    </m:d>
+                  </m:oMath>
+                </a14:m>
+                <a:endParaRPr lang="es-CL" dirty="0"/>
+              </a:p>
+            </p:txBody>
+          </p:sp>
+        </mc:Choice>
+        <mc:Fallback>
+          <p:sp>
+            <p:nvSpPr>
+              <p:cNvPr id="3" name="Content Placeholder 2">
+                <a:extLst>
+                  <a:ext uri="{FF2B5EF4-FFF2-40B4-BE49-F238E27FC236}">
+                    <a16:creationId xmlns:a16="http://schemas.microsoft.com/office/drawing/2014/main" id="{52C9B8CE-2D6B-4709-AE87-8A92A7545348}"/>
+                  </a:ext>
+                </a:extLst>
+              </p:cNvPr>
+              <p:cNvSpPr>
+                <a:spLocks noGrp="1" noRot="1" noChangeAspect="1" noMove="1" noResize="1" noEditPoints="1" noAdjustHandles="1" noChangeArrowheads="1" noChangeShapeType="1" noTextEdit="1"/>
+              </p:cNvSpPr>
+              <p:nvPr>
+                <p:ph idx="1"/>
+              </p:nvPr>
+            </p:nvSpPr>
+            <p:spPr>
+              <a:blipFill>
+                <a:blip r:embed="rId2"/>
+                <a:stretch>
+                  <a:fillRect l="-1468"/>
+                </a:stretch>
+              </a:blipFill>
+            </p:spPr>
+            <p:txBody>
+              <a:bodyPr/>
+              <a:lstStyle/>
+              <a:p>
+                <a:r>
+                  <a:rPr lang="en-US">
+                    <a:noFill/>
+                  </a:rPr>
+                  <a:t> </a:t>
+                </a:r>
+              </a:p>
+            </p:txBody>
+          </p:sp>
+        </mc:Fallback>
+      </mc:AlternateContent>
+    </p:spTree>
+    <p:extLst>
+      <p:ext uri="{BB962C8B-B14F-4D97-AF65-F5344CB8AC3E}">
         <p14:creationId xmlns:p14="http://schemas.microsoft.com/office/powerpoint/2010/main" val="4292069072"/>
       </p:ext>
     </p:extLst>
@@ -6724,7 +8964,7 @@
 </p:sld>
 </file>
 
-<file path=ppt/slides/slide22.xml><?xml version="1.0" encoding="utf-8"?>
+<file path=ppt/slides/slide23.xml><?xml version="1.0" encoding="utf-8"?>
 <p:sld xmlns:a="http://schemas.openxmlformats.org/drawingml/2006/main" xmlns:r="http://schemas.openxmlformats.org/officeDocument/2006/relationships" xmlns:p="http://schemas.openxmlformats.org/presentationml/2006/main">
   <p:cSld>
     <p:spTree>
@@ -6768,13 +9008,13 @@
             </a:r>
             <a:r>
               <a:rPr lang="es-CL" i="1" dirty="0"/>
-              <a:t>insertionSort</a:t>
+              <a:t>insertion sort</a:t>
             </a:r>
           </a:p>
         </p:txBody>
       </p:sp>
-      <mc:AlternateContent xmlns:mc="http://schemas.openxmlformats.org/markup-compatibility/2006" xmlns:a14="http://schemas.microsoft.com/office/drawing/2010/main">
-        <mc:Choice Requires="a14">
+      <mc:AlternateContent xmlns:mc="http://schemas.openxmlformats.org/markup-compatibility/2006">
+        <mc:Choice xmlns:a14="http://schemas.microsoft.com/office/drawing/2010/main" Requires="a14">
           <p:sp>
             <p:nvSpPr>
               <p:cNvPr id="3" name="Content Placeholder 2">
@@ -6863,6 +9103,12 @@
                         </m:r>
                       </m:e>
                     </m:d>
+                    <m:r>
+                      <a:rPr lang="en-US" b="0" i="1" smtClean="0">
+                        <a:latin typeface="Cambria Math" panose="02040503050406030204" pitchFamily="18" charset="0"/>
+                      </a:rPr>
+                      <m:t>,</m:t>
+                    </m:r>
                   </m:oMath>
                 </a14:m>
                 <a:r>
@@ -6980,7 +9226,7 @@
             </p:txBody>
           </p:sp>
         </mc:Choice>
-        <mc:Fallback xmlns="">
+        <mc:Fallback>
           <p:sp>
             <p:nvSpPr>
               <p:cNvPr id="3" name="Content Placeholder 2">
@@ -7001,7 +9247,7 @@
               <a:blipFill>
                 <a:blip r:embed="rId2"/>
                 <a:stretch>
-                  <a:fillRect l="-353"/>
+                  <a:fillRect l="-441"/>
                 </a:stretch>
               </a:blipFill>
             </p:spPr>
@@ -7010,7 +9256,7 @@
               <a:lstStyle/>
               <a:p>
                 <a:r>
-                  <a:rPr lang="es-CL">
+                  <a:rPr lang="en-US">
                     <a:noFill/>
                   </a:rPr>
                   <a:t> </a:t>
@@ -7024,6 +9270,2127 @@
     <p:extLst>
       <p:ext uri="{BB962C8B-B14F-4D97-AF65-F5344CB8AC3E}">
         <p14:creationId xmlns:p14="http://schemas.microsoft.com/office/powerpoint/2010/main" val="2099685834"/>
+      </p:ext>
+    </p:extLst>
+  </p:cSld>
+  <p:clrMapOvr>
+    <a:masterClrMapping/>
+  </p:clrMapOvr>
+</p:sld>
+</file>
+
+<file path=ppt/slides/slide24.xml><?xml version="1.0" encoding="utf-8"?>
+<p:sld xmlns:a="http://schemas.openxmlformats.org/drawingml/2006/main" xmlns:r="http://schemas.openxmlformats.org/officeDocument/2006/relationships" xmlns:p="http://schemas.openxmlformats.org/presentationml/2006/main">
+  <p:cSld>
+    <p:spTree>
+      <p:nvGrpSpPr>
+        <p:cNvPr id="1" name=""/>
+        <p:cNvGrpSpPr/>
+        <p:nvPr/>
+      </p:nvGrpSpPr>
+      <p:grpSpPr>
+        <a:xfrm>
+          <a:off x="0" y="0"/>
+          <a:ext cx="0" cy="0"/>
+          <a:chOff x="0" y="0"/>
+          <a:chExt cx="0" cy="0"/>
+        </a:xfrm>
+      </p:grpSpPr>
+      <p:sp>
+        <p:nvSpPr>
+          <p:cNvPr id="2" name="Title 1">
+            <a:extLst>
+              <a:ext uri="{FF2B5EF4-FFF2-40B4-BE49-F238E27FC236}">
+                <a16:creationId xmlns:a16="http://schemas.microsoft.com/office/drawing/2014/main" id="{232649FA-7B44-43DF-BE6B-697D23F41015}"/>
+              </a:ext>
+            </a:extLst>
+          </p:cNvPr>
+          <p:cNvSpPr>
+            <a:spLocks noGrp="1"/>
+          </p:cNvSpPr>
+          <p:nvPr>
+            <p:ph type="title"/>
+          </p:nvPr>
+        </p:nvSpPr>
+        <p:spPr/>
+        <p:txBody>
+          <a:bodyPr/>
+          <a:lstStyle/>
+          <a:p>
+            <a:r>
+              <a:rPr lang="es-CL" dirty="0"/>
+              <a:t>El algoritmo </a:t>
+            </a:r>
+            <a:r>
+              <a:rPr lang="es-CL" i="1" dirty="0"/>
+              <a:t>i</a:t>
+            </a:r>
+            <a:r>
+              <a:rPr lang="es-CL" i="1" dirty="0" err="1"/>
+              <a:t>nsertion</a:t>
+            </a:r>
+            <a:r>
+              <a:rPr lang="es-CL" i="1" dirty="0"/>
+              <a:t> s</a:t>
+            </a:r>
+            <a:r>
+              <a:rPr lang="es-CL" i="1" dirty="0" err="1"/>
+              <a:t>ort</a:t>
+            </a:r>
+            <a:endParaRPr lang="es-CL" i="1" dirty="0"/>
+          </a:p>
+        </p:txBody>
+      </p:sp>
+      <mc:AlternateContent xmlns:mc="http://schemas.openxmlformats.org/markup-compatibility/2006" xmlns:a14="http://schemas.microsoft.com/office/drawing/2010/main">
+        <mc:Choice Requires="a14">
+          <p:sp>
+            <p:nvSpPr>
+              <p:cNvPr id="3" name="Content Placeholder 2">
+                <a:extLst>
+                  <a:ext uri="{FF2B5EF4-FFF2-40B4-BE49-F238E27FC236}">
+                    <a16:creationId xmlns:a16="http://schemas.microsoft.com/office/drawing/2014/main" id="{49572EA8-0A15-47C8-8D54-18B7EA8A7EC5}"/>
+                  </a:ext>
+                </a:extLst>
+              </p:cNvPr>
+              <p:cNvSpPr>
+                <a:spLocks noGrp="1"/>
+              </p:cNvSpPr>
+              <p:nvPr>
+                <p:ph idx="1"/>
+              </p:nvPr>
+            </p:nvSpPr>
+            <p:spPr/>
+            <p:txBody>
+              <a:bodyPr anchor="ctr">
+                <a:normAutofit/>
+              </a:bodyPr>
+              <a:lstStyle/>
+              <a:p>
+                <a:pPr marL="0" indent="0">
+                  <a:lnSpc>
+                    <a:spcPct val="100000"/>
+                  </a:lnSpc>
+                  <a:buNone/>
+                </a:pPr>
+                <a:r>
+                  <a:rPr lang="es-CL" dirty="0">
+                    <a:solidFill>
+                      <a:schemeClr val="tx1"/>
+                    </a:solidFill>
+                  </a:rPr>
+                  <a:t>Para la secuencia inicial de datos, </a:t>
+                </a:r>
+                <a14:m>
+                  <m:oMath xmlns:m="http://schemas.openxmlformats.org/officeDocument/2006/math">
+                    <m:r>
+                      <a:rPr lang="es-CL" i="1" dirty="0" smtClean="0">
+                        <a:solidFill>
+                          <a:schemeClr val="tx1"/>
+                        </a:solidFill>
+                        <a:latin typeface="Cambria Math" panose="02040503050406030204" pitchFamily="18" charset="0"/>
+                      </a:rPr>
+                      <m:t>𝐴</m:t>
+                    </m:r>
+                  </m:oMath>
+                </a14:m>
+                <a:r>
+                  <a:rPr lang="es-CL" dirty="0">
+                    <a:solidFill>
+                      <a:schemeClr val="tx1"/>
+                    </a:solidFill>
+                  </a:rPr>
+                  <a:t>:</a:t>
+                </a:r>
+              </a:p>
+              <a:p>
+                <a:pPr marL="514350" indent="-514350">
+                  <a:lnSpc>
+                    <a:spcPct val="100000"/>
+                  </a:lnSpc>
+                  <a:buClr>
+                    <a:schemeClr val="accent2"/>
+                  </a:buClr>
+                  <a:buFont typeface="+mj-lt"/>
+                  <a:buAutoNum type="arabicPeriod"/>
+                </a:pPr>
+                <a:r>
+                  <a:rPr lang="es-CL" dirty="0">
+                    <a:solidFill>
+                      <a:schemeClr val="tx1"/>
+                    </a:solidFill>
+                  </a:rPr>
+                  <a:t>Definir una secuencia ordenada, </a:t>
+                </a:r>
+                <a14:m>
+                  <m:oMath xmlns:m="http://schemas.openxmlformats.org/officeDocument/2006/math">
+                    <m:r>
+                      <a:rPr lang="es-CL" i="1" dirty="0" smtClean="0">
+                        <a:solidFill>
+                          <a:schemeClr val="tx1"/>
+                        </a:solidFill>
+                        <a:latin typeface="Cambria Math" panose="02040503050406030204" pitchFamily="18" charset="0"/>
+                      </a:rPr>
+                      <m:t>𝐵</m:t>
+                    </m:r>
+                  </m:oMath>
+                </a14:m>
+                <a:r>
+                  <a:rPr lang="es-CL" dirty="0">
+                    <a:solidFill>
+                      <a:schemeClr val="tx1"/>
+                    </a:solidFill>
+                  </a:rPr>
+                  <a:t>, inicialmente vacía</a:t>
+                </a:r>
+              </a:p>
+              <a:p>
+                <a:pPr marL="514350" indent="-514350">
+                  <a:lnSpc>
+                    <a:spcPct val="100000"/>
+                  </a:lnSpc>
+                  <a:buClr>
+                    <a:schemeClr val="accent2"/>
+                  </a:buClr>
+                  <a:buFont typeface="+mj-lt"/>
+                  <a:buAutoNum type="arabicPeriod"/>
+                </a:pPr>
+                <a:r>
+                  <a:rPr lang="es-CL" dirty="0">
+                    <a:solidFill>
+                      <a:schemeClr val="tx1"/>
+                    </a:solidFill>
+                  </a:rPr>
+                  <a:t>Tomar el primer dato </a:t>
+                </a:r>
+                <a14:m>
+                  <m:oMath xmlns:m="http://schemas.openxmlformats.org/officeDocument/2006/math">
+                    <m:r>
+                      <a:rPr lang="es-CL" b="0" i="1" smtClean="0">
+                        <a:solidFill>
+                          <a:schemeClr val="tx1"/>
+                        </a:solidFill>
+                        <a:latin typeface="Cambria Math" panose="02040503050406030204" pitchFamily="18" charset="0"/>
+                      </a:rPr>
+                      <m:t>𝑥</m:t>
+                    </m:r>
+                  </m:oMath>
+                </a14:m>
+                <a:r>
+                  <a:rPr lang="es-CL" dirty="0">
+                    <a:solidFill>
+                      <a:schemeClr val="tx1"/>
+                    </a:solidFill>
+                  </a:rPr>
+                  <a:t> de </a:t>
+                </a:r>
+                <a14:m>
+                  <m:oMath xmlns:m="http://schemas.openxmlformats.org/officeDocument/2006/math">
+                    <m:r>
+                      <a:rPr lang="es-CL" i="1" dirty="0" smtClean="0">
+                        <a:solidFill>
+                          <a:schemeClr val="tx1"/>
+                        </a:solidFill>
+                        <a:latin typeface="Cambria Math" panose="02040503050406030204" pitchFamily="18" charset="0"/>
+                      </a:rPr>
+                      <m:t>𝐴</m:t>
+                    </m:r>
+                  </m:oMath>
+                </a14:m>
+                <a:r>
+                  <a:rPr lang="es-CL" dirty="0">
+                    <a:solidFill>
+                      <a:schemeClr val="tx1"/>
+                    </a:solidFill>
+                  </a:rPr>
+                  <a:t> y sacarlo de </a:t>
+                </a:r>
+                <a14:m>
+                  <m:oMath xmlns:m="http://schemas.openxmlformats.org/officeDocument/2006/math">
+                    <m:r>
+                      <a:rPr lang="es-CL" i="1" dirty="0" smtClean="0">
+                        <a:solidFill>
+                          <a:schemeClr val="tx1"/>
+                        </a:solidFill>
+                        <a:latin typeface="Cambria Math" panose="02040503050406030204" pitchFamily="18" charset="0"/>
+                      </a:rPr>
+                      <m:t>𝐴</m:t>
+                    </m:r>
+                  </m:oMath>
+                </a14:m>
+                <a:r>
+                  <a:rPr lang="es-CL" dirty="0">
+                    <a:solidFill>
+                      <a:schemeClr val="tx1"/>
+                    </a:solidFill>
+                  </a:rPr>
+                  <a:t> </a:t>
+                </a:r>
+              </a:p>
+              <a:p>
+                <a:pPr marL="514350" indent="-514350">
+                  <a:lnSpc>
+                    <a:spcPct val="100000"/>
+                  </a:lnSpc>
+                  <a:buClr>
+                    <a:schemeClr val="accent2"/>
+                  </a:buClr>
+                  <a:buFont typeface="+mj-lt"/>
+                  <a:buAutoNum type="arabicPeriod"/>
+                </a:pPr>
+                <a:r>
+                  <a:rPr lang="es-CL" dirty="0">
+                    <a:solidFill>
+                      <a:schemeClr val="tx1"/>
+                    </a:solidFill>
+                  </a:rPr>
+                  <a:t>Insertar </a:t>
+                </a:r>
+                <a14:m>
+                  <m:oMath xmlns:m="http://schemas.openxmlformats.org/officeDocument/2006/math">
+                    <m:r>
+                      <a:rPr lang="en-US" b="0" i="1" dirty="0">
+                        <a:solidFill>
+                          <a:schemeClr val="tx1"/>
+                        </a:solidFill>
+                        <a:latin typeface="Cambria Math" charset="0"/>
+                      </a:rPr>
+                      <m:t>𝑥</m:t>
+                    </m:r>
+                  </m:oMath>
+                </a14:m>
+                <a:r>
+                  <a:rPr lang="es-CL" dirty="0">
+                    <a:solidFill>
+                      <a:schemeClr val="tx1"/>
+                    </a:solidFill>
+                  </a:rPr>
+                  <a:t> en </a:t>
+                </a:r>
+                <a14:m>
+                  <m:oMath xmlns:m="http://schemas.openxmlformats.org/officeDocument/2006/math">
+                    <m:r>
+                      <a:rPr lang="es-CL" i="1" dirty="0" smtClean="0">
+                        <a:solidFill>
+                          <a:schemeClr val="tx1"/>
+                        </a:solidFill>
+                        <a:latin typeface="Cambria Math" panose="02040503050406030204" pitchFamily="18" charset="0"/>
+                      </a:rPr>
+                      <m:t>𝐵</m:t>
+                    </m:r>
+                  </m:oMath>
+                </a14:m>
+                <a:r>
+                  <a:rPr lang="es-CL" dirty="0">
+                    <a:solidFill>
+                      <a:schemeClr val="tx1"/>
+                    </a:solidFill>
+                  </a:rPr>
+                  <a:t> de manera que </a:t>
+                </a:r>
+                <a14:m>
+                  <m:oMath xmlns:m="http://schemas.openxmlformats.org/officeDocument/2006/math">
+                    <m:r>
+                      <a:rPr lang="es-CL" i="1" dirty="0">
+                        <a:solidFill>
+                          <a:schemeClr val="tx1"/>
+                        </a:solidFill>
+                        <a:latin typeface="Cambria Math" charset="0"/>
+                      </a:rPr>
+                      <m:t>𝐵</m:t>
+                    </m:r>
+                  </m:oMath>
+                </a14:m>
+                <a:r>
+                  <a:rPr lang="es-CL" dirty="0">
+                    <a:solidFill>
+                      <a:schemeClr val="tx1"/>
+                    </a:solidFill>
+                  </a:rPr>
+                  <a:t> quede ordenado</a:t>
+                </a:r>
+              </a:p>
+              <a:p>
+                <a:pPr marL="514350" indent="-514350">
+                  <a:lnSpc>
+                    <a:spcPct val="100000"/>
+                  </a:lnSpc>
+                  <a:buClr>
+                    <a:schemeClr val="accent2"/>
+                  </a:buClr>
+                  <a:buFont typeface="+mj-lt"/>
+                  <a:buAutoNum type="arabicPeriod"/>
+                </a:pPr>
+                <a:r>
+                  <a:rPr lang="es-CL" dirty="0">
+                    <a:solidFill>
+                      <a:schemeClr val="tx1"/>
+                    </a:solidFill>
+                  </a:rPr>
+                  <a:t>Si quedan elementos en </a:t>
+                </a:r>
+                <a14:m>
+                  <m:oMath xmlns:m="http://schemas.openxmlformats.org/officeDocument/2006/math">
+                    <m:r>
+                      <a:rPr lang="es-CL" i="1" dirty="0" smtClean="0">
+                        <a:solidFill>
+                          <a:schemeClr val="tx1"/>
+                        </a:solidFill>
+                        <a:latin typeface="Cambria Math" panose="02040503050406030204" pitchFamily="18" charset="0"/>
+                      </a:rPr>
+                      <m:t>𝐴</m:t>
+                    </m:r>
+                  </m:oMath>
+                </a14:m>
+                <a:r>
+                  <a:rPr lang="es-CL" dirty="0">
+                    <a:solidFill>
+                      <a:schemeClr val="tx1"/>
+                    </a:solidFill>
+                  </a:rPr>
+                  <a:t>, volver a </a:t>
+                </a:r>
+                <a:r>
+                  <a:rPr lang="es-CL" dirty="0">
+                    <a:solidFill>
+                      <a:schemeClr val="accent2"/>
+                    </a:solidFill>
+                  </a:rPr>
+                  <a:t>2.</a:t>
+                </a:r>
+              </a:p>
+            </p:txBody>
+          </p:sp>
+        </mc:Choice>
+        <mc:Fallback xmlns="">
+          <p:sp>
+            <p:nvSpPr>
+              <p:cNvPr id="3" name="Content Placeholder 2">
+                <a:extLst>
+                  <a:ext uri="{FF2B5EF4-FFF2-40B4-BE49-F238E27FC236}">
+                    <a16:creationId xmlns:a16="http://schemas.microsoft.com/office/drawing/2014/main" id="{49572EA8-0A15-47C8-8D54-18B7EA8A7EC5}"/>
+                  </a:ext>
+                </a:extLst>
+              </p:cNvPr>
+              <p:cNvSpPr>
+                <a:spLocks noGrp="1" noRot="1" noChangeAspect="1" noMove="1" noResize="1" noEditPoints="1" noAdjustHandles="1" noChangeArrowheads="1" noChangeShapeType="1" noTextEdit="1"/>
+              </p:cNvSpPr>
+              <p:nvPr>
+                <p:ph idx="1"/>
+              </p:nvPr>
+            </p:nvSpPr>
+            <p:spPr>
+              <a:blipFill>
+                <a:blip r:embed="rId3"/>
+                <a:stretch>
+                  <a:fillRect l="-1468"/>
+                </a:stretch>
+              </a:blipFill>
+            </p:spPr>
+            <p:txBody>
+              <a:bodyPr/>
+              <a:lstStyle/>
+              <a:p>
+                <a:r>
+                  <a:rPr lang="en-US">
+                    <a:noFill/>
+                  </a:rPr>
+                  <a:t> </a:t>
+                </a:r>
+              </a:p>
+            </p:txBody>
+          </p:sp>
+        </mc:Fallback>
+      </mc:AlternateContent>
+    </p:spTree>
+    <p:extLst>
+      <p:ext uri="{BB962C8B-B14F-4D97-AF65-F5344CB8AC3E}">
+        <p14:creationId xmlns:p14="http://schemas.microsoft.com/office/powerpoint/2010/main" val="4151627663"/>
+      </p:ext>
+    </p:extLst>
+  </p:cSld>
+  <p:clrMapOvr>
+    <a:masterClrMapping/>
+  </p:clrMapOvr>
+</p:sld>
+</file>
+
+<file path=ppt/slides/slide25.xml><?xml version="1.0" encoding="utf-8"?>
+<p:sld xmlns:a="http://schemas.openxmlformats.org/drawingml/2006/main" xmlns:r="http://schemas.openxmlformats.org/officeDocument/2006/relationships" xmlns:p="http://schemas.openxmlformats.org/presentationml/2006/main">
+  <p:cSld>
+    <p:spTree>
+      <p:nvGrpSpPr>
+        <p:cNvPr id="1" name=""/>
+        <p:cNvGrpSpPr/>
+        <p:nvPr/>
+      </p:nvGrpSpPr>
+      <p:grpSpPr>
+        <a:xfrm>
+          <a:off x="0" y="0"/>
+          <a:ext cx="0" cy="0"/>
+          <a:chOff x="0" y="0"/>
+          <a:chExt cx="0" cy="0"/>
+        </a:xfrm>
+      </p:grpSpPr>
+      <p:sp>
+        <p:nvSpPr>
+          <p:cNvPr id="2" name="Title 1">
+            <a:extLst>
+              <a:ext uri="{FF2B5EF4-FFF2-40B4-BE49-F238E27FC236}">
+                <a16:creationId xmlns:a16="http://schemas.microsoft.com/office/drawing/2014/main" id="{699C118A-2F9B-4293-8EA7-CC54AD5A3540}"/>
+              </a:ext>
+            </a:extLst>
+          </p:cNvPr>
+          <p:cNvSpPr>
+            <a:spLocks noGrp="1"/>
+          </p:cNvSpPr>
+          <p:nvPr>
+            <p:ph type="title"/>
+          </p:nvPr>
+        </p:nvSpPr>
+        <p:spPr/>
+        <p:txBody>
+          <a:bodyPr/>
+          <a:lstStyle/>
+          <a:p>
+            <a:r>
+              <a:rPr lang="es-CL" dirty="0"/>
+              <a:t>Demostración de finitud</a:t>
+            </a:r>
+          </a:p>
+        </p:txBody>
+      </p:sp>
+      <mc:AlternateContent xmlns:mc="http://schemas.openxmlformats.org/markup-compatibility/2006" xmlns:a14="http://schemas.microsoft.com/office/drawing/2010/main">
+        <mc:Choice Requires="a14">
+          <p:sp>
+            <p:nvSpPr>
+              <p:cNvPr id="3" name="Content Placeholder 2">
+                <a:extLst>
+                  <a:ext uri="{FF2B5EF4-FFF2-40B4-BE49-F238E27FC236}">
+                    <a16:creationId xmlns:a16="http://schemas.microsoft.com/office/drawing/2014/main" id="{C9B5215C-8FC1-4DE1-A37C-15A1BFE21E0E}"/>
+                  </a:ext>
+                </a:extLst>
+              </p:cNvPr>
+              <p:cNvSpPr>
+                <a:spLocks noGrp="1"/>
+              </p:cNvSpPr>
+              <p:nvPr>
+                <p:ph idx="1"/>
+              </p:nvPr>
+            </p:nvSpPr>
+            <p:spPr/>
+            <p:txBody>
+              <a:bodyPr anchor="ctr">
+                <a:normAutofit/>
+              </a:bodyPr>
+              <a:lstStyle/>
+              <a:p>
+                <a:pPr>
+                  <a:lnSpc>
+                    <a:spcPct val="110000"/>
+                  </a:lnSpc>
+                </a:pPr>
+                <a:r>
+                  <a:rPr lang="es-CL" dirty="0"/>
+                  <a:t>En cada paso se saca un elemento de </a:t>
+                </a:r>
+                <a14:m>
+                  <m:oMath xmlns:m="http://schemas.openxmlformats.org/officeDocument/2006/math">
+                    <m:r>
+                      <a:rPr lang="es-CL" b="0" i="1" smtClean="0">
+                        <a:latin typeface="Cambria Math" panose="02040503050406030204" pitchFamily="18" charset="0"/>
+                      </a:rPr>
+                      <m:t>𝐴</m:t>
+                    </m:r>
+                  </m:oMath>
+                </a14:m>
+                <a:r>
+                  <a:rPr lang="es-CL" dirty="0"/>
+                  <a:t> y se inserta en </a:t>
+                </a:r>
+                <a14:m>
+                  <m:oMath xmlns:m="http://schemas.openxmlformats.org/officeDocument/2006/math">
+                    <m:r>
+                      <a:rPr lang="es-CL" b="0" i="1" smtClean="0">
+                        <a:latin typeface="Cambria Math" panose="02040503050406030204" pitchFamily="18" charset="0"/>
+                      </a:rPr>
+                      <m:t>𝐵</m:t>
+                    </m:r>
+                  </m:oMath>
+                </a14:m>
+                <a:endParaRPr lang="es-CL" dirty="0"/>
+              </a:p>
+              <a:p>
+                <a:pPr>
+                  <a:lnSpc>
+                    <a:spcPct val="110000"/>
+                  </a:lnSpc>
+                </a:pPr>
+                <a:endParaRPr lang="es-CL" dirty="0"/>
+              </a:p>
+              <a:p>
+                <a:pPr>
+                  <a:lnSpc>
+                    <a:spcPct val="110000"/>
+                  </a:lnSpc>
+                </a:pPr>
+                <a:r>
+                  <a:rPr lang="es-CL" dirty="0"/>
+                  <a:t>Cuando no quedan elementos en </a:t>
+                </a:r>
+                <a14:m>
+                  <m:oMath xmlns:m="http://schemas.openxmlformats.org/officeDocument/2006/math">
+                    <m:r>
+                      <a:rPr lang="es-CL" b="0" i="1" smtClean="0">
+                        <a:latin typeface="Cambria Math" panose="02040503050406030204" pitchFamily="18" charset="0"/>
+                      </a:rPr>
+                      <m:t>𝐴</m:t>
+                    </m:r>
+                  </m:oMath>
+                </a14:m>
+                <a:r>
+                  <a:rPr lang="es-CL" dirty="0"/>
+                  <a:t>, el algoritmo termina</a:t>
+                </a:r>
+              </a:p>
+              <a:p>
+                <a:pPr>
+                  <a:lnSpc>
+                    <a:spcPct val="110000"/>
+                  </a:lnSpc>
+                </a:pPr>
+                <a:endParaRPr lang="es-CL" dirty="0"/>
+              </a:p>
+              <a:p>
+                <a:pPr>
+                  <a:lnSpc>
+                    <a:spcPct val="110000"/>
+                  </a:lnSpc>
+                </a:pPr>
+                <a:r>
+                  <a:rPr lang="es-CL" dirty="0"/>
+                  <a:t>La inserción requiere como máximo recorrer todo </a:t>
+                </a:r>
+                <a14:m>
+                  <m:oMath xmlns:m="http://schemas.openxmlformats.org/officeDocument/2006/math">
+                    <m:r>
+                      <a:rPr lang="es-CL" b="0" i="1" smtClean="0">
+                        <a:latin typeface="Cambria Math" panose="02040503050406030204" pitchFamily="18" charset="0"/>
+                      </a:rPr>
+                      <m:t>𝐵</m:t>
+                    </m:r>
+                  </m:oMath>
+                </a14:m>
+                <a:endParaRPr lang="es-CL" dirty="0"/>
+              </a:p>
+              <a:p>
+                <a:pPr>
+                  <a:lnSpc>
+                    <a:spcPct val="110000"/>
+                  </a:lnSpc>
+                </a:pPr>
+                <a:endParaRPr lang="es-CL" dirty="0"/>
+              </a:p>
+              <a:p>
+                <a:pPr>
+                  <a:lnSpc>
+                    <a:spcPct val="110000"/>
+                  </a:lnSpc>
+                </a:pPr>
+                <a:r>
+                  <a:rPr lang="es-CL" dirty="0"/>
+                  <a:t>Como </a:t>
+                </a:r>
+                <a14:m>
+                  <m:oMath xmlns:m="http://schemas.openxmlformats.org/officeDocument/2006/math">
+                    <m:r>
+                      <a:rPr lang="es-CL" b="0" i="1" smtClean="0">
+                        <a:latin typeface="Cambria Math" panose="02040503050406030204" pitchFamily="18" charset="0"/>
+                      </a:rPr>
+                      <m:t>𝐴</m:t>
+                    </m:r>
+                  </m:oMath>
+                </a14:m>
+                <a:r>
+                  <a:rPr lang="es-CL" dirty="0"/>
+                  <a:t> y </a:t>
+                </a:r>
+                <a14:m>
+                  <m:oMath xmlns:m="http://schemas.openxmlformats.org/officeDocument/2006/math">
+                    <m:r>
+                      <a:rPr lang="es-CL" b="0" i="1" smtClean="0">
+                        <a:latin typeface="Cambria Math" panose="02040503050406030204" pitchFamily="18" charset="0"/>
+                      </a:rPr>
+                      <m:t>𝐵</m:t>
+                    </m:r>
+                  </m:oMath>
+                </a14:m>
+                <a:r>
+                  <a:rPr lang="es-CL" dirty="0"/>
+                  <a:t> son finitos, el algoritmo termina en tiempo finito</a:t>
+                </a:r>
+              </a:p>
+            </p:txBody>
+          </p:sp>
+        </mc:Choice>
+        <mc:Fallback xmlns="">
+          <p:sp>
+            <p:nvSpPr>
+              <p:cNvPr id="3" name="Content Placeholder 2">
+                <a:extLst>
+                  <a:ext uri="{FF2B5EF4-FFF2-40B4-BE49-F238E27FC236}">
+                    <a16:creationId xmlns:a16="http://schemas.microsoft.com/office/drawing/2014/main" id="{C9B5215C-8FC1-4DE1-A37C-15A1BFE21E0E}"/>
+                  </a:ext>
+                </a:extLst>
+              </p:cNvPr>
+              <p:cNvSpPr>
+                <a:spLocks noGrp="1" noRot="1" noChangeAspect="1" noMove="1" noResize="1" noEditPoints="1" noAdjustHandles="1" noChangeArrowheads="1" noChangeShapeType="1" noTextEdit="1"/>
+              </p:cNvSpPr>
+              <p:nvPr>
+                <p:ph idx="1"/>
+              </p:nvPr>
+            </p:nvSpPr>
+            <p:spPr>
+              <a:blipFill>
+                <a:blip r:embed="rId2"/>
+                <a:stretch>
+                  <a:fillRect l="-353" t="-621" b="-3354"/>
+                </a:stretch>
+              </a:blipFill>
+            </p:spPr>
+            <p:txBody>
+              <a:bodyPr/>
+              <a:lstStyle/>
+              <a:p>
+                <a:r>
+                  <a:rPr lang="es-CL">
+                    <a:noFill/>
+                  </a:rPr>
+                  <a:t> </a:t>
+                </a:r>
+              </a:p>
+            </p:txBody>
+          </p:sp>
+        </mc:Fallback>
+      </mc:AlternateContent>
+    </p:spTree>
+    <p:extLst>
+      <p:ext uri="{BB962C8B-B14F-4D97-AF65-F5344CB8AC3E}">
+        <p14:creationId xmlns:p14="http://schemas.microsoft.com/office/powerpoint/2010/main" val="2535938208"/>
+      </p:ext>
+    </p:extLst>
+  </p:cSld>
+  <p:clrMapOvr>
+    <a:masterClrMapping/>
+  </p:clrMapOvr>
+</p:sld>
+</file>
+
+<file path=ppt/slides/slide26.xml><?xml version="1.0" encoding="utf-8"?>
+<p:sld xmlns:a="http://schemas.openxmlformats.org/drawingml/2006/main" xmlns:r="http://schemas.openxmlformats.org/officeDocument/2006/relationships" xmlns:p="http://schemas.openxmlformats.org/presentationml/2006/main">
+  <p:cSld>
+    <p:spTree>
+      <p:nvGrpSpPr>
+        <p:cNvPr id="1" name=""/>
+        <p:cNvGrpSpPr/>
+        <p:nvPr/>
+      </p:nvGrpSpPr>
+      <p:grpSpPr>
+        <a:xfrm>
+          <a:off x="0" y="0"/>
+          <a:ext cx="0" cy="0"/>
+          <a:chOff x="0" y="0"/>
+          <a:chExt cx="0" cy="0"/>
+        </a:xfrm>
+      </p:grpSpPr>
+      <p:sp>
+        <p:nvSpPr>
+          <p:cNvPr id="2" name="Title 1">
+            <a:extLst>
+              <a:ext uri="{FF2B5EF4-FFF2-40B4-BE49-F238E27FC236}">
+                <a16:creationId xmlns:a16="http://schemas.microsoft.com/office/drawing/2014/main" id="{25E03606-B8C8-425B-880B-0263BC41A202}"/>
+              </a:ext>
+            </a:extLst>
+          </p:cNvPr>
+          <p:cNvSpPr>
+            <a:spLocks noGrp="1"/>
+          </p:cNvSpPr>
+          <p:nvPr>
+            <p:ph type="title"/>
+          </p:nvPr>
+        </p:nvSpPr>
+        <p:spPr/>
+        <p:txBody>
+          <a:bodyPr>
+            <a:noAutofit/>
+          </a:bodyPr>
+          <a:lstStyle/>
+          <a:p>
+            <a:r>
+              <a:rPr lang="es-CL" sz="4000"/>
+              <a:t>Demostración, por inducción,</a:t>
+            </a:r>
+            <a:br>
+              <a:rPr lang="es-CL" sz="4000"/>
+            </a:br>
+            <a:r>
+              <a:rPr lang="es-CL" sz="4000"/>
+              <a:t>de que cumple con su propósito</a:t>
+            </a:r>
+            <a:endParaRPr lang="es-CL" sz="4000" dirty="0"/>
+          </a:p>
+        </p:txBody>
+      </p:sp>
+      <mc:AlternateContent xmlns:mc="http://schemas.openxmlformats.org/markup-compatibility/2006">
+        <mc:Choice xmlns:a14="http://schemas.microsoft.com/office/drawing/2010/main" Requires="a14">
+          <p:sp>
+            <p:nvSpPr>
+              <p:cNvPr id="3" name="Content Placeholder 2">
+                <a:extLst>
+                  <a:ext uri="{FF2B5EF4-FFF2-40B4-BE49-F238E27FC236}">
+                    <a16:creationId xmlns:a16="http://schemas.microsoft.com/office/drawing/2014/main" id="{F43B354F-97B7-429B-921B-785BCB9E0AAE}"/>
+                  </a:ext>
+                </a:extLst>
+              </p:cNvPr>
+              <p:cNvSpPr>
+                <a:spLocks noGrp="1"/>
+              </p:cNvSpPr>
+              <p:nvPr>
+                <p:ph idx="1"/>
+              </p:nvPr>
+            </p:nvSpPr>
+            <p:spPr>
+              <a:xfrm>
+                <a:off x="215948" y="1287532"/>
+                <a:ext cx="8732741" cy="4904072"/>
+              </a:xfrm>
+            </p:spPr>
+            <p:txBody>
+              <a:bodyPr anchor="ctr">
+                <a:noAutofit/>
+              </a:bodyPr>
+              <a:lstStyle/>
+              <a:p>
+                <a:pPr marL="0" indent="0">
+                  <a:lnSpc>
+                    <a:spcPct val="100000"/>
+                  </a:lnSpc>
+                  <a:buNone/>
+                </a:pPr>
+                <a:r>
+                  <a:rPr lang="es-CL" sz="2200" dirty="0"/>
+                  <a:t>PD: Al terminar la </a:t>
+                </a:r>
+                <a14:m>
+                  <m:oMath xmlns:m="http://schemas.openxmlformats.org/officeDocument/2006/math">
+                    <m:r>
+                      <a:rPr lang="es-CL" sz="2200" b="0" i="1" smtClean="0">
+                        <a:latin typeface="Cambria Math" panose="02040503050406030204" pitchFamily="18" charset="0"/>
+                      </a:rPr>
+                      <m:t>𝑛</m:t>
+                    </m:r>
+                  </m:oMath>
+                </a14:m>
+                <a:r>
+                  <a:rPr lang="es-CL" sz="2200" dirty="0"/>
+                  <a:t>-</a:t>
+                </a:r>
+                <a:r>
+                  <a:rPr lang="es-CL" sz="2200" dirty="0" err="1"/>
+                  <a:t>ésima</a:t>
+                </a:r>
+                <a:r>
+                  <a:rPr lang="es-CL" sz="2200" dirty="0"/>
+                  <a:t> iteración, </a:t>
+                </a:r>
+                <a14:m>
+                  <m:oMath xmlns:m="http://schemas.openxmlformats.org/officeDocument/2006/math">
+                    <m:r>
+                      <a:rPr lang="es-CL" sz="2200" smtClean="0">
+                        <a:latin typeface="Cambria Math" panose="02040503050406030204" pitchFamily="18" charset="0"/>
+                      </a:rPr>
+                      <m:t>𝐵</m:t>
+                    </m:r>
+                  </m:oMath>
+                </a14:m>
+                <a:r>
+                  <a:rPr lang="es-CL" sz="2200" dirty="0"/>
+                  <a:t> se encuentra ordenada</a:t>
+                </a:r>
+              </a:p>
+              <a:p>
+                <a:pPr marL="0" indent="0">
+                  <a:lnSpc>
+                    <a:spcPct val="100000"/>
+                  </a:lnSpc>
+                  <a:buNone/>
+                </a:pPr>
+                <a:r>
+                  <a:rPr lang="es-CL" sz="2200" b="1" dirty="0"/>
+                  <a:t>Caso Base</a:t>
+                </a:r>
+                <a:r>
+                  <a:rPr lang="es-CL" sz="2200" dirty="0"/>
+                  <a:t>: Después de la primera iteración, </a:t>
+                </a:r>
+                <a14:m>
+                  <m:oMath xmlns:m="http://schemas.openxmlformats.org/officeDocument/2006/math">
+                    <m:r>
+                      <a:rPr lang="es-CL" sz="2200" b="0" i="1" smtClean="0">
+                        <a:latin typeface="Cambria Math" panose="02040503050406030204" pitchFamily="18" charset="0"/>
+                      </a:rPr>
+                      <m:t>𝐵</m:t>
+                    </m:r>
+                  </m:oMath>
+                </a14:m>
+                <a:r>
+                  <a:rPr lang="es-CL" sz="2200" dirty="0"/>
+                  <a:t> tiene un solo dato </a:t>
+                </a:r>
+              </a:p>
+              <a:p>
+                <a:pPr marL="0" indent="0">
+                  <a:lnSpc>
+                    <a:spcPct val="100000"/>
+                  </a:lnSpc>
+                  <a:buNone/>
+                </a:pPr>
+                <a14:m>
+                  <m:oMath xmlns:m="http://schemas.openxmlformats.org/officeDocument/2006/math">
+                    <m:r>
+                      <a:rPr lang="es-CL" sz="2200" b="0" i="1" smtClean="0">
+                        <a:latin typeface="Cambria Math" panose="02040503050406030204" pitchFamily="18" charset="0"/>
+                      </a:rPr>
+                      <m:t>→</m:t>
+                    </m:r>
+                  </m:oMath>
+                </a14:m>
+                <a:r>
+                  <a:rPr lang="es-CL" sz="2200" dirty="0"/>
+                  <a:t> </a:t>
+                </a:r>
+                <a14:m>
+                  <m:oMath xmlns:m="http://schemas.openxmlformats.org/officeDocument/2006/math">
+                    <m:r>
+                      <a:rPr lang="es-CL" sz="2200" b="0" i="1" dirty="0" smtClean="0">
+                        <a:latin typeface="Cambria Math" panose="02040503050406030204" pitchFamily="18" charset="0"/>
+                      </a:rPr>
+                      <m:t>𝐵</m:t>
+                    </m:r>
+                  </m:oMath>
+                </a14:m>
+                <a:r>
+                  <a:rPr lang="es-CL" sz="2200" dirty="0"/>
+                  <a:t> está ordenada</a:t>
+                </a:r>
+              </a:p>
+              <a:p>
+                <a:pPr marL="0" indent="0">
+                  <a:lnSpc>
+                    <a:spcPct val="100000"/>
+                  </a:lnSpc>
+                  <a:buNone/>
+                </a:pPr>
+                <a:r>
+                  <a:rPr lang="es-CL" sz="2200" b="1" dirty="0"/>
+                  <a:t>Hipótesis Inductiva: </a:t>
+                </a:r>
+                <a:r>
+                  <a:rPr lang="es-CL" sz="2200" dirty="0"/>
+                  <a:t>Después de la </a:t>
+                </a:r>
+                <a14:m>
+                  <m:oMath xmlns:m="http://schemas.openxmlformats.org/officeDocument/2006/math">
+                    <m:r>
+                      <a:rPr lang="es-CL" sz="2200" i="1" dirty="0" smtClean="0">
+                        <a:latin typeface="Cambria Math" panose="02040503050406030204" pitchFamily="18" charset="0"/>
+                      </a:rPr>
+                      <m:t>𝑖</m:t>
+                    </m:r>
+                  </m:oMath>
+                </a14:m>
+                <a:r>
+                  <a:rPr lang="es-CL" sz="2200" dirty="0"/>
+                  <a:t>-</a:t>
+                </a:r>
+                <a:r>
+                  <a:rPr lang="es-CL" sz="2200" dirty="0" err="1"/>
+                  <a:t>ésima</a:t>
+                </a:r>
+                <a:r>
+                  <a:rPr lang="es-CL" sz="2200" dirty="0"/>
+                  <a:t> iteración</a:t>
+                </a:r>
+                <a:r>
+                  <a:rPr lang="es-CL" sz="2200" b="1" dirty="0"/>
+                  <a:t>, </a:t>
+                </a:r>
+                <a14:m>
+                  <m:oMath xmlns:m="http://schemas.openxmlformats.org/officeDocument/2006/math">
+                    <m:r>
+                      <a:rPr lang="es-CL" sz="2200" b="0" i="1" smtClean="0">
+                        <a:latin typeface="Cambria Math" panose="02040503050406030204" pitchFamily="18" charset="0"/>
+                      </a:rPr>
+                      <m:t>𝐵</m:t>
+                    </m:r>
+                  </m:oMath>
+                </a14:m>
+                <a:r>
+                  <a:rPr lang="es-CL" sz="2200" dirty="0"/>
+                  <a:t> está ordenada</a:t>
+                </a:r>
+              </a:p>
+              <a:p>
+                <a:pPr marL="0" indent="0">
+                  <a:lnSpc>
+                    <a:spcPct val="100000"/>
+                  </a:lnSpc>
+                  <a:buNone/>
+                </a:pPr>
+                <a:r>
+                  <a:rPr lang="es-CL" sz="2200" dirty="0"/>
+                  <a:t>Demostraremos que después de la iteración </a:t>
+                </a:r>
+                <a14:m>
+                  <m:oMath xmlns:m="http://schemas.openxmlformats.org/officeDocument/2006/math">
+                    <m:r>
+                      <a:rPr lang="es-CL" sz="2200" b="0" i="1" smtClean="0">
+                        <a:latin typeface="Cambria Math" panose="02040503050406030204" pitchFamily="18" charset="0"/>
+                      </a:rPr>
+                      <m:t>𝑖</m:t>
+                    </m:r>
+                    <m:r>
+                      <a:rPr lang="es-CL" sz="2200" b="0" i="1" smtClean="0">
+                        <a:latin typeface="Cambria Math" panose="02040503050406030204" pitchFamily="18" charset="0"/>
+                      </a:rPr>
+                      <m:t>+1</m:t>
+                    </m:r>
+                  </m:oMath>
+                </a14:m>
+                <a:r>
+                  <a:rPr lang="es-CL" sz="2200" dirty="0"/>
+                  <a:t>, </a:t>
+                </a:r>
+                <a14:m>
+                  <m:oMath xmlns:m="http://schemas.openxmlformats.org/officeDocument/2006/math">
+                    <m:r>
+                      <a:rPr lang="es-CL" sz="2200" i="1" dirty="0" smtClean="0">
+                        <a:latin typeface="Cambria Math" panose="02040503050406030204" pitchFamily="18" charset="0"/>
+                      </a:rPr>
+                      <m:t>𝐵</m:t>
+                    </m:r>
+                  </m:oMath>
+                </a14:m>
+                <a:r>
+                  <a:rPr lang="es-CL" sz="2200" dirty="0"/>
+                  <a:t> está ordenada</a:t>
+                </a:r>
+              </a:p>
+              <a:p>
+                <a:pPr marL="0" indent="0">
+                  <a:lnSpc>
+                    <a:spcPct val="100000"/>
+                  </a:lnSpc>
+                  <a:buNone/>
+                </a:pPr>
+                <a:r>
+                  <a:rPr lang="es-CL" sz="2200" dirty="0"/>
+                  <a:t>Extraemos el primer elemento de </a:t>
+                </a:r>
+                <a14:m>
+                  <m:oMath xmlns:m="http://schemas.openxmlformats.org/officeDocument/2006/math">
+                    <m:r>
+                      <a:rPr lang="es-CL" sz="2200" b="0" i="1" smtClean="0">
+                        <a:latin typeface="Cambria Math" panose="02040503050406030204" pitchFamily="18" charset="0"/>
+                      </a:rPr>
+                      <m:t>𝐴</m:t>
+                    </m:r>
+                  </m:oMath>
+                </a14:m>
+                <a:r>
+                  <a:rPr lang="es-CL" sz="2200" dirty="0"/>
+                  <a:t>, y lo insertamos ordenadamente en </a:t>
+                </a:r>
+                <a14:m>
+                  <m:oMath xmlns:m="http://schemas.openxmlformats.org/officeDocument/2006/math">
+                    <m:r>
+                      <a:rPr lang="es-CL" sz="2200" b="0" i="1" smtClean="0">
+                        <a:latin typeface="Cambria Math" panose="02040503050406030204" pitchFamily="18" charset="0"/>
+                      </a:rPr>
+                      <m:t>𝐵</m:t>
+                    </m:r>
+                  </m:oMath>
+                </a14:m>
+                <a:r>
+                  <a:rPr lang="es-CL" sz="2200" dirty="0"/>
+                  <a:t>. Termina el paso </a:t>
+                </a:r>
+                <a14:m>
+                  <m:oMath xmlns:m="http://schemas.openxmlformats.org/officeDocument/2006/math">
+                    <m:r>
+                      <a:rPr lang="es-CL" sz="2200" b="0" i="1" smtClean="0">
+                        <a:latin typeface="Cambria Math" panose="02040503050406030204" pitchFamily="18" charset="0"/>
+                      </a:rPr>
+                      <m:t>𝑖</m:t>
+                    </m:r>
+                    <m:r>
+                      <a:rPr lang="es-CL" sz="2200" b="0" i="1" smtClean="0">
+                        <a:latin typeface="Cambria Math" panose="02040503050406030204" pitchFamily="18" charset="0"/>
+                      </a:rPr>
+                      <m:t>+1</m:t>
+                    </m:r>
+                  </m:oMath>
+                </a14:m>
+                <a:r>
+                  <a:rPr lang="es-CL" sz="2200" dirty="0"/>
+                  <a:t> y </a:t>
+                </a:r>
+                <a14:m>
+                  <m:oMath xmlns:m="http://schemas.openxmlformats.org/officeDocument/2006/math">
+                    <m:r>
+                      <a:rPr lang="es-CL" sz="2200" i="1" dirty="0" smtClean="0">
+                        <a:latin typeface="Cambria Math" panose="02040503050406030204" pitchFamily="18" charset="0"/>
+                      </a:rPr>
+                      <m:t>𝐵</m:t>
+                    </m:r>
+                  </m:oMath>
+                </a14:m>
+                <a:r>
+                  <a:rPr lang="es-CL" sz="2200" dirty="0"/>
+                  <a:t> tiene </a:t>
+                </a:r>
+                <a14:m>
+                  <m:oMath xmlns:m="http://schemas.openxmlformats.org/officeDocument/2006/math">
+                    <m:r>
+                      <a:rPr lang="es-CL" sz="2200" i="1" dirty="0" smtClean="0">
+                        <a:latin typeface="Cambria Math" panose="02040503050406030204" pitchFamily="18" charset="0"/>
+                      </a:rPr>
+                      <m:t>𝑖</m:t>
+                    </m:r>
+                    <m:r>
+                      <a:rPr lang="es-CL" sz="2200" i="1" dirty="0" smtClean="0">
+                        <a:latin typeface="Cambria Math" panose="02040503050406030204" pitchFamily="18" charset="0"/>
+                      </a:rPr>
+                      <m:t> + 1</m:t>
+                    </m:r>
+                  </m:oMath>
+                </a14:m>
+                <a:r>
+                  <a:rPr lang="es-CL" sz="2200" dirty="0"/>
+                  <a:t> elementos ordenados</a:t>
+                </a:r>
+              </a:p>
+              <a:p>
+                <a:pPr marL="0" indent="0">
+                  <a:lnSpc>
+                    <a:spcPct val="100000"/>
+                  </a:lnSpc>
+                  <a:buNone/>
+                </a:pPr>
+                <a:r>
+                  <a:rPr lang="es-CL" sz="2200" dirty="0"/>
+                  <a:t>En particular, al terminar el algoritmo después del paso </a:t>
+                </a:r>
+                <a14:m>
+                  <m:oMath xmlns:m="http://schemas.openxmlformats.org/officeDocument/2006/math">
+                    <m:r>
+                      <a:rPr lang="es-CL" sz="2200" b="0" i="1" smtClean="0">
+                        <a:latin typeface="Cambria Math" panose="02040503050406030204" pitchFamily="18" charset="0"/>
+                      </a:rPr>
+                      <m:t>𝑛</m:t>
+                    </m:r>
+                  </m:oMath>
+                </a14:m>
+                <a:r>
+                  <a:rPr lang="es-CL" sz="2200" dirty="0"/>
+                  <a:t>, </a:t>
+                </a:r>
+                <a14:m>
+                  <m:oMath xmlns:m="http://schemas.openxmlformats.org/officeDocument/2006/math">
+                    <m:r>
+                      <a:rPr lang="es-CL" sz="2200" b="0" i="1" smtClean="0">
+                        <a:latin typeface="Cambria Math" panose="02040503050406030204" pitchFamily="18" charset="0"/>
+                      </a:rPr>
+                      <m:t>𝐵</m:t>
+                    </m:r>
+                  </m:oMath>
+                </a14:m>
+                <a:r>
+                  <a:rPr lang="es-CL" sz="2200" dirty="0"/>
+                  <a:t> está ordenada.</a:t>
+                </a:r>
+              </a:p>
+            </p:txBody>
+          </p:sp>
+        </mc:Choice>
+        <mc:Fallback>
+          <p:sp>
+            <p:nvSpPr>
+              <p:cNvPr id="3" name="Content Placeholder 2">
+                <a:extLst>
+                  <a:ext uri="{FF2B5EF4-FFF2-40B4-BE49-F238E27FC236}">
+                    <a16:creationId xmlns:a16="http://schemas.microsoft.com/office/drawing/2014/main" id="{F43B354F-97B7-429B-921B-785BCB9E0AAE}"/>
+                  </a:ext>
+                </a:extLst>
+              </p:cNvPr>
+              <p:cNvSpPr>
+                <a:spLocks noGrp="1" noRot="1" noChangeAspect="1" noMove="1" noResize="1" noEditPoints="1" noAdjustHandles="1" noChangeArrowheads="1" noChangeShapeType="1" noTextEdit="1"/>
+              </p:cNvSpPr>
+              <p:nvPr>
+                <p:ph idx="1"/>
+              </p:nvPr>
+            </p:nvSpPr>
+            <p:spPr>
+              <a:xfrm>
+                <a:off x="215948" y="1287532"/>
+                <a:ext cx="8732741" cy="4904072"/>
+              </a:xfrm>
+              <a:blipFill>
+                <a:blip r:embed="rId3"/>
+                <a:stretch>
+                  <a:fillRect l="-726" r="-726"/>
+                </a:stretch>
+              </a:blipFill>
+            </p:spPr>
+            <p:txBody>
+              <a:bodyPr/>
+              <a:lstStyle/>
+              <a:p>
+                <a:r>
+                  <a:rPr lang="en-US">
+                    <a:noFill/>
+                  </a:rPr>
+                  <a:t> </a:t>
+                </a:r>
+              </a:p>
+            </p:txBody>
+          </p:sp>
+        </mc:Fallback>
+      </mc:AlternateContent>
+    </p:spTree>
+    <p:extLst>
+      <p:ext uri="{BB962C8B-B14F-4D97-AF65-F5344CB8AC3E}">
+        <p14:creationId xmlns:p14="http://schemas.microsoft.com/office/powerpoint/2010/main" val="1353184533"/>
+      </p:ext>
+    </p:extLst>
+  </p:cSld>
+  <p:clrMapOvr>
+    <a:masterClrMapping/>
+  </p:clrMapOvr>
+</p:sld>
+</file>
+
+<file path=ppt/slides/slide27.xml><?xml version="1.0" encoding="utf-8"?>
+<p:sld xmlns:a="http://schemas.openxmlformats.org/drawingml/2006/main" xmlns:r="http://schemas.openxmlformats.org/officeDocument/2006/relationships" xmlns:p="http://schemas.openxmlformats.org/presentationml/2006/main">
+  <p:cSld>
+    <p:spTree>
+      <p:nvGrpSpPr>
+        <p:cNvPr id="1" name=""/>
+        <p:cNvGrpSpPr/>
+        <p:nvPr/>
+      </p:nvGrpSpPr>
+      <p:grpSpPr>
+        <a:xfrm>
+          <a:off x="0" y="0"/>
+          <a:ext cx="0" cy="0"/>
+          <a:chOff x="0" y="0"/>
+          <a:chExt cx="0" cy="0"/>
+        </a:xfrm>
+      </p:grpSpPr>
+      <mc:AlternateContent xmlns:mc="http://schemas.openxmlformats.org/markup-compatibility/2006">
+        <mc:Choice xmlns:a14="http://schemas.microsoft.com/office/drawing/2010/main" Requires="a14">
+          <p:sp>
+            <p:nvSpPr>
+              <p:cNvPr id="2" name="Title 1">
+                <a:extLst>
+                  <a:ext uri="{FF2B5EF4-FFF2-40B4-BE49-F238E27FC236}">
+                    <a16:creationId xmlns:a16="http://schemas.microsoft.com/office/drawing/2014/main" id="{33A1E69C-8506-40BE-B94A-82931398AA6C}"/>
+                  </a:ext>
+                </a:extLst>
+              </p:cNvPr>
+              <p:cNvSpPr>
+                <a:spLocks noGrp="1"/>
+              </p:cNvSpPr>
+              <p:nvPr>
+                <p:ph type="title"/>
+              </p:nvPr>
+            </p:nvSpPr>
+            <p:spPr/>
+            <p:txBody>
+              <a:bodyPr/>
+              <a:lstStyle/>
+              <a:p>
+                <a:r>
+                  <a:rPr lang="es-CL" dirty="0"/>
+                  <a:t>Vimos que </a:t>
+                </a:r>
+                <a:r>
+                  <a:rPr lang="es-CL" i="1" dirty="0"/>
+                  <a:t>i</a:t>
+                </a:r>
+                <a:r>
+                  <a:rPr lang="es-CL" i="1" dirty="0" err="1"/>
+                  <a:t>nsertion</a:t>
+                </a:r>
+                <a:r>
+                  <a:rPr lang="es-CL" i="1" dirty="0"/>
+                  <a:t> s</a:t>
+                </a:r>
+                <a:r>
+                  <a:rPr lang="es-CL" i="1" dirty="0" err="1"/>
+                  <a:t>ort</a:t>
+                </a:r>
+                <a:r>
+                  <a:rPr lang="es-CL" dirty="0"/>
+                  <a:t> es </a:t>
+                </a:r>
+                <a14:m>
+                  <m:oMath xmlns:m="http://schemas.openxmlformats.org/officeDocument/2006/math">
+                    <m:r>
+                      <a:rPr lang="es-CL" i="1">
+                        <a:latin typeface="Cambria Math" panose="02040503050406030204" pitchFamily="18" charset="0"/>
+                      </a:rPr>
+                      <m:t>𝑂</m:t>
+                    </m:r>
+                    <m:r>
+                      <a:rPr lang="es-CL" i="1">
+                        <a:latin typeface="Cambria Math" panose="02040503050406030204" pitchFamily="18" charset="0"/>
+                      </a:rPr>
+                      <m:t>(</m:t>
+                    </m:r>
+                    <m:sSup>
+                      <m:sSupPr>
+                        <m:ctrlPr>
+                          <a:rPr lang="en-US" i="1">
+                            <a:latin typeface="Cambria Math" panose="02040503050406030204" pitchFamily="18" charset="0"/>
+                          </a:rPr>
+                        </m:ctrlPr>
+                      </m:sSupPr>
+                      <m:e>
+                        <m:r>
+                          <a:rPr lang="es-CL" i="1">
+                            <a:latin typeface="Cambria Math" panose="02040503050406030204" pitchFamily="18" charset="0"/>
+                          </a:rPr>
+                          <m:t>𝑛</m:t>
+                        </m:r>
+                      </m:e>
+                      <m:sup>
+                        <m:r>
+                          <a:rPr lang="en-US" i="1">
+                            <a:latin typeface="Cambria Math" panose="02040503050406030204" pitchFamily="18" charset="0"/>
+                          </a:rPr>
+                          <m:t>2</m:t>
+                        </m:r>
+                      </m:sup>
+                    </m:sSup>
+                    <m:r>
+                      <a:rPr lang="en-US" i="1">
+                        <a:latin typeface="Cambria Math" panose="02040503050406030204" pitchFamily="18" charset="0"/>
+                      </a:rPr>
+                      <m:t>)</m:t>
+                    </m:r>
+                  </m:oMath>
+                </a14:m>
+                <a:endParaRPr lang="es-CL" i="1" dirty="0"/>
+              </a:p>
+            </p:txBody>
+          </p:sp>
+        </mc:Choice>
+        <mc:Fallback>
+          <p:sp>
+            <p:nvSpPr>
+              <p:cNvPr id="2" name="Title 1">
+                <a:extLst>
+                  <a:ext uri="{FF2B5EF4-FFF2-40B4-BE49-F238E27FC236}">
+                    <a16:creationId xmlns:a16="http://schemas.microsoft.com/office/drawing/2014/main" id="{33A1E69C-8506-40BE-B94A-82931398AA6C}"/>
+                  </a:ext>
+                </a:extLst>
+              </p:cNvPr>
+              <p:cNvSpPr>
+                <a:spLocks noGrp="1" noRot="1" noChangeAspect="1" noMove="1" noResize="1" noEditPoints="1" noAdjustHandles="1" noChangeArrowheads="1" noChangeShapeType="1" noTextEdit="1"/>
+              </p:cNvSpPr>
+              <p:nvPr>
+                <p:ph type="title"/>
+              </p:nvPr>
+            </p:nvSpPr>
+            <p:spPr>
+              <a:blipFill>
+                <a:blip r:embed="rId2"/>
+                <a:stretch>
+                  <a:fillRect l="-3084" b="-14444"/>
+                </a:stretch>
+              </a:blipFill>
+            </p:spPr>
+            <p:txBody>
+              <a:bodyPr/>
+              <a:lstStyle/>
+              <a:p>
+                <a:r>
+                  <a:rPr lang="en-US">
+                    <a:noFill/>
+                  </a:rPr>
+                  <a:t> </a:t>
+                </a:r>
+              </a:p>
+            </p:txBody>
+          </p:sp>
+        </mc:Fallback>
+      </mc:AlternateContent>
+      <p:sp>
+        <p:nvSpPr>
+          <p:cNvPr id="3" name="Content Placeholder 2">
+            <a:extLst>
+              <a:ext uri="{FF2B5EF4-FFF2-40B4-BE49-F238E27FC236}">
+                <a16:creationId xmlns:a16="http://schemas.microsoft.com/office/drawing/2014/main" id="{652935D7-4DE3-4F1F-8E81-AA5004355CA2}"/>
+              </a:ext>
+            </a:extLst>
+          </p:cNvPr>
+          <p:cNvSpPr>
+            <a:spLocks noGrp="1"/>
+          </p:cNvSpPr>
+          <p:nvPr>
+            <p:ph idx="1"/>
+          </p:nvPr>
+        </p:nvSpPr>
+        <p:spPr/>
+        <p:txBody>
+          <a:bodyPr anchor="ctr"/>
+          <a:lstStyle/>
+          <a:p>
+            <a:pPr marL="0" indent="0">
+              <a:buNone/>
+            </a:pPr>
+            <a:r>
+              <a:rPr lang="es-CL" dirty="0"/>
+              <a:t>Pero, ¿qué tiempo toma si los datos vienen ordenados?</a:t>
+            </a:r>
+          </a:p>
+          <a:p>
+            <a:pPr marL="0" indent="0">
+              <a:buNone/>
+            </a:pPr>
+            <a:endParaRPr lang="es-CL" b="1" dirty="0"/>
+          </a:p>
+          <a:p>
+            <a:pPr marL="0" indent="0" algn="ctr">
+              <a:buNone/>
+            </a:pPr>
+            <a:r>
+              <a:rPr lang="es-CL" b="1" dirty="0"/>
+              <a:t> </a:t>
+            </a:r>
+            <a:r>
+              <a:rPr lang="en-US">
+                <a:solidFill>
+                  <a:srgbClr val="00B050"/>
+                </a:solidFill>
+                <a:latin typeface="Trebuchet MS" charset="0"/>
+                <a:ea typeface="ＭＳ Ｐゴシック" charset="0"/>
+                <a:cs typeface="ＭＳ Ｐゴシック" charset="0"/>
+              </a:rPr>
+              <a:t>A  E  E  G  I  L  M  N  O  P  R  S  T  X</a:t>
+            </a:r>
+          </a:p>
+        </p:txBody>
+      </p:sp>
+    </p:spTree>
+    <p:extLst>
+      <p:ext uri="{BB962C8B-B14F-4D97-AF65-F5344CB8AC3E}">
+        <p14:creationId xmlns:p14="http://schemas.microsoft.com/office/powerpoint/2010/main" val="1322666259"/>
+      </p:ext>
+    </p:extLst>
+  </p:cSld>
+  <p:clrMapOvr>
+    <a:masterClrMapping/>
+  </p:clrMapOvr>
+</p:sld>
+</file>
+
+<file path=ppt/slides/slide28.xml><?xml version="1.0" encoding="utf-8"?>
+<p:sld xmlns:a="http://schemas.openxmlformats.org/drawingml/2006/main" xmlns:r="http://schemas.openxmlformats.org/officeDocument/2006/relationships" xmlns:p="http://schemas.openxmlformats.org/presentationml/2006/main">
+  <p:cSld>
+    <p:spTree>
+      <p:nvGrpSpPr>
+        <p:cNvPr id="1" name=""/>
+        <p:cNvGrpSpPr/>
+        <p:nvPr/>
+      </p:nvGrpSpPr>
+      <p:grpSpPr>
+        <a:xfrm>
+          <a:off x="0" y="0"/>
+          <a:ext cx="0" cy="0"/>
+          <a:chOff x="0" y="0"/>
+          <a:chExt cx="0" cy="0"/>
+        </a:xfrm>
+      </p:grpSpPr>
+      <mc:AlternateContent xmlns:mc="http://schemas.openxmlformats.org/markup-compatibility/2006">
+        <mc:Choice xmlns:a14="http://schemas.microsoft.com/office/drawing/2010/main" Requires="a14">
+          <p:sp>
+            <p:nvSpPr>
+              <p:cNvPr id="4" name="Content Placeholder 3">
+                <a:extLst>
+                  <a:ext uri="{FF2B5EF4-FFF2-40B4-BE49-F238E27FC236}">
+                    <a16:creationId xmlns:a16="http://schemas.microsoft.com/office/drawing/2014/main" id="{52776D8C-DEC8-4452-80FF-6D07F0A328B3}"/>
+                  </a:ext>
+                </a:extLst>
+              </p:cNvPr>
+              <p:cNvSpPr>
+                <a:spLocks noGrp="1"/>
+              </p:cNvSpPr>
+              <p:nvPr>
+                <p:ph sz="quarter" idx="10"/>
+              </p:nvPr>
+            </p:nvSpPr>
+            <p:spPr/>
+            <p:txBody>
+              <a:bodyPr anchor="ctr"/>
+              <a:lstStyle/>
+              <a:p>
+                <a:pPr marL="0" indent="0">
+                  <a:buNone/>
+                </a:pPr>
+                <a14:m>
+                  <m:oMathPara xmlns:m="http://schemas.openxmlformats.org/officeDocument/2006/math">
+                    <m:oMathParaPr>
+                      <m:jc m:val="left"/>
+                    </m:oMathParaPr>
+                    <m:oMath xmlns:m="http://schemas.openxmlformats.org/officeDocument/2006/math">
+                      <m:r>
+                        <a:rPr lang="es-CL" b="1" i="1" smtClean="0">
+                          <a:solidFill>
+                            <a:schemeClr val="accent4"/>
+                          </a:solidFill>
+                          <a:latin typeface="Cambria Math" panose="02040503050406030204" pitchFamily="18" charset="0"/>
+                        </a:rPr>
+                        <m:t>𝒊𝒏𝒔𝒆𝒓𝒕𝒊𝒐𝒏𝑺𝒐𝒓𝒕</m:t>
+                      </m:r>
+                      <m:d>
+                        <m:dPr>
+                          <m:ctrlPr>
+                            <a:rPr lang="es-CL" b="1" i="1" smtClean="0">
+                              <a:latin typeface="Cambria Math" panose="02040503050406030204" pitchFamily="18" charset="0"/>
+                            </a:rPr>
+                          </m:ctrlPr>
+                        </m:dPr>
+                        <m:e>
+                          <m:r>
+                            <a:rPr lang="es-CL" b="1" i="1" smtClean="0">
+                              <a:latin typeface="Cambria Math" panose="02040503050406030204" pitchFamily="18" charset="0"/>
+                            </a:rPr>
+                            <m:t>𝑨</m:t>
+                          </m:r>
+                          <m:r>
+                            <a:rPr lang="es-CL" b="1" i="1" smtClean="0">
+                              <a:latin typeface="Cambria Math" panose="02040503050406030204" pitchFamily="18" charset="0"/>
+                            </a:rPr>
+                            <m:t>, </m:t>
+                          </m:r>
+                          <m:r>
+                            <a:rPr lang="es-CL" b="1" i="1" smtClean="0">
+                              <a:latin typeface="Cambria Math" panose="02040503050406030204" pitchFamily="18" charset="0"/>
+                            </a:rPr>
+                            <m:t>𝒏</m:t>
+                          </m:r>
+                        </m:e>
+                      </m:d>
+                      <m:r>
+                        <a:rPr lang="es-CL" b="1" i="1" smtClean="0">
+                          <a:latin typeface="Cambria Math" panose="02040503050406030204" pitchFamily="18" charset="0"/>
+                        </a:rPr>
+                        <m:t>:</m:t>
+                      </m:r>
+                    </m:oMath>
+                  </m:oMathPara>
+                </a14:m>
+                <a:endParaRPr lang="es-CL" b="1" dirty="0"/>
+              </a:p>
+              <a:p>
+                <a:pPr marL="0" indent="0">
+                  <a:buNone/>
+                </a:pPr>
+                <a:r>
+                  <a:rPr lang="es-CL" b="1" dirty="0"/>
+                  <a:t>	</a:t>
+                </a:r>
+                <a14:m>
+                  <m:oMath xmlns:m="http://schemas.openxmlformats.org/officeDocument/2006/math">
+                    <m:r>
+                      <a:rPr lang="es-CL" b="1" i="1" smtClean="0">
+                        <a:solidFill>
+                          <a:schemeClr val="accent2"/>
+                        </a:solidFill>
+                        <a:latin typeface="Cambria Math" panose="02040503050406030204" pitchFamily="18" charset="0"/>
+                      </a:rPr>
+                      <m:t>𝒇𝒐𝒓</m:t>
+                    </m:r>
+                    <m:r>
+                      <a:rPr lang="es-CL" b="1" i="1" smtClean="0">
+                        <a:latin typeface="Cambria Math" panose="02040503050406030204" pitchFamily="18" charset="0"/>
+                      </a:rPr>
+                      <m:t> </m:t>
+                    </m:r>
+                    <m:r>
+                      <a:rPr lang="es-CL" b="1" i="1" smtClean="0">
+                        <a:latin typeface="Cambria Math" panose="02040503050406030204" pitchFamily="18" charset="0"/>
+                      </a:rPr>
+                      <m:t>𝒊</m:t>
+                    </m:r>
+                    <m:r>
+                      <a:rPr lang="es-CL" b="1" i="1" smtClean="0">
+                        <a:latin typeface="Cambria Math" panose="02040503050406030204" pitchFamily="18" charset="0"/>
+                      </a:rPr>
+                      <m:t>=</m:t>
+                    </m:r>
+                    <m:r>
+                      <a:rPr lang="en-US" b="1" i="1" smtClean="0">
+                        <a:latin typeface="Cambria Math" panose="02040503050406030204" pitchFamily="18" charset="0"/>
+                      </a:rPr>
+                      <m:t>𝟏</m:t>
+                    </m:r>
+                    <m:r>
+                      <a:rPr lang="en-US" b="1" i="1" smtClean="0">
+                        <a:latin typeface="Cambria Math" panose="02040503050406030204" pitchFamily="18" charset="0"/>
+                      </a:rPr>
+                      <m:t> ..</m:t>
+                    </m:r>
+                    <m:r>
+                      <a:rPr lang="es-CL" b="1" i="1" smtClean="0">
+                        <a:latin typeface="Cambria Math" panose="02040503050406030204" pitchFamily="18" charset="0"/>
+                      </a:rPr>
+                      <m:t>𝒏</m:t>
+                    </m:r>
+                    <m:r>
+                      <a:rPr lang="es-CL" b="1" i="1" smtClean="0">
+                        <a:latin typeface="Cambria Math" panose="02040503050406030204" pitchFamily="18" charset="0"/>
+                      </a:rPr>
+                      <m:t>−</m:t>
+                    </m:r>
+                    <m:r>
+                      <a:rPr lang="es-CL" b="1" i="1" smtClean="0">
+                        <a:latin typeface="Cambria Math" panose="02040503050406030204" pitchFamily="18" charset="0"/>
+                      </a:rPr>
+                      <m:t>𝟏</m:t>
+                    </m:r>
+                    <m:r>
+                      <a:rPr lang="es-CL" b="1" i="1" smtClean="0">
+                        <a:latin typeface="Cambria Math" panose="02040503050406030204" pitchFamily="18" charset="0"/>
+                      </a:rPr>
+                      <m:t>:</m:t>
+                    </m:r>
+                  </m:oMath>
+                </a14:m>
+                <a:endParaRPr lang="es-CL" b="1" dirty="0"/>
+              </a:p>
+              <a:p>
+                <a:pPr marL="0" indent="0">
+                  <a:buNone/>
+                </a:pPr>
+                <a:r>
+                  <a:rPr lang="es-CL" b="1" dirty="0"/>
+                  <a:t>		</a:t>
+                </a:r>
+                <a14:m>
+                  <m:oMath xmlns:m="http://schemas.openxmlformats.org/officeDocument/2006/math">
+                    <m:r>
+                      <a:rPr lang="es-CL" b="1" i="1" smtClean="0">
+                        <a:latin typeface="Cambria Math" panose="02040503050406030204" pitchFamily="18" charset="0"/>
+                      </a:rPr>
+                      <m:t>𝒋</m:t>
+                    </m:r>
+                    <m:r>
+                      <a:rPr lang="es-CL" b="1" i="1" smtClean="0">
+                        <a:latin typeface="Cambria Math" panose="02040503050406030204" pitchFamily="18" charset="0"/>
+                      </a:rPr>
+                      <m:t>=</m:t>
+                    </m:r>
+                    <m:r>
+                      <a:rPr lang="es-CL" b="1" i="1" smtClean="0">
+                        <a:latin typeface="Cambria Math" panose="02040503050406030204" pitchFamily="18" charset="0"/>
+                      </a:rPr>
+                      <m:t>𝒊</m:t>
+                    </m:r>
+                  </m:oMath>
+                </a14:m>
+                <a:endParaRPr lang="es-CL" b="1" dirty="0"/>
+              </a:p>
+              <a:p>
+                <a:pPr marL="0" indent="0">
+                  <a:buNone/>
+                </a:pPr>
+                <a:r>
+                  <a:rPr lang="es-CL" b="1" dirty="0"/>
+                  <a:t>		</a:t>
+                </a:r>
+                <a14:m>
+                  <m:oMath xmlns:m="http://schemas.openxmlformats.org/officeDocument/2006/math">
+                    <m:r>
+                      <a:rPr lang="es-CL" b="1" i="1" smtClean="0">
+                        <a:solidFill>
+                          <a:schemeClr val="accent2"/>
+                        </a:solidFill>
+                        <a:latin typeface="Cambria Math" panose="02040503050406030204" pitchFamily="18" charset="0"/>
+                      </a:rPr>
+                      <m:t>𝒘𝒉𝒊𝒍𝒆</m:t>
+                    </m:r>
+                    <m:r>
+                      <a:rPr lang="es-CL" b="1" i="1" smtClean="0">
+                        <a:latin typeface="Cambria Math" panose="02040503050406030204" pitchFamily="18" charset="0"/>
+                      </a:rPr>
+                      <m:t> </m:t>
+                    </m:r>
+                    <m:d>
+                      <m:dPr>
+                        <m:ctrlPr>
+                          <a:rPr lang="en-US" b="1" i="1" smtClean="0">
+                            <a:latin typeface="Cambria Math" panose="02040503050406030204" pitchFamily="18" charset="0"/>
+                          </a:rPr>
+                        </m:ctrlPr>
+                      </m:dPr>
+                      <m:e>
+                        <m:r>
+                          <a:rPr lang="en-US" b="1" i="1" smtClean="0">
+                            <a:latin typeface="Cambria Math" panose="02040503050406030204" pitchFamily="18" charset="0"/>
+                          </a:rPr>
+                          <m:t>𝒋</m:t>
+                        </m:r>
+                        <m:r>
+                          <a:rPr lang="en-US" b="1" i="1" smtClean="0">
+                            <a:latin typeface="Cambria Math" panose="02040503050406030204" pitchFamily="18" charset="0"/>
+                          </a:rPr>
+                          <m:t>&gt;</m:t>
+                        </m:r>
+                        <m:r>
+                          <a:rPr lang="en-US" b="1" i="1" smtClean="0">
+                            <a:latin typeface="Cambria Math" panose="02040503050406030204" pitchFamily="18" charset="0"/>
+                          </a:rPr>
+                          <m:t>𝟎</m:t>
+                        </m:r>
+                      </m:e>
+                    </m:d>
+                    <m:r>
+                      <a:rPr lang="en-US" b="1" i="1" smtClean="0">
+                        <a:latin typeface="Cambria Math" panose="02040503050406030204" pitchFamily="18" charset="0"/>
+                      </a:rPr>
+                      <m:t>∧</m:t>
+                    </m:r>
+                    <m:d>
+                      <m:dPr>
+                        <m:ctrlPr>
+                          <a:rPr lang="en-US" b="1" i="1" smtClean="0">
+                            <a:latin typeface="Cambria Math" panose="02040503050406030204" pitchFamily="18" charset="0"/>
+                          </a:rPr>
+                        </m:ctrlPr>
+                      </m:dPr>
+                      <m:e>
+                        <m:r>
+                          <a:rPr lang="es-CL" b="1" i="1" smtClean="0">
+                            <a:latin typeface="Cambria Math" panose="02040503050406030204" pitchFamily="18" charset="0"/>
+                          </a:rPr>
+                          <m:t>𝑨</m:t>
+                        </m:r>
+                        <m:d>
+                          <m:dPr>
+                            <m:begChr m:val="["/>
+                            <m:endChr m:val="]"/>
+                            <m:ctrlPr>
+                              <a:rPr lang="es-CL" b="1" i="1" smtClean="0">
+                                <a:latin typeface="Cambria Math" panose="02040503050406030204" pitchFamily="18" charset="0"/>
+                              </a:rPr>
+                            </m:ctrlPr>
+                          </m:dPr>
+                          <m:e>
+                            <m:r>
+                              <a:rPr lang="es-CL" b="1" i="1" smtClean="0">
+                                <a:latin typeface="Cambria Math" panose="02040503050406030204" pitchFamily="18" charset="0"/>
+                              </a:rPr>
+                              <m:t>𝒋</m:t>
+                            </m:r>
+                          </m:e>
+                        </m:d>
+                        <m:r>
+                          <a:rPr lang="en-US" b="1" i="1" smtClean="0">
+                            <a:latin typeface="Cambria Math" panose="02040503050406030204" pitchFamily="18" charset="0"/>
+                          </a:rPr>
+                          <m:t>&lt;</m:t>
+                        </m:r>
+                        <m:r>
+                          <a:rPr lang="en-US" b="1" i="1" smtClean="0">
+                            <a:latin typeface="Cambria Math" panose="02040503050406030204" pitchFamily="18" charset="0"/>
+                          </a:rPr>
+                          <m:t>𝑨</m:t>
+                        </m:r>
+                        <m:d>
+                          <m:dPr>
+                            <m:begChr m:val="["/>
+                            <m:endChr m:val="]"/>
+                            <m:ctrlPr>
+                              <a:rPr lang="en-US" b="1" i="1" smtClean="0">
+                                <a:latin typeface="Cambria Math" panose="02040503050406030204" pitchFamily="18" charset="0"/>
+                              </a:rPr>
+                            </m:ctrlPr>
+                          </m:dPr>
+                          <m:e>
+                            <m:r>
+                              <a:rPr lang="en-US" b="1" i="1" smtClean="0">
+                                <a:latin typeface="Cambria Math" panose="02040503050406030204" pitchFamily="18" charset="0"/>
+                              </a:rPr>
+                              <m:t>𝒋</m:t>
+                            </m:r>
+                            <m:r>
+                              <a:rPr lang="en-US" b="1" i="1" smtClean="0">
+                                <a:latin typeface="Cambria Math" panose="02040503050406030204" pitchFamily="18" charset="0"/>
+                              </a:rPr>
+                              <m:t>−</m:t>
+                            </m:r>
+                            <m:r>
+                              <a:rPr lang="en-US" b="1" i="1" smtClean="0">
+                                <a:latin typeface="Cambria Math" panose="02040503050406030204" pitchFamily="18" charset="0"/>
+                              </a:rPr>
+                              <m:t>𝟏</m:t>
+                            </m:r>
+                          </m:e>
+                        </m:d>
+                      </m:e>
+                    </m:d>
+                    <m:r>
+                      <a:rPr lang="en-US" b="1" i="1" smtClean="0">
+                        <a:latin typeface="Cambria Math" panose="02040503050406030204" pitchFamily="18" charset="0"/>
+                      </a:rPr>
+                      <m:t>:</m:t>
+                    </m:r>
+                  </m:oMath>
+                </a14:m>
+                <a:endParaRPr lang="en-US" b="1" dirty="0"/>
+              </a:p>
+              <a:p>
+                <a:pPr marL="0" indent="0">
+                  <a:buNone/>
+                </a:pPr>
+                <a:r>
+                  <a:rPr lang="es-CL" b="1" dirty="0"/>
+                  <a:t>			</a:t>
+                </a:r>
+                <a14:m>
+                  <m:oMath xmlns:m="http://schemas.openxmlformats.org/officeDocument/2006/math">
+                    <m:r>
+                      <m:rPr>
+                        <m:sty m:val="p"/>
+                      </m:rPr>
+                      <a:rPr lang="es-CL" b="0" i="0" smtClean="0">
+                        <a:latin typeface="Cambria Math" panose="02040503050406030204" pitchFamily="18" charset="0"/>
+                      </a:rPr>
+                      <m:t>Intercambiar</m:t>
+                    </m:r>
+                    <m:r>
+                      <a:rPr lang="es-CL" b="1" i="0" smtClean="0">
+                        <a:latin typeface="Cambria Math" panose="02040503050406030204" pitchFamily="18" charset="0"/>
+                      </a:rPr>
+                      <m:t> </m:t>
+                    </m:r>
+                    <m:r>
+                      <a:rPr lang="en-US" b="1" i="1" smtClean="0">
+                        <a:latin typeface="Cambria Math" panose="02040503050406030204" pitchFamily="18" charset="0"/>
+                      </a:rPr>
+                      <m:t>𝑨</m:t>
+                    </m:r>
+                    <m:d>
+                      <m:dPr>
+                        <m:begChr m:val="["/>
+                        <m:endChr m:val="]"/>
+                        <m:ctrlPr>
+                          <a:rPr lang="en-US" b="1" i="1" smtClean="0">
+                            <a:latin typeface="Cambria Math" panose="02040503050406030204" pitchFamily="18" charset="0"/>
+                          </a:rPr>
+                        </m:ctrlPr>
+                      </m:dPr>
+                      <m:e>
+                        <m:r>
+                          <a:rPr lang="en-US" b="1" i="1" smtClean="0">
+                            <a:latin typeface="Cambria Math" panose="02040503050406030204" pitchFamily="18" charset="0"/>
+                          </a:rPr>
+                          <m:t>𝒋</m:t>
+                        </m:r>
+                      </m:e>
+                    </m:d>
+                    <m:r>
+                      <a:rPr lang="es-CL" b="1" i="1" smtClean="0">
+                        <a:latin typeface="Cambria Math" panose="02040503050406030204" pitchFamily="18" charset="0"/>
+                      </a:rPr>
+                      <m:t> </m:t>
+                    </m:r>
+                    <m:r>
+                      <m:rPr>
+                        <m:sty m:val="p"/>
+                      </m:rPr>
+                      <a:rPr lang="es-CL" b="0" i="0" smtClean="0">
+                        <a:latin typeface="Cambria Math" panose="02040503050406030204" pitchFamily="18" charset="0"/>
+                      </a:rPr>
+                      <m:t>con</m:t>
+                    </m:r>
+                    <m:r>
+                      <a:rPr lang="es-CL" b="1" i="1" smtClean="0">
+                        <a:latin typeface="Cambria Math" panose="02040503050406030204" pitchFamily="18" charset="0"/>
+                      </a:rPr>
+                      <m:t> </m:t>
+                    </m:r>
+                    <m:r>
+                      <a:rPr lang="en-US" b="1" i="1" smtClean="0">
+                        <a:latin typeface="Cambria Math" panose="02040503050406030204" pitchFamily="18" charset="0"/>
+                        <a:ea typeface="Cambria Math" panose="02040503050406030204" pitchFamily="18" charset="0"/>
+                      </a:rPr>
+                      <m:t>𝑨</m:t>
+                    </m:r>
+                    <m:d>
+                      <m:dPr>
+                        <m:begChr m:val="["/>
+                        <m:endChr m:val="]"/>
+                        <m:ctrlPr>
+                          <a:rPr lang="en-US" b="1" i="1" smtClean="0">
+                            <a:latin typeface="Cambria Math" panose="02040503050406030204" pitchFamily="18" charset="0"/>
+                            <a:ea typeface="Cambria Math" panose="02040503050406030204" pitchFamily="18" charset="0"/>
+                          </a:rPr>
+                        </m:ctrlPr>
+                      </m:dPr>
+                      <m:e>
+                        <m:r>
+                          <a:rPr lang="en-US" b="1" i="1" smtClean="0">
+                            <a:latin typeface="Cambria Math" panose="02040503050406030204" pitchFamily="18" charset="0"/>
+                            <a:ea typeface="Cambria Math" panose="02040503050406030204" pitchFamily="18" charset="0"/>
+                          </a:rPr>
+                          <m:t>𝒋</m:t>
+                        </m:r>
+                        <m:r>
+                          <a:rPr lang="en-US" b="1" i="1" smtClean="0">
+                            <a:latin typeface="Cambria Math" panose="02040503050406030204" pitchFamily="18" charset="0"/>
+                            <a:ea typeface="Cambria Math" panose="02040503050406030204" pitchFamily="18" charset="0"/>
+                          </a:rPr>
+                          <m:t>−</m:t>
+                        </m:r>
+                        <m:r>
+                          <a:rPr lang="en-US" b="1" i="1" smtClean="0">
+                            <a:latin typeface="Cambria Math" panose="02040503050406030204" pitchFamily="18" charset="0"/>
+                            <a:ea typeface="Cambria Math" panose="02040503050406030204" pitchFamily="18" charset="0"/>
+                          </a:rPr>
+                          <m:t>𝟏</m:t>
+                        </m:r>
+                      </m:e>
+                    </m:d>
+                  </m:oMath>
+                </a14:m>
+                <a:endParaRPr lang="en-US" b="1" dirty="0">
+                  <a:ea typeface="Cambria Math" panose="02040503050406030204" pitchFamily="18" charset="0"/>
+                </a:endParaRPr>
+              </a:p>
+              <a:p>
+                <a:pPr marL="0" indent="0">
+                  <a:buNone/>
+                </a:pPr>
+                <a:r>
+                  <a:rPr lang="es-CL" b="1" dirty="0"/>
+                  <a:t>			</a:t>
+                </a:r>
+                <a14:m>
+                  <m:oMath xmlns:m="http://schemas.openxmlformats.org/officeDocument/2006/math">
+                    <m:r>
+                      <a:rPr lang="en-US" b="1" i="1" smtClean="0">
+                        <a:latin typeface="Cambria Math" panose="02040503050406030204" pitchFamily="18" charset="0"/>
+                      </a:rPr>
+                      <m:t>𝒋</m:t>
+                    </m:r>
+                    <m:r>
+                      <a:rPr lang="en-US" b="1" i="1" smtClean="0">
+                        <a:latin typeface="Cambria Math" panose="02040503050406030204" pitchFamily="18" charset="0"/>
+                      </a:rPr>
+                      <m:t>=</m:t>
+                    </m:r>
+                    <m:r>
+                      <a:rPr lang="en-US" b="1" i="1" smtClean="0">
+                        <a:latin typeface="Cambria Math" panose="02040503050406030204" pitchFamily="18" charset="0"/>
+                      </a:rPr>
+                      <m:t>𝒋</m:t>
+                    </m:r>
+                    <m:r>
+                      <a:rPr lang="en-US" b="1" i="1" smtClean="0">
+                        <a:latin typeface="Cambria Math" panose="02040503050406030204" pitchFamily="18" charset="0"/>
+                      </a:rPr>
+                      <m:t>−</m:t>
+                    </m:r>
+                    <m:r>
+                      <a:rPr lang="en-US" b="1" i="1" smtClean="0">
+                        <a:latin typeface="Cambria Math" panose="02040503050406030204" pitchFamily="18" charset="0"/>
+                      </a:rPr>
+                      <m:t>𝟏</m:t>
+                    </m:r>
+                  </m:oMath>
+                </a14:m>
+                <a:endParaRPr lang="es-CL" b="1" dirty="0"/>
+              </a:p>
+            </p:txBody>
+          </p:sp>
+        </mc:Choice>
+        <mc:Fallback>
+          <p:sp>
+            <p:nvSpPr>
+              <p:cNvPr id="4" name="Content Placeholder 3">
+                <a:extLst>
+                  <a:ext uri="{FF2B5EF4-FFF2-40B4-BE49-F238E27FC236}">
+                    <a16:creationId xmlns:a16="http://schemas.microsoft.com/office/drawing/2014/main" id="{52776D8C-DEC8-4452-80FF-6D07F0A328B3}"/>
+                  </a:ext>
+                </a:extLst>
+              </p:cNvPr>
+              <p:cNvSpPr>
+                <a:spLocks noGrp="1" noRot="1" noChangeAspect="1" noMove="1" noResize="1" noEditPoints="1" noAdjustHandles="1" noChangeArrowheads="1" noChangeShapeType="1" noTextEdit="1"/>
+              </p:cNvSpPr>
+              <p:nvPr>
+                <p:ph sz="quarter" idx="10"/>
+              </p:nvPr>
+            </p:nvSpPr>
+            <p:spPr>
+              <a:blipFill>
+                <a:blip r:embed="rId3"/>
+                <a:stretch>
+                  <a:fillRect l="-292"/>
+                </a:stretch>
+              </a:blipFill>
+            </p:spPr>
+            <p:txBody>
+              <a:bodyPr/>
+              <a:lstStyle/>
+              <a:p>
+                <a:r>
+                  <a:rPr lang="en-US">
+                    <a:noFill/>
+                  </a:rPr>
+                  <a:t> </a:t>
+                </a:r>
+              </a:p>
+            </p:txBody>
+          </p:sp>
+        </mc:Fallback>
+      </mc:AlternateContent>
+    </p:spTree>
+    <p:extLst>
+      <p:ext uri="{BB962C8B-B14F-4D97-AF65-F5344CB8AC3E}">
+        <p14:creationId xmlns:p14="http://schemas.microsoft.com/office/powerpoint/2010/main" val="2916257194"/>
+      </p:ext>
+    </p:extLst>
+  </p:cSld>
+  <p:clrMapOvr>
+    <a:masterClrMapping/>
+  </p:clrMapOvr>
+</p:sld>
+</file>
+
+<file path=ppt/slides/slide29.xml><?xml version="1.0" encoding="utf-8"?>
+<p:sld xmlns:a="http://schemas.openxmlformats.org/drawingml/2006/main" xmlns:r="http://schemas.openxmlformats.org/officeDocument/2006/relationships" xmlns:p="http://schemas.openxmlformats.org/presentationml/2006/main">
+  <p:cSld>
+    <p:spTree>
+      <p:nvGrpSpPr>
+        <p:cNvPr id="1" name=""/>
+        <p:cNvGrpSpPr/>
+        <p:nvPr/>
+      </p:nvGrpSpPr>
+      <p:grpSpPr>
+        <a:xfrm>
+          <a:off x="0" y="0"/>
+          <a:ext cx="0" cy="0"/>
+          <a:chOff x="0" y="0"/>
+          <a:chExt cx="0" cy="0"/>
+        </a:xfrm>
+      </p:grpSpPr>
+      <p:sp>
+        <p:nvSpPr>
+          <p:cNvPr id="2" name="Title 1">
+            <a:extLst>
+              <a:ext uri="{FF2B5EF4-FFF2-40B4-BE49-F238E27FC236}">
+                <a16:creationId xmlns:a16="http://schemas.microsoft.com/office/drawing/2014/main" id="{33A1E69C-8506-40BE-B94A-82931398AA6C}"/>
+              </a:ext>
+            </a:extLst>
+          </p:cNvPr>
+          <p:cNvSpPr>
+            <a:spLocks noGrp="1"/>
+          </p:cNvSpPr>
+          <p:nvPr>
+            <p:ph type="title"/>
+          </p:nvPr>
+        </p:nvSpPr>
+        <p:spPr/>
+        <p:txBody>
+          <a:bodyPr/>
+          <a:lstStyle/>
+          <a:p>
+            <a:r>
+              <a:rPr lang="es-CL" dirty="0"/>
+              <a:t>Complejidad de </a:t>
+            </a:r>
+            <a:r>
+              <a:rPr lang="es-CL" i="1" dirty="0"/>
+              <a:t>i</a:t>
+            </a:r>
+            <a:r>
+              <a:rPr lang="es-CL" i="1" dirty="0" err="1"/>
+              <a:t>nsertion</a:t>
+            </a:r>
+            <a:r>
+              <a:rPr lang="es-CL" i="1" dirty="0"/>
+              <a:t> s</a:t>
+            </a:r>
+            <a:r>
+              <a:rPr lang="es-CL" i="1" dirty="0" err="1"/>
+              <a:t>ort</a:t>
+            </a:r>
+            <a:endParaRPr lang="es-CL" i="1" dirty="0"/>
+          </a:p>
+        </p:txBody>
+      </p:sp>
+      <p:sp>
+        <p:nvSpPr>
+          <p:cNvPr id="3" name="Content Placeholder 2">
+            <a:extLst>
+              <a:ext uri="{FF2B5EF4-FFF2-40B4-BE49-F238E27FC236}">
+                <a16:creationId xmlns:a16="http://schemas.microsoft.com/office/drawing/2014/main" id="{652935D7-4DE3-4F1F-8E81-AA5004355CA2}"/>
+              </a:ext>
+            </a:extLst>
+          </p:cNvPr>
+          <p:cNvSpPr>
+            <a:spLocks noGrp="1"/>
+          </p:cNvSpPr>
+          <p:nvPr>
+            <p:ph idx="1"/>
+          </p:nvPr>
+        </p:nvSpPr>
+        <p:spPr/>
+        <p:txBody>
+          <a:bodyPr anchor="ctr"/>
+          <a:lstStyle/>
+          <a:p>
+            <a:r>
+              <a:rPr lang="es-CL" dirty="0"/>
+              <a:t>Parecería que la complejidad de </a:t>
+            </a:r>
+            <a:r>
+              <a:rPr lang="es-CL" i="1" dirty="0"/>
+              <a:t>insertion sort</a:t>
+            </a:r>
+            <a:r>
+              <a:rPr lang="es-CL" dirty="0"/>
+              <a:t> depende de qué tan ordenados vienen los datos</a:t>
+            </a:r>
+          </a:p>
+          <a:p>
+            <a:endParaRPr lang="es-CL" b="1" dirty="0"/>
+          </a:p>
+          <a:p>
+            <a:r>
+              <a:rPr lang="es-CL" dirty="0"/>
+              <a:t>¿Cómo podemos medir “qué tan ordenados vienen los datos”?</a:t>
+            </a:r>
+          </a:p>
+        </p:txBody>
+      </p:sp>
+    </p:spTree>
+    <p:extLst>
+      <p:ext uri="{BB962C8B-B14F-4D97-AF65-F5344CB8AC3E}">
+        <p14:creationId xmlns:p14="http://schemas.microsoft.com/office/powerpoint/2010/main" val="1492818831"/>
       </p:ext>
     </p:extLst>
   </p:cSld>
@@ -7136,6 +11503,2819 @@
     <p:extLst>
       <p:ext uri="{BB962C8B-B14F-4D97-AF65-F5344CB8AC3E}">
         <p14:creationId xmlns:p14="http://schemas.microsoft.com/office/powerpoint/2010/main" val="735530621"/>
+      </p:ext>
+    </p:extLst>
+  </p:cSld>
+  <p:clrMapOvr>
+    <a:masterClrMapping/>
+  </p:clrMapOvr>
+</p:sld>
+</file>
+
+<file path=ppt/slides/slide30.xml><?xml version="1.0" encoding="utf-8"?>
+<p:sld xmlns:a="http://schemas.openxmlformats.org/drawingml/2006/main" xmlns:r="http://schemas.openxmlformats.org/officeDocument/2006/relationships" xmlns:p="http://schemas.openxmlformats.org/presentationml/2006/main">
+  <p:cSld>
+    <p:spTree>
+      <p:nvGrpSpPr>
+        <p:cNvPr id="1" name=""/>
+        <p:cNvGrpSpPr/>
+        <p:nvPr/>
+      </p:nvGrpSpPr>
+      <p:grpSpPr>
+        <a:xfrm>
+          <a:off x="0" y="0"/>
+          <a:ext cx="0" cy="0"/>
+          <a:chOff x="0" y="0"/>
+          <a:chExt cx="0" cy="0"/>
+        </a:xfrm>
+      </p:grpSpPr>
+      <p:sp>
+        <p:nvSpPr>
+          <p:cNvPr id="2" name="Title 1">
+            <a:extLst>
+              <a:ext uri="{FF2B5EF4-FFF2-40B4-BE49-F238E27FC236}">
+                <a16:creationId xmlns:a16="http://schemas.microsoft.com/office/drawing/2014/main" id="{33A1E69C-8506-40BE-B94A-82931398AA6C}"/>
+              </a:ext>
+            </a:extLst>
+          </p:cNvPr>
+          <p:cNvSpPr>
+            <a:spLocks noGrp="1"/>
+          </p:cNvSpPr>
+          <p:nvPr>
+            <p:ph type="title"/>
+          </p:nvPr>
+        </p:nvSpPr>
+        <p:spPr/>
+        <p:txBody>
+          <a:bodyPr/>
+          <a:lstStyle/>
+          <a:p>
+            <a:r>
+              <a:rPr lang="es-CL" dirty="0"/>
+              <a:t>Inversiones</a:t>
+            </a:r>
+          </a:p>
+        </p:txBody>
+      </p:sp>
+      <mc:AlternateContent xmlns:mc="http://schemas.openxmlformats.org/markup-compatibility/2006">
+        <mc:Choice xmlns:a14="http://schemas.microsoft.com/office/drawing/2010/main" Requires="a14">
+          <p:sp>
+            <p:nvSpPr>
+              <p:cNvPr id="3" name="Content Placeholder 2">
+                <a:extLst>
+                  <a:ext uri="{FF2B5EF4-FFF2-40B4-BE49-F238E27FC236}">
+                    <a16:creationId xmlns:a16="http://schemas.microsoft.com/office/drawing/2014/main" id="{652935D7-4DE3-4F1F-8E81-AA5004355CA2}"/>
+                  </a:ext>
+                </a:extLst>
+              </p:cNvPr>
+              <p:cNvSpPr>
+                <a:spLocks noGrp="1"/>
+              </p:cNvSpPr>
+              <p:nvPr>
+                <p:ph idx="1"/>
+              </p:nvPr>
+            </p:nvSpPr>
+            <p:spPr>
+              <a:xfrm>
+                <a:off x="25548" y="1287532"/>
+                <a:ext cx="9118452" cy="4904072"/>
+              </a:xfrm>
+            </p:spPr>
+            <p:txBody>
+              <a:bodyPr anchor="ctr">
+                <a:normAutofit/>
+              </a:bodyPr>
+              <a:lstStyle/>
+              <a:p>
+                <a:r>
+                  <a:rPr lang="es-CL" sz="2600" dirty="0"/>
+                  <a:t>Sea </a:t>
+                </a:r>
+                <a14:m>
+                  <m:oMath xmlns:m="http://schemas.openxmlformats.org/officeDocument/2006/math">
+                    <m:r>
+                      <a:rPr lang="es-CL" sz="2600" dirty="0" smtClean="0">
+                        <a:latin typeface="Cambria Math" panose="02040503050406030204" pitchFamily="18" charset="0"/>
+                      </a:rPr>
+                      <m:t>𝐴</m:t>
+                    </m:r>
+                  </m:oMath>
+                </a14:m>
+                <a:r>
+                  <a:rPr lang="es-CL" sz="2600" dirty="0"/>
+                  <a:t> un arreglo con </a:t>
+                </a:r>
+                <a14:m>
+                  <m:oMath xmlns:m="http://schemas.openxmlformats.org/officeDocument/2006/math">
+                    <m:r>
+                      <a:rPr lang="es-CL" sz="2600" dirty="0" smtClean="0">
+                        <a:latin typeface="Cambria Math" panose="02040503050406030204" pitchFamily="18" charset="0"/>
+                      </a:rPr>
+                      <m:t>𝑛</m:t>
+                    </m:r>
+                  </m:oMath>
+                </a14:m>
+                <a:r>
+                  <a:rPr lang="es-CL" sz="2600" dirty="0"/>
+                  <a:t> números distintos de </a:t>
+                </a:r>
+                <a14:m>
+                  <m:oMath xmlns:m="http://schemas.openxmlformats.org/officeDocument/2006/math">
+                    <m:r>
+                      <a:rPr lang="es-CL" sz="2600" dirty="0" smtClean="0">
+                        <a:latin typeface="Cambria Math" panose="02040503050406030204" pitchFamily="18" charset="0"/>
+                      </a:rPr>
+                      <m:t>1</m:t>
+                    </m:r>
+                  </m:oMath>
+                </a14:m>
+                <a:r>
+                  <a:rPr lang="es-CL" sz="2600" dirty="0"/>
+                  <a:t> a </a:t>
+                </a:r>
+                <a14:m>
+                  <m:oMath xmlns:m="http://schemas.openxmlformats.org/officeDocument/2006/math">
+                    <m:r>
+                      <a:rPr lang="es-CL" sz="2600" dirty="0" smtClean="0">
+                        <a:latin typeface="Cambria Math" panose="02040503050406030204" pitchFamily="18" charset="0"/>
+                      </a:rPr>
+                      <m:t>𝑛</m:t>
+                    </m:r>
+                  </m:oMath>
+                </a14:m>
+                <a:endParaRPr lang="es-CL" sz="2600" dirty="0"/>
+              </a:p>
+              <a:p>
+                <a:endParaRPr lang="es-CL" sz="2600" dirty="0"/>
+              </a:p>
+              <a:p>
+                <a:r>
+                  <a:rPr lang="es-CL" sz="2600" dirty="0"/>
+                  <a:t>Si </a:t>
+                </a:r>
+                <a14:m>
+                  <m:oMath xmlns:m="http://schemas.openxmlformats.org/officeDocument/2006/math">
+                    <m:r>
+                      <a:rPr lang="es-CL" sz="2600" b="0" i="1" dirty="0" smtClean="0">
+                        <a:latin typeface="Cambria Math" panose="02040503050406030204" pitchFamily="18" charset="0"/>
+                      </a:rPr>
+                      <m:t>𝑖</m:t>
+                    </m:r>
+                    <m:r>
+                      <a:rPr lang="en-US" sz="2600" b="0" i="1" dirty="0" smtClean="0">
+                        <a:latin typeface="Cambria Math" panose="02040503050406030204" pitchFamily="18" charset="0"/>
+                      </a:rPr>
+                      <m:t>&lt;</m:t>
+                    </m:r>
+                    <m:r>
+                      <a:rPr lang="en-US" sz="2600" b="0" i="1" dirty="0" smtClean="0">
+                        <a:latin typeface="Cambria Math" panose="02040503050406030204" pitchFamily="18" charset="0"/>
+                      </a:rPr>
+                      <m:t>𝑗</m:t>
+                    </m:r>
+                  </m:oMath>
+                </a14:m>
+                <a:r>
+                  <a:rPr lang="en-US" sz="2600" dirty="0"/>
+                  <a:t> </a:t>
+                </a:r>
+                <a:r>
+                  <a:rPr lang="es-CL" sz="2600" dirty="0"/>
+                  <a:t>pero</a:t>
+                </a:r>
+                <a:r>
+                  <a:rPr lang="en-US" sz="2600" dirty="0"/>
+                  <a:t> </a:t>
+                </a:r>
+                <a14:m>
+                  <m:oMath xmlns:m="http://schemas.openxmlformats.org/officeDocument/2006/math">
+                    <m:r>
+                      <a:rPr lang="es-CL" sz="2600" b="0" i="1" smtClean="0">
+                        <a:latin typeface="Cambria Math" panose="02040503050406030204" pitchFamily="18" charset="0"/>
+                      </a:rPr>
+                      <m:t>𝐴</m:t>
+                    </m:r>
+                    <m:r>
+                      <a:rPr lang="es-CL" sz="2600" b="0" i="0" smtClean="0">
+                        <a:latin typeface="Cambria Math" panose="02040503050406030204" pitchFamily="18" charset="0"/>
+                      </a:rPr>
+                      <m:t>[</m:t>
+                    </m:r>
+                    <m:r>
+                      <a:rPr lang="es-CL" sz="2600" b="0" i="1" smtClean="0">
+                        <a:latin typeface="Cambria Math" panose="02040503050406030204" pitchFamily="18" charset="0"/>
+                      </a:rPr>
+                      <m:t>𝑖</m:t>
+                    </m:r>
+                    <m:r>
+                      <a:rPr lang="es-CL" sz="2600" b="0" i="0" smtClean="0">
+                        <a:latin typeface="Cambria Math" panose="02040503050406030204" pitchFamily="18" charset="0"/>
+                      </a:rPr>
+                      <m:t>] &gt; </m:t>
+                    </m:r>
+                    <m:r>
+                      <a:rPr lang="es-CL" sz="2600" b="0" i="1" smtClean="0">
+                        <a:latin typeface="Cambria Math" panose="02040503050406030204" pitchFamily="18" charset="0"/>
+                      </a:rPr>
+                      <m:t>𝐴</m:t>
+                    </m:r>
+                    <m:r>
+                      <a:rPr lang="es-CL" sz="2600" b="0" i="0" smtClean="0">
+                        <a:latin typeface="Cambria Math" panose="02040503050406030204" pitchFamily="18" charset="0"/>
+                      </a:rPr>
+                      <m:t>[</m:t>
+                    </m:r>
+                    <m:r>
+                      <a:rPr lang="es-CL" sz="2600" b="0" i="1" smtClean="0">
+                        <a:latin typeface="Cambria Math" panose="02040503050406030204" pitchFamily="18" charset="0"/>
+                      </a:rPr>
+                      <m:t>𝑗</m:t>
+                    </m:r>
+                    <m:r>
+                      <a:rPr lang="es-CL" sz="2600" b="0" i="0" smtClean="0">
+                        <a:latin typeface="Cambria Math" panose="02040503050406030204" pitchFamily="18" charset="0"/>
+                      </a:rPr>
+                      <m:t>]</m:t>
+                    </m:r>
+                  </m:oMath>
+                </a14:m>
+                <a:r>
+                  <a:rPr lang="es-CL" sz="2600" dirty="0"/>
+                  <a:t>, entonces se dice que el par ordenado </a:t>
+                </a:r>
+                <a14:m>
+                  <m:oMath xmlns:m="http://schemas.openxmlformats.org/officeDocument/2006/math">
+                    <m:r>
+                      <a:rPr lang="es-CL" sz="2600" smtClean="0">
+                        <a:latin typeface="Cambria Math" panose="02040503050406030204" pitchFamily="18" charset="0"/>
+                      </a:rPr>
+                      <m:t>(</m:t>
+                    </m:r>
+                    <m:r>
+                      <a:rPr lang="es-CL" sz="2600" smtClean="0">
+                        <a:latin typeface="Cambria Math" panose="02040503050406030204" pitchFamily="18" charset="0"/>
+                      </a:rPr>
+                      <m:t>𝑖</m:t>
+                    </m:r>
+                    <m:r>
+                      <a:rPr lang="es-CL" sz="2600" smtClean="0">
+                        <a:latin typeface="Cambria Math" panose="02040503050406030204" pitchFamily="18" charset="0"/>
+                      </a:rPr>
+                      <m:t>,</m:t>
+                    </m:r>
+                    <m:r>
+                      <a:rPr lang="es-CL" sz="2600" smtClean="0">
+                        <a:latin typeface="Cambria Math" panose="02040503050406030204" pitchFamily="18" charset="0"/>
+                      </a:rPr>
+                      <m:t>𝑗</m:t>
+                    </m:r>
+                    <m:r>
+                      <a:rPr lang="es-CL" sz="2600" smtClean="0">
+                        <a:latin typeface="Cambria Math" panose="02040503050406030204" pitchFamily="18" charset="0"/>
+                      </a:rPr>
+                      <m:t>)</m:t>
+                    </m:r>
+                  </m:oMath>
+                </a14:m>
+                <a:r>
+                  <a:rPr lang="es-CL" sz="2600" dirty="0"/>
+                  <a:t> es una </a:t>
+                </a:r>
+                <a:r>
+                  <a:rPr lang="es-CL" sz="2600" b="1" dirty="0">
+                    <a:solidFill>
+                      <a:schemeClr val="accent2"/>
+                    </a:solidFill>
+                  </a:rPr>
+                  <a:t>inversión</a:t>
+                </a:r>
+              </a:p>
+              <a:p>
+                <a:endParaRPr lang="es-CL" sz="2600" dirty="0"/>
+              </a:p>
+              <a:p>
+                <a:r>
+                  <a:rPr lang="es-CL" sz="2600" dirty="0"/>
+                  <a:t>El número de inversiones es una métrica de </a:t>
+                </a:r>
+                <a:r>
+                  <a:rPr lang="es-CL" sz="2600" b="1" dirty="0">
+                    <a:solidFill>
+                      <a:schemeClr val="accent2"/>
+                    </a:solidFill>
+                  </a:rPr>
+                  <a:t>desorden</a:t>
+                </a:r>
+              </a:p>
+            </p:txBody>
+          </p:sp>
+        </mc:Choice>
+        <mc:Fallback>
+          <p:sp>
+            <p:nvSpPr>
+              <p:cNvPr id="3" name="Content Placeholder 2">
+                <a:extLst>
+                  <a:ext uri="{FF2B5EF4-FFF2-40B4-BE49-F238E27FC236}">
+                    <a16:creationId xmlns:a16="http://schemas.microsoft.com/office/drawing/2014/main" id="{652935D7-4DE3-4F1F-8E81-AA5004355CA2}"/>
+                  </a:ext>
+                </a:extLst>
+              </p:cNvPr>
+              <p:cNvSpPr>
+                <a:spLocks noGrp="1" noRot="1" noChangeAspect="1" noMove="1" noResize="1" noEditPoints="1" noAdjustHandles="1" noChangeArrowheads="1" noChangeShapeType="1" noTextEdit="1"/>
+              </p:cNvSpPr>
+              <p:nvPr>
+                <p:ph idx="1"/>
+              </p:nvPr>
+            </p:nvSpPr>
+            <p:spPr>
+              <a:xfrm>
+                <a:off x="25548" y="1287532"/>
+                <a:ext cx="9118452" cy="4904072"/>
+              </a:xfrm>
+              <a:blipFill>
+                <a:blip r:embed="rId3"/>
+                <a:stretch>
+                  <a:fillRect l="-139"/>
+                </a:stretch>
+              </a:blipFill>
+            </p:spPr>
+            <p:txBody>
+              <a:bodyPr/>
+              <a:lstStyle/>
+              <a:p>
+                <a:r>
+                  <a:rPr lang="en-US">
+                    <a:noFill/>
+                  </a:rPr>
+                  <a:t> </a:t>
+                </a:r>
+              </a:p>
+            </p:txBody>
+          </p:sp>
+        </mc:Fallback>
+      </mc:AlternateContent>
+    </p:spTree>
+    <p:extLst>
+      <p:ext uri="{BB962C8B-B14F-4D97-AF65-F5344CB8AC3E}">
+        <p14:creationId xmlns:p14="http://schemas.microsoft.com/office/powerpoint/2010/main" val="1244554338"/>
+      </p:ext>
+    </p:extLst>
+  </p:cSld>
+  <p:clrMapOvr>
+    <a:masterClrMapping/>
+  </p:clrMapOvr>
+</p:sld>
+</file>
+
+<file path=ppt/slides/slide31.xml><?xml version="1.0" encoding="utf-8"?>
+<p:sld xmlns:a="http://schemas.openxmlformats.org/drawingml/2006/main" xmlns:r="http://schemas.openxmlformats.org/officeDocument/2006/relationships" xmlns:p="http://schemas.openxmlformats.org/presentationml/2006/main">
+  <p:cSld>
+    <p:spTree>
+      <p:nvGrpSpPr>
+        <p:cNvPr id="1" name=""/>
+        <p:cNvGrpSpPr/>
+        <p:nvPr/>
+      </p:nvGrpSpPr>
+      <p:grpSpPr>
+        <a:xfrm>
+          <a:off x="0" y="0"/>
+          <a:ext cx="0" cy="0"/>
+          <a:chOff x="0" y="0"/>
+          <a:chExt cx="0" cy="0"/>
+        </a:xfrm>
+      </p:grpSpPr>
+      <p:sp>
+        <p:nvSpPr>
+          <p:cNvPr id="2" name="Title 1">
+            <a:extLst>
+              <a:ext uri="{FF2B5EF4-FFF2-40B4-BE49-F238E27FC236}">
+                <a16:creationId xmlns:a16="http://schemas.microsoft.com/office/drawing/2014/main" id="{564E8279-7FA6-924B-9C42-F61121A773E1}"/>
+              </a:ext>
+            </a:extLst>
+          </p:cNvPr>
+          <p:cNvSpPr>
+            <a:spLocks noGrp="1"/>
+          </p:cNvSpPr>
+          <p:nvPr>
+            <p:ph type="title"/>
+          </p:nvPr>
+        </p:nvSpPr>
+        <p:spPr/>
+        <p:txBody>
+          <a:bodyPr/>
+          <a:lstStyle/>
+          <a:p>
+            <a:r>
+              <a:rPr lang="en-US"/>
+              <a:t>Inversiones: ejemplo</a:t>
+            </a:r>
+          </a:p>
+        </p:txBody>
+      </p:sp>
+      <p:sp>
+        <p:nvSpPr>
+          <p:cNvPr id="3" name="Content Placeholder 2">
+            <a:extLst>
+              <a:ext uri="{FF2B5EF4-FFF2-40B4-BE49-F238E27FC236}">
+                <a16:creationId xmlns:a16="http://schemas.microsoft.com/office/drawing/2014/main" id="{E705177F-EAD5-FE4B-AF52-E58DD228B2CC}"/>
+              </a:ext>
+            </a:extLst>
+          </p:cNvPr>
+          <p:cNvSpPr>
+            <a:spLocks noGrp="1"/>
+          </p:cNvSpPr>
+          <p:nvPr>
+            <p:ph idx="1"/>
+          </p:nvPr>
+        </p:nvSpPr>
+        <p:spPr/>
+        <p:txBody>
+          <a:bodyPr anchor="ctr"/>
+          <a:lstStyle/>
+          <a:p>
+            <a:r>
+              <a:rPr lang="en-US"/>
+              <a:t>P.ej., el arreglo</a:t>
+            </a:r>
+          </a:p>
+          <a:p>
+            <a:pPr algn="ctr"/>
+            <a:r>
+              <a:rPr lang="en-US" i="1"/>
+              <a:t>A</a:t>
+            </a:r>
+            <a:r>
+              <a:rPr lang="en-US"/>
+              <a:t> = [ 34  8  64  51  32  21 ]</a:t>
+            </a:r>
+          </a:p>
+          <a:p>
+            <a:r>
+              <a:rPr lang="en-US"/>
+              <a:t>tiene 9 inversiones:</a:t>
+            </a:r>
+          </a:p>
+          <a:p>
+            <a:r>
+              <a:rPr lang="en-US"/>
+              <a:t>(34, 8),  (34, 32),  (34, 21),  (64, 51),  (64, 32),  (64, 21), (51, 32),  (51, 21),  (32, 21)</a:t>
+            </a:r>
+          </a:p>
+        </p:txBody>
+      </p:sp>
+    </p:spTree>
+    <p:extLst>
+      <p:ext uri="{BB962C8B-B14F-4D97-AF65-F5344CB8AC3E}">
+        <p14:creationId xmlns:p14="http://schemas.microsoft.com/office/powerpoint/2010/main" val="1895828602"/>
+      </p:ext>
+    </p:extLst>
+  </p:cSld>
+  <p:clrMapOvr>
+    <a:masterClrMapping/>
+  </p:clrMapOvr>
+</p:sld>
+</file>
+
+<file path=ppt/slides/slide32.xml><?xml version="1.0" encoding="utf-8"?>
+<p:sld xmlns:a="http://schemas.openxmlformats.org/drawingml/2006/main" xmlns:r="http://schemas.openxmlformats.org/officeDocument/2006/relationships" xmlns:p="http://schemas.openxmlformats.org/presentationml/2006/main">
+  <p:cSld>
+    <p:spTree>
+      <p:nvGrpSpPr>
+        <p:cNvPr id="1" name=""/>
+        <p:cNvGrpSpPr/>
+        <p:nvPr/>
+      </p:nvGrpSpPr>
+      <p:grpSpPr>
+        <a:xfrm>
+          <a:off x="0" y="0"/>
+          <a:ext cx="0" cy="0"/>
+          <a:chOff x="0" y="0"/>
+          <a:chExt cx="0" cy="0"/>
+        </a:xfrm>
+      </p:grpSpPr>
+      <p:sp>
+        <p:nvSpPr>
+          <p:cNvPr id="4" name="Title 3">
+            <a:extLst>
+              <a:ext uri="{FF2B5EF4-FFF2-40B4-BE49-F238E27FC236}">
+                <a16:creationId xmlns:a16="http://schemas.microsoft.com/office/drawing/2014/main" id="{A4F9BC34-C9E7-4ECC-A115-680CFCE19334}"/>
+              </a:ext>
+            </a:extLst>
+          </p:cNvPr>
+          <p:cNvSpPr>
+            <a:spLocks noGrp="1"/>
+          </p:cNvSpPr>
+          <p:nvPr>
+            <p:ph type="title"/>
+          </p:nvPr>
+        </p:nvSpPr>
+        <p:spPr/>
+        <p:txBody>
+          <a:bodyPr>
+            <a:noAutofit/>
+          </a:bodyPr>
+          <a:lstStyle/>
+          <a:p>
+            <a:r>
+              <a:rPr lang="es-CL" sz="4000" dirty="0"/>
+              <a:t>¿Cómo depende </a:t>
+            </a:r>
+            <a:r>
+              <a:rPr lang="es-CL" sz="4000" i="1" dirty="0"/>
+              <a:t>i</a:t>
+            </a:r>
+            <a:r>
+              <a:rPr lang="es-CL" sz="4000" i="1" dirty="0" err="1"/>
+              <a:t>nsertion</a:t>
+            </a:r>
+            <a:r>
+              <a:rPr lang="es-CL" sz="4000" i="1" dirty="0"/>
+              <a:t> s</a:t>
+            </a:r>
+            <a:r>
+              <a:rPr lang="es-CL" sz="4000" i="1" dirty="0" err="1"/>
+              <a:t>ort</a:t>
+            </a:r>
+            <a:br>
+              <a:rPr lang="es-CL" sz="4000" dirty="0" err="1"/>
+            </a:br>
+            <a:r>
+              <a:rPr lang="es-CL" sz="4000" dirty="0" err="1"/>
+              <a:t>del número de inversiones?</a:t>
+            </a:r>
+            <a:endParaRPr lang="es-CL" sz="4000" i="1" dirty="0"/>
+          </a:p>
+        </p:txBody>
+      </p:sp>
+      <mc:AlternateContent xmlns:mc="http://schemas.openxmlformats.org/markup-compatibility/2006">
+        <mc:Choice xmlns:a14="http://schemas.microsoft.com/office/drawing/2010/main" Requires="a14">
+          <p:sp>
+            <p:nvSpPr>
+              <p:cNvPr id="5" name="Content Placeholder 4">
+                <a:extLst>
+                  <a:ext uri="{FF2B5EF4-FFF2-40B4-BE49-F238E27FC236}">
+                    <a16:creationId xmlns:a16="http://schemas.microsoft.com/office/drawing/2014/main" id="{95487F6F-94E9-4B3D-B664-6B65F79B98C7}"/>
+                  </a:ext>
+                </a:extLst>
+              </p:cNvPr>
+              <p:cNvSpPr>
+                <a:spLocks noGrp="1"/>
+              </p:cNvSpPr>
+              <p:nvPr>
+                <p:ph idx="1"/>
+              </p:nvPr>
+            </p:nvSpPr>
+            <p:spPr/>
+            <p:txBody>
+              <a:bodyPr anchor="ctr"/>
+              <a:lstStyle/>
+              <a:p>
+                <a:pPr marL="0" indent="0">
+                  <a:buNone/>
+                </a:pPr>
+                <a:r>
+                  <a:rPr lang="es-CL" dirty="0"/>
+                  <a:t>Tenemos un arreglo </a:t>
+                </a:r>
+                <a14:m>
+                  <m:oMath xmlns:m="http://schemas.openxmlformats.org/officeDocument/2006/math">
+                    <m:r>
+                      <a:rPr lang="es-CL" i="1" dirty="0" smtClean="0">
+                        <a:latin typeface="Cambria Math" panose="02040503050406030204" pitchFamily="18" charset="0"/>
+                      </a:rPr>
+                      <m:t>𝐴</m:t>
+                    </m:r>
+                  </m:oMath>
+                </a14:m>
+                <a:r>
+                  <a:rPr lang="es-CL" dirty="0"/>
+                  <a:t> de largo </a:t>
+                </a:r>
+                <a14:m>
+                  <m:oMath xmlns:m="http://schemas.openxmlformats.org/officeDocument/2006/math">
+                    <m:r>
+                      <a:rPr lang="es-CL" i="1" dirty="0" smtClean="0">
+                        <a:latin typeface="Cambria Math" panose="02040503050406030204" pitchFamily="18" charset="0"/>
+                      </a:rPr>
+                      <m:t>𝑛</m:t>
+                    </m:r>
+                  </m:oMath>
+                </a14:m>
+                <a:r>
+                  <a:rPr lang="es-CL" dirty="0"/>
+                  <a:t> que tiene </a:t>
+                </a:r>
+                <a14:m>
+                  <m:oMath xmlns:m="http://schemas.openxmlformats.org/officeDocument/2006/math">
+                    <m:r>
+                      <a:rPr lang="es-CL" i="1" dirty="0" smtClean="0">
+                        <a:latin typeface="Cambria Math" panose="02040503050406030204" pitchFamily="18" charset="0"/>
+                      </a:rPr>
+                      <m:t>𝑘</m:t>
+                    </m:r>
+                  </m:oMath>
+                </a14:m>
+                <a:r>
+                  <a:rPr lang="es-CL" dirty="0"/>
+                  <a:t> </a:t>
+                </a:r>
+                <a:r>
+                  <a:rPr lang="es-CL" b="1" dirty="0">
+                    <a:solidFill>
+                      <a:schemeClr val="accent2"/>
+                    </a:solidFill>
+                  </a:rPr>
+                  <a:t>inversiones</a:t>
+                </a:r>
+              </a:p>
+              <a:p>
+                <a:pPr marL="0" indent="0">
+                  <a:buNone/>
+                </a:pPr>
+                <a:endParaRPr lang="es-CL" dirty="0"/>
+              </a:p>
+              <a:p>
+                <a:pPr marL="0" indent="0">
+                  <a:buNone/>
+                </a:pPr>
+                <a:r>
+                  <a:rPr lang="es-CL" dirty="0"/>
+                  <a:t>¿Cuánto tiempo toma </a:t>
+                </a:r>
+                <a:r>
+                  <a:rPr lang="es-CL" i="1" dirty="0"/>
+                  <a:t>i</a:t>
+                </a:r>
+                <a:r>
+                  <a:rPr lang="es-CL" i="1" dirty="0" err="1"/>
+                  <a:t>nsertion</a:t>
+                </a:r>
+                <a:r>
+                  <a:rPr lang="es-CL" i="1" dirty="0"/>
+                  <a:t> s</a:t>
+                </a:r>
+                <a:r>
+                  <a:rPr lang="es-CL" i="1" dirty="0" err="1"/>
+                  <a:t>ort</a:t>
+                </a:r>
+                <a:r>
+                  <a:rPr lang="es-CL" dirty="0"/>
+                  <a:t> en ordenar </a:t>
+                </a:r>
+                <a14:m>
+                  <m:oMath xmlns:m="http://schemas.openxmlformats.org/officeDocument/2006/math">
+                    <m:r>
+                      <a:rPr lang="es-CL" i="1" dirty="0" smtClean="0">
+                        <a:latin typeface="Cambria Math" panose="02040503050406030204" pitchFamily="18" charset="0"/>
+                      </a:rPr>
+                      <m:t>𝐴</m:t>
+                    </m:r>
+                  </m:oMath>
+                </a14:m>
+                <a:r>
+                  <a:rPr lang="es-CL" dirty="0"/>
+                  <a:t>?</a:t>
+                </a:r>
+              </a:p>
+              <a:p>
+                <a:pPr marL="0" indent="0">
+                  <a:buNone/>
+                </a:pPr>
+                <a:endParaRPr lang="es-CL" dirty="0"/>
+              </a:p>
+              <a:p>
+                <a:pPr marL="0" indent="0">
+                  <a:buNone/>
+                </a:pPr>
+                <a:r>
+                  <a:rPr lang="es-CL" dirty="0"/>
+                  <a:t>¿Cuántas inversiones se arreglan con un intercambio?</a:t>
+                </a:r>
+              </a:p>
+            </p:txBody>
+          </p:sp>
+        </mc:Choice>
+        <mc:Fallback>
+          <p:sp>
+            <p:nvSpPr>
+              <p:cNvPr id="5" name="Content Placeholder 4">
+                <a:extLst>
+                  <a:ext uri="{FF2B5EF4-FFF2-40B4-BE49-F238E27FC236}">
+                    <a16:creationId xmlns:a16="http://schemas.microsoft.com/office/drawing/2014/main" id="{95487F6F-94E9-4B3D-B664-6B65F79B98C7}"/>
+                  </a:ext>
+                </a:extLst>
+              </p:cNvPr>
+              <p:cNvSpPr>
+                <a:spLocks noGrp="1" noRot="1" noChangeAspect="1" noMove="1" noResize="1" noEditPoints="1" noAdjustHandles="1" noChangeArrowheads="1" noChangeShapeType="1" noTextEdit="1"/>
+              </p:cNvSpPr>
+              <p:nvPr>
+                <p:ph idx="1"/>
+              </p:nvPr>
+            </p:nvSpPr>
+            <p:spPr>
+              <a:blipFill>
+                <a:blip r:embed="rId3"/>
+                <a:stretch>
+                  <a:fillRect l="-1468"/>
+                </a:stretch>
+              </a:blipFill>
+            </p:spPr>
+            <p:txBody>
+              <a:bodyPr/>
+              <a:lstStyle/>
+              <a:p>
+                <a:r>
+                  <a:rPr lang="en-US">
+                    <a:noFill/>
+                  </a:rPr>
+                  <a:t> </a:t>
+                </a:r>
+              </a:p>
+            </p:txBody>
+          </p:sp>
+        </mc:Fallback>
+      </mc:AlternateContent>
+    </p:spTree>
+    <p:extLst>
+      <p:ext uri="{BB962C8B-B14F-4D97-AF65-F5344CB8AC3E}">
+        <p14:creationId xmlns:p14="http://schemas.microsoft.com/office/powerpoint/2010/main" val="3082608791"/>
+      </p:ext>
+    </p:extLst>
+  </p:cSld>
+  <p:clrMapOvr>
+    <a:masterClrMapping/>
+  </p:clrMapOvr>
+</p:sld>
+</file>
+
+<file path=ppt/slides/slide33.xml><?xml version="1.0" encoding="utf-8"?>
+<p:sld xmlns:a="http://schemas.openxmlformats.org/drawingml/2006/main" xmlns:r="http://schemas.openxmlformats.org/officeDocument/2006/relationships" xmlns:p="http://schemas.openxmlformats.org/presentationml/2006/main">
+  <p:cSld>
+    <p:spTree>
+      <p:nvGrpSpPr>
+        <p:cNvPr id="1" name=""/>
+        <p:cNvGrpSpPr/>
+        <p:nvPr/>
+      </p:nvGrpSpPr>
+      <p:grpSpPr>
+        <a:xfrm>
+          <a:off x="0" y="0"/>
+          <a:ext cx="0" cy="0"/>
+          <a:chOff x="0" y="0"/>
+          <a:chExt cx="0" cy="0"/>
+        </a:xfrm>
+      </p:grpSpPr>
+      <mc:AlternateContent xmlns:mc="http://schemas.openxmlformats.org/markup-compatibility/2006">
+        <mc:Choice xmlns:a14="http://schemas.microsoft.com/office/drawing/2010/main" Requires="a14">
+          <p:sp>
+            <p:nvSpPr>
+              <p:cNvPr id="4" name="Content Placeholder 3">
+                <a:extLst>
+                  <a:ext uri="{FF2B5EF4-FFF2-40B4-BE49-F238E27FC236}">
+                    <a16:creationId xmlns:a16="http://schemas.microsoft.com/office/drawing/2014/main" id="{52776D8C-DEC8-4452-80FF-6D07F0A328B3}"/>
+                  </a:ext>
+                </a:extLst>
+              </p:cNvPr>
+              <p:cNvSpPr>
+                <a:spLocks noGrp="1"/>
+              </p:cNvSpPr>
+              <p:nvPr>
+                <p:ph sz="quarter" idx="10"/>
+              </p:nvPr>
+            </p:nvSpPr>
+            <p:spPr/>
+            <p:txBody>
+              <a:bodyPr anchor="ctr"/>
+              <a:lstStyle/>
+              <a:p>
+                <a:pPr marL="0" indent="0">
+                  <a:buNone/>
+                </a:pPr>
+                <a14:m>
+                  <m:oMathPara xmlns:m="http://schemas.openxmlformats.org/officeDocument/2006/math">
+                    <m:oMathParaPr>
+                      <m:jc m:val="left"/>
+                    </m:oMathParaPr>
+                    <m:oMath xmlns:m="http://schemas.openxmlformats.org/officeDocument/2006/math">
+                      <m:r>
+                        <a:rPr lang="es-CL" b="1" i="1" smtClean="0">
+                          <a:solidFill>
+                            <a:schemeClr val="accent4"/>
+                          </a:solidFill>
+                          <a:latin typeface="Cambria Math" panose="02040503050406030204" pitchFamily="18" charset="0"/>
+                        </a:rPr>
+                        <m:t>𝒊𝒏𝒔𝒆𝒓𝒕𝒊𝒐𝒏𝑺𝒐𝒓𝒕</m:t>
+                      </m:r>
+                      <m:d>
+                        <m:dPr>
+                          <m:ctrlPr>
+                            <a:rPr lang="es-CL" b="1" i="1" smtClean="0">
+                              <a:latin typeface="Cambria Math" panose="02040503050406030204" pitchFamily="18" charset="0"/>
+                            </a:rPr>
+                          </m:ctrlPr>
+                        </m:dPr>
+                        <m:e>
+                          <m:r>
+                            <a:rPr lang="es-CL" b="1" i="1" smtClean="0">
+                              <a:latin typeface="Cambria Math" panose="02040503050406030204" pitchFamily="18" charset="0"/>
+                            </a:rPr>
+                            <m:t>𝑨</m:t>
+                          </m:r>
+                          <m:r>
+                            <a:rPr lang="es-CL" b="1" i="1" smtClean="0">
+                              <a:latin typeface="Cambria Math" panose="02040503050406030204" pitchFamily="18" charset="0"/>
+                            </a:rPr>
+                            <m:t>, </m:t>
+                          </m:r>
+                          <m:r>
+                            <a:rPr lang="es-CL" b="1" i="1" smtClean="0">
+                              <a:latin typeface="Cambria Math" panose="02040503050406030204" pitchFamily="18" charset="0"/>
+                            </a:rPr>
+                            <m:t>𝒏</m:t>
+                          </m:r>
+                        </m:e>
+                      </m:d>
+                      <m:r>
+                        <a:rPr lang="es-CL" b="1" i="1" smtClean="0">
+                          <a:latin typeface="Cambria Math" panose="02040503050406030204" pitchFamily="18" charset="0"/>
+                        </a:rPr>
+                        <m:t>:</m:t>
+                      </m:r>
+                    </m:oMath>
+                  </m:oMathPara>
+                </a14:m>
+                <a:endParaRPr lang="es-CL" b="1" dirty="0"/>
+              </a:p>
+              <a:p>
+                <a:pPr marL="0" indent="0">
+                  <a:buNone/>
+                </a:pPr>
+                <a:r>
+                  <a:rPr lang="es-CL" b="1" dirty="0"/>
+                  <a:t>	</a:t>
+                </a:r>
+                <a14:m>
+                  <m:oMath xmlns:m="http://schemas.openxmlformats.org/officeDocument/2006/math">
+                    <m:r>
+                      <a:rPr lang="es-CL" b="1" i="1" smtClean="0">
+                        <a:solidFill>
+                          <a:schemeClr val="accent2"/>
+                        </a:solidFill>
+                        <a:latin typeface="Cambria Math" panose="02040503050406030204" pitchFamily="18" charset="0"/>
+                      </a:rPr>
+                      <m:t>𝒇𝒐𝒓</m:t>
+                    </m:r>
+                    <m:r>
+                      <a:rPr lang="es-CL" b="1" i="1" smtClean="0">
+                        <a:latin typeface="Cambria Math" panose="02040503050406030204" pitchFamily="18" charset="0"/>
+                      </a:rPr>
+                      <m:t> </m:t>
+                    </m:r>
+                    <m:r>
+                      <a:rPr lang="es-CL" b="1" i="1" smtClean="0">
+                        <a:latin typeface="Cambria Math" panose="02040503050406030204" pitchFamily="18" charset="0"/>
+                      </a:rPr>
+                      <m:t>𝒊</m:t>
+                    </m:r>
+                    <m:r>
+                      <a:rPr lang="es-CL" b="1" i="1" smtClean="0">
+                        <a:latin typeface="Cambria Math" panose="02040503050406030204" pitchFamily="18" charset="0"/>
+                      </a:rPr>
+                      <m:t>=</m:t>
+                    </m:r>
+                    <m:r>
+                      <a:rPr lang="en-US" b="1" i="1" smtClean="0">
+                        <a:latin typeface="Cambria Math" panose="02040503050406030204" pitchFamily="18" charset="0"/>
+                      </a:rPr>
+                      <m:t>𝟏</m:t>
+                    </m:r>
+                    <m:r>
+                      <a:rPr lang="en-US" b="1" i="1" smtClean="0">
+                        <a:latin typeface="Cambria Math" panose="02040503050406030204" pitchFamily="18" charset="0"/>
+                      </a:rPr>
+                      <m:t> ..</m:t>
+                    </m:r>
+                    <m:r>
+                      <a:rPr lang="es-CL" b="1" i="1" smtClean="0">
+                        <a:latin typeface="Cambria Math" panose="02040503050406030204" pitchFamily="18" charset="0"/>
+                      </a:rPr>
+                      <m:t>𝒏</m:t>
+                    </m:r>
+                    <m:r>
+                      <a:rPr lang="es-CL" b="1" i="1" smtClean="0">
+                        <a:latin typeface="Cambria Math" panose="02040503050406030204" pitchFamily="18" charset="0"/>
+                      </a:rPr>
+                      <m:t>−</m:t>
+                    </m:r>
+                    <m:r>
+                      <a:rPr lang="es-CL" b="1" i="1" smtClean="0">
+                        <a:latin typeface="Cambria Math" panose="02040503050406030204" pitchFamily="18" charset="0"/>
+                      </a:rPr>
+                      <m:t>𝟏</m:t>
+                    </m:r>
+                    <m:r>
+                      <a:rPr lang="es-CL" b="1" i="1" smtClean="0">
+                        <a:latin typeface="Cambria Math" panose="02040503050406030204" pitchFamily="18" charset="0"/>
+                      </a:rPr>
+                      <m:t>:</m:t>
+                    </m:r>
+                  </m:oMath>
+                </a14:m>
+                <a:endParaRPr lang="es-CL" b="1" dirty="0"/>
+              </a:p>
+              <a:p>
+                <a:pPr marL="0" indent="0">
+                  <a:buNone/>
+                </a:pPr>
+                <a:r>
+                  <a:rPr lang="es-CL" b="1" dirty="0"/>
+                  <a:t>		</a:t>
+                </a:r>
+                <a14:m>
+                  <m:oMath xmlns:m="http://schemas.openxmlformats.org/officeDocument/2006/math">
+                    <m:r>
+                      <a:rPr lang="es-CL" b="1" i="1" smtClean="0">
+                        <a:latin typeface="Cambria Math" panose="02040503050406030204" pitchFamily="18" charset="0"/>
+                      </a:rPr>
+                      <m:t>𝒋</m:t>
+                    </m:r>
+                    <m:r>
+                      <a:rPr lang="es-CL" b="1" i="1" smtClean="0">
+                        <a:latin typeface="Cambria Math" panose="02040503050406030204" pitchFamily="18" charset="0"/>
+                      </a:rPr>
+                      <m:t>=</m:t>
+                    </m:r>
+                    <m:r>
+                      <a:rPr lang="es-CL" b="1" i="1" smtClean="0">
+                        <a:latin typeface="Cambria Math" panose="02040503050406030204" pitchFamily="18" charset="0"/>
+                      </a:rPr>
+                      <m:t>𝒊</m:t>
+                    </m:r>
+                  </m:oMath>
+                </a14:m>
+                <a:endParaRPr lang="es-CL" b="1" dirty="0"/>
+              </a:p>
+              <a:p>
+                <a:pPr marL="0" indent="0">
+                  <a:buNone/>
+                </a:pPr>
+                <a:r>
+                  <a:rPr lang="es-CL" b="1" dirty="0"/>
+                  <a:t>		</a:t>
+                </a:r>
+                <a14:m>
+                  <m:oMath xmlns:m="http://schemas.openxmlformats.org/officeDocument/2006/math">
+                    <m:r>
+                      <a:rPr lang="es-CL" b="1" i="1" smtClean="0">
+                        <a:solidFill>
+                          <a:schemeClr val="accent2"/>
+                        </a:solidFill>
+                        <a:latin typeface="Cambria Math" panose="02040503050406030204" pitchFamily="18" charset="0"/>
+                      </a:rPr>
+                      <m:t>𝒘𝒉𝒊𝒍𝒆</m:t>
+                    </m:r>
+                    <m:r>
+                      <a:rPr lang="es-CL" b="1" i="1" smtClean="0">
+                        <a:latin typeface="Cambria Math" panose="02040503050406030204" pitchFamily="18" charset="0"/>
+                      </a:rPr>
+                      <m:t> </m:t>
+                    </m:r>
+                    <m:d>
+                      <m:dPr>
+                        <m:ctrlPr>
+                          <a:rPr lang="en-US" b="1" i="1" smtClean="0">
+                            <a:latin typeface="Cambria Math" panose="02040503050406030204" pitchFamily="18" charset="0"/>
+                          </a:rPr>
+                        </m:ctrlPr>
+                      </m:dPr>
+                      <m:e>
+                        <m:r>
+                          <a:rPr lang="en-US" b="1" i="1" smtClean="0">
+                            <a:latin typeface="Cambria Math" panose="02040503050406030204" pitchFamily="18" charset="0"/>
+                          </a:rPr>
+                          <m:t>𝒋</m:t>
+                        </m:r>
+                        <m:r>
+                          <a:rPr lang="en-US" b="1" i="1" smtClean="0">
+                            <a:latin typeface="Cambria Math" panose="02040503050406030204" pitchFamily="18" charset="0"/>
+                          </a:rPr>
+                          <m:t>&gt;</m:t>
+                        </m:r>
+                        <m:r>
+                          <a:rPr lang="en-US" b="1" i="1" smtClean="0">
+                            <a:latin typeface="Cambria Math" panose="02040503050406030204" pitchFamily="18" charset="0"/>
+                          </a:rPr>
+                          <m:t>𝟎</m:t>
+                        </m:r>
+                      </m:e>
+                    </m:d>
+                    <m:r>
+                      <a:rPr lang="en-US" b="1" i="1" smtClean="0">
+                        <a:latin typeface="Cambria Math" panose="02040503050406030204" pitchFamily="18" charset="0"/>
+                      </a:rPr>
+                      <m:t>∧</m:t>
+                    </m:r>
+                    <m:d>
+                      <m:dPr>
+                        <m:ctrlPr>
+                          <a:rPr lang="en-US" b="1" i="1" smtClean="0">
+                            <a:latin typeface="Cambria Math" panose="02040503050406030204" pitchFamily="18" charset="0"/>
+                          </a:rPr>
+                        </m:ctrlPr>
+                      </m:dPr>
+                      <m:e>
+                        <m:r>
+                          <a:rPr lang="es-CL" b="1" i="1" smtClean="0">
+                            <a:latin typeface="Cambria Math" panose="02040503050406030204" pitchFamily="18" charset="0"/>
+                          </a:rPr>
+                          <m:t>𝑨</m:t>
+                        </m:r>
+                        <m:d>
+                          <m:dPr>
+                            <m:begChr m:val="["/>
+                            <m:endChr m:val="]"/>
+                            <m:ctrlPr>
+                              <a:rPr lang="es-CL" b="1" i="1" smtClean="0">
+                                <a:latin typeface="Cambria Math" panose="02040503050406030204" pitchFamily="18" charset="0"/>
+                              </a:rPr>
+                            </m:ctrlPr>
+                          </m:dPr>
+                          <m:e>
+                            <m:r>
+                              <a:rPr lang="es-CL" b="1" i="1" smtClean="0">
+                                <a:latin typeface="Cambria Math" panose="02040503050406030204" pitchFamily="18" charset="0"/>
+                              </a:rPr>
+                              <m:t>𝒋</m:t>
+                            </m:r>
+                          </m:e>
+                        </m:d>
+                        <m:r>
+                          <a:rPr lang="en-US" b="1" i="1" smtClean="0">
+                            <a:latin typeface="Cambria Math" panose="02040503050406030204" pitchFamily="18" charset="0"/>
+                          </a:rPr>
+                          <m:t>&lt;</m:t>
+                        </m:r>
+                        <m:r>
+                          <a:rPr lang="en-US" b="1" i="1" smtClean="0">
+                            <a:latin typeface="Cambria Math" panose="02040503050406030204" pitchFamily="18" charset="0"/>
+                          </a:rPr>
+                          <m:t>𝑨</m:t>
+                        </m:r>
+                        <m:d>
+                          <m:dPr>
+                            <m:begChr m:val="["/>
+                            <m:endChr m:val="]"/>
+                            <m:ctrlPr>
+                              <a:rPr lang="en-US" b="1" i="1" smtClean="0">
+                                <a:latin typeface="Cambria Math" panose="02040503050406030204" pitchFamily="18" charset="0"/>
+                              </a:rPr>
+                            </m:ctrlPr>
+                          </m:dPr>
+                          <m:e>
+                            <m:r>
+                              <a:rPr lang="en-US" b="1" i="1" smtClean="0">
+                                <a:latin typeface="Cambria Math" panose="02040503050406030204" pitchFamily="18" charset="0"/>
+                              </a:rPr>
+                              <m:t>𝒋</m:t>
+                            </m:r>
+                            <m:r>
+                              <a:rPr lang="en-US" b="1" i="1" smtClean="0">
+                                <a:latin typeface="Cambria Math" panose="02040503050406030204" pitchFamily="18" charset="0"/>
+                              </a:rPr>
+                              <m:t>−</m:t>
+                            </m:r>
+                            <m:r>
+                              <a:rPr lang="en-US" b="1" i="1" smtClean="0">
+                                <a:latin typeface="Cambria Math" panose="02040503050406030204" pitchFamily="18" charset="0"/>
+                              </a:rPr>
+                              <m:t>𝟏</m:t>
+                            </m:r>
+                          </m:e>
+                        </m:d>
+                      </m:e>
+                    </m:d>
+                    <m:r>
+                      <a:rPr lang="en-US" b="1" i="1" smtClean="0">
+                        <a:latin typeface="Cambria Math" panose="02040503050406030204" pitchFamily="18" charset="0"/>
+                      </a:rPr>
+                      <m:t>:</m:t>
+                    </m:r>
+                  </m:oMath>
+                </a14:m>
+                <a:endParaRPr lang="en-US" b="1" dirty="0"/>
+              </a:p>
+              <a:p>
+                <a:pPr marL="0" indent="0">
+                  <a:buNone/>
+                </a:pPr>
+                <a:r>
+                  <a:rPr lang="es-CL" b="1" dirty="0"/>
+                  <a:t>			</a:t>
+                </a:r>
+                <a14:m>
+                  <m:oMath xmlns:m="http://schemas.openxmlformats.org/officeDocument/2006/math">
+                    <m:r>
+                      <m:rPr>
+                        <m:sty m:val="p"/>
+                      </m:rPr>
+                      <a:rPr lang="es-CL" b="0" i="0" smtClean="0">
+                        <a:latin typeface="Cambria Math" panose="02040503050406030204" pitchFamily="18" charset="0"/>
+                      </a:rPr>
+                      <m:t>Intercambiar</m:t>
+                    </m:r>
+                    <m:r>
+                      <a:rPr lang="es-CL" b="1" i="0" smtClean="0">
+                        <a:latin typeface="Cambria Math" panose="02040503050406030204" pitchFamily="18" charset="0"/>
+                      </a:rPr>
+                      <m:t> </m:t>
+                    </m:r>
+                    <m:r>
+                      <a:rPr lang="en-US" b="1" i="1" smtClean="0">
+                        <a:latin typeface="Cambria Math" panose="02040503050406030204" pitchFamily="18" charset="0"/>
+                      </a:rPr>
+                      <m:t>𝑨</m:t>
+                    </m:r>
+                    <m:d>
+                      <m:dPr>
+                        <m:begChr m:val="["/>
+                        <m:endChr m:val="]"/>
+                        <m:ctrlPr>
+                          <a:rPr lang="en-US" b="1" i="1" smtClean="0">
+                            <a:latin typeface="Cambria Math" panose="02040503050406030204" pitchFamily="18" charset="0"/>
+                          </a:rPr>
+                        </m:ctrlPr>
+                      </m:dPr>
+                      <m:e>
+                        <m:r>
+                          <a:rPr lang="en-US" b="1" i="1" smtClean="0">
+                            <a:latin typeface="Cambria Math" panose="02040503050406030204" pitchFamily="18" charset="0"/>
+                          </a:rPr>
+                          <m:t>𝒋</m:t>
+                        </m:r>
+                      </m:e>
+                    </m:d>
+                    <m:r>
+                      <a:rPr lang="es-CL" b="1" i="1" smtClean="0">
+                        <a:latin typeface="Cambria Math" panose="02040503050406030204" pitchFamily="18" charset="0"/>
+                      </a:rPr>
+                      <m:t> </m:t>
+                    </m:r>
+                    <m:r>
+                      <m:rPr>
+                        <m:sty m:val="p"/>
+                      </m:rPr>
+                      <a:rPr lang="es-CL" b="0" i="0" smtClean="0">
+                        <a:latin typeface="Cambria Math" panose="02040503050406030204" pitchFamily="18" charset="0"/>
+                      </a:rPr>
+                      <m:t>con</m:t>
+                    </m:r>
+                    <m:r>
+                      <a:rPr lang="es-CL" b="1" i="1" smtClean="0">
+                        <a:latin typeface="Cambria Math" panose="02040503050406030204" pitchFamily="18" charset="0"/>
+                      </a:rPr>
+                      <m:t> </m:t>
+                    </m:r>
+                    <m:r>
+                      <a:rPr lang="en-US" b="1" i="1" smtClean="0">
+                        <a:latin typeface="Cambria Math" panose="02040503050406030204" pitchFamily="18" charset="0"/>
+                        <a:ea typeface="Cambria Math" panose="02040503050406030204" pitchFamily="18" charset="0"/>
+                      </a:rPr>
+                      <m:t>𝑨</m:t>
+                    </m:r>
+                    <m:d>
+                      <m:dPr>
+                        <m:begChr m:val="["/>
+                        <m:endChr m:val="]"/>
+                        <m:ctrlPr>
+                          <a:rPr lang="en-US" b="1" i="1" smtClean="0">
+                            <a:latin typeface="Cambria Math" panose="02040503050406030204" pitchFamily="18" charset="0"/>
+                            <a:ea typeface="Cambria Math" panose="02040503050406030204" pitchFamily="18" charset="0"/>
+                          </a:rPr>
+                        </m:ctrlPr>
+                      </m:dPr>
+                      <m:e>
+                        <m:r>
+                          <a:rPr lang="en-US" b="1" i="1" smtClean="0">
+                            <a:latin typeface="Cambria Math" panose="02040503050406030204" pitchFamily="18" charset="0"/>
+                            <a:ea typeface="Cambria Math" panose="02040503050406030204" pitchFamily="18" charset="0"/>
+                          </a:rPr>
+                          <m:t>𝒋</m:t>
+                        </m:r>
+                        <m:r>
+                          <a:rPr lang="en-US" b="1" i="1" smtClean="0">
+                            <a:latin typeface="Cambria Math" panose="02040503050406030204" pitchFamily="18" charset="0"/>
+                            <a:ea typeface="Cambria Math" panose="02040503050406030204" pitchFamily="18" charset="0"/>
+                          </a:rPr>
+                          <m:t>−</m:t>
+                        </m:r>
+                        <m:r>
+                          <a:rPr lang="en-US" b="1" i="1" smtClean="0">
+                            <a:latin typeface="Cambria Math" panose="02040503050406030204" pitchFamily="18" charset="0"/>
+                            <a:ea typeface="Cambria Math" panose="02040503050406030204" pitchFamily="18" charset="0"/>
+                          </a:rPr>
+                          <m:t>𝟏</m:t>
+                        </m:r>
+                      </m:e>
+                    </m:d>
+                  </m:oMath>
+                </a14:m>
+                <a:endParaRPr lang="en-US" b="1" dirty="0">
+                  <a:ea typeface="Cambria Math" panose="02040503050406030204" pitchFamily="18" charset="0"/>
+                </a:endParaRPr>
+              </a:p>
+              <a:p>
+                <a:pPr marL="0" indent="0">
+                  <a:buNone/>
+                </a:pPr>
+                <a:r>
+                  <a:rPr lang="es-CL" b="1" dirty="0"/>
+                  <a:t>			</a:t>
+                </a:r>
+                <a14:m>
+                  <m:oMath xmlns:m="http://schemas.openxmlformats.org/officeDocument/2006/math">
+                    <m:r>
+                      <a:rPr lang="en-US" b="1" i="1" smtClean="0">
+                        <a:latin typeface="Cambria Math" panose="02040503050406030204" pitchFamily="18" charset="0"/>
+                      </a:rPr>
+                      <m:t>𝒋</m:t>
+                    </m:r>
+                    <m:r>
+                      <a:rPr lang="en-US" b="1" i="1" smtClean="0">
+                        <a:latin typeface="Cambria Math" panose="02040503050406030204" pitchFamily="18" charset="0"/>
+                      </a:rPr>
+                      <m:t>=</m:t>
+                    </m:r>
+                    <m:r>
+                      <a:rPr lang="en-US" b="1" i="1" smtClean="0">
+                        <a:latin typeface="Cambria Math" panose="02040503050406030204" pitchFamily="18" charset="0"/>
+                      </a:rPr>
+                      <m:t>𝒋</m:t>
+                    </m:r>
+                    <m:r>
+                      <a:rPr lang="en-US" b="1" i="1" smtClean="0">
+                        <a:latin typeface="Cambria Math" panose="02040503050406030204" pitchFamily="18" charset="0"/>
+                      </a:rPr>
+                      <m:t>−</m:t>
+                    </m:r>
+                    <m:r>
+                      <a:rPr lang="en-US" b="1" i="1" smtClean="0">
+                        <a:latin typeface="Cambria Math" panose="02040503050406030204" pitchFamily="18" charset="0"/>
+                      </a:rPr>
+                      <m:t>𝟏</m:t>
+                    </m:r>
+                  </m:oMath>
+                </a14:m>
+                <a:endParaRPr lang="es-CL" b="1" dirty="0"/>
+              </a:p>
+            </p:txBody>
+          </p:sp>
+        </mc:Choice>
+        <mc:Fallback>
+          <p:sp>
+            <p:nvSpPr>
+              <p:cNvPr id="4" name="Content Placeholder 3">
+                <a:extLst>
+                  <a:ext uri="{FF2B5EF4-FFF2-40B4-BE49-F238E27FC236}">
+                    <a16:creationId xmlns:a16="http://schemas.microsoft.com/office/drawing/2014/main" id="{52776D8C-DEC8-4452-80FF-6D07F0A328B3}"/>
+                  </a:ext>
+                </a:extLst>
+              </p:cNvPr>
+              <p:cNvSpPr>
+                <a:spLocks noGrp="1" noRot="1" noChangeAspect="1" noMove="1" noResize="1" noEditPoints="1" noAdjustHandles="1" noChangeArrowheads="1" noChangeShapeType="1" noTextEdit="1"/>
+              </p:cNvSpPr>
+              <p:nvPr>
+                <p:ph sz="quarter" idx="10"/>
+              </p:nvPr>
+            </p:nvSpPr>
+            <p:spPr>
+              <a:blipFill>
+                <a:blip r:embed="rId3"/>
+                <a:stretch>
+                  <a:fillRect l="-292"/>
+                </a:stretch>
+              </a:blipFill>
+            </p:spPr>
+            <p:txBody>
+              <a:bodyPr/>
+              <a:lstStyle/>
+              <a:p>
+                <a:r>
+                  <a:rPr lang="en-US">
+                    <a:noFill/>
+                  </a:rPr>
+                  <a:t> </a:t>
+                </a:r>
+              </a:p>
+            </p:txBody>
+          </p:sp>
+        </mc:Fallback>
+      </mc:AlternateContent>
+    </p:spTree>
+    <p:extLst>
+      <p:ext uri="{BB962C8B-B14F-4D97-AF65-F5344CB8AC3E}">
+        <p14:creationId xmlns:p14="http://schemas.microsoft.com/office/powerpoint/2010/main" val="1265931940"/>
+      </p:ext>
+    </p:extLst>
+  </p:cSld>
+  <p:clrMapOvr>
+    <a:masterClrMapping/>
+  </p:clrMapOvr>
+</p:sld>
+</file>
+
+<file path=ppt/slides/slide34.xml><?xml version="1.0" encoding="utf-8"?>
+<p:sld xmlns:a="http://schemas.openxmlformats.org/drawingml/2006/main" xmlns:r="http://schemas.openxmlformats.org/officeDocument/2006/relationships" xmlns:p="http://schemas.openxmlformats.org/presentationml/2006/main">
+  <p:cSld>
+    <p:spTree>
+      <p:nvGrpSpPr>
+        <p:cNvPr id="1" name=""/>
+        <p:cNvGrpSpPr/>
+        <p:nvPr/>
+      </p:nvGrpSpPr>
+      <p:grpSpPr>
+        <a:xfrm>
+          <a:off x="0" y="0"/>
+          <a:ext cx="0" cy="0"/>
+          <a:chOff x="0" y="0"/>
+          <a:chExt cx="0" cy="0"/>
+        </a:xfrm>
+      </p:grpSpPr>
+      <mc:AlternateContent xmlns:mc="http://schemas.openxmlformats.org/markup-compatibility/2006">
+        <mc:Choice xmlns:a14="http://schemas.microsoft.com/office/drawing/2010/main" Requires="a14">
+          <p:sp>
+            <p:nvSpPr>
+              <p:cNvPr id="3" name="Content Placeholder 2">
+                <a:extLst>
+                  <a:ext uri="{FF2B5EF4-FFF2-40B4-BE49-F238E27FC236}">
+                    <a16:creationId xmlns:a16="http://schemas.microsoft.com/office/drawing/2014/main" id="{B67C1E62-5C03-46D3-91B8-70E9303B371E}"/>
+                  </a:ext>
+                </a:extLst>
+              </p:cNvPr>
+              <p:cNvSpPr>
+                <a:spLocks noGrp="1"/>
+              </p:cNvSpPr>
+              <p:nvPr>
+                <p:ph sz="quarter" idx="10"/>
+              </p:nvPr>
+            </p:nvSpPr>
+            <p:spPr/>
+            <p:txBody>
+              <a:bodyPr>
+                <a:normAutofit lnSpcReduction="10000"/>
+              </a:bodyPr>
+              <a:lstStyle/>
+              <a:p>
+                <a:r>
+                  <a:rPr lang="es-CL" dirty="0"/>
+                  <a:t>Antes de cada intercambio se hace una comparación</a:t>
+                </a:r>
+              </a:p>
+              <a:p>
+                <a:r>
+                  <a:rPr lang="es-CL" dirty="0"/>
+                  <a:t>… y esos datos se intercambian sólo si el par de índices </a:t>
+                </a:r>
+                <a14:m>
+                  <m:oMath xmlns:m="http://schemas.openxmlformats.org/officeDocument/2006/math">
+                    <m:r>
+                      <a:rPr lang="es-CL">
+                        <a:latin typeface="Cambria Math" panose="02040503050406030204" pitchFamily="18" charset="0"/>
+                      </a:rPr>
+                      <m:t>(</m:t>
+                    </m:r>
+                    <m:r>
+                      <a:rPr lang="en-US" b="0" i="1">
+                        <a:latin typeface="Cambria Math" panose="02040503050406030204" pitchFamily="18" charset="0"/>
+                      </a:rPr>
+                      <m:t>𝑗</m:t>
+                    </m:r>
+                    <m:r>
+                      <a:rPr lang="en-US" b="0" i="0">
+                        <a:latin typeface="Cambria Math" panose="02040503050406030204" pitchFamily="18" charset="0"/>
+                      </a:rPr>
+                      <m:t>−1</m:t>
+                    </m:r>
+                    <m:r>
+                      <a:rPr lang="es-CL">
+                        <a:latin typeface="Cambria Math" panose="02040503050406030204" pitchFamily="18" charset="0"/>
+                      </a:rPr>
+                      <m:t>,</m:t>
+                    </m:r>
+                    <m:r>
+                      <a:rPr lang="es-CL">
+                        <a:latin typeface="Cambria Math" panose="02040503050406030204" pitchFamily="18" charset="0"/>
+                      </a:rPr>
+                      <m:t>𝑗</m:t>
+                    </m:r>
+                    <m:r>
+                      <a:rPr lang="es-CL">
+                        <a:latin typeface="Cambria Math" panose="02040503050406030204" pitchFamily="18" charset="0"/>
+                      </a:rPr>
+                      <m:t>)</m:t>
+                    </m:r>
+                  </m:oMath>
+                </a14:m>
+                <a:r>
+                  <a:rPr lang="es-CL" dirty="0"/>
+                  <a:t> es una inversión</a:t>
+                </a:r>
+              </a:p>
+              <a:p>
+                <a:endParaRPr lang="es-CL" dirty="0"/>
+              </a:p>
+              <a:p>
+                <a:r>
+                  <a:rPr lang="es-CL" dirty="0"/>
+                  <a:t>Por lo tanto, </a:t>
+                </a:r>
+                <a:r>
+                  <a:rPr lang="es-CL" b="1" dirty="0"/>
+                  <a:t>cada intercambio de elementos adyacentes en el arreglo deshace exactamente una inversión</a:t>
+                </a:r>
+              </a:p>
+              <a:p>
+                <a:endParaRPr lang="es-CL" dirty="0"/>
+              </a:p>
+              <a:p>
+                <a:r>
+                  <a:rPr lang="es-CL" dirty="0"/>
+                  <a:t>Además, cada elemento se compara al menos una vez</a:t>
+                </a:r>
+              </a:p>
+              <a:p>
+                <a:endParaRPr lang="es-CL" dirty="0"/>
+              </a:p>
+              <a:p>
+                <a:endParaRPr lang="es-CL" dirty="0"/>
+              </a:p>
+            </p:txBody>
+          </p:sp>
+        </mc:Choice>
+        <mc:Fallback>
+          <p:sp>
+            <p:nvSpPr>
+              <p:cNvPr id="3" name="Content Placeholder 2">
+                <a:extLst>
+                  <a:ext uri="{FF2B5EF4-FFF2-40B4-BE49-F238E27FC236}">
+                    <a16:creationId xmlns:a16="http://schemas.microsoft.com/office/drawing/2014/main" id="{B67C1E62-5C03-46D3-91B8-70E9303B371E}"/>
+                  </a:ext>
+                </a:extLst>
+              </p:cNvPr>
+              <p:cNvSpPr>
+                <a:spLocks noGrp="1" noRot="1" noChangeAspect="1" noMove="1" noResize="1" noEditPoints="1" noAdjustHandles="1" noChangeArrowheads="1" noChangeShapeType="1" noTextEdit="1"/>
+              </p:cNvSpPr>
+              <p:nvPr>
+                <p:ph sz="quarter" idx="10"/>
+              </p:nvPr>
+            </p:nvSpPr>
+            <p:spPr>
+              <a:blipFill>
+                <a:blip r:embed="rId2"/>
+                <a:stretch>
+                  <a:fillRect l="-292" r="-292"/>
+                </a:stretch>
+              </a:blipFill>
+            </p:spPr>
+            <p:txBody>
+              <a:bodyPr/>
+              <a:lstStyle/>
+              <a:p>
+                <a:r>
+                  <a:rPr lang="en-US">
+                    <a:noFill/>
+                  </a:rPr>
+                  <a:t> </a:t>
+                </a:r>
+              </a:p>
+            </p:txBody>
+          </p:sp>
+        </mc:Fallback>
+      </mc:AlternateContent>
+    </p:spTree>
+    <p:extLst>
+      <p:ext uri="{BB962C8B-B14F-4D97-AF65-F5344CB8AC3E}">
+        <p14:creationId xmlns:p14="http://schemas.microsoft.com/office/powerpoint/2010/main" val="134867939"/>
+      </p:ext>
+    </p:extLst>
+  </p:cSld>
+  <p:clrMapOvr>
+    <a:masterClrMapping/>
+  </p:clrMapOvr>
+</p:sld>
+</file>
+
+<file path=ppt/slides/slide35.xml><?xml version="1.0" encoding="utf-8"?>
+<p:sld xmlns:a="http://schemas.openxmlformats.org/drawingml/2006/main" xmlns:r="http://schemas.openxmlformats.org/officeDocument/2006/relationships" xmlns:p="http://schemas.openxmlformats.org/presentationml/2006/main">
+  <p:cSld>
+    <p:spTree>
+      <p:nvGrpSpPr>
+        <p:cNvPr id="1" name=""/>
+        <p:cNvGrpSpPr/>
+        <p:nvPr/>
+      </p:nvGrpSpPr>
+      <p:grpSpPr>
+        <a:xfrm>
+          <a:off x="0" y="0"/>
+          <a:ext cx="0" cy="0"/>
+          <a:chOff x="0" y="0"/>
+          <a:chExt cx="0" cy="0"/>
+        </a:xfrm>
+      </p:grpSpPr>
+      <p:sp>
+        <p:nvSpPr>
+          <p:cNvPr id="2" name="Title 1">
+            <a:extLst>
+              <a:ext uri="{FF2B5EF4-FFF2-40B4-BE49-F238E27FC236}">
+                <a16:creationId xmlns:a16="http://schemas.microsoft.com/office/drawing/2014/main" id="{47D03CA1-F83A-47EA-B55F-9B33DB039257}"/>
+              </a:ext>
+            </a:extLst>
+          </p:cNvPr>
+          <p:cNvSpPr>
+            <a:spLocks noGrp="1"/>
+          </p:cNvSpPr>
+          <p:nvPr>
+            <p:ph type="title"/>
+          </p:nvPr>
+        </p:nvSpPr>
+        <p:spPr/>
+        <p:txBody>
+          <a:bodyPr/>
+          <a:lstStyle/>
+          <a:p>
+            <a:r>
+              <a:rPr lang="es-CL" dirty="0"/>
+              <a:t>Complejidad de </a:t>
+            </a:r>
+            <a:r>
+              <a:rPr lang="es-CL" i="1" dirty="0"/>
+              <a:t>i</a:t>
+            </a:r>
+            <a:r>
+              <a:rPr lang="es-CL" i="1" dirty="0" err="1"/>
+              <a:t>nsertion</a:t>
+            </a:r>
+            <a:r>
+              <a:rPr lang="es-CL" i="1" dirty="0"/>
+              <a:t> s</a:t>
+            </a:r>
+            <a:r>
+              <a:rPr lang="es-CL" i="1" dirty="0" err="1"/>
+              <a:t>ort</a:t>
+            </a:r>
+            <a:endParaRPr lang="es-CL" i="1" dirty="0"/>
+          </a:p>
+        </p:txBody>
+      </p:sp>
+      <mc:AlternateContent xmlns:mc="http://schemas.openxmlformats.org/markup-compatibility/2006">
+        <mc:Choice xmlns:a14="http://schemas.microsoft.com/office/drawing/2010/main" Requires="a14">
+          <p:sp>
+            <p:nvSpPr>
+              <p:cNvPr id="3" name="Content Placeholder 2">
+                <a:extLst>
+                  <a:ext uri="{FF2B5EF4-FFF2-40B4-BE49-F238E27FC236}">
+                    <a16:creationId xmlns:a16="http://schemas.microsoft.com/office/drawing/2014/main" id="{8BC35E0B-13AF-4C13-96CB-28427B1C9944}"/>
+                  </a:ext>
+                </a:extLst>
+              </p:cNvPr>
+              <p:cNvSpPr>
+                <a:spLocks noGrp="1"/>
+              </p:cNvSpPr>
+              <p:nvPr>
+                <p:ph idx="1"/>
+              </p:nvPr>
+            </p:nvSpPr>
+            <p:spPr>
+              <a:xfrm>
+                <a:off x="251461" y="1362456"/>
+                <a:ext cx="8641076" cy="4818888"/>
+              </a:xfrm>
+            </p:spPr>
+            <p:txBody>
+              <a:bodyPr>
+                <a:normAutofit lnSpcReduction="10000"/>
+              </a:bodyPr>
+              <a:lstStyle/>
+              <a:p>
+                <a:r>
+                  <a:rPr lang="es-CL" dirty="0"/>
+                  <a:t>La complejidad es entonces </a:t>
+                </a:r>
+                <a14:m>
+                  <m:oMath xmlns:m="http://schemas.openxmlformats.org/officeDocument/2006/math">
+                    <m:r>
+                      <a:rPr lang="es-CL" b="0" i="1" smtClean="0">
+                        <a:latin typeface="Cambria Math" panose="02040503050406030204" pitchFamily="18" charset="0"/>
+                      </a:rPr>
+                      <m:t>𝑂</m:t>
+                    </m:r>
+                    <m:r>
+                      <a:rPr lang="es-CL" b="0" i="1" smtClean="0">
+                        <a:latin typeface="Cambria Math" panose="02040503050406030204" pitchFamily="18" charset="0"/>
+                      </a:rPr>
+                      <m:t>(</m:t>
+                    </m:r>
+                    <m:r>
+                      <a:rPr lang="es-CL" b="0" i="1" smtClean="0">
+                        <a:latin typeface="Cambria Math" panose="02040503050406030204" pitchFamily="18" charset="0"/>
+                      </a:rPr>
+                      <m:t>𝑛</m:t>
+                    </m:r>
+                    <m:r>
+                      <a:rPr lang="es-CL" b="0" i="1" smtClean="0">
+                        <a:latin typeface="Cambria Math" panose="02040503050406030204" pitchFamily="18" charset="0"/>
+                      </a:rPr>
+                      <m:t>+</m:t>
+                    </m:r>
+                    <m:r>
+                      <a:rPr lang="es-CL" b="0" i="1" smtClean="0">
+                        <a:latin typeface="Cambria Math" panose="02040503050406030204" pitchFamily="18" charset="0"/>
+                      </a:rPr>
+                      <m:t>𝑘</m:t>
+                    </m:r>
+                    <m:r>
+                      <a:rPr lang="es-CL" b="0" i="1" smtClean="0">
+                        <a:latin typeface="Cambria Math" panose="02040503050406030204" pitchFamily="18" charset="0"/>
+                      </a:rPr>
+                      <m:t>)</m:t>
+                    </m:r>
+                  </m:oMath>
+                </a14:m>
+                <a:endParaRPr lang="es-CL" dirty="0"/>
+              </a:p>
+              <a:p>
+                <a:endParaRPr lang="es-CL" dirty="0"/>
+              </a:p>
+              <a:p>
+                <a:endParaRPr lang="es-CL" dirty="0"/>
+              </a:p>
+              <a:p>
+                <a:r>
+                  <a:rPr lang="es-CL" dirty="0"/>
+                  <a:t>¿Qué valor tiene </a:t>
+                </a:r>
+                <a14:m>
+                  <m:oMath xmlns:m="http://schemas.openxmlformats.org/officeDocument/2006/math">
+                    <m:r>
+                      <a:rPr lang="es-CL" i="1" dirty="0" smtClean="0">
+                        <a:latin typeface="Cambria Math" panose="02040503050406030204" pitchFamily="18" charset="0"/>
+                      </a:rPr>
+                      <m:t>𝑘</m:t>
+                    </m:r>
+                  </m:oMath>
+                </a14:m>
+                <a:r>
+                  <a:rPr lang="es-CL" dirty="0"/>
+                  <a:t> en el mejor caso? ¿Y el en peor?</a:t>
+                </a:r>
+              </a:p>
+              <a:p>
+                <a:endParaRPr lang="es-CL" dirty="0"/>
+              </a:p>
+              <a:p>
+                <a:r>
+                  <a:rPr lang="es-CL" dirty="0"/>
+                  <a:t>¿Qué hay del </a:t>
+                </a:r>
+                <a:r>
+                  <a:rPr lang="es-CL" i="1" dirty="0"/>
+                  <a:t>caso promedio</a:t>
+                </a:r>
+                <a:r>
+                  <a:rPr lang="es-CL" dirty="0"/>
+                  <a:t>?</a:t>
+                </a:r>
+              </a:p>
+              <a:p>
+                <a:endParaRPr lang="es-CL" dirty="0"/>
+              </a:p>
+            </p:txBody>
+          </p:sp>
+        </mc:Choice>
+        <mc:Fallback>
+          <p:sp>
+            <p:nvSpPr>
+              <p:cNvPr id="3" name="Content Placeholder 2">
+                <a:extLst>
+                  <a:ext uri="{FF2B5EF4-FFF2-40B4-BE49-F238E27FC236}">
+                    <a16:creationId xmlns:a16="http://schemas.microsoft.com/office/drawing/2014/main" id="{8BC35E0B-13AF-4C13-96CB-28427B1C9944}"/>
+                  </a:ext>
+                </a:extLst>
+              </p:cNvPr>
+              <p:cNvSpPr>
+                <a:spLocks noGrp="1" noRot="1" noChangeAspect="1" noMove="1" noResize="1" noEditPoints="1" noAdjustHandles="1" noChangeArrowheads="1" noChangeShapeType="1" noTextEdit="1"/>
+              </p:cNvSpPr>
+              <p:nvPr>
+                <p:ph idx="1"/>
+              </p:nvPr>
+            </p:nvSpPr>
+            <p:spPr>
+              <a:xfrm>
+                <a:off x="251461" y="1362456"/>
+                <a:ext cx="8641076" cy="4818888"/>
+              </a:xfrm>
+              <a:blipFill>
+                <a:blip r:embed="rId2"/>
+                <a:stretch>
+                  <a:fillRect l="-441"/>
+                </a:stretch>
+              </a:blipFill>
+            </p:spPr>
+            <p:txBody>
+              <a:bodyPr/>
+              <a:lstStyle/>
+              <a:p>
+                <a:r>
+                  <a:rPr lang="en-US">
+                    <a:noFill/>
+                  </a:rPr>
+                  <a:t> </a:t>
+                </a:r>
+              </a:p>
+            </p:txBody>
+          </p:sp>
+        </mc:Fallback>
+      </mc:AlternateContent>
+      <p:sp>
+        <p:nvSpPr>
+          <p:cNvPr id="4" name="TextBox 3">
+            <a:extLst>
+              <a:ext uri="{FF2B5EF4-FFF2-40B4-BE49-F238E27FC236}">
+                <a16:creationId xmlns:a16="http://schemas.microsoft.com/office/drawing/2014/main" id="{CB4ED382-5AC4-114E-9141-41DA89C097AF}"/>
+              </a:ext>
+            </a:extLst>
+          </p:cNvPr>
+          <p:cNvSpPr txBox="1"/>
+          <p:nvPr/>
+        </p:nvSpPr>
+        <p:spPr>
+          <a:xfrm>
+            <a:off x="1097280" y="2496312"/>
+            <a:ext cx="2462597" cy="707886"/>
+          </a:xfrm>
+          <a:prstGeom prst="rect">
+            <a:avLst/>
+          </a:prstGeom>
+          <a:noFill/>
+        </p:spPr>
+        <p:txBody>
+          <a:bodyPr wrap="none" rtlCol="0">
+            <a:spAutoFit/>
+          </a:bodyPr>
+          <a:lstStyle/>
+          <a:p>
+            <a:r>
+              <a:rPr lang="en-US" sz="2000"/>
+              <a:t>cada dato se compara</a:t>
+            </a:r>
+          </a:p>
+          <a:p>
+            <a:r>
+              <a:rPr lang="en-US" sz="2000"/>
+              <a:t>al menos una vez</a:t>
+            </a:r>
+          </a:p>
+        </p:txBody>
+      </p:sp>
+      <p:sp>
+        <p:nvSpPr>
+          <p:cNvPr id="5" name="TextBox 4">
+            <a:extLst>
+              <a:ext uri="{FF2B5EF4-FFF2-40B4-BE49-F238E27FC236}">
+                <a16:creationId xmlns:a16="http://schemas.microsoft.com/office/drawing/2014/main" id="{C7D97DCC-F31F-6C44-8A02-C154A3E2E96B}"/>
+              </a:ext>
+            </a:extLst>
+          </p:cNvPr>
+          <p:cNvSpPr txBox="1"/>
+          <p:nvPr/>
+        </p:nvSpPr>
+        <p:spPr>
+          <a:xfrm>
+            <a:off x="6135624" y="2634811"/>
+            <a:ext cx="2561150" cy="400110"/>
+          </a:xfrm>
+          <a:prstGeom prst="rect">
+            <a:avLst/>
+          </a:prstGeom>
+          <a:noFill/>
+        </p:spPr>
+        <p:txBody>
+          <a:bodyPr wrap="none" rtlCol="0">
+            <a:spAutoFit/>
+          </a:bodyPr>
+          <a:lstStyle/>
+          <a:p>
+            <a:r>
+              <a:rPr lang="en-US" sz="2000"/>
+              <a:t>número de inversiones</a:t>
+            </a:r>
+          </a:p>
+        </p:txBody>
+      </p:sp>
+      <p:cxnSp>
+        <p:nvCxnSpPr>
+          <p:cNvPr id="16" name="Straight Arrow Connector 15">
+            <a:extLst>
+              <a:ext uri="{FF2B5EF4-FFF2-40B4-BE49-F238E27FC236}">
+                <a16:creationId xmlns:a16="http://schemas.microsoft.com/office/drawing/2014/main" id="{65EC0495-0CE4-DF49-A14D-0CB1B67A6D09}"/>
+              </a:ext>
+            </a:extLst>
+          </p:cNvPr>
+          <p:cNvCxnSpPr>
+            <a:cxnSpLocks/>
+            <a:stCxn id="4" idx="3"/>
+          </p:cNvCxnSpPr>
+          <p:nvPr/>
+        </p:nvCxnSpPr>
+        <p:spPr>
+          <a:xfrm flipV="1">
+            <a:off x="3559877" y="2020824"/>
+            <a:ext cx="1341307" cy="829431"/>
+          </a:xfrm>
+          <a:prstGeom prst="straightConnector1">
+            <a:avLst/>
+          </a:prstGeom>
+          <a:ln>
+            <a:tailEnd type="triangle"/>
+          </a:ln>
+        </p:spPr>
+        <p:style>
+          <a:lnRef idx="1">
+            <a:schemeClr val="accent1"/>
+          </a:lnRef>
+          <a:fillRef idx="0">
+            <a:schemeClr val="accent1"/>
+          </a:fillRef>
+          <a:effectRef idx="0">
+            <a:schemeClr val="accent1"/>
+          </a:effectRef>
+          <a:fontRef idx="minor">
+            <a:schemeClr val="tx1"/>
+          </a:fontRef>
+        </p:style>
+      </p:cxnSp>
+      <p:cxnSp>
+        <p:nvCxnSpPr>
+          <p:cNvPr id="18" name="Straight Arrow Connector 17">
+            <a:extLst>
+              <a:ext uri="{FF2B5EF4-FFF2-40B4-BE49-F238E27FC236}">
+                <a16:creationId xmlns:a16="http://schemas.microsoft.com/office/drawing/2014/main" id="{F76B0B65-5C07-404D-B1F0-C0732B9235B6}"/>
+              </a:ext>
+            </a:extLst>
+          </p:cNvPr>
+          <p:cNvCxnSpPr>
+            <a:cxnSpLocks/>
+            <a:stCxn id="5" idx="1"/>
+          </p:cNvCxnSpPr>
+          <p:nvPr/>
+        </p:nvCxnSpPr>
+        <p:spPr>
+          <a:xfrm flipH="1" flipV="1">
+            <a:off x="5641848" y="2020825"/>
+            <a:ext cx="493776" cy="814041"/>
+          </a:xfrm>
+          <a:prstGeom prst="straightConnector1">
+            <a:avLst/>
+          </a:prstGeom>
+          <a:ln>
+            <a:tailEnd type="triangle"/>
+          </a:ln>
+        </p:spPr>
+        <p:style>
+          <a:lnRef idx="1">
+            <a:schemeClr val="accent1"/>
+          </a:lnRef>
+          <a:fillRef idx="0">
+            <a:schemeClr val="accent1"/>
+          </a:fillRef>
+          <a:effectRef idx="0">
+            <a:schemeClr val="accent1"/>
+          </a:effectRef>
+          <a:fontRef idx="minor">
+            <a:schemeClr val="tx1"/>
+          </a:fontRef>
+        </p:style>
+      </p:cxnSp>
+    </p:spTree>
+    <p:extLst>
+      <p:ext uri="{BB962C8B-B14F-4D97-AF65-F5344CB8AC3E}">
+        <p14:creationId xmlns:p14="http://schemas.microsoft.com/office/powerpoint/2010/main" val="287679154"/>
+      </p:ext>
+    </p:extLst>
+  </p:cSld>
+  <p:clrMapOvr>
+    <a:masterClrMapping/>
+  </p:clrMapOvr>
+</p:sld>
+</file>
+
+<file path=ppt/slides/slide36.xml><?xml version="1.0" encoding="utf-8"?>
+<p:sld xmlns:a="http://schemas.openxmlformats.org/drawingml/2006/main" xmlns:r="http://schemas.openxmlformats.org/officeDocument/2006/relationships" xmlns:p="http://schemas.openxmlformats.org/presentationml/2006/main">
+  <p:cSld>
+    <p:spTree>
+      <p:nvGrpSpPr>
+        <p:cNvPr id="1" name=""/>
+        <p:cNvGrpSpPr/>
+        <p:nvPr/>
+      </p:nvGrpSpPr>
+      <p:grpSpPr>
+        <a:xfrm>
+          <a:off x="0" y="0"/>
+          <a:ext cx="0" cy="0"/>
+          <a:chOff x="0" y="0"/>
+          <a:chExt cx="0" cy="0"/>
+        </a:xfrm>
+      </p:grpSpPr>
+      <p:sp>
+        <p:nvSpPr>
+          <p:cNvPr id="2" name="Title 1">
+            <a:extLst>
+              <a:ext uri="{FF2B5EF4-FFF2-40B4-BE49-F238E27FC236}">
+                <a16:creationId xmlns:a16="http://schemas.microsoft.com/office/drawing/2014/main" id="{98DC459F-C30F-3643-9F40-E3ADE059AD8F}"/>
+              </a:ext>
+            </a:extLst>
+          </p:cNvPr>
+          <p:cNvSpPr>
+            <a:spLocks noGrp="1"/>
+          </p:cNvSpPr>
+          <p:nvPr>
+            <p:ph type="title"/>
+          </p:nvPr>
+        </p:nvSpPr>
+        <p:spPr/>
+        <p:txBody>
+          <a:bodyPr/>
+          <a:lstStyle/>
+          <a:p>
+            <a:r>
+              <a:rPr lang="en-US"/>
+              <a:t>El caso promedio</a:t>
+            </a:r>
+          </a:p>
+        </p:txBody>
+      </p:sp>
+      <p:sp>
+        <p:nvSpPr>
+          <p:cNvPr id="3" name="Content Placeholder 2">
+            <a:extLst>
+              <a:ext uri="{FF2B5EF4-FFF2-40B4-BE49-F238E27FC236}">
+                <a16:creationId xmlns:a16="http://schemas.microsoft.com/office/drawing/2014/main" id="{F4A8CFC6-EE3D-8C49-9EEB-D48AB0AA16A2}"/>
+              </a:ext>
+            </a:extLst>
+          </p:cNvPr>
+          <p:cNvSpPr>
+            <a:spLocks noGrp="1"/>
+          </p:cNvSpPr>
+          <p:nvPr>
+            <p:ph idx="1"/>
+          </p:nvPr>
+        </p:nvSpPr>
+        <p:spPr>
+          <a:xfrm>
+            <a:off x="251461" y="1280160"/>
+            <a:ext cx="8641076" cy="4919472"/>
+          </a:xfrm>
+        </p:spPr>
+        <p:txBody>
+          <a:bodyPr anchor="ctr">
+            <a:normAutofit/>
+          </a:bodyPr>
+          <a:lstStyle/>
+          <a:p>
+            <a:pPr>
+              <a:lnSpc>
+                <a:spcPct val="135000"/>
+              </a:lnSpc>
+            </a:pPr>
+            <a:r>
+              <a:rPr lang="en-US"/>
+              <a:t>¿Cuál es el número promedio de inversiones en un arreglo con </a:t>
+            </a:r>
+            <a:r>
+              <a:rPr lang="en-US" i="1"/>
+              <a:t>n</a:t>
+            </a:r>
+            <a:r>
+              <a:rPr lang="en-US"/>
+              <a:t> elementos?</a:t>
+            </a:r>
+          </a:p>
+          <a:p>
+            <a:pPr>
+              <a:lnSpc>
+                <a:spcPct val="135000"/>
+              </a:lnSpc>
+            </a:pPr>
+            <a:r>
+              <a:rPr lang="en-US"/>
+              <a:t>Suponemos que no hay elementos repetidos</a:t>
+            </a:r>
+          </a:p>
+          <a:p>
+            <a:pPr>
+              <a:lnSpc>
+                <a:spcPct val="135000"/>
+              </a:lnSpc>
+            </a:pPr>
+            <a:r>
+              <a:rPr lang="en-US"/>
+              <a:t>… y que todas las permutaciones de los </a:t>
+            </a:r>
+            <a:r>
+              <a:rPr lang="en-US" i="1"/>
+              <a:t>n</a:t>
+            </a:r>
+            <a:r>
+              <a:rPr lang="en-US"/>
+              <a:t> elementos son igualmente probables</a:t>
+            </a:r>
+          </a:p>
+          <a:p>
+            <a:pPr marL="0" indent="0">
+              <a:lnSpc>
+                <a:spcPct val="135000"/>
+              </a:lnSpc>
+              <a:spcBef>
+                <a:spcPts val="3600"/>
+              </a:spcBef>
+              <a:buNone/>
+            </a:pPr>
+            <a:r>
+              <a:rPr lang="en-US" sz="2200"/>
+              <a:t>( podemos suponer que los </a:t>
+            </a:r>
+            <a:r>
+              <a:rPr lang="en-US" sz="2200" i="1"/>
+              <a:t>n</a:t>
+            </a:r>
+            <a:r>
+              <a:rPr lang="en-US" sz="2200"/>
+              <a:t> elementos son simplemente los </a:t>
+            </a:r>
+            <a:r>
+              <a:rPr lang="en-US" sz="2200" i="1"/>
+              <a:t>n</a:t>
+            </a:r>
+            <a:r>
+              <a:rPr lang="en-US" sz="2200"/>
+              <a:t> primeros números naturales: 1, 2, …, </a:t>
+            </a:r>
+            <a:r>
+              <a:rPr lang="en-US" sz="2200" i="1"/>
+              <a:t>n</a:t>
+            </a:r>
+            <a:r>
+              <a:rPr lang="en-US" sz="2200"/>
+              <a:t> )</a:t>
+            </a:r>
+          </a:p>
+        </p:txBody>
+      </p:sp>
+    </p:spTree>
+    <p:extLst>
+      <p:ext uri="{BB962C8B-B14F-4D97-AF65-F5344CB8AC3E}">
+        <p14:creationId xmlns:p14="http://schemas.microsoft.com/office/powerpoint/2010/main" val="3929481296"/>
+      </p:ext>
+    </p:extLst>
+  </p:cSld>
+  <p:clrMapOvr>
+    <a:masterClrMapping/>
+  </p:clrMapOvr>
+</p:sld>
+</file>
+
+<file path=ppt/slides/slide37.xml><?xml version="1.0" encoding="utf-8"?>
+<p:sld xmlns:a="http://schemas.openxmlformats.org/drawingml/2006/main" xmlns:r="http://schemas.openxmlformats.org/officeDocument/2006/relationships" xmlns:p="http://schemas.openxmlformats.org/presentationml/2006/main">
+  <p:cSld>
+    <p:spTree>
+      <p:nvGrpSpPr>
+        <p:cNvPr id="1" name=""/>
+        <p:cNvGrpSpPr/>
+        <p:nvPr/>
+      </p:nvGrpSpPr>
+      <p:grpSpPr>
+        <a:xfrm>
+          <a:off x="0" y="0"/>
+          <a:ext cx="0" cy="0"/>
+          <a:chOff x="0" y="0"/>
+          <a:chExt cx="0" cy="0"/>
+        </a:xfrm>
+      </p:grpSpPr>
+      <p:sp>
+        <p:nvSpPr>
+          <p:cNvPr id="3" name="Content Placeholder 2">
+            <a:extLst>
+              <a:ext uri="{FF2B5EF4-FFF2-40B4-BE49-F238E27FC236}">
+                <a16:creationId xmlns:a16="http://schemas.microsoft.com/office/drawing/2014/main" id="{AF4B012A-6D02-4944-BEDC-668345A1DB4A}"/>
+              </a:ext>
+            </a:extLst>
+          </p:cNvPr>
+          <p:cNvSpPr>
+            <a:spLocks noGrp="1"/>
+          </p:cNvSpPr>
+          <p:nvPr>
+            <p:ph sz="quarter" idx="10"/>
+          </p:nvPr>
+        </p:nvSpPr>
+        <p:spPr/>
+        <p:txBody>
+          <a:bodyPr anchor="ctr">
+            <a:normAutofit/>
+          </a:bodyPr>
+          <a:lstStyle/>
+          <a:p>
+            <a:pPr>
+              <a:lnSpc>
+                <a:spcPct val="125000"/>
+              </a:lnSpc>
+              <a:spcBef>
+                <a:spcPts val="1800"/>
+              </a:spcBef>
+            </a:pPr>
+            <a:r>
+              <a:rPr lang="en-US"/>
+              <a:t>Para cualquier permutación </a:t>
+            </a:r>
+            <a:r>
+              <a:rPr lang="en-US" i="1"/>
+              <a:t>L</a:t>
+            </a:r>
+            <a:r>
+              <a:rPr lang="en-US"/>
+              <a:t>, consideremos la permuta-ción inversa </a:t>
+            </a:r>
+            <a:r>
+              <a:rPr lang="en-US" i="1"/>
+              <a:t>Lr</a:t>
+            </a:r>
+            <a:endParaRPr lang="en-US"/>
+          </a:p>
+          <a:p>
+            <a:pPr>
+              <a:lnSpc>
+                <a:spcPct val="125000"/>
+              </a:lnSpc>
+              <a:spcBef>
+                <a:spcPts val="1800"/>
+              </a:spcBef>
+            </a:pPr>
+            <a:r>
+              <a:rPr lang="en-US"/>
+              <a:t>Tomemos cualquier par de elementos (</a:t>
+            </a:r>
+            <a:r>
+              <a:rPr lang="en-US" i="1"/>
+              <a:t>x</a:t>
+            </a:r>
+            <a:r>
+              <a:rPr lang="en-US"/>
+              <a:t>, </a:t>
+            </a:r>
+            <a:r>
+              <a:rPr lang="en-US" i="1"/>
+              <a:t>y</a:t>
+            </a:r>
+            <a:r>
+              <a:rPr lang="en-US"/>
+              <a:t>) con </a:t>
+            </a:r>
+            <a:r>
+              <a:rPr lang="en-US" i="1"/>
+              <a:t>y</a:t>
+            </a:r>
+            <a:r>
+              <a:rPr lang="en-US"/>
+              <a:t> ≠ </a:t>
+            </a:r>
+            <a:r>
+              <a:rPr lang="en-US" i="1"/>
+              <a:t>x</a:t>
+            </a:r>
+            <a:endParaRPr lang="en-US"/>
+          </a:p>
+          <a:p>
+            <a:pPr>
+              <a:lnSpc>
+                <a:spcPct val="125000"/>
+              </a:lnSpc>
+              <a:spcBef>
+                <a:spcPts val="1800"/>
+              </a:spcBef>
+            </a:pPr>
+            <a:r>
+              <a:rPr lang="en-US"/>
+              <a:t>En exactamente una de </a:t>
+            </a:r>
+            <a:r>
+              <a:rPr lang="en-US" i="1"/>
+              <a:t>L</a:t>
+            </a:r>
+            <a:r>
+              <a:rPr lang="en-US"/>
+              <a:t> y </a:t>
+            </a:r>
+            <a:r>
+              <a:rPr lang="en-US" i="1"/>
+              <a:t>Lr</a:t>
+            </a:r>
+            <a:r>
+              <a:rPr lang="en-US"/>
+              <a:t> el par ordenado (de los índi-ces de </a:t>
+            </a:r>
+            <a:r>
+              <a:rPr lang="en-US" i="1"/>
+              <a:t>x</a:t>
+            </a:r>
+            <a:r>
+              <a:rPr lang="en-US"/>
+              <a:t> y </a:t>
+            </a:r>
+            <a:r>
+              <a:rPr lang="en-US" i="1"/>
+              <a:t>y</a:t>
+            </a:r>
+            <a:r>
+              <a:rPr lang="en-US"/>
+              <a:t>) representa una inversión</a:t>
+            </a:r>
+          </a:p>
+          <a:p>
+            <a:pPr>
+              <a:lnSpc>
+                <a:spcPct val="125000"/>
+              </a:lnSpc>
+              <a:spcBef>
+                <a:spcPts val="1800"/>
+              </a:spcBef>
+            </a:pPr>
+            <a:r>
+              <a:rPr lang="en-US"/>
+              <a:t>El número total de estos pares en </a:t>
+            </a:r>
+            <a:r>
+              <a:rPr lang="en-US" i="1"/>
+              <a:t>L</a:t>
+            </a:r>
+            <a:r>
+              <a:rPr lang="en-US"/>
+              <a:t> más </a:t>
+            </a:r>
+            <a:r>
+              <a:rPr lang="en-US" i="1"/>
+              <a:t>Lr</a:t>
+            </a:r>
+            <a:r>
+              <a:rPr lang="en-US"/>
+              <a:t> es </a:t>
+            </a:r>
+            <a:r>
+              <a:rPr lang="en-US" i="1"/>
+              <a:t>n</a:t>
+            </a:r>
+            <a:r>
+              <a:rPr lang="en-US"/>
+              <a:t>(</a:t>
+            </a:r>
+            <a:r>
+              <a:rPr lang="en-US" i="1"/>
+              <a:t>n</a:t>
+            </a:r>
+            <a:r>
+              <a:rPr lang="en-US"/>
+              <a:t>–1)/2</a:t>
+            </a:r>
+          </a:p>
+          <a:p>
+            <a:pPr>
+              <a:lnSpc>
+                <a:spcPct val="125000"/>
+              </a:lnSpc>
+              <a:spcBef>
+                <a:spcPts val="1800"/>
+              </a:spcBef>
+            </a:pPr>
+            <a:r>
+              <a:rPr lang="en-US"/>
+              <a:t>… por lo que una permutación promedio tiene la mitad de esta cantidad: </a:t>
+            </a:r>
+            <a:r>
+              <a:rPr lang="en-US" i="1"/>
+              <a:t>n</a:t>
+            </a:r>
+            <a:r>
+              <a:rPr lang="en-US"/>
+              <a:t>(</a:t>
+            </a:r>
+            <a:r>
+              <a:rPr lang="en-US" i="1"/>
+              <a:t>n</a:t>
+            </a:r>
+            <a:r>
+              <a:rPr lang="en-US"/>
+              <a:t>–1)/4</a:t>
+            </a:r>
+          </a:p>
+        </p:txBody>
+      </p:sp>
+    </p:spTree>
+    <p:extLst>
+      <p:ext uri="{BB962C8B-B14F-4D97-AF65-F5344CB8AC3E}">
+        <p14:creationId xmlns:p14="http://schemas.microsoft.com/office/powerpoint/2010/main" val="1354624479"/>
+      </p:ext>
+    </p:extLst>
+  </p:cSld>
+  <p:clrMapOvr>
+    <a:masterClrMapping/>
+  </p:clrMapOvr>
+</p:sld>
+</file>
+
+<file path=ppt/slides/slide38.xml><?xml version="1.0" encoding="utf-8"?>
+<p:sld xmlns:a="http://schemas.openxmlformats.org/drawingml/2006/main" xmlns:r="http://schemas.openxmlformats.org/officeDocument/2006/relationships" xmlns:p="http://schemas.openxmlformats.org/presentationml/2006/main">
+  <p:cSld>
+    <p:spTree>
+      <p:nvGrpSpPr>
+        <p:cNvPr id="1" name=""/>
+        <p:cNvGrpSpPr/>
+        <p:nvPr/>
+      </p:nvGrpSpPr>
+      <p:grpSpPr>
+        <a:xfrm>
+          <a:off x="0" y="0"/>
+          <a:ext cx="0" cy="0"/>
+          <a:chOff x="0" y="0"/>
+          <a:chExt cx="0" cy="0"/>
+        </a:xfrm>
+      </p:grpSpPr>
+      <p:sp>
+        <p:nvSpPr>
+          <p:cNvPr id="2" name="Title 1">
+            <a:extLst>
+              <a:ext uri="{FF2B5EF4-FFF2-40B4-BE49-F238E27FC236}">
+                <a16:creationId xmlns:a16="http://schemas.microsoft.com/office/drawing/2014/main" id="{979C52CD-4FF4-4364-B77E-8A4532A0ED94}"/>
+              </a:ext>
+            </a:extLst>
+          </p:cNvPr>
+          <p:cNvSpPr>
+            <a:spLocks noGrp="1"/>
+          </p:cNvSpPr>
+          <p:nvPr>
+            <p:ph type="title"/>
+          </p:nvPr>
+        </p:nvSpPr>
+        <p:spPr/>
+        <p:txBody>
+          <a:bodyPr/>
+          <a:lstStyle/>
+          <a:p>
+            <a:r>
+              <a:rPr lang="es-CL" dirty="0"/>
+              <a:t>Complejidad de </a:t>
+            </a:r>
+            <a:r>
+              <a:rPr lang="es-CL" i="1" dirty="0"/>
+              <a:t>i</a:t>
+            </a:r>
+            <a:r>
+              <a:rPr lang="es-CL" i="1" dirty="0" err="1"/>
+              <a:t>nsertion</a:t>
+            </a:r>
+            <a:r>
+              <a:rPr lang="es-CL" i="1" dirty="0"/>
+              <a:t> s</a:t>
+            </a:r>
+            <a:r>
+              <a:rPr lang="es-CL" i="1" dirty="0" err="1"/>
+              <a:t>ort</a:t>
+            </a:r>
+            <a:endParaRPr lang="es-CL" i="1" dirty="0"/>
+          </a:p>
+        </p:txBody>
+      </p:sp>
+      <mc:AlternateContent xmlns:mc="http://schemas.openxmlformats.org/markup-compatibility/2006">
+        <mc:Choice xmlns:a14="http://schemas.microsoft.com/office/drawing/2010/main" Requires="a14">
+          <p:sp>
+            <p:nvSpPr>
+              <p:cNvPr id="3" name="Content Placeholder 2">
+                <a:extLst>
+                  <a:ext uri="{FF2B5EF4-FFF2-40B4-BE49-F238E27FC236}">
+                    <a16:creationId xmlns:a16="http://schemas.microsoft.com/office/drawing/2014/main" id="{A73A0C41-EB4D-4663-9095-90823E89F5C0}"/>
+                  </a:ext>
+                </a:extLst>
+              </p:cNvPr>
+              <p:cNvSpPr>
+                <a:spLocks noGrp="1"/>
+              </p:cNvSpPr>
+              <p:nvPr>
+                <p:ph idx="1"/>
+              </p:nvPr>
+            </p:nvSpPr>
+            <p:spPr/>
+            <p:txBody>
+              <a:bodyPr anchor="ctr">
+                <a:normAutofit fontScale="92500"/>
+              </a:bodyPr>
+              <a:lstStyle/>
+              <a:p>
+                <a:r>
+                  <a:rPr lang="es-CL" dirty="0"/>
+                  <a:t>La cantidad de inversiones promedio es entonces </a:t>
+                </a:r>
+                <a14:m>
+                  <m:oMath xmlns:m="http://schemas.openxmlformats.org/officeDocument/2006/math">
+                    <m:r>
+                      <a:rPr lang="es-CL" i="1">
+                        <a:latin typeface="Cambria Math" panose="02040503050406030204" pitchFamily="18" charset="0"/>
+                      </a:rPr>
+                      <m:t>𝑂</m:t>
+                    </m:r>
+                    <m:d>
+                      <m:dPr>
+                        <m:ctrlPr>
+                          <a:rPr lang="es-CL" i="1">
+                            <a:latin typeface="Cambria Math" panose="02040503050406030204" pitchFamily="18" charset="0"/>
+                          </a:rPr>
+                        </m:ctrlPr>
+                      </m:dPr>
+                      <m:e>
+                        <m:sSup>
+                          <m:sSupPr>
+                            <m:ctrlPr>
+                              <a:rPr lang="es-CL" i="1">
+                                <a:latin typeface="Cambria Math" panose="02040503050406030204" pitchFamily="18" charset="0"/>
+                              </a:rPr>
+                            </m:ctrlPr>
+                          </m:sSupPr>
+                          <m:e>
+                            <m:r>
+                              <a:rPr lang="es-CL" i="1">
+                                <a:latin typeface="Cambria Math" panose="02040503050406030204" pitchFamily="18" charset="0"/>
+                              </a:rPr>
+                              <m:t>𝑛</m:t>
+                            </m:r>
+                          </m:e>
+                          <m:sup>
+                            <m:r>
+                              <a:rPr lang="es-CL" i="1">
+                                <a:latin typeface="Cambria Math" panose="02040503050406030204" pitchFamily="18" charset="0"/>
+                              </a:rPr>
+                              <m:t>2</m:t>
+                            </m:r>
+                          </m:sup>
+                        </m:sSup>
+                      </m:e>
+                    </m:d>
+                  </m:oMath>
+                </a14:m>
+                <a:endParaRPr lang="es-CL" dirty="0"/>
+              </a:p>
+              <a:p>
+                <a:endParaRPr lang="es-CL" dirty="0"/>
+              </a:p>
+              <a:p>
+                <a:r>
+                  <a:rPr lang="es-CL" dirty="0"/>
+                  <a:t>Eso significa que </a:t>
+                </a:r>
+                <a:r>
+                  <a:rPr lang="es-CL" i="1" dirty="0"/>
+                  <a:t>i</a:t>
+                </a:r>
+                <a:r>
+                  <a:rPr lang="es-CL" i="1" dirty="0" err="1"/>
+                  <a:t>nsertion</a:t>
+                </a:r>
+                <a:r>
+                  <a:rPr lang="es-CL" i="1" dirty="0"/>
+                  <a:t> s</a:t>
+                </a:r>
+                <a:r>
+                  <a:rPr lang="es-CL" i="1" dirty="0" err="1"/>
+                  <a:t>ort</a:t>
+                </a:r>
+                <a:r>
+                  <a:rPr lang="es-CL" dirty="0"/>
+                  <a:t> es </a:t>
+                </a:r>
+                <a14:m>
+                  <m:oMath xmlns:m="http://schemas.openxmlformats.org/officeDocument/2006/math">
+                    <m:r>
+                      <a:rPr lang="es-CL" b="0" i="1" smtClean="0">
+                        <a:latin typeface="Cambria Math" panose="02040503050406030204" pitchFamily="18" charset="0"/>
+                      </a:rPr>
+                      <m:t>𝑂</m:t>
+                    </m:r>
+                    <m:d>
+                      <m:dPr>
+                        <m:ctrlPr>
+                          <a:rPr lang="es-CL" b="0" i="1" smtClean="0">
+                            <a:latin typeface="Cambria Math" panose="02040503050406030204" pitchFamily="18" charset="0"/>
+                          </a:rPr>
+                        </m:ctrlPr>
+                      </m:dPr>
+                      <m:e>
+                        <m:sSup>
+                          <m:sSupPr>
+                            <m:ctrlPr>
+                              <a:rPr lang="es-CL" b="0" i="1" smtClean="0">
+                                <a:latin typeface="Cambria Math" panose="02040503050406030204" pitchFamily="18" charset="0"/>
+                              </a:rPr>
+                            </m:ctrlPr>
+                          </m:sSupPr>
+                          <m:e>
+                            <m:r>
+                              <a:rPr lang="es-CL" b="0" i="1" smtClean="0">
+                                <a:latin typeface="Cambria Math" panose="02040503050406030204" pitchFamily="18" charset="0"/>
+                              </a:rPr>
+                              <m:t>𝑛</m:t>
+                            </m:r>
+                          </m:e>
+                          <m:sup>
+                            <m:r>
+                              <a:rPr lang="es-CL" b="0" i="1" smtClean="0">
+                                <a:latin typeface="Cambria Math" panose="02040503050406030204" pitchFamily="18" charset="0"/>
+                              </a:rPr>
+                              <m:t>2</m:t>
+                            </m:r>
+                          </m:sup>
+                        </m:sSup>
+                      </m:e>
+                    </m:d>
+                  </m:oMath>
+                </a14:m>
+                <a:r>
+                  <a:rPr lang="es-CL" dirty="0"/>
+                  <a:t> en el caso promedio</a:t>
+                </a:r>
+              </a:p>
+              <a:p>
+                <a:endParaRPr lang="es-CL" dirty="0"/>
+              </a:p>
+              <a:p>
+                <a:r>
+                  <a:rPr lang="es-CL" dirty="0"/>
+                  <a:t>Si un algoritmo sólo resuelve una inversión por intercambio, </a:t>
+                </a:r>
+                <a:r>
+                  <a:rPr lang="es-CL" b="1" dirty="0"/>
+                  <a:t>no puede ordenar más rápido</a:t>
+                </a:r>
+                <a:r>
+                  <a:rPr lang="es-CL" dirty="0"/>
+                  <a:t> que </a:t>
+                </a:r>
+                <a14:m>
+                  <m:oMath xmlns:m="http://schemas.openxmlformats.org/officeDocument/2006/math">
+                    <m:r>
+                      <a:rPr lang="es-CL" b="0" i="1" smtClean="0">
+                        <a:latin typeface="Cambria Math" panose="02040503050406030204" pitchFamily="18" charset="0"/>
+                      </a:rPr>
+                      <m:t>𝑂</m:t>
+                    </m:r>
+                    <m:d>
+                      <m:dPr>
+                        <m:ctrlPr>
+                          <a:rPr lang="es-CL" b="0" i="1" smtClean="0">
+                            <a:latin typeface="Cambria Math" panose="02040503050406030204" pitchFamily="18" charset="0"/>
+                          </a:rPr>
+                        </m:ctrlPr>
+                      </m:dPr>
+                      <m:e>
+                        <m:sSup>
+                          <m:sSupPr>
+                            <m:ctrlPr>
+                              <a:rPr lang="es-CL" b="0" i="1" smtClean="0">
+                                <a:latin typeface="Cambria Math" panose="02040503050406030204" pitchFamily="18" charset="0"/>
+                              </a:rPr>
+                            </m:ctrlPr>
+                          </m:sSupPr>
+                          <m:e>
+                            <m:r>
+                              <a:rPr lang="es-CL" b="0" i="1" smtClean="0">
+                                <a:latin typeface="Cambria Math" panose="02040503050406030204" pitchFamily="18" charset="0"/>
+                              </a:rPr>
+                              <m:t>𝑛</m:t>
+                            </m:r>
+                          </m:e>
+                          <m:sup>
+                            <m:r>
+                              <a:rPr lang="es-CL" b="0" i="1" smtClean="0">
+                                <a:latin typeface="Cambria Math" panose="02040503050406030204" pitchFamily="18" charset="0"/>
+                              </a:rPr>
+                              <m:t>2</m:t>
+                            </m:r>
+                          </m:sup>
+                        </m:sSup>
+                      </m:e>
+                    </m:d>
+                  </m:oMath>
+                </a14:m>
+                <a:r>
+                  <a:rPr lang="es-CL" i="1" dirty="0"/>
+                  <a:t> </a:t>
+                </a:r>
+                <a:r>
+                  <a:rPr lang="es-CL" dirty="0"/>
+                  <a:t>en promedio</a:t>
+                </a:r>
+              </a:p>
+            </p:txBody>
+          </p:sp>
+        </mc:Choice>
+        <mc:Fallback>
+          <p:sp>
+            <p:nvSpPr>
+              <p:cNvPr id="3" name="Content Placeholder 2">
+                <a:extLst>
+                  <a:ext uri="{FF2B5EF4-FFF2-40B4-BE49-F238E27FC236}">
+                    <a16:creationId xmlns:a16="http://schemas.microsoft.com/office/drawing/2014/main" id="{A73A0C41-EB4D-4663-9095-90823E89F5C0}"/>
+                  </a:ext>
+                </a:extLst>
+              </p:cNvPr>
+              <p:cNvSpPr>
+                <a:spLocks noGrp="1" noRot="1" noChangeAspect="1" noMove="1" noResize="1" noEditPoints="1" noAdjustHandles="1" noChangeArrowheads="1" noChangeShapeType="1" noTextEdit="1"/>
+              </p:cNvSpPr>
+              <p:nvPr>
+                <p:ph idx="1"/>
+              </p:nvPr>
+            </p:nvSpPr>
+            <p:spPr>
+              <a:blipFill>
+                <a:blip r:embed="rId2"/>
+                <a:stretch>
+                  <a:fillRect l="-147"/>
+                </a:stretch>
+              </a:blipFill>
+            </p:spPr>
+            <p:txBody>
+              <a:bodyPr/>
+              <a:lstStyle/>
+              <a:p>
+                <a:r>
+                  <a:rPr lang="en-US">
+                    <a:noFill/>
+                  </a:rPr>
+                  <a:t> </a:t>
+                </a:r>
+              </a:p>
+            </p:txBody>
+          </p:sp>
+        </mc:Fallback>
+      </mc:AlternateContent>
+      <mc:AlternateContent xmlns:mc="http://schemas.openxmlformats.org/markup-compatibility/2006" xmlns:a14="http://schemas.microsoft.com/office/drawing/2010/main">
+        <mc:Choice Requires="a14">
+          <p:sp>
+            <p:nvSpPr>
+              <p:cNvPr id="4" name="Rectangle: Rounded Corners 3">
+                <a:extLst>
+                  <a:ext uri="{FF2B5EF4-FFF2-40B4-BE49-F238E27FC236}">
+                    <a16:creationId xmlns:a16="http://schemas.microsoft.com/office/drawing/2014/main" id="{ECD7FF89-B927-47DB-BB5D-F6BB3B7DF691}"/>
+                  </a:ext>
+                </a:extLst>
+              </p:cNvPr>
+              <p:cNvSpPr/>
+              <p:nvPr/>
+            </p:nvSpPr>
+            <p:spPr>
+              <a:xfrm>
+                <a:off x="251457" y="4658062"/>
+                <a:ext cx="8641076" cy="1409251"/>
+              </a:xfrm>
+              <a:prstGeom prst="roundRect">
+                <a:avLst/>
+              </a:prstGeom>
+              <a:ln w="76200" cmpd="dbl"/>
+            </p:spPr>
+            <p:style>
+              <a:lnRef idx="2">
+                <a:schemeClr val="accent2"/>
+              </a:lnRef>
+              <a:fillRef idx="1">
+                <a:schemeClr val="lt1"/>
+              </a:fillRef>
+              <a:effectRef idx="0">
+                <a:schemeClr val="accent2"/>
+              </a:effectRef>
+              <a:fontRef idx="minor">
+                <a:schemeClr val="dk1"/>
+              </a:fontRef>
+            </p:style>
+            <p:txBody>
+              <a:bodyPr rtlCol="0" anchor="ctr"/>
+              <a:lstStyle/>
+              <a:p>
+                <a:pPr algn="ctr"/>
+                <a:r>
+                  <a:rPr lang="es-CL" sz="2800" dirty="0"/>
+                  <a:t>Si un algoritmo sólo resuelve una inversión por intercambio, no puede ordenar más rápido que </a:t>
+                </a:r>
+                <a14:m>
+                  <m:oMath xmlns:m="http://schemas.openxmlformats.org/officeDocument/2006/math">
+                    <m:r>
+                      <a:rPr lang="es-CL" sz="2800" i="1">
+                        <a:latin typeface="Cambria Math" panose="02040503050406030204" pitchFamily="18" charset="0"/>
+                      </a:rPr>
+                      <m:t>𝑂</m:t>
+                    </m:r>
+                    <m:d>
+                      <m:dPr>
+                        <m:ctrlPr>
+                          <a:rPr lang="es-CL" sz="2800" i="1">
+                            <a:latin typeface="Cambria Math" panose="02040503050406030204" pitchFamily="18" charset="0"/>
+                          </a:rPr>
+                        </m:ctrlPr>
+                      </m:dPr>
+                      <m:e>
+                        <m:sSup>
+                          <m:sSupPr>
+                            <m:ctrlPr>
+                              <a:rPr lang="es-CL" sz="2800" i="1">
+                                <a:latin typeface="Cambria Math" panose="02040503050406030204" pitchFamily="18" charset="0"/>
+                              </a:rPr>
+                            </m:ctrlPr>
+                          </m:sSupPr>
+                          <m:e>
+                            <m:r>
+                              <a:rPr lang="es-CL" sz="2800" i="1">
+                                <a:latin typeface="Cambria Math" panose="02040503050406030204" pitchFamily="18" charset="0"/>
+                              </a:rPr>
+                              <m:t>𝑛</m:t>
+                            </m:r>
+                          </m:e>
+                          <m:sup>
+                            <m:r>
+                              <a:rPr lang="es-CL" sz="2800" i="1">
+                                <a:latin typeface="Cambria Math" panose="02040503050406030204" pitchFamily="18" charset="0"/>
+                              </a:rPr>
+                              <m:t>2</m:t>
+                            </m:r>
+                          </m:sup>
+                        </m:sSup>
+                      </m:e>
+                    </m:d>
+                  </m:oMath>
+                </a14:m>
+                <a:r>
+                  <a:rPr lang="es-CL" sz="2800" i="1" dirty="0"/>
+                  <a:t> </a:t>
+                </a:r>
+                <a:r>
+                  <a:rPr lang="es-CL" sz="2800" dirty="0"/>
+                  <a:t>en promedio y por lo tanto en el peor caso</a:t>
+                </a:r>
+              </a:p>
+            </p:txBody>
+          </p:sp>
+        </mc:Choice>
+        <mc:Fallback xmlns="">
+          <p:sp>
+            <p:nvSpPr>
+              <p:cNvPr id="4" name="Rectangle: Rounded Corners 3">
+                <a:extLst>
+                  <a:ext uri="{FF2B5EF4-FFF2-40B4-BE49-F238E27FC236}">
+                    <a16:creationId xmlns:a16="http://schemas.microsoft.com/office/drawing/2014/main" id="{ECD7FF89-B927-47DB-BB5D-F6BB3B7DF691}"/>
+                  </a:ext>
+                </a:extLst>
+              </p:cNvPr>
+              <p:cNvSpPr>
+                <a:spLocks noRot="1" noChangeAspect="1" noMove="1" noResize="1" noEditPoints="1" noAdjustHandles="1" noChangeArrowheads="1" noChangeShapeType="1" noTextEdit="1"/>
+              </p:cNvSpPr>
+              <p:nvPr/>
+            </p:nvSpPr>
+            <p:spPr>
+              <a:xfrm>
+                <a:off x="251457" y="4658062"/>
+                <a:ext cx="8641076" cy="1409251"/>
+              </a:xfrm>
+              <a:prstGeom prst="roundRect">
+                <a:avLst/>
+              </a:prstGeom>
+              <a:blipFill>
+                <a:blip r:embed="rId3"/>
+                <a:stretch>
+                  <a:fillRect r="-699" b="-7787"/>
+                </a:stretch>
+              </a:blipFill>
+              <a:ln w="76200" cmpd="dbl"/>
+            </p:spPr>
+            <p:txBody>
+              <a:bodyPr/>
+              <a:lstStyle/>
+              <a:p>
+                <a:r>
+                  <a:rPr lang="es-CL">
+                    <a:noFill/>
+                  </a:rPr>
+                  <a:t> </a:t>
+                </a:r>
+              </a:p>
+            </p:txBody>
+          </p:sp>
+        </mc:Fallback>
+      </mc:AlternateContent>
+    </p:spTree>
+    <p:extLst>
+      <p:ext uri="{BB962C8B-B14F-4D97-AF65-F5344CB8AC3E}">
+        <p14:creationId xmlns:p14="http://schemas.microsoft.com/office/powerpoint/2010/main" val="3511637442"/>
       </p:ext>
     </p:extLst>
   </p:cSld>
@@ -7936,7 +15116,7 @@
             </a:r>
             <a:r>
               <a:rPr lang="en-US"/>
-              <a:t> vueltas, todos los número en la hoja original están tachados y, debido al paso 4, el algoritmo termina</a:t>
+              <a:t> vueltas, todos los números en la hoja original están tachados y, debido al paso 4, el algoritmo termina</a:t>
             </a:r>
           </a:p>
         </p:txBody>

--- a/Clases/01 - Selection & Insertion sort/01. Selection & Insertion sort.pptx
+++ b/Clases/01 - Selection & Insertion sort/01. Selection & Insertion sort.pptx
@@ -5,7 +5,7 @@
     <p:sldMasterId id="2147484134" r:id="rId1"/>
   </p:sldMasterIdLst>
   <p:notesMasterIdLst>
-    <p:notesMasterId r:id="rId40"/>
+    <p:notesMasterId r:id="rId41"/>
   </p:notesMasterIdLst>
   <p:sldIdLst>
     <p:sldId id="256" r:id="rId2"/>
@@ -30,22 +30,23 @@
     <p:sldId id="277" r:id="rId21"/>
     <p:sldId id="284" r:id="rId22"/>
     <p:sldId id="278" r:id="rId23"/>
-    <p:sldId id="279" r:id="rId24"/>
-    <p:sldId id="285" r:id="rId25"/>
-    <p:sldId id="274" r:id="rId26"/>
-    <p:sldId id="275" r:id="rId27"/>
-    <p:sldId id="286" r:id="rId28"/>
-    <p:sldId id="287" r:id="rId29"/>
-    <p:sldId id="300" r:id="rId30"/>
-    <p:sldId id="301" r:id="rId31"/>
-    <p:sldId id="305" r:id="rId32"/>
-    <p:sldId id="299" r:id="rId33"/>
-    <p:sldId id="302" r:id="rId34"/>
-    <p:sldId id="303" r:id="rId35"/>
-    <p:sldId id="304" r:id="rId36"/>
-    <p:sldId id="306" r:id="rId37"/>
-    <p:sldId id="307" r:id="rId38"/>
-    <p:sldId id="310" r:id="rId39"/>
+    <p:sldId id="285" r:id="rId24"/>
+    <p:sldId id="274" r:id="rId25"/>
+    <p:sldId id="275" r:id="rId26"/>
+    <p:sldId id="286" r:id="rId27"/>
+    <p:sldId id="287" r:id="rId28"/>
+    <p:sldId id="300" r:id="rId29"/>
+    <p:sldId id="301" r:id="rId30"/>
+    <p:sldId id="305" r:id="rId31"/>
+    <p:sldId id="299" r:id="rId32"/>
+    <p:sldId id="302" r:id="rId33"/>
+    <p:sldId id="303" r:id="rId34"/>
+    <p:sldId id="304" r:id="rId35"/>
+    <p:sldId id="306" r:id="rId36"/>
+    <p:sldId id="311" r:id="rId37"/>
+    <p:sldId id="312" r:id="rId38"/>
+    <p:sldId id="307" r:id="rId39"/>
+    <p:sldId id="310" r:id="rId40"/>
   </p:sldIdLst>
   <p:sldSz cx="9144000" cy="6858000" type="screen4x3"/>
   <p:notesSz cx="6858000" cy="9144000"/>
@@ -245,7 +246,7 @@
           <a:p>
             <a:fld id="{579E0E46-57CA-481B-89BF-5F4E81B63934}" type="datetimeFigureOut">
               <a:rPr lang="es-CL" smtClean="0"/>
-              <a:t>17-08-20</a:t>
+              <a:t>31-08-20</a:t>
             </a:fld>
             <a:endParaRPr lang="es-CL"/>
           </a:p>
@@ -644,18 +645,7 @@
           <a:bodyPr/>
           <a:lstStyle/>
           <a:p>
-            <a:r>
-              <a:rPr lang="es-CL" dirty="0"/>
-              <a:t>Sencillo: simplemente </a:t>
-            </a:r>
-            <a:r>
-              <a:rPr lang="es-CL" b="1" dirty="0"/>
-              <a:t>inserta</a:t>
-            </a:r>
-            <a:r>
-              <a:rPr lang="es-CL" dirty="0"/>
-              <a:t> los elementos donde les corresponde ir.</a:t>
-            </a:r>
+            <a:endParaRPr lang="es-CL" dirty="0"/>
           </a:p>
         </p:txBody>
       </p:sp>
@@ -1012,7 +1002,7 @@
           <a:p>
             <a:fld id="{9AC18598-3AE0-4714-BC26-A1084708E211}" type="slidenum">
               <a:rPr lang="es-CL" smtClean="0"/>
-              <a:t>24</a:t>
+              <a:t>23</a:t>
             </a:fld>
             <a:endParaRPr lang="es-CL"/>
           </a:p>
@@ -1099,7 +1089,7 @@
           <a:p>
             <a:fld id="{DF52B28F-3846-4A65-A7CF-CEB88539B6AF}" type="slidenum">
               <a:rPr lang="es-CL" smtClean="0"/>
-              <a:t>26</a:t>
+              <a:t>25</a:t>
             </a:fld>
             <a:endParaRPr lang="es-CL"/>
           </a:p>
@@ -1227,7 +1217,7 @@
           <a:p>
             <a:fld id="{A1A14498-B057-4736-9541-68C19ECA2110}" type="slidenum">
               <a:rPr lang="es-CL" smtClean="0"/>
-              <a:t>28</a:t>
+              <a:t>27</a:t>
             </a:fld>
             <a:endParaRPr lang="es-CL"/>
           </a:p>
@@ -1314,7 +1304,7 @@
           <a:p>
             <a:fld id="{A1A14498-B057-4736-9541-68C19ECA2110}" type="slidenum">
               <a:rPr lang="es-CL" smtClean="0"/>
-              <a:t>30</a:t>
+              <a:t>29</a:t>
             </a:fld>
             <a:endParaRPr lang="es-CL"/>
           </a:p>
@@ -1398,7 +1388,7 @@
           <a:p>
             <a:fld id="{A1A14498-B057-4736-9541-68C19ECA2110}" type="slidenum">
               <a:rPr lang="es-CL" smtClean="0"/>
-              <a:t>32</a:t>
+              <a:t>31</a:t>
             </a:fld>
             <a:endParaRPr lang="es-CL"/>
           </a:p>
@@ -1526,7 +1516,7 @@
           <a:p>
             <a:fld id="{A1A14498-B057-4736-9541-68C19ECA2110}" type="slidenum">
               <a:rPr lang="es-CL" smtClean="0"/>
-              <a:t>33</a:t>
+              <a:t>32</a:t>
             </a:fld>
             <a:endParaRPr lang="es-CL"/>
           </a:p>
@@ -6660,7 +6650,7 @@
         <p:spPr/>
         <p:txBody>
           <a:bodyPr anchor="ctr">
-            <a:normAutofit lnSpcReduction="10000"/>
+            <a:normAutofit fontScale="92500" lnSpcReduction="10000"/>
           </a:bodyPr>
           <a:lstStyle/>
           <a:p>
@@ -6672,7 +6662,7 @@
             </a:pPr>
             <a:r>
               <a:rPr lang="es-CL" dirty="0"/>
-              <a:t>Primero, hay que buscar donde corresponde insertar el elemento</a:t>
+              <a:t>1. Primero, hay que buscar donde corresponde insertar el elemento</a:t>
             </a:r>
           </a:p>
           <a:p>
@@ -6692,7 +6682,7 @@
             </a:pPr>
             <a:r>
               <a:rPr lang="es-CL" dirty="0"/>
-              <a:t>Luego, hay que llevar a cabo la inserción</a:t>
+              <a:t>2. Luego, hay que llevar a cabo la inserción propiamente tal</a:t>
             </a:r>
           </a:p>
           <a:p>
@@ -6886,8 +6876,8 @@
           </a:p>
         </p:txBody>
       </p:sp>
-      <mc:AlternateContent xmlns:mc="http://schemas.openxmlformats.org/markup-compatibility/2006">
-        <mc:Choice xmlns:a14="http://schemas.microsoft.com/office/drawing/2010/main" Requires="a14">
+      <mc:AlternateContent xmlns:mc="http://schemas.openxmlformats.org/markup-compatibility/2006" xmlns:a14="http://schemas.microsoft.com/office/drawing/2010/main">
+        <mc:Choice Requires="a14">
           <p:sp>
             <p:nvSpPr>
               <p:cNvPr id="3" name="Content Placeholder 2">
@@ -6919,7 +6909,7 @@
                 </a:pPr>
                 <a:r>
                   <a:rPr lang="es-CL" dirty="0"/>
-                  <a:t>El primer paso podemos hacerlo en </a:t>
+                  <a:t>El primer paso —la búsqueda— podemos hacerlo en </a:t>
                 </a:r>
                 <a14:m>
                   <m:oMath xmlns:m="http://schemas.openxmlformats.org/officeDocument/2006/math">
@@ -6993,7 +6983,67 @@
                 </a:pPr>
                 <a:r>
                   <a:rPr lang="es-CL" dirty="0"/>
-                  <a:t>Para insertar hay que desplazar todos los elementos, lo que es </a:t>
+                  <a:t>Pero … para insertar </a:t>
+                </a:r>
+                <a14:m>
+                  <m:oMath xmlns:m="http://schemas.openxmlformats.org/officeDocument/2006/math">
+                    <m:r>
+                      <a:rPr lang="es-CL" i="1">
+                        <a:solidFill>
+                          <a:schemeClr val="tx1"/>
+                        </a:solidFill>
+                        <a:latin typeface="Cambria Math" panose="02040503050406030204" pitchFamily="18" charset="0"/>
+                      </a:rPr>
+                      <m:t>𝑥</m:t>
+                    </m:r>
+                  </m:oMath>
+                </a14:m>
+                <a:r>
+                  <a:rPr lang="es-CL" dirty="0"/>
+                  <a:t> hay que desplazar todos los ele-mentos </a:t>
+                </a:r>
+                <a:r>
+                  <a:rPr lang="es-CL" dirty="0">
+                    <a:latin typeface="Cambria Math" panose="02040503050406030204" pitchFamily="18" charset="0"/>
+                    <a:ea typeface="Cambria Math" panose="02040503050406030204" pitchFamily="18" charset="0"/>
+                    <a:cs typeface="Brush Script MT" panose="03060802040406070304" pitchFamily="66" charset="-122"/>
+                  </a:rPr>
+                  <a:t>&gt;</a:t>
+                </a:r>
+                <a:r>
+                  <a:rPr lang="es-CL">
+                    <a:solidFill>
+                      <a:schemeClr val="tx1"/>
+                    </a:solidFill>
+                  </a:rPr>
+                  <a:t> </a:t>
+                </a:r>
+                <a14:m>
+                  <m:oMath xmlns:m="http://schemas.openxmlformats.org/officeDocument/2006/math">
+                    <m:r>
+                      <a:rPr lang="es-CL" i="1">
+                        <a:solidFill>
+                          <a:schemeClr val="tx1"/>
+                        </a:solidFill>
+                        <a:latin typeface="Cambria Math" panose="02040503050406030204" pitchFamily="18" charset="0"/>
+                      </a:rPr>
+                      <m:t>𝑥</m:t>
+                    </m:r>
+                  </m:oMath>
+                </a14:m>
+                <a:r>
+                  <a:rPr lang="es-CL" dirty="0"/>
+                  <a:t> un lugar hacia la derecha (o hacia abajo) </a:t>
+                </a:r>
+                <a:r>
+                  <a:rPr lang="es-CL" dirty="0">
+                    <a:sym typeface="Wingdings" pitchFamily="2" charset="2"/>
+                  </a:rPr>
+                  <a:t></a:t>
+                </a:r>
+                <a:r>
+                  <a:rPr lang="es-CL" dirty="0"/>
+                  <a:t> </a:t>
                 </a:r>
                 <a14:m>
                   <m:oMath xmlns:m="http://schemas.openxmlformats.org/officeDocument/2006/math">
@@ -7107,7 +7157,7 @@
             </p:txBody>
           </p:sp>
         </mc:Choice>
-        <mc:Fallback>
+        <mc:Fallback xmlns="">
           <p:sp>
             <p:nvSpPr>
               <p:cNvPr id="3" name="Content Placeholder 2">
@@ -8711,8 +8761,8 @@
           </a:p>
         </p:txBody>
       </p:sp>
-      <mc:AlternateContent xmlns:mc="http://schemas.openxmlformats.org/markup-compatibility/2006">
-        <mc:Choice xmlns:a14="http://schemas.microsoft.com/office/drawing/2010/main" Requires="a14">
+      <mc:AlternateContent xmlns:mc="http://schemas.openxmlformats.org/markup-compatibility/2006" xmlns:a14="http://schemas.microsoft.com/office/drawing/2010/main">
+        <mc:Choice Requires="a14">
           <p:sp>
             <p:nvSpPr>
               <p:cNvPr id="3" name="Content Placeholder 2">
@@ -8911,7 +8961,7 @@
             </p:txBody>
           </p:sp>
         </mc:Choice>
-        <mc:Fallback>
+        <mc:Fallback xmlns="">
           <p:sp>
             <p:nvSpPr>
               <p:cNvPr id="3" name="Content Placeholder 2">
@@ -8986,321 +9036,6 @@
           <p:cNvPr id="2" name="Title 1">
             <a:extLst>
               <a:ext uri="{FF2B5EF4-FFF2-40B4-BE49-F238E27FC236}">
-                <a16:creationId xmlns:a16="http://schemas.microsoft.com/office/drawing/2014/main" id="{83A231EE-9C00-4106-AF2D-C883AB0439F4}"/>
-              </a:ext>
-            </a:extLst>
-          </p:cNvPr>
-          <p:cNvSpPr>
-            <a:spLocks noGrp="1"/>
-          </p:cNvSpPr>
-          <p:nvPr>
-            <p:ph type="title"/>
-          </p:nvPr>
-        </p:nvSpPr>
-        <p:spPr/>
-        <p:txBody>
-          <a:bodyPr/>
-          <a:lstStyle/>
-          <a:p>
-            <a:r>
-              <a:rPr lang="es-CL" dirty="0"/>
-              <a:t>Complejidad de </a:t>
-            </a:r>
-            <a:r>
-              <a:rPr lang="es-CL" i="1" dirty="0"/>
-              <a:t>insertion sort</a:t>
-            </a:r>
-          </a:p>
-        </p:txBody>
-      </p:sp>
-      <mc:AlternateContent xmlns:mc="http://schemas.openxmlformats.org/markup-compatibility/2006">
-        <mc:Choice xmlns:a14="http://schemas.microsoft.com/office/drawing/2010/main" Requires="a14">
-          <p:sp>
-            <p:nvSpPr>
-              <p:cNvPr id="3" name="Content Placeholder 2">
-                <a:extLst>
-                  <a:ext uri="{FF2B5EF4-FFF2-40B4-BE49-F238E27FC236}">
-                    <a16:creationId xmlns:a16="http://schemas.microsoft.com/office/drawing/2014/main" id="{69D1B493-44E5-40B0-9DEF-50B8559C2A4B}"/>
-                  </a:ext>
-                </a:extLst>
-              </p:cNvPr>
-              <p:cNvSpPr>
-                <a:spLocks noGrp="1"/>
-              </p:cNvSpPr>
-              <p:nvPr>
-                <p:ph idx="1"/>
-              </p:nvPr>
-            </p:nvSpPr>
-            <p:spPr/>
-            <p:txBody>
-              <a:bodyPr anchor="ctr"/>
-              <a:lstStyle/>
-              <a:p>
-                <a:pPr>
-                  <a:lnSpc>
-                    <a:spcPct val="100000"/>
-                  </a:lnSpc>
-                </a:pPr>
-                <a:r>
-                  <a:rPr lang="es-CL" dirty="0"/>
-                  <a:t>Es necesario realizar </a:t>
-                </a:r>
-                <a14:m>
-                  <m:oMath xmlns:m="http://schemas.openxmlformats.org/officeDocument/2006/math">
-                    <m:r>
-                      <a:rPr lang="es-CL" b="0" i="1" smtClean="0">
-                        <a:latin typeface="Cambria Math" panose="02040503050406030204" pitchFamily="18" charset="0"/>
-                      </a:rPr>
-                      <m:t>𝑛</m:t>
-                    </m:r>
-                  </m:oMath>
-                </a14:m>
-                <a:r>
-                  <a:rPr lang="es-CL" dirty="0"/>
-                  <a:t> inserciones</a:t>
-                </a:r>
-              </a:p>
-              <a:p>
-                <a:pPr>
-                  <a:lnSpc>
-                    <a:spcPct val="100000"/>
-                  </a:lnSpc>
-                </a:pPr>
-                <a:endParaRPr lang="es-CL" dirty="0"/>
-              </a:p>
-              <a:p>
-                <a:pPr>
-                  <a:lnSpc>
-                    <a:spcPct val="100000"/>
-                  </a:lnSpc>
-                </a:pPr>
-                <a:r>
-                  <a:rPr lang="es-CL" dirty="0"/>
-                  <a:t>Cada una cuesta </a:t>
-                </a:r>
-                <a14:m>
-                  <m:oMath xmlns:m="http://schemas.openxmlformats.org/officeDocument/2006/math">
-                    <m:r>
-                      <a:rPr lang="es-CL" b="0" i="1" smtClean="0">
-                        <a:latin typeface="Cambria Math" panose="02040503050406030204" pitchFamily="18" charset="0"/>
-                      </a:rPr>
-                      <m:t>𝑂</m:t>
-                    </m:r>
-                    <m:d>
-                      <m:dPr>
-                        <m:ctrlPr>
-                          <a:rPr lang="es-CL" b="0" i="1" smtClean="0">
-                            <a:latin typeface="Cambria Math" panose="02040503050406030204" pitchFamily="18" charset="0"/>
-                          </a:rPr>
-                        </m:ctrlPr>
-                      </m:dPr>
-                      <m:e>
-                        <m:r>
-                          <a:rPr lang="es-CL" b="0" i="1" smtClean="0">
-                            <a:latin typeface="Cambria Math" panose="02040503050406030204" pitchFamily="18" charset="0"/>
-                          </a:rPr>
-                          <m:t>𝑛</m:t>
-                        </m:r>
-                      </m:e>
-                    </m:d>
-                    <m:r>
-                      <a:rPr lang="en-US" b="0" i="1" smtClean="0">
-                        <a:latin typeface="Cambria Math" panose="02040503050406030204" pitchFamily="18" charset="0"/>
-                      </a:rPr>
-                      <m:t>,</m:t>
-                    </m:r>
-                  </m:oMath>
-                </a14:m>
-                <a:r>
-                  <a:rPr lang="es-CL" dirty="0"/>
-                  <a:t> independiente de la estructura</a:t>
-                </a:r>
-              </a:p>
-              <a:p>
-                <a:pPr>
-                  <a:lnSpc>
-                    <a:spcPct val="100000"/>
-                  </a:lnSpc>
-                </a:pPr>
-                <a:endParaRPr lang="es-CL" dirty="0"/>
-              </a:p>
-              <a:p>
-                <a:pPr>
-                  <a:lnSpc>
-                    <a:spcPct val="100000"/>
-                  </a:lnSpc>
-                </a:pPr>
-                <a:r>
-                  <a:rPr lang="es-CL" dirty="0"/>
-                  <a:t>Por lo que la complejidad es </a:t>
-                </a:r>
-                <a14:m>
-                  <m:oMath xmlns:m="http://schemas.openxmlformats.org/officeDocument/2006/math">
-                    <m:r>
-                      <a:rPr lang="es-CL" b="0" i="1" smtClean="0">
-                        <a:latin typeface="Cambria Math" panose="02040503050406030204" pitchFamily="18" charset="0"/>
-                      </a:rPr>
-                      <m:t>𝑛</m:t>
-                    </m:r>
-                    <m:r>
-                      <a:rPr lang="es-CL" b="0" i="1" smtClean="0">
-                        <a:latin typeface="Cambria Math" panose="02040503050406030204" pitchFamily="18" charset="0"/>
-                      </a:rPr>
-                      <m:t>⋅</m:t>
-                    </m:r>
-                    <m:r>
-                      <a:rPr lang="es-CL" b="0" i="1" smtClean="0">
-                        <a:latin typeface="Cambria Math" panose="02040503050406030204" pitchFamily="18" charset="0"/>
-                      </a:rPr>
-                      <m:t>𝑂</m:t>
-                    </m:r>
-                    <m:d>
-                      <m:dPr>
-                        <m:ctrlPr>
-                          <a:rPr lang="es-CL" b="0" i="1" smtClean="0">
-                            <a:latin typeface="Cambria Math" panose="02040503050406030204" pitchFamily="18" charset="0"/>
-                          </a:rPr>
-                        </m:ctrlPr>
-                      </m:dPr>
-                      <m:e>
-                        <m:r>
-                          <a:rPr lang="es-CL" b="0" i="1" smtClean="0">
-                            <a:latin typeface="Cambria Math" panose="02040503050406030204" pitchFamily="18" charset="0"/>
-                          </a:rPr>
-                          <m:t>𝑛</m:t>
-                        </m:r>
-                      </m:e>
-                    </m:d>
-                    <m:r>
-                      <a:rPr lang="es-CL" b="0" i="1" smtClean="0">
-                        <a:latin typeface="Cambria Math" panose="02040503050406030204" pitchFamily="18" charset="0"/>
-                      </a:rPr>
-                      <m:t>=</m:t>
-                    </m:r>
-                    <m:r>
-                      <a:rPr lang="es-CL" b="0" i="1" smtClean="0">
-                        <a:latin typeface="Cambria Math" panose="02040503050406030204" pitchFamily="18" charset="0"/>
-                      </a:rPr>
-                      <m:t>𝑂</m:t>
-                    </m:r>
-                    <m:d>
-                      <m:dPr>
-                        <m:ctrlPr>
-                          <a:rPr lang="es-CL" b="0" i="1" smtClean="0">
-                            <a:latin typeface="Cambria Math" panose="02040503050406030204" pitchFamily="18" charset="0"/>
-                          </a:rPr>
-                        </m:ctrlPr>
-                      </m:dPr>
-                      <m:e>
-                        <m:sSup>
-                          <m:sSupPr>
-                            <m:ctrlPr>
-                              <a:rPr lang="es-CL" b="0" i="1" smtClean="0">
-                                <a:latin typeface="Cambria Math" panose="02040503050406030204" pitchFamily="18" charset="0"/>
-                              </a:rPr>
-                            </m:ctrlPr>
-                          </m:sSupPr>
-                          <m:e>
-                            <m:r>
-                              <a:rPr lang="es-CL" b="0" i="1" smtClean="0">
-                                <a:latin typeface="Cambria Math" panose="02040503050406030204" pitchFamily="18" charset="0"/>
-                              </a:rPr>
-                              <m:t>𝑛</m:t>
-                            </m:r>
-                          </m:e>
-                          <m:sup>
-                            <m:r>
-                              <a:rPr lang="es-CL" b="0" i="1" smtClean="0">
-                                <a:latin typeface="Cambria Math" panose="02040503050406030204" pitchFamily="18" charset="0"/>
-                              </a:rPr>
-                              <m:t>2</m:t>
-                            </m:r>
-                          </m:sup>
-                        </m:sSup>
-                      </m:e>
-                    </m:d>
-                  </m:oMath>
-                </a14:m>
-                <a:endParaRPr lang="es-CL" dirty="0"/>
-              </a:p>
-            </p:txBody>
-          </p:sp>
-        </mc:Choice>
-        <mc:Fallback>
-          <p:sp>
-            <p:nvSpPr>
-              <p:cNvPr id="3" name="Content Placeholder 2">
-                <a:extLst>
-                  <a:ext uri="{FF2B5EF4-FFF2-40B4-BE49-F238E27FC236}">
-                    <a16:creationId xmlns:a16="http://schemas.microsoft.com/office/drawing/2014/main" id="{69D1B493-44E5-40B0-9DEF-50B8559C2A4B}"/>
-                  </a:ext>
-                </a:extLst>
-              </p:cNvPr>
-              <p:cNvSpPr>
-                <a:spLocks noGrp="1" noRot="1" noChangeAspect="1" noMove="1" noResize="1" noEditPoints="1" noAdjustHandles="1" noChangeArrowheads="1" noChangeShapeType="1" noTextEdit="1"/>
-              </p:cNvSpPr>
-              <p:nvPr>
-                <p:ph idx="1"/>
-              </p:nvPr>
-            </p:nvSpPr>
-            <p:spPr>
-              <a:blipFill>
-                <a:blip r:embed="rId2"/>
-                <a:stretch>
-                  <a:fillRect l="-441"/>
-                </a:stretch>
-              </a:blipFill>
-            </p:spPr>
-            <p:txBody>
-              <a:bodyPr/>
-              <a:lstStyle/>
-              <a:p>
-                <a:r>
-                  <a:rPr lang="en-US">
-                    <a:noFill/>
-                  </a:rPr>
-                  <a:t> </a:t>
-                </a:r>
-              </a:p>
-            </p:txBody>
-          </p:sp>
-        </mc:Fallback>
-      </mc:AlternateContent>
-    </p:spTree>
-    <p:extLst>
-      <p:ext uri="{BB962C8B-B14F-4D97-AF65-F5344CB8AC3E}">
-        <p14:creationId xmlns:p14="http://schemas.microsoft.com/office/powerpoint/2010/main" val="2099685834"/>
-      </p:ext>
-    </p:extLst>
-  </p:cSld>
-  <p:clrMapOvr>
-    <a:masterClrMapping/>
-  </p:clrMapOvr>
-</p:sld>
-</file>
-
-<file path=ppt/slides/slide24.xml><?xml version="1.0" encoding="utf-8"?>
-<p:sld xmlns:a="http://schemas.openxmlformats.org/drawingml/2006/main" xmlns:r="http://schemas.openxmlformats.org/officeDocument/2006/relationships" xmlns:p="http://schemas.openxmlformats.org/presentationml/2006/main">
-  <p:cSld>
-    <p:spTree>
-      <p:nvGrpSpPr>
-        <p:cNvPr id="1" name=""/>
-        <p:cNvGrpSpPr/>
-        <p:nvPr/>
-      </p:nvGrpSpPr>
-      <p:grpSpPr>
-        <a:xfrm>
-          <a:off x="0" y="0"/>
-          <a:ext cx="0" cy="0"/>
-          <a:chOff x="0" y="0"/>
-          <a:chExt cx="0" cy="0"/>
-        </a:xfrm>
-      </p:grpSpPr>
-      <p:sp>
-        <p:nvSpPr>
-          <p:cNvPr id="2" name="Title 1">
-            <a:extLst>
-              <a:ext uri="{FF2B5EF4-FFF2-40B4-BE49-F238E27FC236}">
                 <a16:creationId xmlns:a16="http://schemas.microsoft.com/office/drawing/2014/main" id="{232649FA-7B44-43DF-BE6B-697D23F41015}"/>
               </a:ext>
             </a:extLst>
@@ -9714,7 +9449,7 @@
 </p:sld>
 </file>
 
-<file path=ppt/slides/slide25.xml><?xml version="1.0" encoding="utf-8"?>
+<file path=ppt/slides/slide24.xml><?xml version="1.0" encoding="utf-8"?>
 <p:sld xmlns:a="http://schemas.openxmlformats.org/drawingml/2006/main" xmlns:r="http://schemas.openxmlformats.org/officeDocument/2006/relationships" xmlns:p="http://schemas.openxmlformats.org/presentationml/2006/main">
   <p:cSld>
     <p:spTree>
@@ -9985,7 +9720,7 @@
 </p:sld>
 </file>
 
-<file path=ppt/slides/slide26.xml><?xml version="1.0" encoding="utf-8"?>
+<file path=ppt/slides/slide25.xml><?xml version="1.0" encoding="utf-8"?>
 <p:sld xmlns:a="http://schemas.openxmlformats.org/drawingml/2006/main" xmlns:r="http://schemas.openxmlformats.org/officeDocument/2006/relationships" xmlns:p="http://schemas.openxmlformats.org/presentationml/2006/main">
   <p:cSld>
     <p:spTree>
@@ -10040,8 +9775,8 @@
           </a:p>
         </p:txBody>
       </p:sp>
-      <mc:AlternateContent xmlns:mc="http://schemas.openxmlformats.org/markup-compatibility/2006">
-        <mc:Choice xmlns:a14="http://schemas.microsoft.com/office/drawing/2010/main" Requires="a14">
+      <mc:AlternateContent xmlns:mc="http://schemas.openxmlformats.org/markup-compatibility/2006" xmlns:a14="http://schemas.microsoft.com/office/drawing/2010/main">
+        <mc:Choice Requires="a14">
           <p:sp>
             <p:nvSpPr>
               <p:cNvPr id="3" name="Content Placeholder 2">
@@ -10422,7 +10157,7 @@
             </p:txBody>
           </p:sp>
         </mc:Choice>
-        <mc:Fallback>
+        <mc:Fallback xmlns="">
           <p:sp>
             <p:nvSpPr>
               <p:cNvPr id="3" name="Content Placeholder 2">
@@ -10479,7 +10214,7 @@
 </p:sld>
 </file>
 
-<file path=ppt/slides/slide27.xml><?xml version="1.0" encoding="utf-8"?>
+<file path=ppt/slides/slide26.xml><?xml version="1.0" encoding="utf-8"?>
 <p:sld xmlns:a="http://schemas.openxmlformats.org/drawingml/2006/main" xmlns:r="http://schemas.openxmlformats.org/officeDocument/2006/relationships" xmlns:p="http://schemas.openxmlformats.org/presentationml/2006/main">
   <p:cSld>
     <p:spTree>
@@ -10496,8 +10231,8 @@
           <a:chExt cx="0" cy="0"/>
         </a:xfrm>
       </p:grpSpPr>
-      <mc:AlternateContent xmlns:mc="http://schemas.openxmlformats.org/markup-compatibility/2006">
-        <mc:Choice xmlns:a14="http://schemas.microsoft.com/office/drawing/2010/main" Requires="a14">
+      <mc:AlternateContent xmlns:mc="http://schemas.openxmlformats.org/markup-compatibility/2006" xmlns:a14="http://schemas.microsoft.com/office/drawing/2010/main">
+        <mc:Choice Requires="a14">
           <p:sp>
             <p:nvSpPr>
               <p:cNvPr id="2" name="Title 1">
@@ -10595,7 +10330,7 @@
             </p:txBody>
           </p:sp>
         </mc:Choice>
-        <mc:Fallback>
+        <mc:Fallback xmlns="">
           <p:sp>
             <p:nvSpPr>
               <p:cNvPr id="2" name="Title 1">
@@ -10705,7 +10440,7 @@
 </p:sld>
 </file>
 
-<file path=ppt/slides/slide28.xml><?xml version="1.0" encoding="utf-8"?>
+<file path=ppt/slides/slide27.xml><?xml version="1.0" encoding="utf-8"?>
 <p:sld xmlns:a="http://schemas.openxmlformats.org/drawingml/2006/main" xmlns:r="http://schemas.openxmlformats.org/officeDocument/2006/relationships" xmlns:p="http://schemas.openxmlformats.org/presentationml/2006/main">
   <p:cSld>
     <p:spTree>
@@ -10722,8 +10457,8 @@
           <a:chExt cx="0" cy="0"/>
         </a:xfrm>
       </p:grpSpPr>
-      <mc:AlternateContent xmlns:mc="http://schemas.openxmlformats.org/markup-compatibility/2006">
-        <mc:Choice xmlns:a14="http://schemas.microsoft.com/office/drawing/2010/main" Requires="a14">
+      <mc:AlternateContent xmlns:mc="http://schemas.openxmlformats.org/markup-compatibility/2006" xmlns:a14="http://schemas.microsoft.com/office/drawing/2010/main">
+        <mc:Choice Requires="a14">
           <p:sp>
             <p:nvSpPr>
               <p:cNvPr id="4" name="Content Placeholder 3">
@@ -11227,7 +10962,7 @@
             </p:txBody>
           </p:sp>
         </mc:Choice>
-        <mc:Fallback>
+        <mc:Fallback xmlns="">
           <p:sp>
             <p:nvSpPr>
               <p:cNvPr id="4" name="Content Placeholder 3">
@@ -11271,6 +11006,126 @@
     <p:extLst>
       <p:ext uri="{BB962C8B-B14F-4D97-AF65-F5344CB8AC3E}">
         <p14:creationId xmlns:p14="http://schemas.microsoft.com/office/powerpoint/2010/main" val="2916257194"/>
+      </p:ext>
+    </p:extLst>
+  </p:cSld>
+  <p:clrMapOvr>
+    <a:masterClrMapping/>
+  </p:clrMapOvr>
+</p:sld>
+</file>
+
+<file path=ppt/slides/slide28.xml><?xml version="1.0" encoding="utf-8"?>
+<p:sld xmlns:a="http://schemas.openxmlformats.org/drawingml/2006/main" xmlns:r="http://schemas.openxmlformats.org/officeDocument/2006/relationships" xmlns:p="http://schemas.openxmlformats.org/presentationml/2006/main">
+  <p:cSld>
+    <p:spTree>
+      <p:nvGrpSpPr>
+        <p:cNvPr id="1" name=""/>
+        <p:cNvGrpSpPr/>
+        <p:nvPr/>
+      </p:nvGrpSpPr>
+      <p:grpSpPr>
+        <a:xfrm>
+          <a:off x="0" y="0"/>
+          <a:ext cx="0" cy="0"/>
+          <a:chOff x="0" y="0"/>
+          <a:chExt cx="0" cy="0"/>
+        </a:xfrm>
+      </p:grpSpPr>
+      <p:sp>
+        <p:nvSpPr>
+          <p:cNvPr id="2" name="Title 1">
+            <a:extLst>
+              <a:ext uri="{FF2B5EF4-FFF2-40B4-BE49-F238E27FC236}">
+                <a16:creationId xmlns:a16="http://schemas.microsoft.com/office/drawing/2014/main" id="{33A1E69C-8506-40BE-B94A-82931398AA6C}"/>
+              </a:ext>
+            </a:extLst>
+          </p:cNvPr>
+          <p:cNvSpPr>
+            <a:spLocks noGrp="1"/>
+          </p:cNvSpPr>
+          <p:nvPr>
+            <p:ph type="title"/>
+          </p:nvPr>
+        </p:nvSpPr>
+        <p:spPr/>
+        <p:txBody>
+          <a:bodyPr/>
+          <a:lstStyle/>
+          <a:p>
+            <a:r>
+              <a:rPr lang="es-CL" dirty="0"/>
+              <a:t>Complejidad de </a:t>
+            </a:r>
+            <a:r>
+              <a:rPr lang="es-CL" i="1" dirty="0"/>
+              <a:t>i</a:t>
+            </a:r>
+            <a:r>
+              <a:rPr lang="es-CL" i="1" dirty="0" err="1"/>
+              <a:t>nsertion</a:t>
+            </a:r>
+            <a:r>
+              <a:rPr lang="es-CL" i="1" dirty="0"/>
+              <a:t> s</a:t>
+            </a:r>
+            <a:r>
+              <a:rPr lang="es-CL" i="1" dirty="0" err="1"/>
+              <a:t>ort</a:t>
+            </a:r>
+            <a:endParaRPr lang="es-CL" i="1" dirty="0"/>
+          </a:p>
+        </p:txBody>
+      </p:sp>
+      <p:sp>
+        <p:nvSpPr>
+          <p:cNvPr id="3" name="Content Placeholder 2">
+            <a:extLst>
+              <a:ext uri="{FF2B5EF4-FFF2-40B4-BE49-F238E27FC236}">
+                <a16:creationId xmlns:a16="http://schemas.microsoft.com/office/drawing/2014/main" id="{652935D7-4DE3-4F1F-8E81-AA5004355CA2}"/>
+              </a:ext>
+            </a:extLst>
+          </p:cNvPr>
+          <p:cNvSpPr>
+            <a:spLocks noGrp="1"/>
+          </p:cNvSpPr>
+          <p:nvPr>
+            <p:ph idx="1"/>
+          </p:nvPr>
+        </p:nvSpPr>
+        <p:spPr/>
+        <p:txBody>
+          <a:bodyPr anchor="ctr"/>
+          <a:lstStyle/>
+          <a:p>
+            <a:r>
+              <a:rPr lang="es-CL" dirty="0"/>
+              <a:t>Parecería que la complejidad de </a:t>
+            </a:r>
+            <a:r>
+              <a:rPr lang="es-CL" i="1" dirty="0"/>
+              <a:t>insertion sort</a:t>
+            </a:r>
+            <a:r>
+              <a:rPr lang="es-CL" dirty="0"/>
+              <a:t> depende de qué tan ordenados vienen los datos</a:t>
+            </a:r>
+          </a:p>
+          <a:p>
+            <a:endParaRPr lang="es-CL" b="1" dirty="0"/>
+          </a:p>
+          <a:p>
+            <a:r>
+              <a:rPr lang="es-CL" dirty="0"/>
+              <a:t>¿Cómo podemos medir “qué tan ordenados vienen los datos”?</a:t>
+            </a:r>
+          </a:p>
+        </p:txBody>
+      </p:sp>
+    </p:spTree>
+    <p:extLst>
+      <p:ext uri="{BB962C8B-B14F-4D97-AF65-F5344CB8AC3E}">
+        <p14:creationId xmlns:p14="http://schemas.microsoft.com/office/powerpoint/2010/main" val="1492818831"/>
       </p:ext>
     </p:extLst>
   </p:cSld>
@@ -11320,77 +11175,312 @@
           <a:p>
             <a:r>
               <a:rPr lang="es-CL" dirty="0"/>
-              <a:t>Complejidad de </a:t>
-            </a:r>
-            <a:r>
-              <a:rPr lang="es-CL" i="1" dirty="0"/>
-              <a:t>i</a:t>
-            </a:r>
-            <a:r>
-              <a:rPr lang="es-CL" i="1" dirty="0" err="1"/>
-              <a:t>nsertion</a:t>
-            </a:r>
-            <a:r>
-              <a:rPr lang="es-CL" i="1" dirty="0"/>
-              <a:t> s</a:t>
-            </a:r>
-            <a:r>
-              <a:rPr lang="es-CL" i="1" dirty="0" err="1"/>
-              <a:t>ort</a:t>
-            </a:r>
-            <a:endParaRPr lang="es-CL" i="1" dirty="0"/>
+              <a:t>Inversiones</a:t>
+            </a:r>
           </a:p>
         </p:txBody>
       </p:sp>
-      <p:sp>
-        <p:nvSpPr>
-          <p:cNvPr id="3" name="Content Placeholder 2">
-            <a:extLst>
-              <a:ext uri="{FF2B5EF4-FFF2-40B4-BE49-F238E27FC236}">
-                <a16:creationId xmlns:a16="http://schemas.microsoft.com/office/drawing/2014/main" id="{652935D7-4DE3-4F1F-8E81-AA5004355CA2}"/>
-              </a:ext>
-            </a:extLst>
-          </p:cNvPr>
-          <p:cNvSpPr>
-            <a:spLocks noGrp="1"/>
-          </p:cNvSpPr>
-          <p:nvPr>
-            <p:ph idx="1"/>
-          </p:nvPr>
-        </p:nvSpPr>
-        <p:spPr/>
-        <p:txBody>
-          <a:bodyPr anchor="ctr"/>
-          <a:lstStyle/>
-          <a:p>
-            <a:r>
-              <a:rPr lang="es-CL" dirty="0"/>
-              <a:t>Parecería que la complejidad de </a:t>
-            </a:r>
-            <a:r>
-              <a:rPr lang="es-CL" i="1" dirty="0"/>
-              <a:t>insertion sort</a:t>
-            </a:r>
-            <a:r>
-              <a:rPr lang="es-CL" dirty="0"/>
-              <a:t> depende de qué tan ordenados vienen los datos</a:t>
-            </a:r>
-          </a:p>
-          <a:p>
-            <a:endParaRPr lang="es-CL" b="1" dirty="0"/>
-          </a:p>
-          <a:p>
-            <a:r>
-              <a:rPr lang="es-CL" dirty="0"/>
-              <a:t>¿Cómo podemos medir “qué tan ordenados vienen los datos”?</a:t>
-            </a:r>
-          </a:p>
-        </p:txBody>
-      </p:sp>
+      <mc:AlternateContent xmlns:mc="http://schemas.openxmlformats.org/markup-compatibility/2006" xmlns:a14="http://schemas.microsoft.com/office/drawing/2010/main">
+        <mc:Choice Requires="a14">
+          <p:sp>
+            <p:nvSpPr>
+              <p:cNvPr id="3" name="Content Placeholder 2">
+                <a:extLst>
+                  <a:ext uri="{FF2B5EF4-FFF2-40B4-BE49-F238E27FC236}">
+                    <a16:creationId xmlns:a16="http://schemas.microsoft.com/office/drawing/2014/main" id="{652935D7-4DE3-4F1F-8E81-AA5004355CA2}"/>
+                  </a:ext>
+                </a:extLst>
+              </p:cNvPr>
+              <p:cNvSpPr>
+                <a:spLocks noGrp="1"/>
+              </p:cNvSpPr>
+              <p:nvPr>
+                <p:ph idx="1"/>
+              </p:nvPr>
+            </p:nvSpPr>
+            <p:spPr>
+              <a:xfrm>
+                <a:off x="25548" y="1287532"/>
+                <a:ext cx="9118452" cy="4904072"/>
+              </a:xfrm>
+            </p:spPr>
+            <p:txBody>
+              <a:bodyPr anchor="ctr">
+                <a:normAutofit/>
+              </a:bodyPr>
+              <a:lstStyle/>
+              <a:p>
+                <a:r>
+                  <a:rPr lang="es-CL" sz="2600" dirty="0"/>
+                  <a:t>Sea </a:t>
+                </a:r>
+                <a14:m>
+                  <m:oMath xmlns:m="http://schemas.openxmlformats.org/officeDocument/2006/math">
+                    <m:r>
+                      <a:rPr lang="es-CL" sz="2600" dirty="0" smtClean="0">
+                        <a:latin typeface="Cambria Math" panose="02040503050406030204" pitchFamily="18" charset="0"/>
+                      </a:rPr>
+                      <m:t>𝐴</m:t>
+                    </m:r>
+                  </m:oMath>
+                </a14:m>
+                <a:r>
+                  <a:rPr lang="es-CL" sz="2600" dirty="0"/>
+                  <a:t> un arreglo con </a:t>
+                </a:r>
+                <a14:m>
+                  <m:oMath xmlns:m="http://schemas.openxmlformats.org/officeDocument/2006/math">
+                    <m:r>
+                      <a:rPr lang="es-CL" sz="2600" dirty="0" smtClean="0">
+                        <a:latin typeface="Cambria Math" panose="02040503050406030204" pitchFamily="18" charset="0"/>
+                      </a:rPr>
+                      <m:t>𝑛</m:t>
+                    </m:r>
+                  </m:oMath>
+                </a14:m>
+                <a:r>
+                  <a:rPr lang="es-CL" sz="2600" dirty="0"/>
+                  <a:t> números distintos de </a:t>
+                </a:r>
+                <a14:m>
+                  <m:oMath xmlns:m="http://schemas.openxmlformats.org/officeDocument/2006/math">
+                    <m:r>
+                      <a:rPr lang="es-CL" sz="2600" dirty="0" smtClean="0">
+                        <a:latin typeface="Cambria Math" panose="02040503050406030204" pitchFamily="18" charset="0"/>
+                      </a:rPr>
+                      <m:t>1</m:t>
+                    </m:r>
+                  </m:oMath>
+                </a14:m>
+                <a:r>
+                  <a:rPr lang="es-CL" sz="2600" dirty="0"/>
+                  <a:t> a </a:t>
+                </a:r>
+                <a14:m>
+                  <m:oMath xmlns:m="http://schemas.openxmlformats.org/officeDocument/2006/math">
+                    <m:r>
+                      <a:rPr lang="es-CL" sz="2600" dirty="0" smtClean="0">
+                        <a:latin typeface="Cambria Math" panose="02040503050406030204" pitchFamily="18" charset="0"/>
+                      </a:rPr>
+                      <m:t>𝑛</m:t>
+                    </m:r>
+                  </m:oMath>
+                </a14:m>
+                <a:endParaRPr lang="es-CL" sz="2600" dirty="0"/>
+              </a:p>
+              <a:p>
+                <a:endParaRPr lang="es-CL" sz="2600" dirty="0"/>
+              </a:p>
+              <a:p>
+                <a:r>
+                  <a:rPr lang="es-CL" sz="2600" dirty="0"/>
+                  <a:t>Si </a:t>
+                </a:r>
+                <a14:m>
+                  <m:oMath xmlns:m="http://schemas.openxmlformats.org/officeDocument/2006/math">
+                    <m:r>
+                      <a:rPr lang="es-CL" sz="2600" b="0" i="1" dirty="0" smtClean="0">
+                        <a:latin typeface="Cambria Math" panose="02040503050406030204" pitchFamily="18" charset="0"/>
+                      </a:rPr>
+                      <m:t>𝑖</m:t>
+                    </m:r>
+                    <m:r>
+                      <a:rPr lang="en-US" sz="2600" b="0" i="1" dirty="0" smtClean="0">
+                        <a:latin typeface="Cambria Math" panose="02040503050406030204" pitchFamily="18" charset="0"/>
+                      </a:rPr>
+                      <m:t>&lt;</m:t>
+                    </m:r>
+                    <m:r>
+                      <a:rPr lang="en-US" sz="2600" b="0" i="1" dirty="0" smtClean="0">
+                        <a:latin typeface="Cambria Math" panose="02040503050406030204" pitchFamily="18" charset="0"/>
+                      </a:rPr>
+                      <m:t>𝑗</m:t>
+                    </m:r>
+                  </m:oMath>
+                </a14:m>
+                <a:r>
+                  <a:rPr lang="en-US" sz="2600" dirty="0"/>
+                  <a:t> </a:t>
+                </a:r>
+                <a:r>
+                  <a:rPr lang="es-CL" sz="2600" dirty="0"/>
+                  <a:t>pero</a:t>
+                </a:r>
+                <a:r>
+                  <a:rPr lang="en-US" sz="2600" dirty="0"/>
+                  <a:t> </a:t>
+                </a:r>
+                <a14:m>
+                  <m:oMath xmlns:m="http://schemas.openxmlformats.org/officeDocument/2006/math">
+                    <m:r>
+                      <a:rPr lang="es-CL" sz="2600" b="0" i="1" smtClean="0">
+                        <a:latin typeface="Cambria Math" panose="02040503050406030204" pitchFamily="18" charset="0"/>
+                      </a:rPr>
+                      <m:t>𝐴</m:t>
+                    </m:r>
+                    <m:r>
+                      <a:rPr lang="es-CL" sz="2600" b="0" i="0" smtClean="0">
+                        <a:latin typeface="Cambria Math" panose="02040503050406030204" pitchFamily="18" charset="0"/>
+                      </a:rPr>
+                      <m:t>[</m:t>
+                    </m:r>
+                    <m:r>
+                      <a:rPr lang="es-CL" sz="2600" b="0" i="1" smtClean="0">
+                        <a:latin typeface="Cambria Math" panose="02040503050406030204" pitchFamily="18" charset="0"/>
+                      </a:rPr>
+                      <m:t>𝑖</m:t>
+                    </m:r>
+                    <m:r>
+                      <a:rPr lang="es-CL" sz="2600" b="0" i="0" smtClean="0">
+                        <a:latin typeface="Cambria Math" panose="02040503050406030204" pitchFamily="18" charset="0"/>
+                      </a:rPr>
+                      <m:t>] &gt; </m:t>
+                    </m:r>
+                    <m:r>
+                      <a:rPr lang="es-CL" sz="2600" b="0" i="1" smtClean="0">
+                        <a:latin typeface="Cambria Math" panose="02040503050406030204" pitchFamily="18" charset="0"/>
+                      </a:rPr>
+                      <m:t>𝐴</m:t>
+                    </m:r>
+                    <m:r>
+                      <a:rPr lang="es-CL" sz="2600" b="0" i="0" smtClean="0">
+                        <a:latin typeface="Cambria Math" panose="02040503050406030204" pitchFamily="18" charset="0"/>
+                      </a:rPr>
+                      <m:t>[</m:t>
+                    </m:r>
+                    <m:r>
+                      <a:rPr lang="es-CL" sz="2600" b="0" i="1" smtClean="0">
+                        <a:latin typeface="Cambria Math" panose="02040503050406030204" pitchFamily="18" charset="0"/>
+                      </a:rPr>
+                      <m:t>𝑗</m:t>
+                    </m:r>
+                    <m:r>
+                      <a:rPr lang="es-CL" sz="2600" b="0" i="0" smtClean="0">
+                        <a:latin typeface="Cambria Math" panose="02040503050406030204" pitchFamily="18" charset="0"/>
+                      </a:rPr>
+                      <m:t>]</m:t>
+                    </m:r>
+                  </m:oMath>
+                </a14:m>
+                <a:r>
+                  <a:rPr lang="es-CL" sz="2600" dirty="0"/>
+                  <a:t>, entonces se dice que el par ordenado </a:t>
+                </a:r>
+                <a14:m>
+                  <m:oMath xmlns:m="http://schemas.openxmlformats.org/officeDocument/2006/math">
+                    <m:r>
+                      <a:rPr lang="es-CL" sz="2600" smtClean="0">
+                        <a:latin typeface="Cambria Math" panose="02040503050406030204" pitchFamily="18" charset="0"/>
+                      </a:rPr>
+                      <m:t>(</m:t>
+                    </m:r>
+                    <m:r>
+                      <a:rPr lang="es-CL" sz="2600" smtClean="0">
+                        <a:latin typeface="Cambria Math" panose="02040503050406030204" pitchFamily="18" charset="0"/>
+                      </a:rPr>
+                      <m:t>𝑖</m:t>
+                    </m:r>
+                    <m:r>
+                      <a:rPr lang="es-CL" sz="2600" smtClean="0">
+                        <a:latin typeface="Cambria Math" panose="02040503050406030204" pitchFamily="18" charset="0"/>
+                      </a:rPr>
+                      <m:t>,</m:t>
+                    </m:r>
+                    <m:r>
+                      <a:rPr lang="es-CL" sz="2600" smtClean="0">
+                        <a:latin typeface="Cambria Math" panose="02040503050406030204" pitchFamily="18" charset="0"/>
+                      </a:rPr>
+                      <m:t>𝑗</m:t>
+                    </m:r>
+                    <m:r>
+                      <a:rPr lang="es-CL" sz="2600" smtClean="0">
+                        <a:latin typeface="Cambria Math" panose="02040503050406030204" pitchFamily="18" charset="0"/>
+                      </a:rPr>
+                      <m:t>)</m:t>
+                    </m:r>
+                  </m:oMath>
+                </a14:m>
+                <a:r>
+                  <a:rPr lang="es-CL" sz="2600" dirty="0"/>
+                  <a:t> es una </a:t>
+                </a:r>
+                <a:r>
+                  <a:rPr lang="es-CL" sz="2600" b="1" dirty="0">
+                    <a:solidFill>
+                      <a:schemeClr val="accent2"/>
+                    </a:solidFill>
+                  </a:rPr>
+                  <a:t>inversión</a:t>
+                </a:r>
+              </a:p>
+              <a:p>
+                <a:endParaRPr lang="es-CL" sz="2600" dirty="0"/>
+              </a:p>
+              <a:p>
+                <a:r>
+                  <a:rPr lang="es-CL" sz="2600" dirty="0"/>
+                  <a:t>El número de inversiones es una métrica de </a:t>
+                </a:r>
+                <a:r>
+                  <a:rPr lang="es-CL" sz="2600" b="1" dirty="0">
+                    <a:solidFill>
+                      <a:schemeClr val="accent2"/>
+                    </a:solidFill>
+                  </a:rPr>
+                  <a:t>desorden</a:t>
+                </a:r>
+              </a:p>
+            </p:txBody>
+          </p:sp>
+        </mc:Choice>
+        <mc:Fallback xmlns="">
+          <p:sp>
+            <p:nvSpPr>
+              <p:cNvPr id="3" name="Content Placeholder 2">
+                <a:extLst>
+                  <a:ext uri="{FF2B5EF4-FFF2-40B4-BE49-F238E27FC236}">
+                    <a16:creationId xmlns:a16="http://schemas.microsoft.com/office/drawing/2014/main" id="{652935D7-4DE3-4F1F-8E81-AA5004355CA2}"/>
+                  </a:ext>
+                </a:extLst>
+              </p:cNvPr>
+              <p:cNvSpPr>
+                <a:spLocks noGrp="1" noRot="1" noChangeAspect="1" noMove="1" noResize="1" noEditPoints="1" noAdjustHandles="1" noChangeArrowheads="1" noChangeShapeType="1" noTextEdit="1"/>
+              </p:cNvSpPr>
+              <p:nvPr>
+                <p:ph idx="1"/>
+              </p:nvPr>
+            </p:nvSpPr>
+            <p:spPr>
+              <a:xfrm>
+                <a:off x="25548" y="1287532"/>
+                <a:ext cx="9118452" cy="4904072"/>
+              </a:xfrm>
+              <a:blipFill>
+                <a:blip r:embed="rId3"/>
+                <a:stretch>
+                  <a:fillRect l="-139"/>
+                </a:stretch>
+              </a:blipFill>
+            </p:spPr>
+            <p:txBody>
+              <a:bodyPr/>
+              <a:lstStyle/>
+              <a:p>
+                <a:r>
+                  <a:rPr lang="en-US">
+                    <a:noFill/>
+                  </a:rPr>
+                  <a:t> </a:t>
+                </a:r>
+              </a:p>
+            </p:txBody>
+          </p:sp>
+        </mc:Fallback>
+      </mc:AlternateContent>
     </p:spTree>
     <p:extLst>
       <p:ext uri="{BB962C8B-B14F-4D97-AF65-F5344CB8AC3E}">
-        <p14:creationId xmlns:p14="http://schemas.microsoft.com/office/powerpoint/2010/main" val="1492818831"/>
+        <p14:creationId xmlns:p14="http://schemas.microsoft.com/office/powerpoint/2010/main" val="1244554338"/>
       </p:ext>
     </p:extLst>
   </p:cSld>
@@ -11534,361 +11624,6 @@
           <p:cNvPr id="2" name="Title 1">
             <a:extLst>
               <a:ext uri="{FF2B5EF4-FFF2-40B4-BE49-F238E27FC236}">
-                <a16:creationId xmlns:a16="http://schemas.microsoft.com/office/drawing/2014/main" id="{33A1E69C-8506-40BE-B94A-82931398AA6C}"/>
-              </a:ext>
-            </a:extLst>
-          </p:cNvPr>
-          <p:cNvSpPr>
-            <a:spLocks noGrp="1"/>
-          </p:cNvSpPr>
-          <p:nvPr>
-            <p:ph type="title"/>
-          </p:nvPr>
-        </p:nvSpPr>
-        <p:spPr/>
-        <p:txBody>
-          <a:bodyPr/>
-          <a:lstStyle/>
-          <a:p>
-            <a:r>
-              <a:rPr lang="es-CL" dirty="0"/>
-              <a:t>Inversiones</a:t>
-            </a:r>
-          </a:p>
-        </p:txBody>
-      </p:sp>
-      <mc:AlternateContent xmlns:mc="http://schemas.openxmlformats.org/markup-compatibility/2006">
-        <mc:Choice xmlns:a14="http://schemas.microsoft.com/office/drawing/2010/main" Requires="a14">
-          <p:sp>
-            <p:nvSpPr>
-              <p:cNvPr id="3" name="Content Placeholder 2">
-                <a:extLst>
-                  <a:ext uri="{FF2B5EF4-FFF2-40B4-BE49-F238E27FC236}">
-                    <a16:creationId xmlns:a16="http://schemas.microsoft.com/office/drawing/2014/main" id="{652935D7-4DE3-4F1F-8E81-AA5004355CA2}"/>
-                  </a:ext>
-                </a:extLst>
-              </p:cNvPr>
-              <p:cNvSpPr>
-                <a:spLocks noGrp="1"/>
-              </p:cNvSpPr>
-              <p:nvPr>
-                <p:ph idx="1"/>
-              </p:nvPr>
-            </p:nvSpPr>
-            <p:spPr>
-              <a:xfrm>
-                <a:off x="25548" y="1287532"/>
-                <a:ext cx="9118452" cy="4904072"/>
-              </a:xfrm>
-            </p:spPr>
-            <p:txBody>
-              <a:bodyPr anchor="ctr">
-                <a:normAutofit/>
-              </a:bodyPr>
-              <a:lstStyle/>
-              <a:p>
-                <a:r>
-                  <a:rPr lang="es-CL" sz="2600" dirty="0"/>
-                  <a:t>Sea </a:t>
-                </a:r>
-                <a14:m>
-                  <m:oMath xmlns:m="http://schemas.openxmlformats.org/officeDocument/2006/math">
-                    <m:r>
-                      <a:rPr lang="es-CL" sz="2600" dirty="0" smtClean="0">
-                        <a:latin typeface="Cambria Math" panose="02040503050406030204" pitchFamily="18" charset="0"/>
-                      </a:rPr>
-                      <m:t>𝐴</m:t>
-                    </m:r>
-                  </m:oMath>
-                </a14:m>
-                <a:r>
-                  <a:rPr lang="es-CL" sz="2600" dirty="0"/>
-                  <a:t> un arreglo con </a:t>
-                </a:r>
-                <a14:m>
-                  <m:oMath xmlns:m="http://schemas.openxmlformats.org/officeDocument/2006/math">
-                    <m:r>
-                      <a:rPr lang="es-CL" sz="2600" dirty="0" smtClean="0">
-                        <a:latin typeface="Cambria Math" panose="02040503050406030204" pitchFamily="18" charset="0"/>
-                      </a:rPr>
-                      <m:t>𝑛</m:t>
-                    </m:r>
-                  </m:oMath>
-                </a14:m>
-                <a:r>
-                  <a:rPr lang="es-CL" sz="2600" dirty="0"/>
-                  <a:t> números distintos de </a:t>
-                </a:r>
-                <a14:m>
-                  <m:oMath xmlns:m="http://schemas.openxmlformats.org/officeDocument/2006/math">
-                    <m:r>
-                      <a:rPr lang="es-CL" sz="2600" dirty="0" smtClean="0">
-                        <a:latin typeface="Cambria Math" panose="02040503050406030204" pitchFamily="18" charset="0"/>
-                      </a:rPr>
-                      <m:t>1</m:t>
-                    </m:r>
-                  </m:oMath>
-                </a14:m>
-                <a:r>
-                  <a:rPr lang="es-CL" sz="2600" dirty="0"/>
-                  <a:t> a </a:t>
-                </a:r>
-                <a14:m>
-                  <m:oMath xmlns:m="http://schemas.openxmlformats.org/officeDocument/2006/math">
-                    <m:r>
-                      <a:rPr lang="es-CL" sz="2600" dirty="0" smtClean="0">
-                        <a:latin typeface="Cambria Math" panose="02040503050406030204" pitchFamily="18" charset="0"/>
-                      </a:rPr>
-                      <m:t>𝑛</m:t>
-                    </m:r>
-                  </m:oMath>
-                </a14:m>
-                <a:endParaRPr lang="es-CL" sz="2600" dirty="0"/>
-              </a:p>
-              <a:p>
-                <a:endParaRPr lang="es-CL" sz="2600" dirty="0"/>
-              </a:p>
-              <a:p>
-                <a:r>
-                  <a:rPr lang="es-CL" sz="2600" dirty="0"/>
-                  <a:t>Si </a:t>
-                </a:r>
-                <a14:m>
-                  <m:oMath xmlns:m="http://schemas.openxmlformats.org/officeDocument/2006/math">
-                    <m:r>
-                      <a:rPr lang="es-CL" sz="2600" b="0" i="1" dirty="0" smtClean="0">
-                        <a:latin typeface="Cambria Math" panose="02040503050406030204" pitchFamily="18" charset="0"/>
-                      </a:rPr>
-                      <m:t>𝑖</m:t>
-                    </m:r>
-                    <m:r>
-                      <a:rPr lang="en-US" sz="2600" b="0" i="1" dirty="0" smtClean="0">
-                        <a:latin typeface="Cambria Math" panose="02040503050406030204" pitchFamily="18" charset="0"/>
-                      </a:rPr>
-                      <m:t>&lt;</m:t>
-                    </m:r>
-                    <m:r>
-                      <a:rPr lang="en-US" sz="2600" b="0" i="1" dirty="0" smtClean="0">
-                        <a:latin typeface="Cambria Math" panose="02040503050406030204" pitchFamily="18" charset="0"/>
-                      </a:rPr>
-                      <m:t>𝑗</m:t>
-                    </m:r>
-                  </m:oMath>
-                </a14:m>
-                <a:r>
-                  <a:rPr lang="en-US" sz="2600" dirty="0"/>
-                  <a:t> </a:t>
-                </a:r>
-                <a:r>
-                  <a:rPr lang="es-CL" sz="2600" dirty="0"/>
-                  <a:t>pero</a:t>
-                </a:r>
-                <a:r>
-                  <a:rPr lang="en-US" sz="2600" dirty="0"/>
-                  <a:t> </a:t>
-                </a:r>
-                <a14:m>
-                  <m:oMath xmlns:m="http://schemas.openxmlformats.org/officeDocument/2006/math">
-                    <m:r>
-                      <a:rPr lang="es-CL" sz="2600" b="0" i="1" smtClean="0">
-                        <a:latin typeface="Cambria Math" panose="02040503050406030204" pitchFamily="18" charset="0"/>
-                      </a:rPr>
-                      <m:t>𝐴</m:t>
-                    </m:r>
-                    <m:r>
-                      <a:rPr lang="es-CL" sz="2600" b="0" i="0" smtClean="0">
-                        <a:latin typeface="Cambria Math" panose="02040503050406030204" pitchFamily="18" charset="0"/>
-                      </a:rPr>
-                      <m:t>[</m:t>
-                    </m:r>
-                    <m:r>
-                      <a:rPr lang="es-CL" sz="2600" b="0" i="1" smtClean="0">
-                        <a:latin typeface="Cambria Math" panose="02040503050406030204" pitchFamily="18" charset="0"/>
-                      </a:rPr>
-                      <m:t>𝑖</m:t>
-                    </m:r>
-                    <m:r>
-                      <a:rPr lang="es-CL" sz="2600" b="0" i="0" smtClean="0">
-                        <a:latin typeface="Cambria Math" panose="02040503050406030204" pitchFamily="18" charset="0"/>
-                      </a:rPr>
-                      <m:t>] &gt; </m:t>
-                    </m:r>
-                    <m:r>
-                      <a:rPr lang="es-CL" sz="2600" b="0" i="1" smtClean="0">
-                        <a:latin typeface="Cambria Math" panose="02040503050406030204" pitchFamily="18" charset="0"/>
-                      </a:rPr>
-                      <m:t>𝐴</m:t>
-                    </m:r>
-                    <m:r>
-                      <a:rPr lang="es-CL" sz="2600" b="0" i="0" smtClean="0">
-                        <a:latin typeface="Cambria Math" panose="02040503050406030204" pitchFamily="18" charset="0"/>
-                      </a:rPr>
-                      <m:t>[</m:t>
-                    </m:r>
-                    <m:r>
-                      <a:rPr lang="es-CL" sz="2600" b="0" i="1" smtClean="0">
-                        <a:latin typeface="Cambria Math" panose="02040503050406030204" pitchFamily="18" charset="0"/>
-                      </a:rPr>
-                      <m:t>𝑗</m:t>
-                    </m:r>
-                    <m:r>
-                      <a:rPr lang="es-CL" sz="2600" b="0" i="0" smtClean="0">
-                        <a:latin typeface="Cambria Math" panose="02040503050406030204" pitchFamily="18" charset="0"/>
-                      </a:rPr>
-                      <m:t>]</m:t>
-                    </m:r>
-                  </m:oMath>
-                </a14:m>
-                <a:r>
-                  <a:rPr lang="es-CL" sz="2600" dirty="0"/>
-                  <a:t>, entonces se dice que el par ordenado </a:t>
-                </a:r>
-                <a14:m>
-                  <m:oMath xmlns:m="http://schemas.openxmlformats.org/officeDocument/2006/math">
-                    <m:r>
-                      <a:rPr lang="es-CL" sz="2600" smtClean="0">
-                        <a:latin typeface="Cambria Math" panose="02040503050406030204" pitchFamily="18" charset="0"/>
-                      </a:rPr>
-                      <m:t>(</m:t>
-                    </m:r>
-                    <m:r>
-                      <a:rPr lang="es-CL" sz="2600" smtClean="0">
-                        <a:latin typeface="Cambria Math" panose="02040503050406030204" pitchFamily="18" charset="0"/>
-                      </a:rPr>
-                      <m:t>𝑖</m:t>
-                    </m:r>
-                    <m:r>
-                      <a:rPr lang="es-CL" sz="2600" smtClean="0">
-                        <a:latin typeface="Cambria Math" panose="02040503050406030204" pitchFamily="18" charset="0"/>
-                      </a:rPr>
-                      <m:t>,</m:t>
-                    </m:r>
-                    <m:r>
-                      <a:rPr lang="es-CL" sz="2600" smtClean="0">
-                        <a:latin typeface="Cambria Math" panose="02040503050406030204" pitchFamily="18" charset="0"/>
-                      </a:rPr>
-                      <m:t>𝑗</m:t>
-                    </m:r>
-                    <m:r>
-                      <a:rPr lang="es-CL" sz="2600" smtClean="0">
-                        <a:latin typeface="Cambria Math" panose="02040503050406030204" pitchFamily="18" charset="0"/>
-                      </a:rPr>
-                      <m:t>)</m:t>
-                    </m:r>
-                  </m:oMath>
-                </a14:m>
-                <a:r>
-                  <a:rPr lang="es-CL" sz="2600" dirty="0"/>
-                  <a:t> es una </a:t>
-                </a:r>
-                <a:r>
-                  <a:rPr lang="es-CL" sz="2600" b="1" dirty="0">
-                    <a:solidFill>
-                      <a:schemeClr val="accent2"/>
-                    </a:solidFill>
-                  </a:rPr>
-                  <a:t>inversión</a:t>
-                </a:r>
-              </a:p>
-              <a:p>
-                <a:endParaRPr lang="es-CL" sz="2600" dirty="0"/>
-              </a:p>
-              <a:p>
-                <a:r>
-                  <a:rPr lang="es-CL" sz="2600" dirty="0"/>
-                  <a:t>El número de inversiones es una métrica de </a:t>
-                </a:r>
-                <a:r>
-                  <a:rPr lang="es-CL" sz="2600" b="1" dirty="0">
-                    <a:solidFill>
-                      <a:schemeClr val="accent2"/>
-                    </a:solidFill>
-                  </a:rPr>
-                  <a:t>desorden</a:t>
-                </a:r>
-              </a:p>
-            </p:txBody>
-          </p:sp>
-        </mc:Choice>
-        <mc:Fallback>
-          <p:sp>
-            <p:nvSpPr>
-              <p:cNvPr id="3" name="Content Placeholder 2">
-                <a:extLst>
-                  <a:ext uri="{FF2B5EF4-FFF2-40B4-BE49-F238E27FC236}">
-                    <a16:creationId xmlns:a16="http://schemas.microsoft.com/office/drawing/2014/main" id="{652935D7-4DE3-4F1F-8E81-AA5004355CA2}"/>
-                  </a:ext>
-                </a:extLst>
-              </p:cNvPr>
-              <p:cNvSpPr>
-                <a:spLocks noGrp="1" noRot="1" noChangeAspect="1" noMove="1" noResize="1" noEditPoints="1" noAdjustHandles="1" noChangeArrowheads="1" noChangeShapeType="1" noTextEdit="1"/>
-              </p:cNvSpPr>
-              <p:nvPr>
-                <p:ph idx="1"/>
-              </p:nvPr>
-            </p:nvSpPr>
-            <p:spPr>
-              <a:xfrm>
-                <a:off x="25548" y="1287532"/>
-                <a:ext cx="9118452" cy="4904072"/>
-              </a:xfrm>
-              <a:blipFill>
-                <a:blip r:embed="rId3"/>
-                <a:stretch>
-                  <a:fillRect l="-139"/>
-                </a:stretch>
-              </a:blipFill>
-            </p:spPr>
-            <p:txBody>
-              <a:bodyPr/>
-              <a:lstStyle/>
-              <a:p>
-                <a:r>
-                  <a:rPr lang="en-US">
-                    <a:noFill/>
-                  </a:rPr>
-                  <a:t> </a:t>
-                </a:r>
-              </a:p>
-            </p:txBody>
-          </p:sp>
-        </mc:Fallback>
-      </mc:AlternateContent>
-    </p:spTree>
-    <p:extLst>
-      <p:ext uri="{BB962C8B-B14F-4D97-AF65-F5344CB8AC3E}">
-        <p14:creationId xmlns:p14="http://schemas.microsoft.com/office/powerpoint/2010/main" val="1244554338"/>
-      </p:ext>
-    </p:extLst>
-  </p:cSld>
-  <p:clrMapOvr>
-    <a:masterClrMapping/>
-  </p:clrMapOvr>
-</p:sld>
-</file>
-
-<file path=ppt/slides/slide31.xml><?xml version="1.0" encoding="utf-8"?>
-<p:sld xmlns:a="http://schemas.openxmlformats.org/drawingml/2006/main" xmlns:r="http://schemas.openxmlformats.org/officeDocument/2006/relationships" xmlns:p="http://schemas.openxmlformats.org/presentationml/2006/main">
-  <p:cSld>
-    <p:spTree>
-      <p:nvGrpSpPr>
-        <p:cNvPr id="1" name=""/>
-        <p:cNvGrpSpPr/>
-        <p:nvPr/>
-      </p:nvGrpSpPr>
-      <p:grpSpPr>
-        <a:xfrm>
-          <a:off x="0" y="0"/>
-          <a:ext cx="0" cy="0"/>
-          <a:chOff x="0" y="0"/>
-          <a:chExt cx="0" cy="0"/>
-        </a:xfrm>
-      </p:grpSpPr>
-      <p:sp>
-        <p:nvSpPr>
-          <p:cNvPr id="2" name="Title 1">
-            <a:extLst>
-              <a:ext uri="{FF2B5EF4-FFF2-40B4-BE49-F238E27FC236}">
                 <a16:creationId xmlns:a16="http://schemas.microsoft.com/office/drawing/2014/main" id="{564E8279-7FA6-924B-9C42-F61121A773E1}"/>
               </a:ext>
             </a:extLst>
@@ -11976,7 +11711,7 @@
 </p:sld>
 </file>
 
-<file path=ppt/slides/slide32.xml><?xml version="1.0" encoding="utf-8"?>
+<file path=ppt/slides/slide31.xml><?xml version="1.0" encoding="utf-8"?>
 <p:sld xmlns:a="http://schemas.openxmlformats.org/drawingml/2006/main" xmlns:r="http://schemas.openxmlformats.org/officeDocument/2006/relationships" xmlns:p="http://schemas.openxmlformats.org/presentationml/2006/main">
   <p:cSld>
     <p:spTree>
@@ -12047,8 +11782,8 @@
           </a:p>
         </p:txBody>
       </p:sp>
-      <mc:AlternateContent xmlns:mc="http://schemas.openxmlformats.org/markup-compatibility/2006">
-        <mc:Choice xmlns:a14="http://schemas.microsoft.com/office/drawing/2010/main" Requires="a14">
+      <mc:AlternateContent xmlns:mc="http://schemas.openxmlformats.org/markup-compatibility/2006" xmlns:a14="http://schemas.microsoft.com/office/drawing/2010/main">
+        <mc:Choice Requires="a14">
           <p:sp>
             <p:nvSpPr>
               <p:cNvPr id="5" name="Content Placeholder 4">
@@ -12195,7 +11930,7 @@
             </p:txBody>
           </p:sp>
         </mc:Choice>
-        <mc:Fallback>
+        <mc:Fallback xmlns="">
           <p:sp>
             <p:nvSpPr>
               <p:cNvPr id="5" name="Content Placeholder 4">
@@ -12248,7 +11983,7 @@
 </p:sld>
 </file>
 
-<file path=ppt/slides/slide33.xml><?xml version="1.0" encoding="utf-8"?>
+<file path=ppt/slides/slide32.xml><?xml version="1.0" encoding="utf-8"?>
 <p:sld xmlns:a="http://schemas.openxmlformats.org/drawingml/2006/main" xmlns:r="http://schemas.openxmlformats.org/officeDocument/2006/relationships" xmlns:p="http://schemas.openxmlformats.org/presentationml/2006/main">
   <p:cSld>
     <p:spTree>
@@ -12265,8 +12000,8 @@
           <a:chExt cx="0" cy="0"/>
         </a:xfrm>
       </p:grpSpPr>
-      <mc:AlternateContent xmlns:mc="http://schemas.openxmlformats.org/markup-compatibility/2006">
-        <mc:Choice xmlns:a14="http://schemas.microsoft.com/office/drawing/2010/main" Requires="a14">
+      <mc:AlternateContent xmlns:mc="http://schemas.openxmlformats.org/markup-compatibility/2006" xmlns:a14="http://schemas.microsoft.com/office/drawing/2010/main">
+        <mc:Choice Requires="a14">
           <p:sp>
             <p:nvSpPr>
               <p:cNvPr id="4" name="Content Placeholder 3">
@@ -12770,7 +12505,7 @@
             </p:txBody>
           </p:sp>
         </mc:Choice>
-        <mc:Fallback>
+        <mc:Fallback xmlns="">
           <p:sp>
             <p:nvSpPr>
               <p:cNvPr id="4" name="Content Placeholder 3">
@@ -12823,7 +12558,7 @@
 </p:sld>
 </file>
 
-<file path=ppt/slides/slide34.xml><?xml version="1.0" encoding="utf-8"?>
+<file path=ppt/slides/slide33.xml><?xml version="1.0" encoding="utf-8"?>
 <p:sld xmlns:a="http://schemas.openxmlformats.org/drawingml/2006/main" xmlns:r="http://schemas.openxmlformats.org/officeDocument/2006/relationships" xmlns:p="http://schemas.openxmlformats.org/presentationml/2006/main">
   <p:cSld>
     <p:spTree>
@@ -12861,19 +12596,35 @@
             <p:spPr/>
             <p:txBody>
               <a:bodyPr>
-                <a:normAutofit lnSpcReduction="10000"/>
+                <a:normAutofit fontScale="92500" lnSpcReduction="10000"/>
               </a:bodyPr>
               <a:lstStyle/>
               <a:p>
                 <a:r>
                   <a:rPr lang="es-CL" dirty="0"/>
-                  <a:t>Antes de cada intercambio se hace una comparación</a:t>
+                  <a:t>Antes de cada intercambio se hace una comparación entre los datos con índices </a:t>
+                </a:r>
+                <a:r>
+                  <a:rPr lang="es-CL" i="1" dirty="0"/>
+                  <a:t>j</a:t>
+                </a:r>
+                <a:r>
+                  <a:rPr lang="es-CL" dirty="0"/>
+                  <a:t> y </a:t>
+                </a:r>
+                <a:r>
+                  <a:rPr lang="es-CL" i="1" dirty="0"/>
+                  <a:t>j</a:t>
+                </a:r>
+                <a:r>
+                  <a:rPr lang="es-CL" dirty="0"/>
+                  <a:t>–1</a:t>
                 </a:r>
               </a:p>
               <a:p>
                 <a:r>
                   <a:rPr lang="es-CL" dirty="0"/>
-                  <a:t>… y esos datos se intercambian sólo si el par de índices </a:t>
+                  <a:t>Los datos se intercambian sólo si el par de índices </a:t>
                 </a:r>
                 <a14:m>
                   <m:oMath xmlns:m="http://schemas.openxmlformats.org/officeDocument/2006/math">
@@ -12921,7 +12672,43 @@
                 </a:r>
               </a:p>
               <a:p>
-                <a:endParaRPr lang="es-CL" dirty="0"/>
+                <a:pPr lvl="1"/>
+                <a:r>
+                  <a:rPr lang="es-CL" dirty="0"/>
+                  <a:t>es decir, si </a:t>
+                </a:r>
+                <a:r>
+                  <a:rPr lang="es-CL" i="1" dirty="0"/>
+                  <a:t>A</a:t>
+                </a:r>
+                <a:r>
+                  <a:rPr lang="es-CL" dirty="0"/>
+                  <a:t>[</a:t>
+                </a:r>
+                <a:r>
+                  <a:rPr lang="es-CL" i="1" dirty="0"/>
+                  <a:t>j</a:t>
+                </a:r>
+                <a:r>
+                  <a:rPr lang="es-CL" dirty="0"/>
+                  <a:t>–1] &gt; </a:t>
+                </a:r>
+                <a:r>
+                  <a:rPr lang="es-CL" i="1" dirty="0"/>
+                  <a:t>A</a:t>
+                </a:r>
+                <a:r>
+                  <a:rPr lang="es-CL" dirty="0"/>
+                  <a:t>[</a:t>
+                </a:r>
+                <a:r>
+                  <a:rPr lang="es-CL" i="1" dirty="0"/>
+                  <a:t>j</a:t>
+                </a:r>
+                <a:r>
+                  <a:rPr lang="es-CL" dirty="0"/>
+                  <a:t>]</a:t>
+                </a:r>
               </a:p>
               <a:p>
                 <a:r>
@@ -12930,7 +12717,7 @@
                 </a:r>
                 <a:r>
                   <a:rPr lang="es-CL" b="1" dirty="0"/>
-                  <a:t>cada intercambio de elementos adyacentes en el arreglo deshace exactamente una inversión</a:t>
+                  <a:t>cada intercambio de elementos (adyacentes) en el arreglo deshace exactamente una inversión</a:t>
                 </a:r>
               </a:p>
               <a:p>
@@ -12972,7 +12759,7 @@
               <a:blipFill>
                 <a:blip r:embed="rId2"/>
                 <a:stretch>
-                  <a:fillRect l="-292" r="-292"/>
+                  <a:fillRect l="-146" r="-584" b="-216"/>
                 </a:stretch>
               </a:blipFill>
             </p:spPr>
@@ -13004,7 +12791,7 @@
 </p:sld>
 </file>
 
-<file path=ppt/slides/slide35.xml><?xml version="1.0" encoding="utf-8"?>
+<file path=ppt/slides/slide34.xml><?xml version="1.0" encoding="utf-8"?>
 <p:sld xmlns:a="http://schemas.openxmlformats.org/drawingml/2006/main" xmlns:r="http://schemas.openxmlformats.org/officeDocument/2006/relationships" xmlns:p="http://schemas.openxmlformats.org/presentationml/2006/main">
   <p:cSld>
     <p:spTree>
@@ -13092,7 +12879,7 @@
             </p:spPr>
             <p:txBody>
               <a:bodyPr>
-                <a:normAutofit lnSpcReduction="10000"/>
+                <a:normAutofit fontScale="92500" lnSpcReduction="20000"/>
               </a:bodyPr>
               <a:lstStyle/>
               <a:p>
@@ -13169,9 +12956,50 @@
                 </a:r>
               </a:p>
               <a:p>
-                <a:endParaRPr lang="es-CL" dirty="0"/>
+                <a:pPr lvl="1"/>
+                <a:r>
+                  <a:rPr lang="es-CL" dirty="0"/>
+                  <a:t>mejor caso: 0 (no hay inversiones)</a:t>
+                </a:r>
               </a:p>
               <a:p>
+                <a:pPr lvl="1"/>
+                <a:r>
+                  <a:rPr lang="es-CL" dirty="0"/>
+                  <a:t>peor caso: (</a:t>
+                </a:r>
+                <a:r>
+                  <a:rPr lang="es-CL" i="1" dirty="0"/>
+                  <a:t>n</a:t>
+                </a:r>
+                <a:r>
+                  <a:rPr lang="es-CL" baseline="30000" dirty="0"/>
+                  <a:t>2</a:t>
+                </a:r>
+                <a:r>
+                  <a:rPr lang="es-CL" dirty="0"/>
+                  <a:t> – </a:t>
+                </a:r>
+                <a:r>
+                  <a:rPr lang="es-CL" i="1" dirty="0"/>
+                  <a:t>n</a:t>
+                </a:r>
+                <a:r>
+                  <a:rPr lang="es-CL" dirty="0"/>
+                  <a:t>)/2 (todos los pares posibles son inversiones </a:t>
+                </a:r>
+                <a:r>
+                  <a:rPr lang="es-CL" dirty="0">
+                    <a:sym typeface="Wingdings" pitchFamily="2" charset="2"/>
+                  </a:rPr>
+                  <a:t> el arreglo está ordenado de mayor a menor</a:t>
+                </a:r>
+                <a:r>
+                  <a:rPr lang="es-CL" dirty="0"/>
+                  <a:t> )</a:t>
+                </a:r>
+              </a:p>
+              <a:p>
                 <a:r>
                   <a:rPr lang="es-CL" dirty="0"/>
                   <a:t>¿Qué hay del </a:t>
@@ -13184,9 +13012,6 @@
                   <a:rPr lang="es-CL" dirty="0"/>
                   <a:t>?</a:t>
                 </a:r>
-              </a:p>
-              <a:p>
-                <a:endParaRPr lang="es-CL" dirty="0"/>
               </a:p>
             </p:txBody>
           </p:sp>
@@ -13216,7 +13041,7 @@
               <a:blipFill>
                 <a:blip r:embed="rId2"/>
                 <a:stretch>
-                  <a:fillRect l="-441"/>
+                  <a:fillRect l="-147" b="-2625"/>
                 </a:stretch>
               </a:blipFill>
             </p:spPr>
@@ -13291,7 +13116,7 @@
         <p:spPr>
           <a:xfrm>
             <a:off x="6135624" y="2634811"/>
-            <a:ext cx="2561150" cy="400110"/>
+            <a:ext cx="2615331" cy="400110"/>
           </a:xfrm>
           <a:prstGeom prst="rect">
             <a:avLst/>
@@ -13305,7 +13130,7 @@
           <a:lstStyle/>
           <a:p>
             <a:r>
-              <a:rPr lang="en-US" sz="2000"/>
+              <a:rPr lang="en-US" sz="2000" b="1"/>
               <a:t>número de inversiones</a:t>
             </a:r>
           </a:p>
@@ -13328,8 +13153,8 @@
         </p:nvCxnSpPr>
         <p:spPr>
           <a:xfrm flipV="1">
-            <a:off x="3559877" y="2020824"/>
-            <a:ext cx="1341307" cy="829431"/>
+            <a:off x="3559877" y="1904214"/>
+            <a:ext cx="1106391" cy="946041"/>
           </a:xfrm>
           <a:prstGeom prst="straightConnector1">
             <a:avLst/>
@@ -13370,8 +13195,8 @@
         </p:nvCxnSpPr>
         <p:spPr>
           <a:xfrm flipH="1" flipV="1">
-            <a:off x="5641848" y="2020825"/>
-            <a:ext cx="493776" cy="814041"/>
+            <a:off x="5213024" y="1904214"/>
+            <a:ext cx="922600" cy="930652"/>
           </a:xfrm>
           <a:prstGeom prst="straightConnector1">
             <a:avLst/>
@@ -13408,7 +13233,7 @@
 </p:sld>
 </file>
 
-<file path=ppt/slides/slide36.xml><?xml version="1.0" encoding="utf-8"?>
+<file path=ppt/slides/slide35.xml><?xml version="1.0" encoding="utf-8"?>
 <p:sld xmlns:a="http://schemas.openxmlformats.org/drawingml/2006/main" xmlns:r="http://schemas.openxmlformats.org/officeDocument/2006/relationships" xmlns:p="http://schemas.openxmlformats.org/presentationml/2006/main">
   <p:cSld>
     <p:spTree>
@@ -13477,13 +13302,13 @@
         </p:spPr>
         <p:txBody>
           <a:bodyPr anchor="ctr">
-            <a:normAutofit/>
+            <a:normAutofit fontScale="92500"/>
           </a:bodyPr>
           <a:lstStyle/>
           <a:p>
             <a:pPr>
               <a:lnSpc>
-                <a:spcPct val="135000"/>
+                <a:spcPct val="120000"/>
               </a:lnSpc>
             </a:pPr>
             <a:r>
@@ -13500,25 +13325,67 @@
             </a:r>
           </a:p>
           <a:p>
+            <a:pPr lvl="1">
+              <a:lnSpc>
+                <a:spcPct val="120000"/>
+              </a:lnSpc>
+            </a:pPr>
+            <a:r>
+              <a:rPr lang="en-US"/>
+              <a:t>lo vamos a definir como </a:t>
+            </a:r>
+            <a:r>
+              <a:rPr lang="en-US" b="1"/>
+              <a:t>el promedio aritmético del número de inversiones en cada una de las </a:t>
+            </a:r>
+            <a:r>
+              <a:rPr lang="en-US" b="1" i="1"/>
+              <a:t>n</a:t>
+            </a:r>
+            <a:r>
+              <a:rPr lang="en-US" b="1"/>
+              <a:t>! permutaciones de los </a:t>
+            </a:r>
+            <a:r>
+              <a:rPr lang="en-US" b="1" i="1"/>
+              <a:t>n</a:t>
+            </a:r>
+            <a:r>
+              <a:rPr lang="en-US" b="1"/>
+              <a:t> elementos</a:t>
+            </a:r>
+          </a:p>
+          <a:p>
             <a:pPr>
               <a:lnSpc>
-                <a:spcPct val="135000"/>
+                <a:spcPct val="120000"/>
               </a:lnSpc>
             </a:pPr>
             <a:r>
               <a:rPr lang="en-US"/>
-              <a:t>Suponemos que no hay elementos repetidos</a:t>
-            </a:r>
-          </a:p>
-          <a:p>
-            <a:pPr>
+              <a:t>Suponemos que</a:t>
+            </a:r>
+          </a:p>
+          <a:p>
+            <a:pPr lvl="1">
               <a:lnSpc>
-                <a:spcPct val="135000"/>
+                <a:spcPct val="120000"/>
               </a:lnSpc>
             </a:pPr>
             <a:r>
               <a:rPr lang="en-US"/>
-              <a:t>… y que todas las permutaciones de los </a:t>
+              <a:t>no hay elementos repetidos*</a:t>
+            </a:r>
+          </a:p>
+          <a:p>
+            <a:pPr lvl="1">
+              <a:lnSpc>
+                <a:spcPct val="120000"/>
+              </a:lnSpc>
+            </a:pPr>
+            <a:r>
+              <a:rPr lang="en-US"/>
+              <a:t>todas las permutaciones de los </a:t>
             </a:r>
             <a:r>
               <a:rPr lang="en-US" i="1"/>
@@ -13526,22 +13393,35 @@
             </a:r>
             <a:r>
               <a:rPr lang="en-US"/>
-              <a:t> elementos son igualmente probables</a:t>
+              <a:t> elementos son igualmente probables (de que aparezcan como input)</a:t>
             </a:r>
           </a:p>
           <a:p>
             <a:pPr marL="0" indent="0">
               <a:lnSpc>
-                <a:spcPct val="135000"/>
+                <a:spcPct val="120000"/>
               </a:lnSpc>
               <a:spcBef>
-                <a:spcPts val="3600"/>
+                <a:spcPts val="2400"/>
               </a:spcBef>
+              <a:spcAft>
+                <a:spcPts val="0"/>
+              </a:spcAft>
               <a:buNone/>
             </a:pPr>
             <a:r>
               <a:rPr lang="en-US" sz="2200"/>
-              <a:t>( podemos suponer que los </a:t>
+              <a:t>( * </a:t>
+            </a:r>
+            <a:r>
+              <a:rPr lang="en-US" sz="2200">
+                <a:sym typeface="Wingdings" pitchFamily="2" charset="2"/>
+              </a:rPr>
+              <a:t> </a:t>
+            </a:r>
+            <a:r>
+              <a:rPr lang="en-US" sz="2200"/>
+              <a:t>podemos suponer que los </a:t>
             </a:r>
             <a:r>
               <a:rPr lang="en-US" sz="2200" i="1"/>
@@ -13549,7 +13429,7 @@
             </a:r>
             <a:r>
               <a:rPr lang="en-US" sz="2200"/>
-              <a:t> elementos son simplemente los </a:t>
+              <a:t> elementos son los números 0, 1, 2, …, </a:t>
             </a:r>
             <a:r>
               <a:rPr lang="en-US" sz="2200" i="1"/>
@@ -13557,15 +13437,7 @@
             </a:r>
             <a:r>
               <a:rPr lang="en-US" sz="2200"/>
-              <a:t> primeros números naturales: 1, 2, …, </a:t>
-            </a:r>
-            <a:r>
-              <a:rPr lang="en-US" sz="2200" i="1"/>
-              <a:t>n</a:t>
-            </a:r>
-            <a:r>
-              <a:rPr lang="en-US" sz="2200"/>
-              <a:t> )</a:t>
+              <a:t>–1 )</a:t>
             </a:r>
           </a:p>
         </p:txBody>
@@ -13574,6 +13446,227 @@
     <p:extLst>
       <p:ext uri="{BB962C8B-B14F-4D97-AF65-F5344CB8AC3E}">
         <p14:creationId xmlns:p14="http://schemas.microsoft.com/office/powerpoint/2010/main" val="3929481296"/>
+      </p:ext>
+    </p:extLst>
+  </p:cSld>
+  <p:clrMapOvr>
+    <a:masterClrMapping/>
+  </p:clrMapOvr>
+</p:sld>
+</file>
+
+<file path=ppt/slides/slide36.xml><?xml version="1.0" encoding="utf-8"?>
+<p:sld xmlns:a="http://schemas.openxmlformats.org/drawingml/2006/main" xmlns:r="http://schemas.openxmlformats.org/officeDocument/2006/relationships" xmlns:p="http://schemas.openxmlformats.org/presentationml/2006/main">
+  <p:cSld>
+    <p:spTree>
+      <p:nvGrpSpPr>
+        <p:cNvPr id="1" name=""/>
+        <p:cNvGrpSpPr/>
+        <p:nvPr/>
+      </p:nvGrpSpPr>
+      <p:grpSpPr>
+        <a:xfrm>
+          <a:off x="0" y="0"/>
+          <a:ext cx="0" cy="0"/>
+          <a:chOff x="0" y="0"/>
+          <a:chExt cx="0" cy="0"/>
+        </a:xfrm>
+      </p:grpSpPr>
+      <p:sp>
+        <p:nvSpPr>
+          <p:cNvPr id="3" name="Content Placeholder 2">
+            <a:extLst>
+              <a:ext uri="{FF2B5EF4-FFF2-40B4-BE49-F238E27FC236}">
+                <a16:creationId xmlns:a16="http://schemas.microsoft.com/office/drawing/2014/main" id="{AF4B012A-6D02-4944-BEDC-668345A1DB4A}"/>
+              </a:ext>
+            </a:extLst>
+          </p:cNvPr>
+          <p:cNvSpPr>
+            <a:spLocks noGrp="1"/>
+          </p:cNvSpPr>
+          <p:nvPr>
+            <p:ph sz="quarter" idx="10"/>
+          </p:nvPr>
+        </p:nvSpPr>
+        <p:spPr/>
+        <p:txBody>
+          <a:bodyPr anchor="ctr">
+            <a:normAutofit/>
+          </a:bodyPr>
+          <a:lstStyle/>
+          <a:p>
+            <a:pPr>
+              <a:lnSpc>
+                <a:spcPct val="100000"/>
+              </a:lnSpc>
+              <a:spcBef>
+                <a:spcPts val="2400"/>
+              </a:spcBef>
+              <a:spcAft>
+                <a:spcPts val="0"/>
+              </a:spcAft>
+            </a:pPr>
+            <a:r>
+              <a:rPr lang="en-US"/>
+              <a:t>¿Cómo calculamos el promedio aritmético del número de inversiones de las </a:t>
+            </a:r>
+            <a:r>
+              <a:rPr lang="en-US" i="1"/>
+              <a:t>n</a:t>
+            </a:r>
+            <a:r>
+              <a:rPr lang="en-US"/>
+              <a:t>! permutaciones?</a:t>
+            </a:r>
+          </a:p>
+          <a:p>
+            <a:pPr lvl="1">
+              <a:lnSpc>
+                <a:spcPct val="100000"/>
+              </a:lnSpc>
+              <a:spcBef>
+                <a:spcPts val="1200"/>
+              </a:spcBef>
+              <a:spcAft>
+                <a:spcPts val="0"/>
+              </a:spcAft>
+            </a:pPr>
+            <a:r>
+              <a:rPr lang="en-US"/>
+              <a:t>podríamos contar el número de inversiones en cada permuta-ción, luego sumar y finalmente dividir por </a:t>
+            </a:r>
+            <a:r>
+              <a:rPr lang="en-US" i="1"/>
+              <a:t>n</a:t>
+            </a:r>
+            <a:r>
+              <a:rPr lang="en-US"/>
+              <a:t>!</a:t>
+            </a:r>
+          </a:p>
+          <a:p>
+            <a:pPr>
+              <a:lnSpc>
+                <a:spcPct val="100000"/>
+              </a:lnSpc>
+              <a:spcBef>
+                <a:spcPts val="2400"/>
+              </a:spcBef>
+              <a:spcAft>
+                <a:spcPts val="0"/>
+              </a:spcAft>
+            </a:pPr>
+            <a:r>
+              <a:rPr lang="en-US"/>
+              <a:t>En vez de contar, sumar y dividir, observemos que</a:t>
+            </a:r>
+          </a:p>
+          <a:p>
+            <a:pPr>
+              <a:lnSpc>
+                <a:spcPct val="100000"/>
+              </a:lnSpc>
+              <a:spcBef>
+                <a:spcPts val="1800"/>
+              </a:spcBef>
+              <a:spcAft>
+                <a:spcPts val="0"/>
+              </a:spcAft>
+            </a:pPr>
+            <a:r>
+              <a:rPr lang="en-US"/>
+              <a:t>… para cualquier permutación </a:t>
+            </a:r>
+            <a:r>
+              <a:rPr lang="en-US" i="1"/>
+              <a:t>L</a:t>
+            </a:r>
+            <a:r>
+              <a:rPr lang="en-US"/>
+              <a:t>, consideremos la permu-tación inversa </a:t>
+            </a:r>
+            <a:r>
+              <a:rPr lang="en-US" i="1"/>
+              <a:t>Lr</a:t>
+            </a:r>
+            <a:r>
+              <a:rPr lang="en-US"/>
+              <a:t> (hay </a:t>
+            </a:r>
+            <a:r>
+              <a:rPr lang="en-US" i="1"/>
+              <a:t>n</a:t>
+            </a:r>
+            <a:r>
+              <a:rPr lang="en-US"/>
+              <a:t>!/2 parejas distintas de permuta-ciones definidas de esta manera):</a:t>
+            </a:r>
+          </a:p>
+          <a:p>
+            <a:pPr lvl="1">
+              <a:lnSpc>
+                <a:spcPct val="100000"/>
+              </a:lnSpc>
+              <a:spcBef>
+                <a:spcPts val="1200"/>
+              </a:spcBef>
+              <a:spcAft>
+                <a:spcPts val="0"/>
+              </a:spcAft>
+            </a:pPr>
+            <a:r>
+              <a:rPr lang="en-US"/>
+              <a:t>p.ej., si </a:t>
+            </a:r>
+            <a:r>
+              <a:rPr lang="en-US" i="1"/>
+              <a:t>n</a:t>
+            </a:r>
+            <a:r>
+              <a:rPr lang="en-US"/>
+              <a:t> = 10 y </a:t>
+            </a:r>
+            <a:r>
+              <a:rPr lang="en-US" i="1"/>
+              <a:t>L</a:t>
+            </a:r>
+            <a:r>
+              <a:rPr lang="en-US"/>
+              <a:t> = { 8, 1, 4, 9, 0, 3, 5, 2, 7, 6 }</a:t>
+            </a:r>
+          </a:p>
+          <a:p>
+            <a:pPr marL="400050" lvl="1" indent="0">
+              <a:lnSpc>
+                <a:spcPct val="100000"/>
+              </a:lnSpc>
+              <a:spcBef>
+                <a:spcPts val="1200"/>
+              </a:spcBef>
+              <a:spcAft>
+                <a:spcPts val="0"/>
+              </a:spcAft>
+              <a:buNone/>
+            </a:pPr>
+            <a:r>
+              <a:rPr lang="en-US"/>
+              <a:t>… entonces </a:t>
+            </a:r>
+            <a:r>
+              <a:rPr lang="en-US" i="1"/>
+              <a:t>Lr</a:t>
+            </a:r>
+            <a:r>
+              <a:rPr lang="en-US"/>
+              <a:t> = { 6, 7, 2, 5, 3, 0, 9, 4, 1, 8 }</a:t>
+            </a:r>
+          </a:p>
+        </p:txBody>
+      </p:sp>
+    </p:spTree>
+    <p:extLst>
+      <p:ext uri="{BB962C8B-B14F-4D97-AF65-F5344CB8AC3E}">
+        <p14:creationId xmlns:p14="http://schemas.microsoft.com/office/powerpoint/2010/main" val="3218124484"/>
       </p:ext>
     </p:extLst>
   </p:cSld>
@@ -13625,42 +13718,84 @@
           <a:p>
             <a:pPr>
               <a:lnSpc>
-                <a:spcPct val="125000"/>
+                <a:spcPct val="100000"/>
               </a:lnSpc>
               <a:spcBef>
                 <a:spcPts val="1800"/>
               </a:spcBef>
+              <a:spcAft>
+                <a:spcPts val="0"/>
+              </a:spcAft>
             </a:pPr>
             <a:r>
               <a:rPr lang="en-US"/>
-              <a:t>Para cualquier permutación </a:t>
+              <a:t>Tomemos cualquier par de elementos (</a:t>
             </a:r>
             <a:r>
               <a:rPr lang="en-US" i="1"/>
-              <a:t>L</a:t>
+              <a:t>x</a:t>
             </a:r>
             <a:r>
               <a:rPr lang="en-US"/>
-              <a:t>, consideremos la permuta-ción inversa </a:t>
+              <a:t>, </a:t>
             </a:r>
             <a:r>
               <a:rPr lang="en-US" i="1"/>
-              <a:t>Lr</a:t>
+              <a:t>y</a:t>
+            </a:r>
+            <a:r>
+              <a:rPr lang="en-US"/>
+              <a:t>), con </a:t>
+            </a:r>
+            <a:r>
+              <a:rPr lang="en-US" i="1"/>
+              <a:t>y</a:t>
+            </a:r>
+            <a:r>
+              <a:rPr lang="en-US"/>
+              <a:t> ≠ </a:t>
+            </a:r>
+            <a:r>
+              <a:rPr lang="en-US" i="1"/>
+              <a:t>x</a:t>
             </a:r>
             <a:endParaRPr lang="en-US"/>
           </a:p>
           <a:p>
             <a:pPr>
               <a:lnSpc>
-                <a:spcPct val="125000"/>
+                <a:spcPct val="100000"/>
               </a:lnSpc>
               <a:spcBef>
                 <a:spcPts val="1800"/>
               </a:spcBef>
+              <a:spcAft>
+                <a:spcPts val="0"/>
+              </a:spcAft>
             </a:pPr>
             <a:r>
+              <a:rPr lang="en-US" i="1"/>
+              <a:t>L</a:t>
+            </a:r>
+            <a:r>
               <a:rPr lang="en-US"/>
-              <a:t>Tomemos cualquier par de elementos (</a:t>
+              <a:t> y </a:t>
+            </a:r>
+            <a:r>
+              <a:rPr lang="en-US" i="1"/>
+              <a:t>Lr</a:t>
+            </a:r>
+            <a:r>
+              <a:rPr lang="en-US"/>
+              <a:t> tienen la propiedad de que en </a:t>
+            </a:r>
+            <a:r>
+              <a:rPr lang="en-US" b="1"/>
+              <a:t>exactamente una</a:t>
+            </a:r>
+            <a:r>
+              <a:rPr lang="en-US"/>
+              <a:t> de ellas el par ordenado de los índices de </a:t>
             </a:r>
             <a:r>
               <a:rPr lang="en-US" i="1"/>
@@ -13668,7 +13803,7 @@
             </a:r>
             <a:r>
               <a:rPr lang="en-US"/>
-              <a:t>, </a:t>
+              <a:t> y </a:t>
             </a:r>
             <a:r>
               <a:rPr lang="en-US" i="1"/>
@@ -13676,50 +13811,24 @@
             </a:r>
             <a:r>
               <a:rPr lang="en-US"/>
-              <a:t>) con </a:t>
-            </a:r>
-            <a:r>
-              <a:rPr lang="en-US" i="1"/>
-              <a:t>y</a:t>
-            </a:r>
-            <a:r>
-              <a:rPr lang="en-US"/>
-              <a:t> ≠ </a:t>
-            </a:r>
-            <a:r>
-              <a:rPr lang="en-US" i="1"/>
-              <a:t>x</a:t>
-            </a:r>
-            <a:endParaRPr lang="en-US"/>
-          </a:p>
-          <a:p>
-            <a:pPr>
+              <a:t> es una inversión:</a:t>
+            </a:r>
+          </a:p>
+          <a:p>
+            <a:pPr lvl="1">
               <a:lnSpc>
-                <a:spcPct val="125000"/>
+                <a:spcPct val="100000"/>
               </a:lnSpc>
               <a:spcBef>
                 <a:spcPts val="1800"/>
               </a:spcBef>
+              <a:spcAft>
+                <a:spcPts val="0"/>
+              </a:spcAft>
             </a:pPr>
             <a:r>
               <a:rPr lang="en-US"/>
-              <a:t>En exactamente una de </a:t>
-            </a:r>
-            <a:r>
-              <a:rPr lang="en-US" i="1"/>
-              <a:t>L</a:t>
-            </a:r>
-            <a:r>
-              <a:rPr lang="en-US"/>
-              <a:t> y </a:t>
-            </a:r>
-            <a:r>
-              <a:rPr lang="en-US" i="1"/>
-              <a:t>Lr</a:t>
-            </a:r>
-            <a:r>
-              <a:rPr lang="en-US"/>
-              <a:t> el par ordenado (de los índi-ces de </a:t>
+              <a:t>p.ej., si (</a:t>
             </a:r>
             <a:r>
               <a:rPr lang="en-US" i="1"/>
@@ -13727,7 +13836,7 @@
             </a:r>
             <a:r>
               <a:rPr lang="en-US"/>
-              <a:t> y </a:t>
+              <a:t>, </a:t>
             </a:r>
             <a:r>
               <a:rPr lang="en-US" i="1"/>
@@ -13735,21 +13844,33 @@
             </a:r>
             <a:r>
               <a:rPr lang="en-US"/>
-              <a:t>) representa una inversión</a:t>
-            </a:r>
-          </a:p>
-          <a:p>
-            <a:pPr>
+              <a:t>) = (9, 5), entonces el par de los índices es (3, 6), y</a:t>
+            </a:r>
+          </a:p>
+          <a:p>
+            <a:pPr marL="400050" lvl="1" indent="0">
               <a:lnSpc>
-                <a:spcPct val="125000"/>
+                <a:spcPct val="100000"/>
               </a:lnSpc>
               <a:spcBef>
                 <a:spcPts val="1800"/>
               </a:spcBef>
+              <a:spcAft>
+                <a:spcPts val="0"/>
+              </a:spcAft>
+              <a:buNone/>
             </a:pPr>
             <a:r>
               <a:rPr lang="en-US"/>
-              <a:t>El número total de estos pares en </a:t>
+              <a:t>… (3, 6) </a:t>
+            </a:r>
+            <a:r>
+              <a:rPr lang="en-US" b="1"/>
+              <a:t>es</a:t>
+            </a:r>
+            <a:r>
+              <a:rPr lang="en-US"/>
+              <a:t> una inversión en </a:t>
             </a:r>
             <a:r>
               <a:rPr lang="en-US" i="1"/>
@@ -13757,45 +13878,235 @@
             </a:r>
             <a:r>
               <a:rPr lang="en-US"/>
-              <a:t> más </a:t>
+              <a:t>, ya que 9 &gt; 5, pero </a:t>
+            </a:r>
+            <a:r>
+              <a:rPr lang="en-US" b="1"/>
+              <a:t>no</a:t>
+            </a:r>
+            <a:r>
+              <a:rPr lang="en-US"/>
+              <a:t> es una inversión en </a:t>
             </a:r>
             <a:r>
               <a:rPr lang="en-US" i="1"/>
               <a:t>Lr</a:t>
             </a:r>
-            <a:r>
-              <a:rPr lang="en-US"/>
-              <a:t> es </a:t>
-            </a:r>
-            <a:r>
-              <a:rPr lang="en-US" i="1"/>
-              <a:t>n</a:t>
-            </a:r>
-            <a:r>
-              <a:rPr lang="en-US"/>
-              <a:t>(</a:t>
-            </a:r>
-            <a:r>
-              <a:rPr lang="en-US" i="1"/>
-              <a:t>n</a:t>
-            </a:r>
-            <a:r>
-              <a:rPr lang="en-US"/>
-              <a:t>–1)/2</a:t>
-            </a:r>
-          </a:p>
-          <a:p>
-            <a:pPr>
+          </a:p>
+          <a:p>
+            <a:pPr lvl="1">
               <a:lnSpc>
-                <a:spcPct val="125000"/>
+                <a:spcPct val="100000"/>
               </a:lnSpc>
               <a:spcBef>
                 <a:spcPts val="1800"/>
               </a:spcBef>
+              <a:spcAft>
+                <a:spcPts val="0"/>
+              </a:spcAft>
             </a:pPr>
             <a:r>
               <a:rPr lang="en-US"/>
-              <a:t>… por lo que una permutación promedio tiene la mitad de esta cantidad: </a:t>
+              <a:t>p.ej., si (</a:t>
+            </a:r>
+            <a:r>
+              <a:rPr lang="en-US" i="1"/>
+              <a:t>x</a:t>
+            </a:r>
+            <a:r>
+              <a:rPr lang="en-US"/>
+              <a:t>, </a:t>
+            </a:r>
+            <a:r>
+              <a:rPr lang="en-US" i="1"/>
+              <a:t>y</a:t>
+            </a:r>
+            <a:r>
+              <a:rPr lang="en-US"/>
+              <a:t>) = (0, 7), entonces el par de los índices es (4, 8), y</a:t>
+            </a:r>
+          </a:p>
+          <a:p>
+            <a:pPr marL="400050" lvl="1" indent="0">
+              <a:lnSpc>
+                <a:spcPct val="100000"/>
+              </a:lnSpc>
+              <a:spcBef>
+                <a:spcPts val="1800"/>
+              </a:spcBef>
+              <a:spcAft>
+                <a:spcPts val="0"/>
+              </a:spcAft>
+              <a:buNone/>
+            </a:pPr>
+            <a:r>
+              <a:rPr lang="en-US"/>
+              <a:t>… (4, 8) </a:t>
+            </a:r>
+            <a:r>
+              <a:rPr lang="en-US" b="1"/>
+              <a:t>no</a:t>
+            </a:r>
+            <a:r>
+              <a:rPr lang="en-US"/>
+              <a:t> es una inversión en </a:t>
+            </a:r>
+            <a:r>
+              <a:rPr lang="en-US" i="1"/>
+              <a:t>L</a:t>
+            </a:r>
+            <a:r>
+              <a:rPr lang="en-US"/>
+              <a:t>, ya que 0 &lt; 7, pero </a:t>
+            </a:r>
+            <a:r>
+              <a:rPr lang="en-US" b="1"/>
+              <a:t>sí</a:t>
+            </a:r>
+            <a:r>
+              <a:rPr lang="en-US"/>
+              <a:t> es una inversión en </a:t>
+            </a:r>
+            <a:r>
+              <a:rPr lang="en-US" i="1"/>
+              <a:t>Lr</a:t>
+            </a:r>
+          </a:p>
+        </p:txBody>
+      </p:sp>
+    </p:spTree>
+    <p:extLst>
+      <p:ext uri="{BB962C8B-B14F-4D97-AF65-F5344CB8AC3E}">
+        <p14:creationId xmlns:p14="http://schemas.microsoft.com/office/powerpoint/2010/main" val="2943555664"/>
+      </p:ext>
+    </p:extLst>
+  </p:cSld>
+  <p:clrMapOvr>
+    <a:masterClrMapping/>
+  </p:clrMapOvr>
+</p:sld>
+</file>
+
+<file path=ppt/slides/slide38.xml><?xml version="1.0" encoding="utf-8"?>
+<p:sld xmlns:a="http://schemas.openxmlformats.org/drawingml/2006/main" xmlns:r="http://schemas.openxmlformats.org/officeDocument/2006/relationships" xmlns:p="http://schemas.openxmlformats.org/presentationml/2006/main">
+  <p:cSld>
+    <p:spTree>
+      <p:nvGrpSpPr>
+        <p:cNvPr id="1" name=""/>
+        <p:cNvGrpSpPr/>
+        <p:nvPr/>
+      </p:nvGrpSpPr>
+      <p:grpSpPr>
+        <a:xfrm>
+          <a:off x="0" y="0"/>
+          <a:ext cx="0" cy="0"/>
+          <a:chOff x="0" y="0"/>
+          <a:chExt cx="0" cy="0"/>
+        </a:xfrm>
+      </p:grpSpPr>
+      <p:sp>
+        <p:nvSpPr>
+          <p:cNvPr id="3" name="Content Placeholder 2">
+            <a:extLst>
+              <a:ext uri="{FF2B5EF4-FFF2-40B4-BE49-F238E27FC236}">
+                <a16:creationId xmlns:a16="http://schemas.microsoft.com/office/drawing/2014/main" id="{AF4B012A-6D02-4944-BEDC-668345A1DB4A}"/>
+              </a:ext>
+            </a:extLst>
+          </p:cNvPr>
+          <p:cNvSpPr>
+            <a:spLocks noGrp="1"/>
+          </p:cNvSpPr>
+          <p:nvPr>
+            <p:ph sz="quarter" idx="10"/>
+          </p:nvPr>
+        </p:nvSpPr>
+        <p:spPr/>
+        <p:txBody>
+          <a:bodyPr anchor="ctr">
+            <a:normAutofit/>
+          </a:bodyPr>
+          <a:lstStyle/>
+          <a:p>
+            <a:pPr>
+              <a:lnSpc>
+                <a:spcPct val="100000"/>
+              </a:lnSpc>
+              <a:spcBef>
+                <a:spcPts val="3600"/>
+              </a:spcBef>
+              <a:spcAft>
+                <a:spcPts val="0"/>
+              </a:spcAft>
+            </a:pPr>
+            <a:r>
+              <a:rPr lang="en-US"/>
+              <a:t>Es decir, un par de índices (</a:t>
+            </a:r>
+            <a:r>
+              <a:rPr lang="en-US" i="1"/>
+              <a:t>i</a:t>
+            </a:r>
+            <a:r>
+              <a:rPr lang="en-US"/>
+              <a:t>,</a:t>
+            </a:r>
+            <a:r>
+              <a:rPr lang="en-US" i="1"/>
+              <a:t>j</a:t>
+            </a:r>
+            <a:r>
+              <a:rPr lang="en-US"/>
+              <a:t>) es una inversión en </a:t>
+            </a:r>
+            <a:r>
+              <a:rPr lang="en-US" i="1"/>
+              <a:t>L</a:t>
+            </a:r>
+            <a:r>
+              <a:rPr lang="en-US"/>
+              <a:t> o es una inversión en </a:t>
+            </a:r>
+            <a:r>
+              <a:rPr lang="en-US" i="1"/>
+              <a:t>Lr</a:t>
+            </a:r>
+            <a:r>
+              <a:rPr lang="en-US"/>
+              <a:t> ( y no cabe otra posibilidad )</a:t>
+            </a:r>
+            <a:endParaRPr lang="en-US" i="1"/>
+          </a:p>
+          <a:p>
+            <a:pPr>
+              <a:lnSpc>
+                <a:spcPct val="100000"/>
+              </a:lnSpc>
+              <a:spcBef>
+                <a:spcPts val="3600"/>
+              </a:spcBef>
+              <a:spcAft>
+                <a:spcPts val="0"/>
+              </a:spcAft>
+            </a:pPr>
+            <a:r>
+              <a:rPr lang="en-US"/>
+              <a:t>… así, el número total de inversiones en </a:t>
+            </a:r>
+            <a:r>
+              <a:rPr lang="en-US" i="1"/>
+              <a:t>L</a:t>
+            </a:r>
+            <a:r>
+              <a:rPr lang="en-US"/>
+              <a:t> más el número total de inversiones en </a:t>
+            </a:r>
+            <a:r>
+              <a:rPr lang="en-US" i="1"/>
+              <a:t>Lr</a:t>
+            </a:r>
+            <a:r>
+              <a:rPr lang="en-US"/>
+              <a:t> debe ser igual al número total de pares posibles entre </a:t>
             </a:r>
             <a:r>
               <a:rPr lang="en-US" i="1"/>
@@ -13803,7 +14114,7 @@
             </a:r>
             <a:r>
               <a:rPr lang="en-US"/>
-              <a:t>(</a:t>
+              <a:t> datos: </a:t>
             </a:r>
             <a:r>
               <a:rPr lang="en-US" i="1"/>
@@ -13811,7 +14122,109 @@
             </a:r>
             <a:r>
               <a:rPr lang="en-US"/>
-              <a:t>–1)/4</a:t>
+              <a:t>(</a:t>
+            </a:r>
+            <a:r>
+              <a:rPr lang="en-US" i="1"/>
+              <a:t>n</a:t>
+            </a:r>
+            <a:r>
+              <a:rPr lang="en-US"/>
+              <a:t>–1)/2</a:t>
+            </a:r>
+          </a:p>
+          <a:p>
+            <a:pPr>
+              <a:lnSpc>
+                <a:spcPct val="100000"/>
+              </a:lnSpc>
+              <a:spcBef>
+                <a:spcPts val="3600"/>
+              </a:spcBef>
+              <a:spcAft>
+                <a:spcPts val="0"/>
+              </a:spcAft>
+            </a:pPr>
+            <a:r>
+              <a:rPr lang="en-US"/>
+              <a:t>Es decir, cada dos permutaciones —</a:t>
+            </a:r>
+            <a:r>
+              <a:rPr lang="en-US" i="1"/>
+              <a:t>L</a:t>
+            </a:r>
+            <a:r>
+              <a:rPr lang="en-US"/>
+              <a:t> y su respectiva </a:t>
+            </a:r>
+            <a:r>
+              <a:rPr lang="en-US" i="1"/>
+              <a:t>Lr</a:t>
+            </a:r>
+            <a:r>
+              <a:rPr lang="en-US"/>
+              <a:t>— el número de inversiones es exactamente </a:t>
+            </a:r>
+            <a:r>
+              <a:rPr lang="en-US" i="1"/>
+              <a:t>n</a:t>
+            </a:r>
+            <a:r>
+              <a:rPr lang="en-US"/>
+              <a:t>(</a:t>
+            </a:r>
+            <a:r>
+              <a:rPr lang="en-US" i="1"/>
+              <a:t>n</a:t>
+            </a:r>
+            <a:r>
+              <a:rPr lang="en-US"/>
+              <a:t>–1)/2</a:t>
+            </a:r>
+          </a:p>
+          <a:p>
+            <a:pPr>
+              <a:lnSpc>
+                <a:spcPct val="100000"/>
+              </a:lnSpc>
+              <a:spcBef>
+                <a:spcPts val="3600"/>
+              </a:spcBef>
+              <a:spcAft>
+                <a:spcPts val="0"/>
+              </a:spcAft>
+            </a:pPr>
+            <a:r>
+              <a:rPr lang="en-US"/>
+              <a:t>… por lo tanto, una permutación promedio tiene la mitad de esta cantidad de inversiones: </a:t>
+            </a:r>
+            <a:r>
+              <a:rPr lang="en-US" i="1"/>
+              <a:t>n</a:t>
+            </a:r>
+            <a:r>
+              <a:rPr lang="en-US"/>
+              <a:t>(</a:t>
+            </a:r>
+            <a:r>
+              <a:rPr lang="en-US" i="1"/>
+              <a:t>n</a:t>
+            </a:r>
+            <a:r>
+              <a:rPr lang="en-US"/>
+              <a:t>–1)/4 = O(</a:t>
+            </a:r>
+            <a:r>
+              <a:rPr lang="en-US" i="1"/>
+              <a:t>n</a:t>
+            </a:r>
+            <a:r>
+              <a:rPr lang="en-US" baseline="30000"/>
+              <a:t>2</a:t>
+            </a:r>
+            <a:r>
+              <a:rPr lang="en-US"/>
+              <a:t>)</a:t>
             </a:r>
           </a:p>
         </p:txBody>
@@ -13829,7 +14242,7 @@
 </p:sld>
 </file>
 
-<file path=ppt/slides/slide38.xml><?xml version="1.0" encoding="utf-8"?>
+<file path=ppt/slides/slide39.xml><?xml version="1.0" encoding="utf-8"?>
 <p:sld xmlns:a="http://schemas.openxmlformats.org/drawingml/2006/main" xmlns:r="http://schemas.openxmlformats.org/officeDocument/2006/relationships" xmlns:p="http://schemas.openxmlformats.org/presentationml/2006/main">
   <p:cSld>
     <p:spTree>
@@ -13909,16 +14322,29 @@
                 <p:ph idx="1"/>
               </p:nvPr>
             </p:nvSpPr>
-            <p:spPr/>
+            <p:spPr>
+              <a:xfrm>
+                <a:off x="251461" y="1287532"/>
+                <a:ext cx="8641076" cy="3241336"/>
+              </a:xfrm>
+            </p:spPr>
             <p:txBody>
               <a:bodyPr anchor="ctr">
-                <a:normAutofit fontScale="92500"/>
+                <a:normAutofit/>
               </a:bodyPr>
               <a:lstStyle/>
               <a:p>
                 <a:r>
                   <a:rPr lang="es-CL" dirty="0"/>
-                  <a:t>La cantidad de inversiones promedio es entonces </a:t>
+                  <a:t>La cantidad de inversiones promedio en un arreglo de </a:t>
+                </a:r>
+                <a:r>
+                  <a:rPr lang="es-CL" i="1" dirty="0"/>
+                  <a:t>n</a:t>
+                </a:r>
+                <a:r>
+                  <a:rPr lang="es-CL" dirty="0"/>
+                  <a:t> elementos distintos es </a:t>
                 </a:r>
                 <a14:m>
                   <m:oMath xmlns:m="http://schemas.openxmlformats.org/officeDocument/2006/math">
@@ -13969,12 +14395,12 @@
                 <a:endParaRPr lang="es-CL" dirty="0"/>
               </a:p>
               <a:p>
-                <a:endParaRPr lang="es-CL" dirty="0"/>
-              </a:p>
-              <a:p>
+                <a:pPr marL="0" indent="0">
+                  <a:buNone/>
+                </a:pPr>
                 <a:r>
                   <a:rPr lang="es-CL" dirty="0"/>
-                  <a:t>Eso significa que </a:t>
+                  <a:t>… por lo que </a:t>
                 </a:r>
                 <a:r>
                   <a:rPr lang="es-CL" i="1" dirty="0"/>
@@ -14048,74 +14474,20 @@
                 </a:r>
               </a:p>
               <a:p>
-                <a:endParaRPr lang="es-CL" dirty="0"/>
-              </a:p>
-              <a:p>
+                <a:pPr marL="0" indent="0">
+                  <a:buNone/>
+                </a:pPr>
                 <a:r>
                   <a:rPr lang="es-CL" dirty="0"/>
-                  <a:t>Si un algoritmo sólo resuelve una inversión por intercambio, </a:t>
-                </a:r>
-                <a:r>
-                  <a:rPr lang="es-CL" b="1" dirty="0"/>
-                  <a:t>no puede ordenar más rápido</a:t>
+                  <a:t>Ahora, más allá de </a:t>
+                </a:r>
+                <a:r>
+                  <a:rPr lang="es-CL" i="1" dirty="0"/>
+                  <a:t>insertion sort</a:t>
                 </a:r>
                 <a:r>
                   <a:rPr lang="es-CL" dirty="0"/>
-                  <a:t> que </a:t>
-                </a:r>
-                <a14:m>
-                  <m:oMath xmlns:m="http://schemas.openxmlformats.org/officeDocument/2006/math">
-                    <m:r>
-                      <a:rPr lang="es-CL" b="0" i="1" smtClean="0">
-                        <a:latin typeface="Cambria Math" panose="02040503050406030204" pitchFamily="18" charset="0"/>
-                      </a:rPr>
-                      <m:t>𝑂</m:t>
-                    </m:r>
-                    <m:d>
-                      <m:dPr>
-                        <m:ctrlPr>
-                          <a:rPr lang="es-CL" b="0" i="1" smtClean="0">
-                            <a:latin typeface="Cambria Math" panose="02040503050406030204" pitchFamily="18" charset="0"/>
-                          </a:rPr>
-                        </m:ctrlPr>
-                      </m:dPr>
-                      <m:e>
-                        <m:sSup>
-                          <m:sSupPr>
-                            <m:ctrlPr>
-                              <a:rPr lang="es-CL" b="0" i="1" smtClean="0">
-                                <a:latin typeface="Cambria Math" panose="02040503050406030204" pitchFamily="18" charset="0"/>
-                              </a:rPr>
-                            </m:ctrlPr>
-                          </m:sSupPr>
-                          <m:e>
-                            <m:r>
-                              <a:rPr lang="es-CL" b="0" i="1" smtClean="0">
-                                <a:latin typeface="Cambria Math" panose="02040503050406030204" pitchFamily="18" charset="0"/>
-                              </a:rPr>
-                              <m:t>𝑛</m:t>
-                            </m:r>
-                          </m:e>
-                          <m:sup>
-                            <m:r>
-                              <a:rPr lang="es-CL" b="0" i="1" smtClean="0">
-                                <a:latin typeface="Cambria Math" panose="02040503050406030204" pitchFamily="18" charset="0"/>
-                              </a:rPr>
-                              <m:t>2</m:t>
-                            </m:r>
-                          </m:sup>
-                        </m:sSup>
-                      </m:e>
-                    </m:d>
-                  </m:oMath>
-                </a14:m>
-                <a:r>
-                  <a:rPr lang="es-CL" i="1" dirty="0"/>
-                  <a:t> </a:t>
-                </a:r>
-                <a:r>
-                  <a:rPr lang="es-CL" dirty="0"/>
-                  <a:t>en promedio</a:t>
+                  <a:t> …</a:t>
                 </a:r>
               </a:p>
             </p:txBody>
@@ -14139,10 +14511,14 @@
               </p:nvPr>
             </p:nvSpPr>
             <p:spPr>
+              <a:xfrm>
+                <a:off x="251461" y="1287532"/>
+                <a:ext cx="8641076" cy="3241336"/>
+              </a:xfrm>
               <a:blipFill>
                 <a:blip r:embed="rId2"/>
                 <a:stretch>
-                  <a:fillRect l="-147"/>
+                  <a:fillRect l="-1468" b="-389"/>
                 </a:stretch>
               </a:blipFill>
             </p:spPr>
@@ -14161,8 +14537,8 @@
           </p:sp>
         </mc:Fallback>
       </mc:AlternateContent>
-      <mc:AlternateContent xmlns:mc="http://schemas.openxmlformats.org/markup-compatibility/2006" xmlns:a14="http://schemas.microsoft.com/office/drawing/2010/main">
-        <mc:Choice Requires="a14">
+      <mc:AlternateContent xmlns:mc="http://schemas.openxmlformats.org/markup-compatibility/2006">
+        <mc:Choice xmlns:a14="http://schemas.microsoft.com/office/drawing/2010/main" Requires="a14">
           <p:sp>
             <p:nvSpPr>
               <p:cNvPr id="4" name="Rectangle: Rounded Corners 3">
@@ -14206,7 +14582,7 @@
                 <a:pPr algn="ctr"/>
                 <a:r>
                   <a:rPr lang="es-CL" sz="2800" dirty="0"/>
-                  <a:t>Si un algoritmo sólo resuelve una inversión por intercambio, no puede ordenar más rápido que </a:t>
+                  <a:t>Si un algoritmo sólo corrige una inversión por intercambio, no puede ordenar más rápido que </a:t>
                 </a:r>
                 <a14:m>
                   <m:oMath xmlns:m="http://schemas.openxmlformats.org/officeDocument/2006/math">
@@ -14266,7 +14642,7 @@
             </p:txBody>
           </p:sp>
         </mc:Choice>
-        <mc:Fallback xmlns="">
+        <mc:Fallback>
           <p:sp>
             <p:nvSpPr>
               <p:cNvPr id="4" name="Rectangle: Rounded Corners 3">
@@ -14292,7 +14668,7 @@
               <a:blipFill>
                 <a:blip r:embed="rId3"/>
                 <a:stretch>
-                  <a:fillRect r="-699" b="-7787"/>
+                  <a:fillRect t="-847" r="-728" b="-6780"/>
                 </a:stretch>
               </a:blipFill>
               <a:ln w="76200" cmpd="dbl"/>
@@ -14302,7 +14678,7 @@
               <a:lstStyle/>
               <a:p>
                 <a:r>
-                  <a:rPr lang="es-CL">
+                  <a:rPr lang="en-US">
                     <a:noFill/>
                   </a:rPr>
                   <a:t> </a:t>
